--- a/ClassMaterials/Sorting/Slides/SortingAndSearching.pptx
+++ b/ClassMaterials/Sorting/Slides/SortingAndSearching.pptx
@@ -5,29 +5,32 @@
     <p:sldMasterId id="2147484485" r:id="rId1"/>
   </p:sldMasterIdLst>
   <p:notesMasterIdLst>
-    <p:notesMasterId r:id="rId19"/>
+    <p:notesMasterId r:id="rId22"/>
   </p:notesMasterIdLst>
   <p:handoutMasterIdLst>
-    <p:handoutMasterId r:id="rId20"/>
+    <p:handoutMasterId r:id="rId23"/>
   </p:handoutMasterIdLst>
   <p:sldIdLst>
     <p:sldId id="256" r:id="rId2"/>
     <p:sldId id="274" r:id="rId3"/>
     <p:sldId id="261" r:id="rId4"/>
-    <p:sldId id="259" r:id="rId5"/>
-    <p:sldId id="260" r:id="rId6"/>
-    <p:sldId id="262" r:id="rId7"/>
-    <p:sldId id="263" r:id="rId8"/>
+    <p:sldId id="278" r:id="rId5"/>
+    <p:sldId id="262" r:id="rId6"/>
+    <p:sldId id="280" r:id="rId7"/>
+    <p:sldId id="279" r:id="rId8"/>
     <p:sldId id="264" r:id="rId9"/>
     <p:sldId id="265" r:id="rId10"/>
-    <p:sldId id="266" r:id="rId11"/>
-    <p:sldId id="267" r:id="rId12"/>
-    <p:sldId id="269" r:id="rId13"/>
-    <p:sldId id="270" r:id="rId14"/>
-    <p:sldId id="271" r:id="rId15"/>
-    <p:sldId id="272" r:id="rId16"/>
-    <p:sldId id="273" r:id="rId17"/>
-    <p:sldId id="257" r:id="rId18"/>
+    <p:sldId id="276" r:id="rId11"/>
+    <p:sldId id="277" r:id="rId12"/>
+    <p:sldId id="275" r:id="rId13"/>
+    <p:sldId id="266" r:id="rId14"/>
+    <p:sldId id="267" r:id="rId15"/>
+    <p:sldId id="281" r:id="rId16"/>
+    <p:sldId id="270" r:id="rId17"/>
+    <p:sldId id="271" r:id="rId18"/>
+    <p:sldId id="272" r:id="rId19"/>
+    <p:sldId id="273" r:id="rId20"/>
+    <p:sldId id="257" r:id="rId21"/>
   </p:sldIdLst>
   <p:sldSz cx="9144000" cy="6858000" type="screen4x3"/>
   <p:notesSz cx="7010400" cy="9296400"/>
@@ -292,7 +295,7 @@
               <a:pPr>
                 <a:defRPr/>
               </a:pPr>
-              <a:t>5/10/16</a:t>
+              <a:t>10/31/2018</a:t>
             </a:fld>
             <a:endParaRPr lang="en-US"/>
           </a:p>
@@ -527,7 +530,7 @@
               <a:pPr>
                 <a:defRPr/>
               </a:pPr>
-              <a:t>5/10/16</a:t>
+              <a:t>10/31/2018</a:t>
             </a:fld>
             <a:endParaRPr lang="en-US"/>
           </a:p>
@@ -603,39 +606,37 @@
           <a:p>
             <a:pPr lvl="0"/>
             <a:r>
-              <a:rPr lang="en-US" noProof="0" smtClean="0"/>
+              <a:rPr lang="en-US" noProof="0"/>
               <a:t>Click to edit Master text styles</a:t>
             </a:r>
-            <a:endParaRPr lang="en-US" noProof="0"/>
           </a:p>
           <a:p>
             <a:pPr lvl="1"/>
             <a:r>
-              <a:rPr lang="en-US" noProof="0" smtClean="0"/>
+              <a:rPr lang="en-US" noProof="0"/>
               <a:t>Second level</a:t>
             </a:r>
           </a:p>
           <a:p>
             <a:pPr lvl="2"/>
             <a:r>
-              <a:rPr lang="en-US" noProof="0" smtClean="0"/>
+              <a:rPr lang="en-US" noProof="0"/>
               <a:t>Third level</a:t>
             </a:r>
           </a:p>
           <a:p>
             <a:pPr lvl="3"/>
             <a:r>
-              <a:rPr lang="en-US" noProof="0" smtClean="0"/>
+              <a:rPr lang="en-US" noProof="0"/>
               <a:t>Fourth level</a:t>
             </a:r>
           </a:p>
           <a:p>
             <a:pPr lvl="4"/>
             <a:r>
-              <a:rPr lang="en-US" noProof="0" smtClean="0"/>
+              <a:rPr lang="en-US" noProof="0"/>
               <a:t>Fifth level</a:t>
             </a:r>
-            <a:endParaRPr lang="en-US" noProof="0"/>
           </a:p>
         </p:txBody>
       </p:sp>
@@ -948,19 +949,19 @@
               <a:defRPr/>
             </a:pPr>
             <a:r>
-              <a:rPr lang="en-US" dirty="0" smtClean="0"/>
+              <a:rPr lang="en-US" dirty="0"/>
               <a:t>Bring</a:t>
             </a:r>
             <a:r>
-              <a:rPr lang="en-US" baseline="0" dirty="0" smtClean="0"/>
+              <a:rPr lang="en-US" baseline="0" dirty="0"/>
               <a:t> </a:t>
             </a:r>
             <a:r>
-              <a:rPr lang="en-US" dirty="0" smtClean="0"/>
+              <a:rPr lang="en-US" dirty="0"/>
               <a:t>a few playing cards</a:t>
             </a:r>
             <a:r>
-              <a:rPr lang="en-US" baseline="0" dirty="0" smtClean="0"/>
+              <a:rPr lang="en-US" baseline="0" dirty="0"/>
               <a:t> or preferably BIG LETTERS or BIG NUMBERS.</a:t>
             </a:r>
           </a:p>
@@ -982,7 +983,7 @@
               <a:tabLst/>
               <a:defRPr/>
             </a:pPr>
-            <a:endParaRPr lang="en-US" baseline="0" dirty="0" smtClean="0"/>
+            <a:endParaRPr lang="en-US" baseline="0" dirty="0"/>
           </a:p>
           <a:p>
             <a:pPr marL="0" marR="0" indent="0" algn="l" defTabSz="914400" rtl="0" eaLnBrk="1" fontAlgn="base" latinLnBrk="0" hangingPunct="1">
@@ -1003,15 +1004,15 @@
               <a:defRPr/>
             </a:pPr>
             <a:r>
-              <a:rPr lang="en-US" baseline="0" dirty="0" smtClean="0"/>
+              <a:rPr lang="en-US" baseline="0" dirty="0"/>
               <a:t>Bring a copy of the yellow pages. Make sure the page numbers on the “</a:t>
             </a:r>
             <a:r>
-              <a:rPr lang="en-US" b="1" baseline="0" dirty="0" smtClean="0"/>
+              <a:rPr lang="en-US" b="1" baseline="0" dirty="0"/>
               <a:t>Searching</a:t>
             </a:r>
             <a:r>
-              <a:rPr lang="en-US" baseline="0" dirty="0" smtClean="0"/>
+              <a:rPr lang="en-US" baseline="0" dirty="0"/>
               <a:t>” slide are correct.</a:t>
             </a:r>
           </a:p>
@@ -1021,7 +1022,7 @@
                 <a:spcPct val="0"/>
               </a:spcBef>
             </a:pPr>
-            <a:endParaRPr lang="en-US" dirty="0" smtClean="0"/>
+            <a:endParaRPr lang="en-US" dirty="0"/>
           </a:p>
         </p:txBody>
       </p:sp>
@@ -1047,7 +1048,7 @@
               <a:pPr/>
               <a:t>1</a:t>
             </a:fld>
-            <a:endParaRPr lang="en-US" smtClean="0"/>
+            <a:endParaRPr lang="en-US"/>
           </a:p>
         </p:txBody>
       </p:sp>
@@ -1083,9 +1084,9 @@
       </p:grpSpPr>
       <p:sp>
         <p:nvSpPr>
-          <p:cNvPr id="60418" name="Rectangle 2"/>
-          <p:cNvSpPr>
-            <a:spLocks noGrp="1" noRot="1" noChangeAspect="1"/>
+          <p:cNvPr id="33794" name="Slide Image Placeholder 1"/>
+          <p:cNvSpPr>
+            <a:spLocks noGrp="1" noRot="1" noChangeAspect="1" noTextEdit="1"/>
           </p:cNvSpPr>
           <p:nvPr>
             <p:ph type="sldImg"/>
@@ -1105,7 +1106,7 @@
       </p:sp>
       <p:sp>
         <p:nvSpPr>
-          <p:cNvPr id="60419" name="Rectangle 3"/>
+          <p:cNvPr id="33795" name="Notes Placeholder 2"/>
           <p:cNvSpPr>
             <a:spLocks noGrp="1"/>
           </p:cNvSpPr>
@@ -1121,14 +1122,72 @@
           <a:bodyPr/>
           <a:lstStyle/>
           <a:p>
-            <a:endParaRPr lang="en-US" smtClean="0"/>
+            <a:r>
+              <a:rPr lang="en-US" dirty="0"/>
+              <a:t>- Remember </a:t>
+            </a:r>
+            <a:r>
+              <a:rPr lang="en-US" dirty="0" err="1"/>
+              <a:t>Shlemiel</a:t>
+            </a:r>
+            <a:r>
+              <a:rPr lang="en-US" dirty="0"/>
+              <a:t>.  His technique worked well for small inputs (i.e., short roads), but got worse and worse.</a:t>
+            </a:r>
+          </a:p>
+          <a:p>
+            <a:r>
+              <a:rPr lang="en-US" dirty="0"/>
+              <a:t>Handy fact is animated.  Note that we can derive the fact for even n by working outside in.</a:t>
+            </a:r>
+          </a:p>
+          <a:p>
+            <a:endParaRPr lang="en-US" dirty="0"/>
+          </a:p>
+          <a:p>
+            <a:r>
+              <a:rPr lang="en-US" dirty="0"/>
+              <a:t>Have them work on Q2-6.  Solve Q7 together on board.</a:t>
+            </a:r>
+          </a:p>
+          <a:p>
+            <a:r>
+              <a:rPr lang="en-US" dirty="0"/>
+              <a:t>After solving, ask: For very large n, what term of solution matters most? What term grows fastest? Do the other terms contribute much to the growth of the function?</a:t>
+            </a:r>
+          </a:p>
+        </p:txBody>
+      </p:sp>
+      <p:sp>
+        <p:nvSpPr>
+          <p:cNvPr id="33796" name="Slide Number Placeholder 3"/>
+          <p:cNvSpPr>
+            <a:spLocks noGrp="1"/>
+          </p:cNvSpPr>
+          <p:nvPr>
+            <p:ph type="sldNum" sz="quarter" idx="5"/>
+          </p:nvPr>
+        </p:nvSpPr>
+        <p:spPr>
+          <a:noFill/>
+        </p:spPr>
+        <p:txBody>
+          <a:bodyPr/>
+          <a:lstStyle/>
+          <a:p>
+            <a:fld id="{D86FAE90-DB18-47D7-940A-B7F65A7F4AD1}" type="slidenum">
+              <a:rPr lang="en-US" smtClean="0"/>
+              <a:pPr/>
+              <a:t>10</a:t>
+            </a:fld>
+            <a:endParaRPr lang="en-US"/>
           </a:p>
         </p:txBody>
       </p:sp>
     </p:spTree>
     <p:extLst>
       <p:ext uri="{BB962C8B-B14F-4D97-AF65-F5344CB8AC3E}">
-        <p14:creationId xmlns:p14="http://schemas.microsoft.com/office/powerpoint/2010/main" val="323674089"/>
+        <p14:creationId xmlns:p14="http://schemas.microsoft.com/office/powerpoint/2010/main" val="3602666545"/>
       </p:ext>
     </p:extLst>
   </p:cSld>
@@ -1157,7 +1216,7 @@
       </p:grpSpPr>
       <p:sp>
         <p:nvSpPr>
-          <p:cNvPr id="34818" name="Slide Image Placeholder 1"/>
+          <p:cNvPr id="33794" name="Slide Image Placeholder 1"/>
           <p:cNvSpPr>
             <a:spLocks noGrp="1" noRot="1" noChangeAspect="1" noTextEdit="1"/>
           </p:cNvSpPr>
@@ -1179,7 +1238,7 @@
       </p:sp>
       <p:sp>
         <p:nvSpPr>
-          <p:cNvPr id="34819" name="Notes Placeholder 2"/>
+          <p:cNvPr id="33795" name="Notes Placeholder 2"/>
           <p:cNvSpPr>
             <a:spLocks noGrp="1"/>
           </p:cNvSpPr>
@@ -1195,16 +1254,13 @@
           <a:bodyPr/>
           <a:lstStyle/>
           <a:p>
-            <a:r>
-              <a:rPr lang="en-US" smtClean="0"/>
-              <a:t>Work out c and n0 for each of the examples on the quiz.</a:t>
-            </a:r>
-          </a:p>
-        </p:txBody>
-      </p:sp>
-      <p:sp>
-        <p:nvSpPr>
-          <p:cNvPr id="34820" name="Slide Number Placeholder 3"/>
+            <a:endParaRPr lang="en-US" dirty="0"/>
+          </a:p>
+        </p:txBody>
+      </p:sp>
+      <p:sp>
+        <p:nvSpPr>
+          <p:cNvPr id="33796" name="Slide Number Placeholder 3"/>
           <p:cNvSpPr>
             <a:spLocks noGrp="1"/>
           </p:cNvSpPr>
@@ -1219,19 +1275,19 @@
           <a:bodyPr/>
           <a:lstStyle/>
           <a:p>
-            <a:fld id="{E23E2C73-63C6-4FCF-828B-C7ABA99140E4}" type="slidenum">
+            <a:fld id="{D86FAE90-DB18-47D7-940A-B7F65A7F4AD1}" type="slidenum">
               <a:rPr lang="en-US" smtClean="0"/>
               <a:pPr/>
               <a:t>11</a:t>
             </a:fld>
-            <a:endParaRPr lang="en-US" smtClean="0"/>
+            <a:endParaRPr lang="en-US"/>
           </a:p>
         </p:txBody>
       </p:sp>
     </p:spTree>
     <p:extLst>
       <p:ext uri="{BB962C8B-B14F-4D97-AF65-F5344CB8AC3E}">
-        <p14:creationId xmlns:p14="http://schemas.microsoft.com/office/powerpoint/2010/main" val="414335972"/>
+        <p14:creationId xmlns:p14="http://schemas.microsoft.com/office/powerpoint/2010/main" val="618210999"/>
       </p:ext>
     </p:extLst>
   </p:cSld>
@@ -1260,7 +1316,7 @@
       </p:grpSpPr>
       <p:sp>
         <p:nvSpPr>
-          <p:cNvPr id="35842" name="Slide Image Placeholder 1"/>
+          <p:cNvPr id="33794" name="Slide Image Placeholder 1"/>
           <p:cNvSpPr>
             <a:spLocks noGrp="1" noRot="1" noChangeAspect="1" noTextEdit="1"/>
           </p:cNvSpPr>
@@ -1282,7 +1338,7 @@
       </p:sp>
       <p:sp>
         <p:nvSpPr>
-          <p:cNvPr id="35843" name="Notes Placeholder 2"/>
+          <p:cNvPr id="33795" name="Notes Placeholder 2"/>
           <p:cNvSpPr>
             <a:spLocks noGrp="1"/>
           </p:cNvSpPr>
@@ -1298,82 +1354,13 @@
           <a:bodyPr/>
           <a:lstStyle/>
           <a:p>
-            <a:r>
-              <a:rPr lang="en-US" dirty="0" smtClean="0"/>
-              <a:t>[Review algorithm using cards</a:t>
-            </a:r>
-            <a:r>
-              <a:rPr lang="en-US" baseline="0" dirty="0" smtClean="0"/>
-              <a:t> or BIG LETTERS</a:t>
-            </a:r>
-            <a:r>
-              <a:rPr lang="en-US" baseline="0" dirty="0" smtClean="0"/>
-              <a:t>]</a:t>
-            </a:r>
-          </a:p>
-          <a:p>
-            <a:endParaRPr lang="en-US" baseline="0" dirty="0" smtClean="0"/>
-          </a:p>
-          <a:p>
-            <a:r>
-              <a:rPr lang="en-US" baseline="0" dirty="0" smtClean="0"/>
-              <a:t>Takeaways:</a:t>
-            </a:r>
-          </a:p>
-          <a:p>
-            <a:pPr marL="171450" indent="-171450">
-              <a:buFont typeface="Courier New" charset="0"/>
-              <a:buChar char="o"/>
-            </a:pPr>
-            <a:r>
-              <a:rPr lang="en-US" baseline="0" dirty="0" smtClean="0"/>
-              <a:t>First item in the array is in the sorted part.</a:t>
-            </a:r>
-          </a:p>
-          <a:p>
-            <a:pPr marL="171450" indent="-171450">
-              <a:buFont typeface="Courier New" charset="0"/>
-              <a:buChar char="o"/>
-            </a:pPr>
-            <a:r>
-              <a:rPr lang="en-US" baseline="0" dirty="0" smtClean="0"/>
-              <a:t>start iterating over the unsorted part from index 1</a:t>
-            </a:r>
-          </a:p>
-          <a:p>
-            <a:pPr marL="171450" indent="-171450">
-              <a:buFont typeface="Courier New" charset="0"/>
-              <a:buChar char="o"/>
-            </a:pPr>
-            <a:r>
-              <a:rPr lang="en-US" baseline="0" dirty="0" smtClean="0"/>
-              <a:t>Bubble </a:t>
-            </a:r>
-            <a:r>
-              <a:rPr lang="en-US" baseline="0" smtClean="0"/>
-              <a:t>elements up from </a:t>
-            </a:r>
-            <a:r>
-              <a:rPr lang="en-US" baseline="0" dirty="0" smtClean="0"/>
-              <a:t>sorted part to make room for next element in unsorted part.</a:t>
-            </a:r>
-          </a:p>
-          <a:p>
-            <a:pPr marL="171450" indent="-171450">
-              <a:buFont typeface="Courier New" charset="0"/>
-              <a:buChar char="o"/>
-            </a:pPr>
-            <a:r>
-              <a:rPr lang="en-US" baseline="0" dirty="0" smtClean="0"/>
-              <a:t>Put that element at rightful location in sorted part.</a:t>
-            </a:r>
-            <a:endParaRPr lang="en-US" dirty="0" smtClean="0"/>
-          </a:p>
-        </p:txBody>
-      </p:sp>
-      <p:sp>
-        <p:nvSpPr>
-          <p:cNvPr id="35844" name="Slide Number Placeholder 3"/>
+            <a:endParaRPr lang="en-US" dirty="0"/>
+          </a:p>
+        </p:txBody>
+      </p:sp>
+      <p:sp>
+        <p:nvSpPr>
+          <p:cNvPr id="33796" name="Slide Number Placeholder 3"/>
           <p:cNvSpPr>
             <a:spLocks noGrp="1"/>
           </p:cNvSpPr>
@@ -1388,19 +1375,19 @@
           <a:bodyPr/>
           <a:lstStyle/>
           <a:p>
-            <a:fld id="{13886DFF-996D-41AE-AF31-9A66E4DAA4C8}" type="slidenum">
+            <a:fld id="{D86FAE90-DB18-47D7-940A-B7F65A7F4AD1}" type="slidenum">
               <a:rPr lang="en-US" smtClean="0"/>
               <a:pPr/>
               <a:t>12</a:t>
             </a:fld>
-            <a:endParaRPr lang="en-US" smtClean="0"/>
+            <a:endParaRPr lang="en-US"/>
           </a:p>
         </p:txBody>
       </p:sp>
     </p:spTree>
     <p:extLst>
       <p:ext uri="{BB962C8B-B14F-4D97-AF65-F5344CB8AC3E}">
-        <p14:creationId xmlns:p14="http://schemas.microsoft.com/office/powerpoint/2010/main" val="1602697830"/>
+        <p14:creationId xmlns:p14="http://schemas.microsoft.com/office/powerpoint/2010/main" val="2872706889"/>
       </p:ext>
     </p:extLst>
   </p:cSld>
@@ -1429,7 +1416,7 @@
       </p:grpSpPr>
       <p:sp>
         <p:nvSpPr>
-          <p:cNvPr id="62466" name="Rectangle 2"/>
+          <p:cNvPr id="60418" name="Rectangle 2"/>
           <p:cNvSpPr>
             <a:spLocks noGrp="1" noRot="1" noChangeAspect="1"/>
           </p:cNvSpPr>
@@ -1451,7 +1438,7 @@
       </p:sp>
       <p:sp>
         <p:nvSpPr>
-          <p:cNvPr id="62467" name="Rectangle 3"/>
+          <p:cNvPr id="60419" name="Rectangle 3"/>
           <p:cNvSpPr>
             <a:spLocks noGrp="1"/>
           </p:cNvSpPr>
@@ -1467,14 +1454,14 @@
           <a:bodyPr/>
           <a:lstStyle/>
           <a:p>
-            <a:endParaRPr lang="en-US" smtClean="0"/>
+            <a:endParaRPr lang="en-US"/>
           </a:p>
         </p:txBody>
       </p:sp>
     </p:spTree>
     <p:extLst>
       <p:ext uri="{BB962C8B-B14F-4D97-AF65-F5344CB8AC3E}">
-        <p14:creationId xmlns:p14="http://schemas.microsoft.com/office/powerpoint/2010/main" val="655044489"/>
+        <p14:creationId xmlns:p14="http://schemas.microsoft.com/office/powerpoint/2010/main" val="323674089"/>
       </p:ext>
     </p:extLst>
   </p:cSld>
@@ -1503,7 +1490,7 @@
       </p:grpSpPr>
       <p:sp>
         <p:nvSpPr>
-          <p:cNvPr id="36866" name="Slide Image Placeholder 1"/>
+          <p:cNvPr id="34818" name="Slide Image Placeholder 1"/>
           <p:cNvSpPr>
             <a:spLocks noGrp="1" noRot="1" noChangeAspect="1" noTextEdit="1"/>
           </p:cNvSpPr>
@@ -1525,7 +1512,7 @@
       </p:sp>
       <p:sp>
         <p:nvSpPr>
-          <p:cNvPr id="36867" name="Notes Placeholder 2"/>
+          <p:cNvPr id="34819" name="Notes Placeholder 2"/>
           <p:cNvSpPr>
             <a:spLocks noGrp="1"/>
           </p:cNvSpPr>
@@ -1542,79 +1529,15 @@
           <a:lstStyle/>
           <a:p>
             <a:r>
-              <a:rPr lang="en-US" dirty="0" smtClean="0"/>
-              <a:t>BEFORE animating any bullets:</a:t>
-            </a:r>
-          </a:p>
-          <a:p>
-            <a:r>
-              <a:rPr lang="en-US" dirty="0" smtClean="0"/>
-              <a:t>	Ask student</a:t>
-            </a:r>
-            <a:r>
-              <a:rPr lang="en-US" baseline="0" dirty="0" smtClean="0"/>
-              <a:t> to find China Express’s number; time them. (You may need to hint that they go to the restaurant section… they don’t understand phone books </a:t>
-            </a:r>
-            <a:r>
-              <a:rPr lang="en-US" baseline="0" dirty="0" smtClean="0">
-                <a:sym typeface="Wingdings" panose="05000000000000000000" pitchFamily="2" charset="2"/>
-              </a:rPr>
-              <a:t> )</a:t>
-            </a:r>
-            <a:endParaRPr lang="en-US" baseline="0" dirty="0" smtClean="0"/>
-          </a:p>
-          <a:p>
-            <a:r>
-              <a:rPr lang="en-US" baseline="0" dirty="0" smtClean="0"/>
-              <a:t>	Ask if anyone thinks they can beat that time. (page 337 of yellow book 2008-2009 phone book)</a:t>
-            </a:r>
-          </a:p>
-          <a:p>
-            <a:r>
-              <a:rPr lang="en-US" baseline="0" dirty="0" smtClean="0"/>
-              <a:t>	Ask them to find who has the number 208-2063.</a:t>
-            </a:r>
-          </a:p>
-          <a:p>
-            <a:r>
-              <a:rPr lang="en-US" dirty="0" smtClean="0"/>
-              <a:t>	</a:t>
-            </a:r>
-            <a:r>
-              <a:rPr lang="en-US" baseline="0" dirty="0" smtClean="0"/>
-              <a:t>208-2063  </a:t>
-            </a:r>
-            <a:r>
-              <a:rPr lang="en-US" dirty="0" smtClean="0"/>
-              <a:t>is Precision</a:t>
-            </a:r>
-            <a:r>
-              <a:rPr lang="en-US" baseline="0" dirty="0" smtClean="0"/>
-              <a:t> Lawn Plus (page 252 of yellow book 2008-2009 phone book)</a:t>
-            </a:r>
-            <a:endParaRPr lang="en-US" dirty="0" smtClean="0"/>
-          </a:p>
-          <a:p>
-            <a:r>
-              <a:rPr lang="en-US" dirty="0" smtClean="0"/>
-              <a:t>Then build by major bullet</a:t>
-            </a:r>
-          </a:p>
-          <a:p>
-            <a:endParaRPr lang="en-US" dirty="0" smtClean="0"/>
-          </a:p>
-          <a:p>
-            <a:r>
-              <a:rPr lang="en-US" smtClean="0"/>
-              <a:t>- n, for n items</a:t>
-            </a:r>
-            <a:endParaRPr lang="en-US" dirty="0" smtClean="0"/>
-          </a:p>
-        </p:txBody>
-      </p:sp>
-      <p:sp>
-        <p:nvSpPr>
-          <p:cNvPr id="36868" name="Slide Number Placeholder 3"/>
+              <a:rPr lang="en-US"/>
+              <a:t>Work out c and n0 for each of the examples on the quiz.</a:t>
+            </a:r>
+          </a:p>
+        </p:txBody>
+      </p:sp>
+      <p:sp>
+        <p:nvSpPr>
+          <p:cNvPr id="34820" name="Slide Number Placeholder 3"/>
           <p:cNvSpPr>
             <a:spLocks noGrp="1"/>
           </p:cNvSpPr>
@@ -1629,19 +1552,19 @@
           <a:bodyPr/>
           <a:lstStyle/>
           <a:p>
-            <a:fld id="{1CAB54A6-6D8B-4F15-92AE-823480FEDC1E}" type="slidenum">
+            <a:fld id="{E23E2C73-63C6-4FCF-828B-C7ABA99140E4}" type="slidenum">
               <a:rPr lang="en-US" smtClean="0"/>
               <a:pPr/>
               <a:t>14</a:t>
             </a:fld>
-            <a:endParaRPr lang="en-US" smtClean="0"/>
+            <a:endParaRPr lang="en-US"/>
           </a:p>
         </p:txBody>
       </p:sp>
     </p:spTree>
     <p:extLst>
       <p:ext uri="{BB962C8B-B14F-4D97-AF65-F5344CB8AC3E}">
-        <p14:creationId xmlns:p14="http://schemas.microsoft.com/office/powerpoint/2010/main" val="1331552101"/>
+        <p14:creationId xmlns:p14="http://schemas.microsoft.com/office/powerpoint/2010/main" val="414335972"/>
       </p:ext>
     </p:extLst>
   </p:cSld>
@@ -1670,7 +1593,7 @@
       </p:grpSpPr>
       <p:sp>
         <p:nvSpPr>
-          <p:cNvPr id="37890" name="Slide Image Placeholder 1"/>
+          <p:cNvPr id="35842" name="Slide Image Placeholder 1"/>
           <p:cNvSpPr>
             <a:spLocks noGrp="1" noRot="1" noChangeAspect="1" noTextEdit="1"/>
           </p:cNvSpPr>
@@ -1692,7 +1615,7 @@
       </p:sp>
       <p:sp>
         <p:nvSpPr>
-          <p:cNvPr id="37891" name="Notes Placeholder 2"/>
+          <p:cNvPr id="35843" name="Notes Placeholder 2"/>
           <p:cNvSpPr>
             <a:spLocks noGrp="1"/>
           </p:cNvSpPr>
@@ -1709,15 +1632,77 @@
           <a:lstStyle/>
           <a:p>
             <a:r>
-              <a:rPr lang="en-US" smtClean="0"/>
-              <a:t>Look at code for binary search.</a:t>
-            </a:r>
-          </a:p>
-        </p:txBody>
-      </p:sp>
-      <p:sp>
-        <p:nvSpPr>
-          <p:cNvPr id="37892" name="Slide Number Placeholder 3"/>
+              <a:rPr lang="en-US" dirty="0"/>
+              <a:t>[Review algorithm using cards</a:t>
+            </a:r>
+            <a:r>
+              <a:rPr lang="en-US" baseline="0" dirty="0"/>
+              <a:t> or BIG LETTERS]</a:t>
+            </a:r>
+          </a:p>
+          <a:p>
+            <a:endParaRPr lang="en-US" baseline="0" dirty="0"/>
+          </a:p>
+          <a:p>
+            <a:r>
+              <a:rPr lang="en-US" baseline="0" dirty="0"/>
+              <a:t>Takeaways:</a:t>
+            </a:r>
+          </a:p>
+          <a:p>
+            <a:pPr marL="171450" indent="-171450">
+              <a:buFont typeface="Courier New" charset="0"/>
+              <a:buChar char="o"/>
+            </a:pPr>
+            <a:r>
+              <a:rPr lang="en-US" baseline="0" dirty="0"/>
+              <a:t>First item in the array is in the sorted part.</a:t>
+            </a:r>
+          </a:p>
+          <a:p>
+            <a:pPr marL="171450" indent="-171450">
+              <a:buFont typeface="Courier New" charset="0"/>
+              <a:buChar char="o"/>
+            </a:pPr>
+            <a:r>
+              <a:rPr lang="en-US" baseline="0" dirty="0"/>
+              <a:t>start iterating over the unsorted part from index 1</a:t>
+            </a:r>
+          </a:p>
+          <a:p>
+            <a:pPr marL="171450" indent="-171450">
+              <a:buFont typeface="Courier New" charset="0"/>
+              <a:buChar char="o"/>
+            </a:pPr>
+            <a:r>
+              <a:rPr lang="en-US" baseline="0" dirty="0"/>
+              <a:t>Bubble </a:t>
+            </a:r>
+            <a:r>
+              <a:rPr lang="en-US" baseline="0"/>
+              <a:t>elements up from </a:t>
+            </a:r>
+            <a:r>
+              <a:rPr lang="en-US" baseline="0" dirty="0"/>
+              <a:t>sorted part to make room for next element in unsorted part.</a:t>
+            </a:r>
+          </a:p>
+          <a:p>
+            <a:pPr marL="171450" indent="-171450">
+              <a:buFont typeface="Courier New" charset="0"/>
+              <a:buChar char="o"/>
+            </a:pPr>
+            <a:r>
+              <a:rPr lang="en-US" baseline="0" dirty="0"/>
+              <a:t>Put that element at rightful location in sorted part.</a:t>
+            </a:r>
+            <a:endParaRPr lang="en-US" dirty="0"/>
+          </a:p>
+        </p:txBody>
+      </p:sp>
+      <p:sp>
+        <p:nvSpPr>
+          <p:cNvPr id="35844" name="Slide Number Placeholder 3"/>
           <p:cNvSpPr>
             <a:spLocks noGrp="1"/>
           </p:cNvSpPr>
@@ -1732,19 +1717,19 @@
           <a:bodyPr/>
           <a:lstStyle/>
           <a:p>
-            <a:fld id="{828D8EB1-E62A-4F41-8DB6-9A6ECA7F01BD}" type="slidenum">
+            <a:fld id="{13886DFF-996D-41AE-AF31-9A66E4DAA4C8}" type="slidenum">
               <a:rPr lang="en-US" smtClean="0"/>
               <a:pPr/>
               <a:t>15</a:t>
             </a:fld>
-            <a:endParaRPr lang="en-US" smtClean="0"/>
+            <a:endParaRPr lang="en-US"/>
           </a:p>
         </p:txBody>
       </p:sp>
     </p:spTree>
     <p:extLst>
       <p:ext uri="{BB962C8B-B14F-4D97-AF65-F5344CB8AC3E}">
-        <p14:creationId xmlns:p14="http://schemas.microsoft.com/office/powerpoint/2010/main" val="469076120"/>
+        <p14:creationId xmlns:p14="http://schemas.microsoft.com/office/powerpoint/2010/main" val="4221413953"/>
       </p:ext>
     </p:extLst>
   </p:cSld>
@@ -1773,9 +1758,9 @@
       </p:grpSpPr>
       <p:sp>
         <p:nvSpPr>
-          <p:cNvPr id="38914" name="Slide Image Placeholder 1"/>
-          <p:cNvSpPr>
-            <a:spLocks noGrp="1" noRot="1" noChangeAspect="1" noTextEdit="1"/>
+          <p:cNvPr id="62466" name="Rectangle 2"/>
+          <p:cNvSpPr>
+            <a:spLocks noGrp="1" noRot="1" noChangeAspect="1"/>
           </p:cNvSpPr>
           <p:nvPr>
             <p:ph type="sldImg"/>
@@ -1795,7 +1780,7 @@
       </p:sp>
       <p:sp>
         <p:nvSpPr>
-          <p:cNvPr id="38915" name="Notes Placeholder 2"/>
+          <p:cNvPr id="62467" name="Rectangle 3"/>
           <p:cNvSpPr>
             <a:spLocks noGrp="1"/>
           </p:cNvSpPr>
@@ -1811,43 +1796,14 @@
           <a:bodyPr/>
           <a:lstStyle/>
           <a:p>
-            <a:r>
-              <a:rPr lang="en-US" dirty="0" smtClean="0"/>
-              <a:t>Solve Q19 together</a:t>
-            </a:r>
-          </a:p>
-        </p:txBody>
-      </p:sp>
-      <p:sp>
-        <p:nvSpPr>
-          <p:cNvPr id="38916" name="Slide Number Placeholder 3"/>
-          <p:cNvSpPr>
-            <a:spLocks noGrp="1"/>
-          </p:cNvSpPr>
-          <p:nvPr>
-            <p:ph type="sldNum" sz="quarter" idx="5"/>
-          </p:nvPr>
-        </p:nvSpPr>
-        <p:spPr>
-          <a:noFill/>
-        </p:spPr>
-        <p:txBody>
-          <a:bodyPr/>
-          <a:lstStyle/>
-          <a:p>
-            <a:fld id="{ACC5BD96-9452-419E-B7A6-9575083A73C8}" type="slidenum">
-              <a:rPr lang="en-US" smtClean="0"/>
-              <a:pPr/>
-              <a:t>16</a:t>
-            </a:fld>
-            <a:endParaRPr lang="en-US" smtClean="0"/>
+            <a:endParaRPr lang="en-US"/>
           </a:p>
         </p:txBody>
       </p:sp>
     </p:spTree>
     <p:extLst>
       <p:ext uri="{BB962C8B-B14F-4D97-AF65-F5344CB8AC3E}">
-        <p14:creationId xmlns:p14="http://schemas.microsoft.com/office/powerpoint/2010/main" val="349880703"/>
+        <p14:creationId xmlns:p14="http://schemas.microsoft.com/office/powerpoint/2010/main" val="655044489"/>
       </p:ext>
     </p:extLst>
   </p:cSld>
@@ -1876,7 +1832,7 @@
       </p:grpSpPr>
       <p:sp>
         <p:nvSpPr>
-          <p:cNvPr id="39938" name="Slide Image Placeholder 1"/>
+          <p:cNvPr id="36866" name="Slide Image Placeholder 1"/>
           <p:cNvSpPr>
             <a:spLocks noGrp="1" noRot="1" noChangeAspect="1" noTextEdit="1"/>
           </p:cNvSpPr>
@@ -1898,7 +1854,7 @@
       </p:sp>
       <p:sp>
         <p:nvSpPr>
-          <p:cNvPr id="39939" name="Notes Placeholder 2"/>
+          <p:cNvPr id="36867" name="Notes Placeholder 2"/>
           <p:cNvSpPr>
             <a:spLocks noGrp="1"/>
           </p:cNvSpPr>
@@ -1914,13 +1870,80 @@
           <a:bodyPr/>
           <a:lstStyle/>
           <a:p>
-            <a:endParaRPr lang="en-US" dirty="0" smtClean="0"/>
-          </a:p>
-        </p:txBody>
-      </p:sp>
-      <p:sp>
-        <p:nvSpPr>
-          <p:cNvPr id="39940" name="Slide Number Placeholder 3"/>
+            <a:r>
+              <a:rPr lang="en-US" dirty="0"/>
+              <a:t>BEFORE animating any bullets:</a:t>
+            </a:r>
+          </a:p>
+          <a:p>
+            <a:r>
+              <a:rPr lang="en-US" dirty="0"/>
+              <a:t>	Ask student</a:t>
+            </a:r>
+            <a:r>
+              <a:rPr lang="en-US" baseline="0" dirty="0"/>
+              <a:t> to find China Express’s number; time them. (You may need to hint that they go to the restaurant section… they don’t understand phone books </a:t>
+            </a:r>
+            <a:r>
+              <a:rPr lang="en-US" baseline="0" dirty="0">
+                <a:sym typeface="Wingdings" panose="05000000000000000000" pitchFamily="2" charset="2"/>
+              </a:rPr>
+              <a:t> )</a:t>
+            </a:r>
+            <a:endParaRPr lang="en-US" baseline="0" dirty="0"/>
+          </a:p>
+          <a:p>
+            <a:r>
+              <a:rPr lang="en-US" baseline="0" dirty="0"/>
+              <a:t>	Ask if anyone thinks they can beat that time. (page 337 of yellow book 2008-2009 phone book)</a:t>
+            </a:r>
+          </a:p>
+          <a:p>
+            <a:r>
+              <a:rPr lang="en-US" baseline="0" dirty="0"/>
+              <a:t>	Ask them to find who has the number 208-2063.</a:t>
+            </a:r>
+          </a:p>
+          <a:p>
+            <a:r>
+              <a:rPr lang="en-US" dirty="0"/>
+              <a:t>	</a:t>
+            </a:r>
+            <a:r>
+              <a:rPr lang="en-US" baseline="0" dirty="0"/>
+              <a:t>208-2063  </a:t>
+            </a:r>
+            <a:r>
+              <a:rPr lang="en-US" dirty="0"/>
+              <a:t>is Precision</a:t>
+            </a:r>
+            <a:r>
+              <a:rPr lang="en-US" baseline="0" dirty="0"/>
+              <a:t> Lawn Plus (page 252 of yellow book 2008-2009 phone book)</a:t>
+            </a:r>
+            <a:endParaRPr lang="en-US" dirty="0"/>
+          </a:p>
+          <a:p>
+            <a:r>
+              <a:rPr lang="en-US" dirty="0"/>
+              <a:t>Then build by major bullet</a:t>
+            </a:r>
+          </a:p>
+          <a:p>
+            <a:endParaRPr lang="en-US" dirty="0"/>
+          </a:p>
+          <a:p>
+            <a:r>
+              <a:rPr lang="en-US"/>
+              <a:t>- n, for n items</a:t>
+            </a:r>
+            <a:endParaRPr lang="en-US" dirty="0"/>
+          </a:p>
+        </p:txBody>
+      </p:sp>
+      <p:sp>
+        <p:nvSpPr>
+          <p:cNvPr id="36868" name="Slide Number Placeholder 3"/>
           <p:cNvSpPr>
             <a:spLocks noGrp="1"/>
           </p:cNvSpPr>
@@ -1935,19 +1958,225 @@
           <a:bodyPr/>
           <a:lstStyle/>
           <a:p>
-            <a:fld id="{00B3E3CB-DDDF-49E9-ADDA-08BE21B86C48}" type="slidenum">
+            <a:fld id="{1CAB54A6-6D8B-4F15-92AE-823480FEDC1E}" type="slidenum">
               <a:rPr lang="en-US" smtClean="0"/>
               <a:pPr/>
               <a:t>17</a:t>
             </a:fld>
-            <a:endParaRPr lang="en-US" smtClean="0"/>
+            <a:endParaRPr lang="en-US"/>
           </a:p>
         </p:txBody>
       </p:sp>
     </p:spTree>
     <p:extLst>
       <p:ext uri="{BB962C8B-B14F-4D97-AF65-F5344CB8AC3E}">
-        <p14:creationId xmlns:p14="http://schemas.microsoft.com/office/powerpoint/2010/main" val="634749835"/>
+        <p14:creationId xmlns:p14="http://schemas.microsoft.com/office/powerpoint/2010/main" val="1331552101"/>
+      </p:ext>
+    </p:extLst>
+  </p:cSld>
+  <p:clrMapOvr>
+    <a:masterClrMapping/>
+  </p:clrMapOvr>
+</p:notes>
+</file>
+
+<file path=ppt/notesSlides/notesSlide18.xml><?xml version="1.0" encoding="utf-8"?>
+<p:notes xmlns:a="http://schemas.openxmlformats.org/drawingml/2006/main" xmlns:r="http://schemas.openxmlformats.org/officeDocument/2006/relationships" xmlns:p="http://schemas.openxmlformats.org/presentationml/2006/main">
+  <p:cSld>
+    <p:spTree>
+      <p:nvGrpSpPr>
+        <p:cNvPr id="1" name=""/>
+        <p:cNvGrpSpPr/>
+        <p:nvPr/>
+      </p:nvGrpSpPr>
+      <p:grpSpPr>
+        <a:xfrm>
+          <a:off x="0" y="0"/>
+          <a:ext cx="0" cy="0"/>
+          <a:chOff x="0" y="0"/>
+          <a:chExt cx="0" cy="0"/>
+        </a:xfrm>
+      </p:grpSpPr>
+      <p:sp>
+        <p:nvSpPr>
+          <p:cNvPr id="37890" name="Slide Image Placeholder 1"/>
+          <p:cNvSpPr>
+            <a:spLocks noGrp="1" noRot="1" noChangeAspect="1" noTextEdit="1"/>
+          </p:cNvSpPr>
+          <p:nvPr>
+            <p:ph type="sldImg"/>
+          </p:nvPr>
+        </p:nvSpPr>
+        <p:spPr bwMode="auto">
+          <a:noFill/>
+          <a:ln>
+            <a:solidFill>
+              <a:srgbClr val="000000"/>
+            </a:solidFill>
+            <a:miter lim="800000"/>
+            <a:headEnd/>
+            <a:tailEnd/>
+          </a:ln>
+        </p:spPr>
+      </p:sp>
+      <p:sp>
+        <p:nvSpPr>
+          <p:cNvPr id="37891" name="Notes Placeholder 2"/>
+          <p:cNvSpPr>
+            <a:spLocks noGrp="1"/>
+          </p:cNvSpPr>
+          <p:nvPr>
+            <p:ph type="body" idx="1"/>
+          </p:nvPr>
+        </p:nvSpPr>
+        <p:spPr>
+          <a:noFill/>
+          <a:ln/>
+        </p:spPr>
+        <p:txBody>
+          <a:bodyPr/>
+          <a:lstStyle/>
+          <a:p>
+            <a:r>
+              <a:rPr lang="en-US"/>
+              <a:t>Look at code for binary search.</a:t>
+            </a:r>
+          </a:p>
+        </p:txBody>
+      </p:sp>
+      <p:sp>
+        <p:nvSpPr>
+          <p:cNvPr id="37892" name="Slide Number Placeholder 3"/>
+          <p:cNvSpPr>
+            <a:spLocks noGrp="1"/>
+          </p:cNvSpPr>
+          <p:nvPr>
+            <p:ph type="sldNum" sz="quarter" idx="5"/>
+          </p:nvPr>
+        </p:nvSpPr>
+        <p:spPr>
+          <a:noFill/>
+        </p:spPr>
+        <p:txBody>
+          <a:bodyPr/>
+          <a:lstStyle/>
+          <a:p>
+            <a:fld id="{828D8EB1-E62A-4F41-8DB6-9A6ECA7F01BD}" type="slidenum">
+              <a:rPr lang="en-US" smtClean="0"/>
+              <a:pPr/>
+              <a:t>18</a:t>
+            </a:fld>
+            <a:endParaRPr lang="en-US"/>
+          </a:p>
+        </p:txBody>
+      </p:sp>
+    </p:spTree>
+    <p:extLst>
+      <p:ext uri="{BB962C8B-B14F-4D97-AF65-F5344CB8AC3E}">
+        <p14:creationId xmlns:p14="http://schemas.microsoft.com/office/powerpoint/2010/main" val="469076120"/>
+      </p:ext>
+    </p:extLst>
+  </p:cSld>
+  <p:clrMapOvr>
+    <a:masterClrMapping/>
+  </p:clrMapOvr>
+</p:notes>
+</file>
+
+<file path=ppt/notesSlides/notesSlide19.xml><?xml version="1.0" encoding="utf-8"?>
+<p:notes xmlns:a="http://schemas.openxmlformats.org/drawingml/2006/main" xmlns:r="http://schemas.openxmlformats.org/officeDocument/2006/relationships" xmlns:p="http://schemas.openxmlformats.org/presentationml/2006/main">
+  <p:cSld>
+    <p:spTree>
+      <p:nvGrpSpPr>
+        <p:cNvPr id="1" name=""/>
+        <p:cNvGrpSpPr/>
+        <p:nvPr/>
+      </p:nvGrpSpPr>
+      <p:grpSpPr>
+        <a:xfrm>
+          <a:off x="0" y="0"/>
+          <a:ext cx="0" cy="0"/>
+          <a:chOff x="0" y="0"/>
+          <a:chExt cx="0" cy="0"/>
+        </a:xfrm>
+      </p:grpSpPr>
+      <p:sp>
+        <p:nvSpPr>
+          <p:cNvPr id="38914" name="Slide Image Placeholder 1"/>
+          <p:cNvSpPr>
+            <a:spLocks noGrp="1" noRot="1" noChangeAspect="1" noTextEdit="1"/>
+          </p:cNvSpPr>
+          <p:nvPr>
+            <p:ph type="sldImg"/>
+          </p:nvPr>
+        </p:nvSpPr>
+        <p:spPr bwMode="auto">
+          <a:noFill/>
+          <a:ln>
+            <a:solidFill>
+              <a:srgbClr val="000000"/>
+            </a:solidFill>
+            <a:miter lim="800000"/>
+            <a:headEnd/>
+            <a:tailEnd/>
+          </a:ln>
+        </p:spPr>
+      </p:sp>
+      <p:sp>
+        <p:nvSpPr>
+          <p:cNvPr id="38915" name="Notes Placeholder 2"/>
+          <p:cNvSpPr>
+            <a:spLocks noGrp="1"/>
+          </p:cNvSpPr>
+          <p:nvPr>
+            <p:ph type="body" idx="1"/>
+          </p:nvPr>
+        </p:nvSpPr>
+        <p:spPr>
+          <a:noFill/>
+          <a:ln/>
+        </p:spPr>
+        <p:txBody>
+          <a:bodyPr/>
+          <a:lstStyle/>
+          <a:p>
+            <a:r>
+              <a:rPr lang="en-US" dirty="0"/>
+              <a:t>Solve Q19 together</a:t>
+            </a:r>
+          </a:p>
+        </p:txBody>
+      </p:sp>
+      <p:sp>
+        <p:nvSpPr>
+          <p:cNvPr id="38916" name="Slide Number Placeholder 3"/>
+          <p:cNvSpPr>
+            <a:spLocks noGrp="1"/>
+          </p:cNvSpPr>
+          <p:nvPr>
+            <p:ph type="sldNum" sz="quarter" idx="5"/>
+          </p:nvPr>
+        </p:nvSpPr>
+        <p:spPr>
+          <a:noFill/>
+        </p:spPr>
+        <p:txBody>
+          <a:bodyPr/>
+          <a:lstStyle/>
+          <a:p>
+            <a:fld id="{ACC5BD96-9452-419E-B7A6-9575083A73C8}" type="slidenum">
+              <a:rPr lang="en-US" smtClean="0"/>
+              <a:pPr/>
+              <a:t>19</a:t>
+            </a:fld>
+            <a:endParaRPr lang="en-US"/>
+          </a:p>
+        </p:txBody>
+      </p:sp>
+    </p:spTree>
+    <p:extLst>
+      <p:ext uri="{BB962C8B-B14F-4D97-AF65-F5344CB8AC3E}">
+        <p14:creationId xmlns:p14="http://schemas.microsoft.com/office/powerpoint/2010/main" val="349880703"/>
       </p:ext>
     </p:extLst>
   </p:cSld>
@@ -2014,7 +2243,7 @@
           <a:bodyPr/>
           <a:lstStyle/>
           <a:p>
-            <a:endParaRPr lang="en-US" smtClean="0"/>
+            <a:endParaRPr lang="en-US"/>
           </a:p>
         </p:txBody>
       </p:sp>
@@ -2042,7 +2271,7 @@
               <a:pPr/>
               <a:t>2</a:t>
             </a:fld>
-            <a:endParaRPr lang="en-US" smtClean="0">
+            <a:endParaRPr lang="en-US">
               <a:latin typeface="Calibri" pitchFamily="-106" charset="0"/>
             </a:endParaRPr>
           </a:p>
@@ -2052,6 +2281,106 @@
     <p:extLst>
       <p:ext uri="{BB962C8B-B14F-4D97-AF65-F5344CB8AC3E}">
         <p14:creationId xmlns:p14="http://schemas.microsoft.com/office/powerpoint/2010/main" val="1100610337"/>
+      </p:ext>
+    </p:extLst>
+  </p:cSld>
+  <p:clrMapOvr>
+    <a:masterClrMapping/>
+  </p:clrMapOvr>
+</p:notes>
+</file>
+
+<file path=ppt/notesSlides/notesSlide20.xml><?xml version="1.0" encoding="utf-8"?>
+<p:notes xmlns:a="http://schemas.openxmlformats.org/drawingml/2006/main" xmlns:r="http://schemas.openxmlformats.org/officeDocument/2006/relationships" xmlns:p="http://schemas.openxmlformats.org/presentationml/2006/main">
+  <p:cSld>
+    <p:spTree>
+      <p:nvGrpSpPr>
+        <p:cNvPr id="1" name=""/>
+        <p:cNvGrpSpPr/>
+        <p:nvPr/>
+      </p:nvGrpSpPr>
+      <p:grpSpPr>
+        <a:xfrm>
+          <a:off x="0" y="0"/>
+          <a:ext cx="0" cy="0"/>
+          <a:chOff x="0" y="0"/>
+          <a:chExt cx="0" cy="0"/>
+        </a:xfrm>
+      </p:grpSpPr>
+      <p:sp>
+        <p:nvSpPr>
+          <p:cNvPr id="39938" name="Slide Image Placeholder 1"/>
+          <p:cNvSpPr>
+            <a:spLocks noGrp="1" noRot="1" noChangeAspect="1" noTextEdit="1"/>
+          </p:cNvSpPr>
+          <p:nvPr>
+            <p:ph type="sldImg"/>
+          </p:nvPr>
+        </p:nvSpPr>
+        <p:spPr bwMode="auto">
+          <a:noFill/>
+          <a:ln>
+            <a:solidFill>
+              <a:srgbClr val="000000"/>
+            </a:solidFill>
+            <a:miter lim="800000"/>
+            <a:headEnd/>
+            <a:tailEnd/>
+          </a:ln>
+        </p:spPr>
+      </p:sp>
+      <p:sp>
+        <p:nvSpPr>
+          <p:cNvPr id="39939" name="Notes Placeholder 2"/>
+          <p:cNvSpPr>
+            <a:spLocks noGrp="1"/>
+          </p:cNvSpPr>
+          <p:nvPr>
+            <p:ph type="body" idx="1"/>
+          </p:nvPr>
+        </p:nvSpPr>
+        <p:spPr>
+          <a:noFill/>
+          <a:ln/>
+        </p:spPr>
+        <p:txBody>
+          <a:bodyPr/>
+          <a:lstStyle/>
+          <a:p>
+            <a:endParaRPr lang="en-US" dirty="0"/>
+          </a:p>
+        </p:txBody>
+      </p:sp>
+      <p:sp>
+        <p:nvSpPr>
+          <p:cNvPr id="39940" name="Slide Number Placeholder 3"/>
+          <p:cNvSpPr>
+            <a:spLocks noGrp="1"/>
+          </p:cNvSpPr>
+          <p:nvPr>
+            <p:ph type="sldNum" sz="quarter" idx="5"/>
+          </p:nvPr>
+        </p:nvSpPr>
+        <p:spPr>
+          <a:noFill/>
+        </p:spPr>
+        <p:txBody>
+          <a:bodyPr/>
+          <a:lstStyle/>
+          <a:p>
+            <a:fld id="{00B3E3CB-DDDF-49E9-ADDA-08BE21B86C48}" type="slidenum">
+              <a:rPr lang="en-US" smtClean="0"/>
+              <a:pPr/>
+              <a:t>20</a:t>
+            </a:fld>
+            <a:endParaRPr lang="en-US"/>
+          </a:p>
+        </p:txBody>
+      </p:sp>
+    </p:spTree>
+    <p:extLst>
+      <p:ext uri="{BB962C8B-B14F-4D97-AF65-F5344CB8AC3E}">
+        <p14:creationId xmlns:p14="http://schemas.microsoft.com/office/powerpoint/2010/main" val="634749835"/>
       </p:ext>
     </p:extLst>
   </p:cSld>
@@ -2118,27 +2447,27 @@
           <a:bodyPr/>
           <a:lstStyle/>
           <a:p>
-            <a:endParaRPr lang="en-US" dirty="0" smtClean="0"/>
-          </a:p>
-          <a:p>
-            <a:r>
-              <a:rPr lang="en-US" dirty="0" smtClean="0"/>
+            <a:endParaRPr lang="en-US" dirty="0"/>
+          </a:p>
+          <a:p>
+            <a:r>
+              <a:rPr lang="en-US" dirty="0"/>
               <a:t>Odd</a:t>
             </a:r>
             <a:r>
-              <a:rPr lang="en-US" baseline="0" dirty="0" smtClean="0"/>
+              <a:rPr lang="en-US" baseline="0" dirty="0"/>
               <a:t> term, "sorting".  Knuth:  He was sort of out of sorts from sorting that sort of data.</a:t>
             </a:r>
           </a:p>
           <a:p>
-            <a:endParaRPr lang="en-US" baseline="0" dirty="0" smtClean="0"/>
-          </a:p>
-          <a:p>
-            <a:r>
-              <a:rPr lang="en-US" baseline="0" dirty="0" smtClean="0"/>
+            <a:endParaRPr lang="en-US" baseline="0" dirty="0"/>
+          </a:p>
+          <a:p>
+            <a:r>
+              <a:rPr lang="en-US" baseline="0" dirty="0"/>
               <a:t>                                        My boss ordered me to order a new tape drive so we can order our data several orders of magnitude faster.</a:t>
             </a:r>
-            <a:endParaRPr lang="en-US" dirty="0" smtClean="0"/>
+            <a:endParaRPr lang="en-US" dirty="0"/>
           </a:p>
         </p:txBody>
       </p:sp>
@@ -2164,7 +2493,7 @@
               <a:pPr/>
               <a:t>3</a:t>
             </a:fld>
-            <a:endParaRPr lang="en-US" smtClean="0"/>
+            <a:endParaRPr lang="en-US"/>
           </a:p>
         </p:txBody>
       </p:sp>
@@ -2239,7 +2568,7 @@
           <a:lstStyle/>
           <a:p>
             <a:r>
-              <a:rPr lang="en-US" smtClean="0"/>
+              <a:rPr lang="en-US"/>
               <a:t>[see story on next hidden slide]</a:t>
             </a:r>
           </a:p>
@@ -2267,14 +2596,14 @@
               <a:pPr/>
               <a:t>4</a:t>
             </a:fld>
-            <a:endParaRPr lang="en-US" smtClean="0"/>
+            <a:endParaRPr lang="en-US"/>
           </a:p>
         </p:txBody>
       </p:sp>
     </p:spTree>
     <p:extLst>
       <p:ext uri="{BB962C8B-B14F-4D97-AF65-F5344CB8AC3E}">
-        <p14:creationId xmlns:p14="http://schemas.microsoft.com/office/powerpoint/2010/main" val="722595610"/>
+        <p14:creationId xmlns:p14="http://schemas.microsoft.com/office/powerpoint/2010/main" val="822628636"/>
       </p:ext>
     </p:extLst>
   </p:cSld>
@@ -2303,7 +2632,7 @@
       </p:grpSpPr>
       <p:sp>
         <p:nvSpPr>
-          <p:cNvPr id="58370" name="Rectangle 2"/>
+          <p:cNvPr id="59394" name="Rectangle 2"/>
           <p:cNvSpPr>
             <a:spLocks noGrp="1" noRot="1" noChangeAspect="1"/>
           </p:cNvSpPr>
@@ -2325,7 +2654,7 @@
       </p:sp>
       <p:sp>
         <p:nvSpPr>
-          <p:cNvPr id="58371" name="Rectangle 3"/>
+          <p:cNvPr id="59395" name="Rectangle 3"/>
           <p:cNvSpPr>
             <a:spLocks noGrp="1"/>
           </p:cNvSpPr>
@@ -2341,14 +2670,14 @@
           <a:bodyPr/>
           <a:lstStyle/>
           <a:p>
-            <a:endParaRPr lang="en-US" dirty="0" smtClean="0"/>
+            <a:endParaRPr lang="en-US"/>
           </a:p>
         </p:txBody>
       </p:sp>
     </p:spTree>
     <p:extLst>
       <p:ext uri="{BB962C8B-B14F-4D97-AF65-F5344CB8AC3E}">
-        <p14:creationId xmlns:p14="http://schemas.microsoft.com/office/powerpoint/2010/main" val="644393485"/>
+        <p14:creationId xmlns:p14="http://schemas.microsoft.com/office/powerpoint/2010/main" val="561270574"/>
       </p:ext>
     </p:extLst>
   </p:cSld>
@@ -2415,14 +2744,14 @@
           <a:bodyPr/>
           <a:lstStyle/>
           <a:p>
-            <a:endParaRPr lang="en-US" smtClean="0"/>
+            <a:endParaRPr lang="en-US"/>
           </a:p>
         </p:txBody>
       </p:sp>
     </p:spTree>
     <p:extLst>
       <p:ext uri="{BB962C8B-B14F-4D97-AF65-F5344CB8AC3E}">
-        <p14:creationId xmlns:p14="http://schemas.microsoft.com/office/powerpoint/2010/main" val="561270574"/>
+        <p14:creationId xmlns:p14="http://schemas.microsoft.com/office/powerpoint/2010/main" val="3794607785"/>
       </p:ext>
     </p:extLst>
   </p:cSld>
@@ -2490,45 +2819,41 @@
           <a:lstStyle/>
           <a:p>
             <a:r>
-              <a:rPr lang="en-US" dirty="0" smtClean="0"/>
+              <a:rPr lang="en-US" dirty="0"/>
               <a:t>Review algorithm with a few of the cards</a:t>
             </a:r>
             <a:r>
-              <a:rPr lang="en-US" baseline="0" dirty="0" smtClean="0"/>
+              <a:rPr lang="en-US" baseline="0" dirty="0"/>
               <a:t> or preferably the BIG LETTERS or big numbers</a:t>
             </a:r>
           </a:p>
           <a:p>
             <a:r>
-              <a:rPr lang="en-US" baseline="0" dirty="0" smtClean="0"/>
+              <a:rPr lang="en-US" baseline="0" dirty="0"/>
               <a:t> </a:t>
             </a:r>
-            <a:endParaRPr lang="en-US" dirty="0" smtClean="0"/>
-          </a:p>
-          <a:p>
-            <a:r>
-              <a:rPr lang="en-US" dirty="0" smtClean="0"/>
+            <a:endParaRPr lang="en-US" dirty="0"/>
+          </a:p>
+          <a:p>
+            <a:r>
+              <a:rPr lang="en-US" dirty="0"/>
               <a:t>Look at </a:t>
             </a:r>
             <a:r>
-              <a:rPr lang="en-US" dirty="0" err="1" smtClean="0"/>
+              <a:rPr lang="en-US" dirty="0" err="1"/>
               <a:t>sortAndSearch.SelectionSort</a:t>
             </a:r>
             <a:r>
-              <a:rPr lang="en-US" dirty="0" smtClean="0"/>
-              <a:t>(), briefly explain use of generic methods</a:t>
-            </a:r>
-            <a:r>
-              <a:rPr lang="en-US" dirty="0" smtClean="0"/>
-              <a:t>.</a:t>
-            </a:r>
-          </a:p>
-          <a:p>
-            <a:endParaRPr lang="en-US" dirty="0" smtClean="0"/>
-          </a:p>
-          <a:p>
-            <a:r>
-              <a:rPr lang="en-US" dirty="0" smtClean="0"/>
+              <a:rPr lang="en-US" dirty="0"/>
+              <a:t>(), briefly explain use of generic methods.</a:t>
+            </a:r>
+          </a:p>
+          <a:p>
+            <a:endParaRPr lang="en-US" dirty="0"/>
+          </a:p>
+          <a:p>
+            <a:r>
+              <a:rPr lang="en-US" dirty="0"/>
               <a:t>Takeaways:</a:t>
             </a:r>
           </a:p>
@@ -2538,22 +2863,22 @@
               <a:buChar char="o"/>
             </a:pPr>
             <a:r>
-              <a:rPr lang="en-US" dirty="0" smtClean="0"/>
+              <a:rPr lang="en-US" dirty="0"/>
               <a:t>Start iterating from index</a:t>
             </a:r>
             <a:r>
-              <a:rPr lang="en-US" baseline="0" dirty="0" smtClean="0"/>
+              <a:rPr lang="en-US" baseline="0" dirty="0"/>
               <a:t> 0 (</a:t>
             </a:r>
             <a:r>
-              <a:rPr lang="en-US" baseline="0" dirty="0" err="1" smtClean="0"/>
+              <a:rPr lang="en-US" baseline="0" dirty="0" err="1"/>
               <a:t>firstUnsortedIndex</a:t>
             </a:r>
             <a:r>
-              <a:rPr lang="en-US" baseline="0" dirty="0" smtClean="0"/>
+              <a:rPr lang="en-US" baseline="0" dirty="0"/>
               <a:t>)</a:t>
             </a:r>
-            <a:endParaRPr lang="en-US" dirty="0" smtClean="0"/>
+            <a:endParaRPr lang="en-US" dirty="0"/>
           </a:p>
           <a:p>
             <a:pPr marL="171450" indent="-171450">
@@ -2561,11 +2886,11 @@
               <a:buChar char="o"/>
             </a:pPr>
             <a:r>
-              <a:rPr lang="en-US" dirty="0" smtClean="0"/>
+              <a:rPr lang="en-US" dirty="0"/>
               <a:t>Smallest</a:t>
             </a:r>
             <a:r>
-              <a:rPr lang="en-US" baseline="0" dirty="0" smtClean="0"/>
+              <a:rPr lang="en-US" baseline="0" dirty="0"/>
               <a:t> remaining starts with value at index 0;</a:t>
             </a:r>
           </a:p>
@@ -2575,20 +2900,20 @@
               <a:buChar char="o"/>
             </a:pPr>
             <a:r>
-              <a:rPr lang="en-US" baseline="0" dirty="0" smtClean="0"/>
+              <a:rPr lang="en-US" baseline="0" dirty="0"/>
               <a:t>When smallest remaining element is found, swap with value at index from outer loop (</a:t>
             </a:r>
             <a:r>
-              <a:rPr lang="en-US" baseline="0" dirty="0" err="1" smtClean="0"/>
+              <a:rPr lang="en-US" baseline="0" dirty="0" err="1"/>
               <a:t>firstUnsortedIndex</a:t>
             </a:r>
             <a:r>
-              <a:rPr lang="en-US" baseline="0" dirty="0" smtClean="0"/>
+              <a:rPr lang="en-US" baseline="0" dirty="0"/>
               <a:t>).</a:t>
             </a:r>
           </a:p>
           <a:p>
-            <a:endParaRPr lang="en-US" dirty="0" smtClean="0"/>
+            <a:endParaRPr lang="en-US" dirty="0"/>
           </a:p>
         </p:txBody>
       </p:sp>
@@ -2614,14 +2939,14 @@
               <a:pPr/>
               <a:t>7</a:t>
             </a:fld>
-            <a:endParaRPr lang="en-US" smtClean="0"/>
+            <a:endParaRPr lang="en-US"/>
           </a:p>
         </p:txBody>
       </p:sp>
     </p:spTree>
     <p:extLst>
       <p:ext uri="{BB962C8B-B14F-4D97-AF65-F5344CB8AC3E}">
-        <p14:creationId xmlns:p14="http://schemas.microsoft.com/office/powerpoint/2010/main" val="1526359594"/>
+        <p14:creationId xmlns:p14="http://schemas.microsoft.com/office/powerpoint/2010/main" val="4077242991"/>
       </p:ext>
     </p:extLst>
   </p:cSld>
@@ -2689,13 +3014,13 @@
           <a:lstStyle/>
           <a:p>
             <a:r>
-              <a:rPr lang="en-US" dirty="0" smtClean="0"/>
+              <a:rPr lang="en-US" dirty="0"/>
               <a:t>[Plot data on whiteboard after they’re done]</a:t>
             </a:r>
           </a:p>
           <a:p>
             <a:r>
-              <a:rPr lang="en-US" dirty="0" smtClean="0"/>
+              <a:rPr lang="en-US" dirty="0"/>
               <a:t>[Or use Excel]</a:t>
             </a:r>
           </a:p>
@@ -2723,7 +3048,7 @@
               <a:pPr/>
               <a:t>8</a:t>
             </a:fld>
-            <a:endParaRPr lang="en-US" smtClean="0"/>
+            <a:endParaRPr lang="en-US"/>
           </a:p>
         </p:txBody>
       </p:sp>
@@ -2797,39 +3122,7 @@
           <a:bodyPr/>
           <a:lstStyle/>
           <a:p>
-            <a:r>
-              <a:rPr lang="en-US" dirty="0" smtClean="0"/>
-              <a:t>- Remember </a:t>
-            </a:r>
-            <a:r>
-              <a:rPr lang="en-US" dirty="0" err="1" smtClean="0"/>
-              <a:t>Shlemiel</a:t>
-            </a:r>
-            <a:r>
-              <a:rPr lang="en-US" dirty="0" smtClean="0"/>
-              <a:t>.  His technique worked well for small inputs (i.e., short roads), but got worse and worse.</a:t>
-            </a:r>
-          </a:p>
-          <a:p>
-            <a:r>
-              <a:rPr lang="en-US" dirty="0" smtClean="0"/>
-              <a:t>Handy fact is animated.  Note that we can derive the fact for even n by working outside in.</a:t>
-            </a:r>
-          </a:p>
-          <a:p>
-            <a:endParaRPr lang="en-US" dirty="0" smtClean="0"/>
-          </a:p>
-          <a:p>
-            <a:r>
-              <a:rPr lang="en-US" dirty="0" smtClean="0"/>
-              <a:t>Have them work on Q2-6.  Solve Q7 together on board.</a:t>
-            </a:r>
-          </a:p>
-          <a:p>
-            <a:r>
-              <a:rPr lang="en-US" dirty="0" smtClean="0"/>
-              <a:t>After solving, ask: For very large n, what term of solution matters most? What term grows fastest? Do the other terms contribute much to the growth of the function?</a:t>
-            </a:r>
+            <a:endParaRPr lang="en-US" dirty="0"/>
           </a:p>
         </p:txBody>
       </p:sp>
@@ -2855,7 +3148,7 @@
               <a:pPr/>
               <a:t>9</a:t>
             </a:fld>
-            <a:endParaRPr lang="en-US" smtClean="0"/>
+            <a:endParaRPr lang="en-US"/>
           </a:p>
         </p:txBody>
       </p:sp>
@@ -2910,10 +3203,9 @@
           <a:lstStyle/>
           <a:p>
             <a:r>
-              <a:rPr lang="en-US" smtClean="0"/>
+              <a:rPr lang="en-US"/>
               <a:t>Click to edit Master title style</a:t>
             </a:r>
-            <a:endParaRPr lang="en-US"/>
           </a:p>
         </p:txBody>
       </p:sp>
@@ -3029,10 +3321,9 @@
           </a:lstStyle>
           <a:p>
             <a:r>
-              <a:rPr lang="en-US" smtClean="0"/>
+              <a:rPr lang="en-US"/>
               <a:t>Click to edit Master subtitle style</a:t>
             </a:r>
-            <a:endParaRPr lang="en-US"/>
           </a:p>
         </p:txBody>
       </p:sp>
@@ -3059,7 +3350,7 @@
               <a:pPr>
                 <a:defRPr/>
               </a:pPr>
-              <a:t>Tuesday, May 10, 2016</a:t>
+              <a:t>Wednesday, October 31, 2018</a:t>
             </a:fld>
             <a:endParaRPr lang="en-US" dirty="0"/>
           </a:p>
@@ -3162,10 +3453,9 @@
           <a:lstStyle/>
           <a:p>
             <a:r>
-              <a:rPr lang="en-US" smtClean="0"/>
+              <a:rPr lang="en-US"/>
               <a:t>Click to edit Master title style</a:t>
             </a:r>
-            <a:endParaRPr lang="en-US"/>
           </a:p>
         </p:txBody>
       </p:sp>
@@ -3186,38 +3476,37 @@
           <a:p>
             <a:pPr lvl="0"/>
             <a:r>
-              <a:rPr lang="en-US" smtClean="0"/>
+              <a:rPr lang="en-US"/>
               <a:t>Click to edit Master text styles</a:t>
             </a:r>
           </a:p>
           <a:p>
             <a:pPr lvl="1"/>
             <a:r>
-              <a:rPr lang="en-US" smtClean="0"/>
+              <a:rPr lang="en-US"/>
               <a:t>Second level</a:t>
             </a:r>
           </a:p>
           <a:p>
             <a:pPr lvl="2"/>
             <a:r>
-              <a:rPr lang="en-US" smtClean="0"/>
+              <a:rPr lang="en-US"/>
               <a:t>Third level</a:t>
             </a:r>
           </a:p>
           <a:p>
             <a:pPr lvl="3"/>
             <a:r>
-              <a:rPr lang="en-US" smtClean="0"/>
+              <a:rPr lang="en-US"/>
               <a:t>Fourth level</a:t>
             </a:r>
           </a:p>
           <a:p>
             <a:pPr lvl="4"/>
             <a:r>
-              <a:rPr lang="en-US" smtClean="0"/>
+              <a:rPr lang="en-US"/>
               <a:t>Fifth level</a:t>
             </a:r>
-            <a:endParaRPr lang="en-US"/>
           </a:p>
         </p:txBody>
       </p:sp>
@@ -3244,7 +3533,7 @@
               <a:pPr>
                 <a:defRPr/>
               </a:pPr>
-              <a:t>Tuesday, May 10, 2016</a:t>
+              <a:t>Wednesday, October 31, 2018</a:t>
             </a:fld>
             <a:endParaRPr lang="en-US" dirty="0"/>
           </a:p>
@@ -3352,10 +3641,9 @@
           <a:lstStyle/>
           <a:p>
             <a:r>
-              <a:rPr lang="en-US" smtClean="0"/>
+              <a:rPr lang="en-US"/>
               <a:t>Click to edit Master title style</a:t>
             </a:r>
-            <a:endParaRPr lang="en-US"/>
           </a:p>
         </p:txBody>
       </p:sp>
@@ -3381,38 +3669,37 @@
           <a:p>
             <a:pPr lvl="0"/>
             <a:r>
-              <a:rPr lang="en-US" smtClean="0"/>
+              <a:rPr lang="en-US"/>
               <a:t>Click to edit Master text styles</a:t>
             </a:r>
           </a:p>
           <a:p>
             <a:pPr lvl="1"/>
             <a:r>
-              <a:rPr lang="en-US" smtClean="0"/>
+              <a:rPr lang="en-US"/>
               <a:t>Second level</a:t>
             </a:r>
           </a:p>
           <a:p>
             <a:pPr lvl="2"/>
             <a:r>
-              <a:rPr lang="en-US" smtClean="0"/>
+              <a:rPr lang="en-US"/>
               <a:t>Third level</a:t>
             </a:r>
           </a:p>
           <a:p>
             <a:pPr lvl="3"/>
             <a:r>
-              <a:rPr lang="en-US" smtClean="0"/>
+              <a:rPr lang="en-US"/>
               <a:t>Fourth level</a:t>
             </a:r>
           </a:p>
           <a:p>
             <a:pPr lvl="4"/>
             <a:r>
-              <a:rPr lang="en-US" smtClean="0"/>
+              <a:rPr lang="en-US"/>
               <a:t>Fifth level</a:t>
             </a:r>
-            <a:endParaRPr lang="en-US"/>
           </a:p>
         </p:txBody>
       </p:sp>
@@ -3439,7 +3726,7 @@
               <a:pPr>
                 <a:defRPr/>
               </a:pPr>
-              <a:t>Tuesday, May 10, 2016</a:t>
+              <a:t>Wednesday, October 31, 2018</a:t>
             </a:fld>
             <a:endParaRPr lang="en-US" dirty="0"/>
           </a:p>
@@ -3542,10 +3829,9 @@
           <a:lstStyle/>
           <a:p>
             <a:r>
-              <a:rPr lang="en-US" smtClean="0"/>
+              <a:rPr lang="en-US"/>
               <a:t>Click to edit Master title style</a:t>
             </a:r>
-            <a:endParaRPr lang="en-US"/>
           </a:p>
         </p:txBody>
       </p:sp>
@@ -3566,38 +3852,37 @@
           <a:p>
             <a:pPr lvl="0"/>
             <a:r>
-              <a:rPr lang="en-US" smtClean="0"/>
+              <a:rPr lang="en-US"/>
               <a:t>Click to edit Master text styles</a:t>
             </a:r>
           </a:p>
           <a:p>
             <a:pPr lvl="1"/>
             <a:r>
-              <a:rPr lang="en-US" smtClean="0"/>
+              <a:rPr lang="en-US"/>
               <a:t>Second level</a:t>
             </a:r>
           </a:p>
           <a:p>
             <a:pPr lvl="2"/>
             <a:r>
-              <a:rPr lang="en-US" smtClean="0"/>
+              <a:rPr lang="en-US"/>
               <a:t>Third level</a:t>
             </a:r>
           </a:p>
           <a:p>
             <a:pPr lvl="3"/>
             <a:r>
-              <a:rPr lang="en-US" smtClean="0"/>
+              <a:rPr lang="en-US"/>
               <a:t>Fourth level</a:t>
             </a:r>
           </a:p>
           <a:p>
             <a:pPr lvl="4"/>
             <a:r>
-              <a:rPr lang="en-US" smtClean="0"/>
+              <a:rPr lang="en-US"/>
               <a:t>Fifth level</a:t>
             </a:r>
-            <a:endParaRPr lang="en-US"/>
           </a:p>
         </p:txBody>
       </p:sp>
@@ -3624,7 +3909,7 @@
               <a:pPr>
                 <a:defRPr/>
               </a:pPr>
-              <a:t>Tuesday, May 10, 2016</a:t>
+              <a:t>Wednesday, October 31, 2018</a:t>
             </a:fld>
             <a:endParaRPr lang="en-US" dirty="0"/>
           </a:p>
@@ -3736,10 +4021,9 @@
           </a:lstStyle>
           <a:p>
             <a:r>
-              <a:rPr lang="en-US" smtClean="0"/>
+              <a:rPr lang="en-US"/>
               <a:t>Click to edit Master title style</a:t>
             </a:r>
-            <a:endParaRPr lang="en-US"/>
           </a:p>
         </p:txBody>
       </p:sp>
@@ -3856,7 +4140,7 @@
           <a:p>
             <a:pPr lvl="0"/>
             <a:r>
-              <a:rPr lang="en-US" smtClean="0"/>
+              <a:rPr lang="en-US"/>
               <a:t>Click to edit Master text styles</a:t>
             </a:r>
           </a:p>
@@ -3885,7 +4169,7 @@
               <a:pPr>
                 <a:defRPr/>
               </a:pPr>
-              <a:t>Tuesday, May 10, 2016</a:t>
+              <a:t>Wednesday, October 31, 2018</a:t>
             </a:fld>
             <a:endParaRPr lang="en-US"/>
           </a:p>
@@ -3988,10 +4272,9 @@
           <a:lstStyle/>
           <a:p>
             <a:r>
-              <a:rPr lang="en-US" smtClean="0"/>
+              <a:rPr lang="en-US"/>
               <a:t>Click to edit Master title style</a:t>
             </a:r>
-            <a:endParaRPr lang="en-US"/>
           </a:p>
         </p:txBody>
       </p:sp>
@@ -4045,38 +4328,37 @@
           <a:p>
             <a:pPr lvl="0"/>
             <a:r>
-              <a:rPr lang="en-US" smtClean="0"/>
+              <a:rPr lang="en-US"/>
               <a:t>Click to edit Master text styles</a:t>
             </a:r>
           </a:p>
           <a:p>
             <a:pPr lvl="1"/>
             <a:r>
-              <a:rPr lang="en-US" smtClean="0"/>
+              <a:rPr lang="en-US"/>
               <a:t>Second level</a:t>
             </a:r>
           </a:p>
           <a:p>
             <a:pPr lvl="2"/>
             <a:r>
-              <a:rPr lang="en-US" smtClean="0"/>
+              <a:rPr lang="en-US"/>
               <a:t>Third level</a:t>
             </a:r>
           </a:p>
           <a:p>
             <a:pPr lvl="3"/>
             <a:r>
-              <a:rPr lang="en-US" smtClean="0"/>
+              <a:rPr lang="en-US"/>
               <a:t>Fourth level</a:t>
             </a:r>
           </a:p>
           <a:p>
             <a:pPr lvl="4"/>
             <a:r>
-              <a:rPr lang="en-US" smtClean="0"/>
+              <a:rPr lang="en-US"/>
               <a:t>Fifth level</a:t>
             </a:r>
-            <a:endParaRPr lang="en-US"/>
           </a:p>
         </p:txBody>
       </p:sp>
@@ -4130,38 +4412,37 @@
           <a:p>
             <a:pPr lvl="0"/>
             <a:r>
-              <a:rPr lang="en-US" smtClean="0"/>
+              <a:rPr lang="en-US"/>
               <a:t>Click to edit Master text styles</a:t>
             </a:r>
           </a:p>
           <a:p>
             <a:pPr lvl="1"/>
             <a:r>
-              <a:rPr lang="en-US" smtClean="0"/>
+              <a:rPr lang="en-US"/>
               <a:t>Second level</a:t>
             </a:r>
           </a:p>
           <a:p>
             <a:pPr lvl="2"/>
             <a:r>
-              <a:rPr lang="en-US" smtClean="0"/>
+              <a:rPr lang="en-US"/>
               <a:t>Third level</a:t>
             </a:r>
           </a:p>
           <a:p>
             <a:pPr lvl="3"/>
             <a:r>
-              <a:rPr lang="en-US" smtClean="0"/>
+              <a:rPr lang="en-US"/>
               <a:t>Fourth level</a:t>
             </a:r>
           </a:p>
           <a:p>
             <a:pPr lvl="4"/>
             <a:r>
-              <a:rPr lang="en-US" smtClean="0"/>
+              <a:rPr lang="en-US"/>
               <a:t>Fifth level</a:t>
             </a:r>
-            <a:endParaRPr lang="en-US"/>
           </a:p>
         </p:txBody>
       </p:sp>
@@ -4188,7 +4469,7 @@
               <a:pPr>
                 <a:defRPr/>
               </a:pPr>
-              <a:t>Tuesday, May 10, 2016</a:t>
+              <a:t>Wednesday, October 31, 2018</a:t>
             </a:fld>
             <a:endParaRPr lang="en-US"/>
           </a:p>
@@ -4295,10 +4576,9 @@
           </a:lstStyle>
           <a:p>
             <a:r>
-              <a:rPr lang="en-US" smtClean="0"/>
+              <a:rPr lang="en-US"/>
               <a:t>Click to edit Master title style</a:t>
             </a:r>
-            <a:endParaRPr lang="en-US"/>
           </a:p>
         </p:txBody>
       </p:sp>
@@ -4361,7 +4641,7 @@
           <a:p>
             <a:pPr lvl="0"/>
             <a:r>
-              <a:rPr lang="en-US" smtClean="0"/>
+              <a:rPr lang="en-US"/>
               <a:t>Click to edit Master text styles</a:t>
             </a:r>
           </a:p>
@@ -4417,38 +4697,37 @@
           <a:p>
             <a:pPr lvl="0"/>
             <a:r>
-              <a:rPr lang="en-US" smtClean="0"/>
+              <a:rPr lang="en-US"/>
               <a:t>Click to edit Master text styles</a:t>
             </a:r>
           </a:p>
           <a:p>
             <a:pPr lvl="1"/>
             <a:r>
-              <a:rPr lang="en-US" smtClean="0"/>
+              <a:rPr lang="en-US"/>
               <a:t>Second level</a:t>
             </a:r>
           </a:p>
           <a:p>
             <a:pPr lvl="2"/>
             <a:r>
-              <a:rPr lang="en-US" smtClean="0"/>
+              <a:rPr lang="en-US"/>
               <a:t>Third level</a:t>
             </a:r>
           </a:p>
           <a:p>
             <a:pPr lvl="3"/>
             <a:r>
-              <a:rPr lang="en-US" smtClean="0"/>
+              <a:rPr lang="en-US"/>
               <a:t>Fourth level</a:t>
             </a:r>
           </a:p>
           <a:p>
             <a:pPr lvl="4"/>
             <a:r>
-              <a:rPr lang="en-US" smtClean="0"/>
+              <a:rPr lang="en-US"/>
               <a:t>Fifth level</a:t>
             </a:r>
-            <a:endParaRPr lang="en-US"/>
           </a:p>
         </p:txBody>
       </p:sp>
@@ -4511,7 +4790,7 @@
           <a:p>
             <a:pPr lvl="0"/>
             <a:r>
-              <a:rPr lang="en-US" smtClean="0"/>
+              <a:rPr lang="en-US"/>
               <a:t>Click to edit Master text styles</a:t>
             </a:r>
           </a:p>
@@ -4567,38 +4846,37 @@
           <a:p>
             <a:pPr lvl="0"/>
             <a:r>
-              <a:rPr lang="en-US" smtClean="0"/>
+              <a:rPr lang="en-US"/>
               <a:t>Click to edit Master text styles</a:t>
             </a:r>
           </a:p>
           <a:p>
             <a:pPr lvl="1"/>
             <a:r>
-              <a:rPr lang="en-US" smtClean="0"/>
+              <a:rPr lang="en-US"/>
               <a:t>Second level</a:t>
             </a:r>
           </a:p>
           <a:p>
             <a:pPr lvl="2"/>
             <a:r>
-              <a:rPr lang="en-US" smtClean="0"/>
+              <a:rPr lang="en-US"/>
               <a:t>Third level</a:t>
             </a:r>
           </a:p>
           <a:p>
             <a:pPr lvl="3"/>
             <a:r>
-              <a:rPr lang="en-US" smtClean="0"/>
+              <a:rPr lang="en-US"/>
               <a:t>Fourth level</a:t>
             </a:r>
           </a:p>
           <a:p>
             <a:pPr lvl="4"/>
             <a:r>
-              <a:rPr lang="en-US" smtClean="0"/>
+              <a:rPr lang="en-US"/>
               <a:t>Fifth level</a:t>
             </a:r>
-            <a:endParaRPr lang="en-US"/>
           </a:p>
         </p:txBody>
       </p:sp>
@@ -4625,7 +4903,7 @@
               <a:pPr>
                 <a:defRPr/>
               </a:pPr>
-              <a:t>Tuesday, May 10, 2016</a:t>
+              <a:t>Wednesday, October 31, 2018</a:t>
             </a:fld>
             <a:endParaRPr lang="en-US"/>
           </a:p>
@@ -4728,10 +5006,9 @@
           <a:lstStyle/>
           <a:p>
             <a:r>
-              <a:rPr lang="en-US" smtClean="0"/>
+              <a:rPr lang="en-US"/>
               <a:t>Click to edit Master title style</a:t>
             </a:r>
-            <a:endParaRPr lang="en-US"/>
           </a:p>
         </p:txBody>
       </p:sp>
@@ -4758,7 +5035,7 @@
               <a:pPr>
                 <a:defRPr/>
               </a:pPr>
-              <a:t>Tuesday, May 10, 2016</a:t>
+              <a:t>Wednesday, October 31, 2018</a:t>
             </a:fld>
             <a:endParaRPr lang="en-US"/>
           </a:p>
@@ -4868,7 +5145,7 @@
               <a:pPr>
                 <a:defRPr/>
               </a:pPr>
-              <a:t>Tuesday, May 10, 2016</a:t>
+              <a:t>Wednesday, October 31, 2018</a:t>
             </a:fld>
             <a:endParaRPr lang="en-US" dirty="0"/>
           </a:p>
@@ -4980,10 +5257,9 @@
           </a:lstStyle>
           <a:p>
             <a:r>
-              <a:rPr lang="en-US" smtClean="0"/>
+              <a:rPr lang="en-US"/>
               <a:t>Click to edit Master title style</a:t>
             </a:r>
-            <a:endParaRPr lang="en-US"/>
           </a:p>
         </p:txBody>
       </p:sp>
@@ -5037,38 +5313,37 @@
           <a:p>
             <a:pPr lvl="0"/>
             <a:r>
-              <a:rPr lang="en-US" smtClean="0"/>
+              <a:rPr lang="en-US"/>
               <a:t>Click to edit Master text styles</a:t>
             </a:r>
           </a:p>
           <a:p>
             <a:pPr lvl="1"/>
             <a:r>
-              <a:rPr lang="en-US" smtClean="0"/>
+              <a:rPr lang="en-US"/>
               <a:t>Second level</a:t>
             </a:r>
           </a:p>
           <a:p>
             <a:pPr lvl="2"/>
             <a:r>
-              <a:rPr lang="en-US" smtClean="0"/>
+              <a:rPr lang="en-US"/>
               <a:t>Third level</a:t>
             </a:r>
           </a:p>
           <a:p>
             <a:pPr lvl="3"/>
             <a:r>
-              <a:rPr lang="en-US" smtClean="0"/>
+              <a:rPr lang="en-US"/>
               <a:t>Fourth level</a:t>
             </a:r>
           </a:p>
           <a:p>
             <a:pPr lvl="4"/>
             <a:r>
-              <a:rPr lang="en-US" smtClean="0"/>
+              <a:rPr lang="en-US"/>
               <a:t>Fifth level</a:t>
             </a:r>
-            <a:endParaRPr lang="en-US"/>
           </a:p>
         </p:txBody>
       </p:sp>
@@ -5131,7 +5406,7 @@
           <a:p>
             <a:pPr lvl="0"/>
             <a:r>
-              <a:rPr lang="en-US" smtClean="0"/>
+              <a:rPr lang="en-US"/>
               <a:t>Click to edit Master text styles</a:t>
             </a:r>
           </a:p>
@@ -5160,7 +5435,7 @@
               <a:pPr>
                 <a:defRPr/>
               </a:pPr>
-              <a:t>Tuesday, May 10, 2016</a:t>
+              <a:t>Wednesday, October 31, 2018</a:t>
             </a:fld>
             <a:endParaRPr lang="en-US"/>
           </a:p>
@@ -5272,10 +5547,9 @@
           </a:lstStyle>
           <a:p>
             <a:r>
-              <a:rPr lang="en-US" smtClean="0"/>
+              <a:rPr lang="en-US"/>
               <a:t>Click to edit Master title style</a:t>
             </a:r>
-            <a:endParaRPr lang="en-US"/>
           </a:p>
         </p:txBody>
       </p:sp>
@@ -5399,7 +5673,7 @@
           <a:p>
             <a:pPr lvl="0"/>
             <a:r>
-              <a:rPr lang="en-US" smtClean="0"/>
+              <a:rPr lang="en-US"/>
               <a:t>Click to edit Master text styles</a:t>
             </a:r>
           </a:p>
@@ -5428,7 +5702,7 @@
               <a:pPr>
                 <a:defRPr/>
               </a:pPr>
-              <a:t>Tuesday, May 10, 2016</a:t>
+              <a:t>Wednesday, October 31, 2018</a:t>
             </a:fld>
             <a:endParaRPr lang="en-US"/>
           </a:p>
@@ -5546,10 +5820,9 @@
           <a:lstStyle/>
           <a:p>
             <a:r>
-              <a:rPr lang="en-US" smtClean="0"/>
+              <a:rPr lang="en-US"/>
               <a:t>Click to edit Master title style</a:t>
             </a:r>
-            <a:endParaRPr lang="en-US"/>
           </a:p>
         </p:txBody>
       </p:sp>
@@ -5580,38 +5853,37 @@
           <a:p>
             <a:pPr lvl="0"/>
             <a:r>
-              <a:rPr lang="en-US" smtClean="0"/>
+              <a:rPr lang="en-US"/>
               <a:t>Click to edit Master text styles</a:t>
             </a:r>
           </a:p>
           <a:p>
             <a:pPr lvl="1"/>
             <a:r>
-              <a:rPr lang="en-US" smtClean="0"/>
+              <a:rPr lang="en-US"/>
               <a:t>Second level</a:t>
             </a:r>
           </a:p>
           <a:p>
             <a:pPr lvl="2"/>
             <a:r>
-              <a:rPr lang="en-US" smtClean="0"/>
+              <a:rPr lang="en-US"/>
               <a:t>Third level</a:t>
             </a:r>
           </a:p>
           <a:p>
             <a:pPr lvl="3"/>
             <a:r>
-              <a:rPr lang="en-US" smtClean="0"/>
+              <a:rPr lang="en-US"/>
               <a:t>Fourth level</a:t>
             </a:r>
           </a:p>
           <a:p>
             <a:pPr lvl="4"/>
             <a:r>
-              <a:rPr lang="en-US" smtClean="0"/>
+              <a:rPr lang="en-US"/>
               <a:t>Fifth level</a:t>
             </a:r>
-            <a:endParaRPr lang="en-US"/>
           </a:p>
         </p:txBody>
       </p:sp>
@@ -5656,7 +5928,7 @@
               <a:pPr>
                 <a:defRPr/>
               </a:pPr>
-              <a:t>Tuesday, May 10, 2016</a:t>
+              <a:t>Wednesday, October 31, 2018</a:t>
             </a:fld>
             <a:endParaRPr lang="en-US" dirty="0"/>
           </a:p>
@@ -6062,10 +6334,9 @@
               <a:defRPr/>
             </a:pPr>
             <a:r>
-              <a:rPr lang="en-US" dirty="0" smtClean="0"/>
+              <a:rPr lang="en-US" dirty="0"/>
               <a:t>CSSE 220</a:t>
             </a:r>
-            <a:endParaRPr lang="en-US" dirty="0"/>
           </a:p>
         </p:txBody>
       </p:sp>
@@ -6090,7 +6361,7 @@
               </a:lnSpc>
             </a:pPr>
             <a:r>
-              <a:rPr lang="en-US" sz="2500" dirty="0" smtClean="0"/>
+              <a:rPr lang="en-US" sz="2500" dirty="0"/>
               <a:t>Sorting Algorithms</a:t>
             </a:r>
           </a:p>
@@ -6101,7 +6372,7 @@
               </a:lnSpc>
             </a:pPr>
             <a:r>
-              <a:rPr lang="en-US" sz="2500" dirty="0" smtClean="0"/>
+              <a:rPr lang="en-US" sz="2500" dirty="0"/>
               <a:t>Algorithm Analysis and Big-O</a:t>
             </a:r>
           </a:p>
@@ -6112,7 +6383,7 @@
               </a:lnSpc>
             </a:pPr>
             <a:r>
-              <a:rPr lang="en-US" sz="2500" dirty="0" smtClean="0"/>
+              <a:rPr lang="en-US" sz="2500" dirty="0"/>
               <a:t>Searching</a:t>
             </a:r>
           </a:p>
@@ -6160,7 +6431,7 @@
             </a:pPr>
             <a:r>
               <a:rPr lang="en-US" sz="2400" dirty="0"/>
-              <a:t>Checkout </a:t>
+              <a:t>Import </a:t>
             </a:r>
             <a:r>
               <a:rPr lang="en-US" sz="2400" i="1" dirty="0" err="1"/>
@@ -6172,7 +6443,7 @@
             </a:r>
             <a:r>
               <a:rPr lang="en-US" sz="2400" dirty="0"/>
-              <a:t>project from SVN</a:t>
+              <a:t>project from repo</a:t>
             </a:r>
           </a:p>
         </p:txBody>
@@ -6182,13 +6453,6 @@
   <p:clrMapOvr>
     <a:masterClrMapping/>
   </p:clrMapOvr>
-  <p:timing>
-    <p:tnLst>
-      <p:par>
-        <p:cTn id="1" dur="indefinite" restart="never" nodeType="tmRoot"/>
-      </p:par>
-    </p:tnLst>
-  </p:timing>
 </p:sld>
 </file>
 
@@ -6228,70 +6492,1694 @@
               <a:defRPr/>
             </a:pPr>
             <a:r>
-              <a:rPr lang="en-US" dirty="0" smtClean="0"/>
+              <a:rPr lang="en-US" dirty="0"/>
+              <a:t>Analyzing Selection Sort</a:t>
+            </a:r>
+          </a:p>
+        </p:txBody>
+      </p:sp>
+      <p:sp>
+        <p:nvSpPr>
+          <p:cNvPr id="2" name="Content Placeholder 1"/>
+          <p:cNvSpPr>
+            <a:spLocks noGrp="1"/>
+          </p:cNvSpPr>
+          <p:nvPr>
+            <p:ph idx="1"/>
+          </p:nvPr>
+        </p:nvSpPr>
+        <p:spPr/>
+        <p:txBody>
+          <a:bodyPr>
+            <a:normAutofit/>
+          </a:bodyPr>
+          <a:lstStyle/>
+          <a:p>
+            <a:pPr>
+              <a:defRPr/>
+            </a:pPr>
+            <a:r>
+              <a:rPr lang="en-US" sz="2800" dirty="0">
+                <a:solidFill>
+                  <a:schemeClr val="accent3"/>
+                </a:solidFill>
+              </a:rPr>
+              <a:t>Analyzing</a:t>
+            </a:r>
+            <a:r>
+              <a:rPr lang="en-US" sz="2800" dirty="0"/>
+              <a:t>: calculating the performance of an algorithm by studying how it works, typically mathematically</a:t>
+            </a:r>
+          </a:p>
+          <a:p>
+            <a:pPr>
+              <a:defRPr/>
+            </a:pPr>
+            <a:r>
+              <a:rPr lang="en-US" sz="2800" dirty="0"/>
+              <a:t>Typically we want the </a:t>
+            </a:r>
+            <a:r>
+              <a:rPr lang="en-US" sz="2800" dirty="0">
+                <a:solidFill>
+                  <a:schemeClr val="accent3"/>
+                </a:solidFill>
+              </a:rPr>
+              <a:t>relative</a:t>
+            </a:r>
+            <a:r>
+              <a:rPr lang="en-US" sz="2800" dirty="0"/>
+              <a:t> performance as a function of input size</a:t>
+            </a:r>
+          </a:p>
+          <a:p>
+            <a:pPr>
+              <a:defRPr/>
+            </a:pPr>
+            <a:r>
+              <a:rPr lang="en-US" sz="2800" dirty="0"/>
+              <a:t>Example: For an array of length </a:t>
+            </a:r>
+            <a:r>
+              <a:rPr lang="en-US" sz="2800" i="1" dirty="0"/>
+              <a:t>n</a:t>
+            </a:r>
+            <a:r>
+              <a:rPr lang="en-US" sz="2800" dirty="0"/>
+              <a:t>, how many times does </a:t>
+            </a:r>
+            <a:r>
+              <a:rPr lang="en-US" sz="2800" b="1" dirty="0" err="1">
+                <a:latin typeface="Lucida Sans Typewriter" pitchFamily="49" charset="0"/>
+              </a:rPr>
+              <a:t>selectionSort</a:t>
+            </a:r>
+            <a:r>
+              <a:rPr lang="en-US" sz="2800" b="1" dirty="0">
+                <a:latin typeface="Lucida Sans Typewriter" pitchFamily="49" charset="0"/>
+              </a:rPr>
+              <a:t>()</a:t>
+            </a:r>
+            <a:r>
+              <a:rPr lang="en-US" sz="2800" dirty="0"/>
+              <a:t> call </a:t>
+            </a:r>
+            <a:r>
+              <a:rPr lang="en-US" sz="2800" b="1" dirty="0" err="1">
+                <a:latin typeface="Lucida Sans Typewriter" pitchFamily="49" charset="0"/>
+              </a:rPr>
+              <a:t>compareTo</a:t>
+            </a:r>
+            <a:r>
+              <a:rPr lang="en-US" sz="2800" b="1" dirty="0">
+                <a:latin typeface="Lucida Sans Typewriter" pitchFamily="49" charset="0"/>
+              </a:rPr>
+              <a:t>()</a:t>
+            </a:r>
+            <a:r>
+              <a:rPr lang="en-US" sz="2800" dirty="0"/>
+              <a:t>?</a:t>
+            </a:r>
+          </a:p>
+          <a:p>
+            <a:pPr>
+              <a:defRPr/>
+            </a:pPr>
+            <a:r>
+              <a:rPr lang="en-US" sz="2800" dirty="0"/>
+              <a:t>Look at number of times </a:t>
+            </a:r>
+            <a:r>
+              <a:rPr lang="en-US" sz="2800" dirty="0" err="1"/>
+              <a:t>compareTo</a:t>
+            </a:r>
+            <a:r>
+              <a:rPr lang="en-US" sz="2800" dirty="0"/>
+              <a:t>() is called as a shortcut way to determine the Big-O</a:t>
+            </a:r>
+          </a:p>
+        </p:txBody>
+      </p:sp>
+      <p:sp>
+        <p:nvSpPr>
+          <p:cNvPr id="8" name="TextBox 7"/>
+          <p:cNvSpPr txBox="1"/>
+          <p:nvPr/>
+        </p:nvSpPr>
+        <p:spPr>
+          <a:xfrm>
+            <a:off x="8077200" y="6324600"/>
+            <a:ext cx="968535" cy="369332"/>
+          </a:xfrm>
+          <a:prstGeom prst="rect">
+            <a:avLst/>
+          </a:prstGeom>
+        </p:spPr>
+        <p:style>
+          <a:lnRef idx="2">
+            <a:schemeClr val="accent3">
+              <a:shade val="50000"/>
+            </a:schemeClr>
+          </a:lnRef>
+          <a:fillRef idx="1">
+            <a:schemeClr val="accent3"/>
+          </a:fillRef>
+          <a:effectRef idx="0">
+            <a:schemeClr val="accent3"/>
+          </a:effectRef>
+          <a:fontRef idx="minor">
+            <a:schemeClr val="lt1"/>
+          </a:fontRef>
+        </p:style>
+        <p:txBody>
+          <a:bodyPr wrap="none" rtlCol="0">
+            <a:spAutoFit/>
+          </a:bodyPr>
+          <a:lstStyle/>
+          <a:p>
+            <a:r>
+              <a:rPr lang="en-US" dirty="0"/>
+              <a:t>Q2-Q7</a:t>
+            </a:r>
+          </a:p>
+        </p:txBody>
+      </p:sp>
+    </p:spTree>
+    <p:extLst>
+      <p:ext uri="{BB962C8B-B14F-4D97-AF65-F5344CB8AC3E}">
+        <p14:creationId xmlns:p14="http://schemas.microsoft.com/office/powerpoint/2010/main" val="1153668019"/>
+      </p:ext>
+    </p:extLst>
+  </p:cSld>
+  <p:clrMapOvr>
+    <a:masterClrMapping/>
+  </p:clrMapOvr>
+</p:sld>
+</file>
+
+<file path=ppt/slides/slide11.xml><?xml version="1.0" encoding="utf-8"?>
+<p:sld xmlns:a="http://schemas.openxmlformats.org/drawingml/2006/main" xmlns:r="http://schemas.openxmlformats.org/officeDocument/2006/relationships" xmlns:p="http://schemas.openxmlformats.org/presentationml/2006/main">
+  <p:cSld>
+    <p:spTree>
+      <p:nvGrpSpPr>
+        <p:cNvPr id="1" name=""/>
+        <p:cNvGrpSpPr/>
+        <p:nvPr/>
+      </p:nvGrpSpPr>
+      <p:grpSpPr>
+        <a:xfrm>
+          <a:off x="0" y="0"/>
+          <a:ext cx="0" cy="0"/>
+          <a:chOff x="0" y="0"/>
+          <a:chExt cx="0" cy="0"/>
+        </a:xfrm>
+      </p:grpSpPr>
+      <p:sp>
+        <p:nvSpPr>
+          <p:cNvPr id="3" name="Title 2"/>
+          <p:cNvSpPr>
+            <a:spLocks noGrp="1"/>
+          </p:cNvSpPr>
+          <p:nvPr>
+            <p:ph type="title"/>
+          </p:nvPr>
+        </p:nvSpPr>
+        <p:spPr/>
+        <p:txBody>
+          <a:bodyPr/>
+          <a:lstStyle/>
+          <a:p>
+            <a:pPr>
+              <a:defRPr/>
+            </a:pPr>
+            <a:r>
+              <a:rPr lang="en-US" dirty="0"/>
+              <a:t>Summation Notation &amp; Facts</a:t>
+            </a:r>
+          </a:p>
+        </p:txBody>
+      </p:sp>
+      <mc:AlternateContent xmlns:mc="http://schemas.openxmlformats.org/markup-compatibility/2006">
+        <mc:Choice xmlns:a14="http://schemas.microsoft.com/office/drawing/2010/main" Requires="a14">
+          <p:sp>
+            <p:nvSpPr>
+              <p:cNvPr id="2" name="Content Placeholder 1"/>
+              <p:cNvSpPr>
+                <a:spLocks noGrp="1"/>
+              </p:cNvSpPr>
+              <p:nvPr>
+                <p:ph idx="1"/>
+              </p:nvPr>
+            </p:nvSpPr>
+            <p:spPr>
+              <a:xfrm>
+                <a:off x="457200" y="1143000"/>
+                <a:ext cx="8229600" cy="4983163"/>
+              </a:xfrm>
+            </p:spPr>
+            <p:txBody>
+              <a:bodyPr>
+                <a:normAutofit fontScale="92500"/>
+              </a:bodyPr>
+              <a:lstStyle/>
+              <a:p>
+                <a:pPr marL="0" indent="0">
+                  <a:buNone/>
+                  <a:defRPr/>
+                </a:pPr>
+                <a14:m>
+                  <m:oMathPara xmlns:m="http://schemas.openxmlformats.org/officeDocument/2006/math">
+                    <m:oMathParaPr>
+                      <m:jc m:val="left"/>
+                    </m:oMathParaPr>
+                    <m:oMath xmlns:m="http://schemas.openxmlformats.org/officeDocument/2006/math">
+                      <m:nary>
+                        <m:naryPr>
+                          <m:chr m:val="∑"/>
+                          <m:limLoc m:val="undOvr"/>
+                          <m:ctrlPr>
+                            <a:rPr lang="en-US" i="1" smtClean="0">
+                              <a:latin typeface="Cambria Math" panose="02040503050406030204" pitchFamily="18" charset="0"/>
+                            </a:rPr>
+                          </m:ctrlPr>
+                        </m:naryPr>
+                        <m:sub>
+                          <m:r>
+                            <a:rPr lang="en-US" i="1">
+                              <a:latin typeface="Cambria Math" panose="02040503050406030204" pitchFamily="18" charset="0"/>
+                            </a:rPr>
+                            <m:t>𝑘</m:t>
+                          </m:r>
+                          <m:r>
+                            <a:rPr lang="en-US" i="1">
+                              <a:latin typeface="Cambria Math" panose="02040503050406030204" pitchFamily="18" charset="0"/>
+                            </a:rPr>
+                            <m:t>=0</m:t>
+                          </m:r>
+                        </m:sub>
+                        <m:sup>
+                          <m:r>
+                            <a:rPr lang="en-US" i="1">
+                              <a:latin typeface="Cambria Math" panose="02040503050406030204" pitchFamily="18" charset="0"/>
+                            </a:rPr>
+                            <m:t>𝑛</m:t>
+                          </m:r>
+                          <m:r>
+                            <a:rPr lang="en-US" b="0" i="1" smtClean="0">
+                              <a:latin typeface="Cambria Math" panose="02040503050406030204" pitchFamily="18" charset="0"/>
+                            </a:rPr>
+                            <m:t>−1</m:t>
+                          </m:r>
+                        </m:sup>
+                        <m:e>
+                          <m:r>
+                            <a:rPr lang="en-US" i="1">
+                              <a:latin typeface="Cambria Math" panose="02040503050406030204" pitchFamily="18" charset="0"/>
+                            </a:rPr>
+                            <m:t>𝑘</m:t>
+                          </m:r>
+                          <m:r>
+                            <a:rPr lang="en-US" b="0" i="1" smtClean="0">
+                              <a:latin typeface="Cambria Math" panose="02040503050406030204" pitchFamily="18" charset="0"/>
+                            </a:rPr>
+                            <m:t>= </m:t>
+                          </m:r>
+                          <m:r>
+                            <a:rPr lang="en-US" b="0" i="1" smtClean="0">
+                              <a:solidFill>
+                                <a:srgbClr val="FF0000"/>
+                              </a:solidFill>
+                              <a:latin typeface="Cambria Math" panose="02040503050406030204" pitchFamily="18" charset="0"/>
+                            </a:rPr>
+                            <m:t>?</m:t>
+                          </m:r>
+                        </m:e>
+                      </m:nary>
+                    </m:oMath>
+                  </m:oMathPara>
+                </a14:m>
+                <a:endParaRPr lang="en-US" dirty="0"/>
+              </a:p>
+              <a:p>
+                <a:pPr marL="0" indent="0">
+                  <a:buNone/>
+                  <a:defRPr/>
+                </a:pPr>
+                <a:endParaRPr lang="en-US" i="1" dirty="0"/>
+              </a:p>
+              <a:p>
+                <a:pPr marL="0" indent="0">
+                  <a:buNone/>
+                  <a:defRPr/>
+                </a:pPr>
+                <a14:m>
+                  <m:oMathPara xmlns:m="http://schemas.openxmlformats.org/officeDocument/2006/math">
+                    <m:oMathParaPr>
+                      <m:jc m:val="left"/>
+                    </m:oMathParaPr>
+                    <m:oMath xmlns:m="http://schemas.openxmlformats.org/officeDocument/2006/math">
+                      <m:nary>
+                        <m:naryPr>
+                          <m:chr m:val="∑"/>
+                          <m:limLoc m:val="undOvr"/>
+                          <m:ctrlPr>
+                            <a:rPr lang="en-US" i="1">
+                              <a:latin typeface="Cambria Math" panose="02040503050406030204" pitchFamily="18" charset="0"/>
+                            </a:rPr>
+                          </m:ctrlPr>
+                        </m:naryPr>
+                        <m:sub>
+                          <m:r>
+                            <a:rPr lang="en-US" i="1">
+                              <a:latin typeface="Cambria Math" panose="02040503050406030204" pitchFamily="18" charset="0"/>
+                            </a:rPr>
+                            <m:t>𝑘</m:t>
+                          </m:r>
+                          <m:r>
+                            <a:rPr lang="en-US" i="1">
+                              <a:latin typeface="Cambria Math" panose="02040503050406030204" pitchFamily="18" charset="0"/>
+                            </a:rPr>
+                            <m:t>=0</m:t>
+                          </m:r>
+                        </m:sub>
+                        <m:sup>
+                          <m:r>
+                            <a:rPr lang="en-US" i="1">
+                              <a:latin typeface="Cambria Math" panose="02040503050406030204" pitchFamily="18" charset="0"/>
+                            </a:rPr>
+                            <m:t>𝑛</m:t>
+                          </m:r>
+                          <m:r>
+                            <a:rPr lang="en-US" b="0" i="1" smtClean="0">
+                              <a:latin typeface="Cambria Math" panose="02040503050406030204" pitchFamily="18" charset="0"/>
+                            </a:rPr>
+                            <m:t>−1</m:t>
+                          </m:r>
+                        </m:sup>
+                        <m:e>
+                          <m:r>
+                            <a:rPr lang="en-US" i="1">
+                              <a:latin typeface="Cambria Math" panose="02040503050406030204" pitchFamily="18" charset="0"/>
+                            </a:rPr>
+                            <m:t>𝑘</m:t>
+                          </m:r>
+                          <m:r>
+                            <a:rPr lang="en-US" i="1">
+                              <a:latin typeface="Cambria Math" panose="02040503050406030204" pitchFamily="18" charset="0"/>
+                            </a:rPr>
+                            <m:t>=0+1+2+…+</m:t>
+                          </m:r>
+                          <m:r>
+                            <a:rPr lang="en-US" i="1">
+                              <a:latin typeface="Cambria Math" panose="02040503050406030204" pitchFamily="18" charset="0"/>
+                            </a:rPr>
+                            <m:t>𝑛</m:t>
+                          </m:r>
+                          <m:r>
+                            <a:rPr lang="en-US" b="0" i="1" smtClean="0">
+                              <a:latin typeface="Cambria Math" panose="02040503050406030204" pitchFamily="18" charset="0"/>
+                            </a:rPr>
+                            <m:t> −1</m:t>
+                          </m:r>
+                        </m:e>
+                      </m:nary>
+                    </m:oMath>
+                  </m:oMathPara>
+                </a14:m>
+                <a:endParaRPr lang="en-US" sz="2800" dirty="0"/>
+              </a:p>
+              <a:p>
+                <a:pPr marL="0" indent="0">
+                  <a:buNone/>
+                  <a:defRPr/>
+                </a:pPr>
+                <a:endParaRPr lang="en-US" sz="2800" dirty="0"/>
+              </a:p>
+              <a:p>
+                <a:pPr marL="0" indent="0">
+                  <a:buNone/>
+                  <a:defRPr/>
+                </a:pPr>
+                <a14:m>
+                  <m:oMathPara xmlns:m="http://schemas.openxmlformats.org/officeDocument/2006/math">
+                    <m:oMathParaPr>
+                      <m:jc m:val="left"/>
+                    </m:oMathParaPr>
+                    <m:oMath xmlns:m="http://schemas.openxmlformats.org/officeDocument/2006/math">
+                      <m:nary>
+                        <m:naryPr>
+                          <m:chr m:val="∑"/>
+                          <m:limLoc m:val="undOvr"/>
+                          <m:ctrlPr>
+                            <a:rPr lang="en-US" i="1">
+                              <a:latin typeface="Cambria Math" panose="02040503050406030204" pitchFamily="18" charset="0"/>
+                            </a:rPr>
+                          </m:ctrlPr>
+                        </m:naryPr>
+                        <m:sub>
+                          <m:r>
+                            <a:rPr lang="en-US" i="1">
+                              <a:latin typeface="Cambria Math" panose="02040503050406030204" pitchFamily="18" charset="0"/>
+                            </a:rPr>
+                            <m:t>𝑘</m:t>
+                          </m:r>
+                          <m:r>
+                            <a:rPr lang="en-US" i="1">
+                              <a:latin typeface="Cambria Math" panose="02040503050406030204" pitchFamily="18" charset="0"/>
+                            </a:rPr>
+                            <m:t>=0</m:t>
+                          </m:r>
+                        </m:sub>
+                        <m:sup>
+                          <m:r>
+                            <a:rPr lang="en-US" i="1">
+                              <a:latin typeface="Cambria Math" panose="02040503050406030204" pitchFamily="18" charset="0"/>
+                            </a:rPr>
+                            <m:t>𝑛</m:t>
+                          </m:r>
+                          <m:r>
+                            <a:rPr lang="en-US" b="0" i="1" smtClean="0">
+                              <a:latin typeface="Cambria Math" panose="02040503050406030204" pitchFamily="18" charset="0"/>
+                            </a:rPr>
+                            <m:t>−1</m:t>
+                          </m:r>
+                        </m:sup>
+                        <m:e>
+                          <m:r>
+                            <a:rPr lang="en-US" i="1">
+                              <a:latin typeface="Cambria Math" panose="02040503050406030204" pitchFamily="18" charset="0"/>
+                            </a:rPr>
+                            <m:t>𝑘</m:t>
+                          </m:r>
+                          <m:r>
+                            <a:rPr lang="en-US" i="1">
+                              <a:latin typeface="Cambria Math" panose="02040503050406030204" pitchFamily="18" charset="0"/>
+                            </a:rPr>
+                            <m:t>= </m:t>
+                          </m:r>
+                          <m:f>
+                            <m:fPr>
+                              <m:ctrlPr>
+                                <a:rPr lang="en-US" i="1">
+                                  <a:latin typeface="Cambria Math" panose="02040503050406030204" pitchFamily="18" charset="0"/>
+                                </a:rPr>
+                              </m:ctrlPr>
+                            </m:fPr>
+                            <m:num>
+                              <m:r>
+                                <a:rPr lang="en-US" i="1">
+                                  <a:latin typeface="Cambria Math" panose="02040503050406030204" pitchFamily="18" charset="0"/>
+                                </a:rPr>
+                                <m:t>𝑛</m:t>
+                              </m:r>
+                              <m:r>
+                                <a:rPr lang="en-US" i="1">
+                                  <a:latin typeface="Cambria Math" panose="02040503050406030204" pitchFamily="18" charset="0"/>
+                                </a:rPr>
+                                <m:t>∗ </m:t>
+                              </m:r>
+                              <m:d>
+                                <m:dPr>
+                                  <m:ctrlPr>
+                                    <a:rPr lang="en-US" i="1">
+                                      <a:latin typeface="Cambria Math" panose="02040503050406030204" pitchFamily="18" charset="0"/>
+                                    </a:rPr>
+                                  </m:ctrlPr>
+                                </m:dPr>
+                                <m:e>
+                                  <m:r>
+                                    <a:rPr lang="en-US" i="1">
+                                      <a:latin typeface="Cambria Math" panose="02040503050406030204" pitchFamily="18" charset="0"/>
+                                    </a:rPr>
+                                    <m:t>𝑛</m:t>
+                                  </m:r>
+                                  <m:r>
+                                    <a:rPr lang="en-US" b="0" i="1" smtClean="0">
+                                      <a:latin typeface="Cambria Math" panose="02040503050406030204" pitchFamily="18" charset="0"/>
+                                    </a:rPr>
+                                    <m:t>−</m:t>
+                                  </m:r>
+                                  <m:r>
+                                    <a:rPr lang="en-US" i="1">
+                                      <a:latin typeface="Cambria Math" panose="02040503050406030204" pitchFamily="18" charset="0"/>
+                                    </a:rPr>
+                                    <m:t>1</m:t>
+                                  </m:r>
+                                </m:e>
+                              </m:d>
+                            </m:num>
+                            <m:den>
+                              <m:r>
+                                <a:rPr lang="en-US" i="1">
+                                  <a:latin typeface="Cambria Math" panose="02040503050406030204" pitchFamily="18" charset="0"/>
+                                </a:rPr>
+                                <m:t>2</m:t>
+                              </m:r>
+                            </m:den>
+                          </m:f>
+                        </m:e>
+                      </m:nary>
+                    </m:oMath>
+                  </m:oMathPara>
+                </a14:m>
+                <a:endParaRPr lang="en-US" sz="2800" dirty="0"/>
+              </a:p>
+            </p:txBody>
+          </p:sp>
+        </mc:Choice>
+        <mc:Fallback>
+          <p:sp>
+            <p:nvSpPr>
+              <p:cNvPr id="2" name="Content Placeholder 1"/>
+              <p:cNvSpPr>
+                <a:spLocks noGrp="1" noRot="1" noChangeAspect="1" noMove="1" noResize="1" noEditPoints="1" noAdjustHandles="1" noChangeArrowheads="1" noChangeShapeType="1" noTextEdit="1"/>
+              </p:cNvSpPr>
+              <p:nvPr>
+                <p:ph idx="1"/>
+              </p:nvPr>
+            </p:nvSpPr>
+            <p:spPr>
+              <a:xfrm>
+                <a:off x="457200" y="1143000"/>
+                <a:ext cx="8229600" cy="4983163"/>
+              </a:xfrm>
+              <a:blipFill>
+                <a:blip r:embed="rId3"/>
+                <a:stretch>
+                  <a:fillRect/>
+                </a:stretch>
+              </a:blipFill>
+            </p:spPr>
+            <p:txBody>
+              <a:bodyPr/>
+              <a:lstStyle/>
+              <a:p>
+                <a:r>
+                  <a:rPr lang="en-US">
+                    <a:noFill/>
+                  </a:rPr>
+                  <a:t> </a:t>
+                </a:r>
+              </a:p>
+            </p:txBody>
+          </p:sp>
+        </mc:Fallback>
+      </mc:AlternateContent>
+      <p:sp>
+        <p:nvSpPr>
+          <p:cNvPr id="6" name="Rectangle 5">
+            <a:extLst>
+              <a:ext uri="{FF2B5EF4-FFF2-40B4-BE49-F238E27FC236}">
+                <a16:creationId xmlns:a16="http://schemas.microsoft.com/office/drawing/2014/main" id="{0741F591-16BD-46D8-A703-3994B0599D71}"/>
+              </a:ext>
+            </a:extLst>
+          </p:cNvPr>
+          <p:cNvSpPr/>
+          <p:nvPr/>
+        </p:nvSpPr>
+        <p:spPr>
+          <a:xfrm>
+            <a:off x="6223370" y="2381880"/>
+            <a:ext cx="1883849" cy="523220"/>
+          </a:xfrm>
+          <a:prstGeom prst="rect">
+            <a:avLst/>
+          </a:prstGeom>
+        </p:spPr>
+        <p:txBody>
+          <a:bodyPr wrap="none">
+            <a:spAutoFit/>
+          </a:bodyPr>
+          <a:lstStyle/>
+          <a:p>
+            <a:r>
+              <a:rPr lang="en-US" sz="2800" dirty="0"/>
+              <a:t>Open form</a:t>
+            </a:r>
+          </a:p>
+        </p:txBody>
+      </p:sp>
+      <p:cxnSp>
+        <p:nvCxnSpPr>
+          <p:cNvPr id="11" name="Straight Arrow Connector 10">
+            <a:extLst>
+              <a:ext uri="{FF2B5EF4-FFF2-40B4-BE49-F238E27FC236}">
+                <a16:creationId xmlns:a16="http://schemas.microsoft.com/office/drawing/2014/main" id="{C9EE9436-40F5-4B5E-9ABF-3688F5A86F40}"/>
+              </a:ext>
+            </a:extLst>
+          </p:cNvPr>
+          <p:cNvCxnSpPr>
+            <a:cxnSpLocks/>
+          </p:cNvCxnSpPr>
+          <p:nvPr/>
+        </p:nvCxnSpPr>
+        <p:spPr>
+          <a:xfrm flipH="1">
+            <a:off x="5410200" y="2643490"/>
+            <a:ext cx="775292" cy="685800"/>
+          </a:xfrm>
+          <a:prstGeom prst="straightConnector1">
+            <a:avLst/>
+          </a:prstGeom>
+          <a:ln w="44450">
+            <a:solidFill>
+              <a:srgbClr val="FF0000"/>
+            </a:solidFill>
+            <a:tailEnd type="triangle"/>
+          </a:ln>
+        </p:spPr>
+        <p:style>
+          <a:lnRef idx="1">
+            <a:schemeClr val="accent1"/>
+          </a:lnRef>
+          <a:fillRef idx="0">
+            <a:schemeClr val="accent1"/>
+          </a:fillRef>
+          <a:effectRef idx="0">
+            <a:schemeClr val="accent1"/>
+          </a:effectRef>
+          <a:fontRef idx="minor">
+            <a:schemeClr val="tx1"/>
+          </a:fontRef>
+        </p:style>
+      </p:cxnSp>
+      <p:sp>
+        <p:nvSpPr>
+          <p:cNvPr id="14" name="Rectangle 13">
+            <a:extLst>
+              <a:ext uri="{FF2B5EF4-FFF2-40B4-BE49-F238E27FC236}">
+                <a16:creationId xmlns:a16="http://schemas.microsoft.com/office/drawing/2014/main" id="{F8665CC4-06D1-4C17-8C24-71D028205ABB}"/>
+              </a:ext>
+            </a:extLst>
+          </p:cNvPr>
+          <p:cNvSpPr/>
+          <p:nvPr/>
+        </p:nvSpPr>
+        <p:spPr>
+          <a:xfrm>
+            <a:off x="6103146" y="5029200"/>
+            <a:ext cx="2124299" cy="692497"/>
+          </a:xfrm>
+          <a:prstGeom prst="rect">
+            <a:avLst/>
+          </a:prstGeom>
+        </p:spPr>
+        <p:txBody>
+          <a:bodyPr wrap="none">
+            <a:spAutoFit/>
+          </a:bodyPr>
+          <a:lstStyle/>
+          <a:p>
+            <a:r>
+              <a:rPr lang="en-US" sz="2800" dirty="0"/>
+              <a:t>Closed form</a:t>
+            </a:r>
+            <a:endParaRPr lang="en-US" sz="1100" dirty="0"/>
+          </a:p>
+          <a:p>
+            <a:r>
+              <a:rPr lang="en-US" sz="1100" dirty="0"/>
+              <a:t>Induction is used to </a:t>
+            </a:r>
+            <a:r>
+              <a:rPr lang="en-US" sz="1100"/>
+              <a:t>prove this</a:t>
+            </a:r>
+            <a:endParaRPr lang="en-US" sz="1100" dirty="0"/>
+          </a:p>
+        </p:txBody>
+      </p:sp>
+      <p:cxnSp>
+        <p:nvCxnSpPr>
+          <p:cNvPr id="15" name="Straight Arrow Connector 14">
+            <a:extLst>
+              <a:ext uri="{FF2B5EF4-FFF2-40B4-BE49-F238E27FC236}">
+                <a16:creationId xmlns:a16="http://schemas.microsoft.com/office/drawing/2014/main" id="{7A13833B-B713-4167-AA2F-F3AD326C50AD}"/>
+              </a:ext>
+            </a:extLst>
+          </p:cNvPr>
+          <p:cNvCxnSpPr>
+            <a:cxnSpLocks/>
+          </p:cNvCxnSpPr>
+          <p:nvPr/>
+        </p:nvCxnSpPr>
+        <p:spPr>
+          <a:xfrm flipH="1">
+            <a:off x="4699819" y="5328910"/>
+            <a:ext cx="1295400" cy="0"/>
+          </a:xfrm>
+          <a:prstGeom prst="straightConnector1">
+            <a:avLst/>
+          </a:prstGeom>
+          <a:ln w="44450">
+            <a:solidFill>
+              <a:srgbClr val="FF0000"/>
+            </a:solidFill>
+            <a:tailEnd type="triangle"/>
+          </a:ln>
+        </p:spPr>
+        <p:style>
+          <a:lnRef idx="1">
+            <a:schemeClr val="accent1"/>
+          </a:lnRef>
+          <a:fillRef idx="0">
+            <a:schemeClr val="accent1"/>
+          </a:fillRef>
+          <a:effectRef idx="0">
+            <a:schemeClr val="accent1"/>
+          </a:effectRef>
+          <a:fontRef idx="minor">
+            <a:schemeClr val="tx1"/>
+          </a:fontRef>
+        </p:style>
+      </p:cxnSp>
+      <p:sp>
+        <p:nvSpPr>
+          <p:cNvPr id="8" name="Rectangle: Rounded Corners 7">
+            <a:extLst>
+              <a:ext uri="{FF2B5EF4-FFF2-40B4-BE49-F238E27FC236}">
+                <a16:creationId xmlns:a16="http://schemas.microsoft.com/office/drawing/2014/main" id="{607AC9E1-36AA-4BC5-B98F-3D877336B8AC}"/>
+              </a:ext>
+            </a:extLst>
+          </p:cNvPr>
+          <p:cNvSpPr/>
+          <p:nvPr/>
+        </p:nvSpPr>
+        <p:spPr>
+          <a:xfrm>
+            <a:off x="457200" y="1219200"/>
+            <a:ext cx="685800" cy="228600"/>
+          </a:xfrm>
+          <a:prstGeom prst="roundRect">
+            <a:avLst/>
+          </a:prstGeom>
+          <a:noFill/>
+          <a:ln w="19050">
+            <a:solidFill>
+              <a:srgbClr val="FF0000"/>
+            </a:solidFill>
+          </a:ln>
+        </p:spPr>
+        <p:style>
+          <a:lnRef idx="2">
+            <a:schemeClr val="accent1">
+              <a:shade val="50000"/>
+            </a:schemeClr>
+          </a:lnRef>
+          <a:fillRef idx="1">
+            <a:schemeClr val="accent1"/>
+          </a:fillRef>
+          <a:effectRef idx="0">
+            <a:schemeClr val="accent1"/>
+          </a:effectRef>
+          <a:fontRef idx="minor">
+            <a:schemeClr val="lt1"/>
+          </a:fontRef>
+        </p:style>
+        <p:txBody>
+          <a:bodyPr rtlCol="0" anchor="ctr"/>
+          <a:lstStyle/>
+          <a:p>
+            <a:pPr algn="ctr"/>
+            <a:endParaRPr lang="en-US"/>
+          </a:p>
+        </p:txBody>
+      </p:sp>
+      <p:sp>
+        <p:nvSpPr>
+          <p:cNvPr id="9" name="Rectangle: Rounded Corners 8">
+            <a:extLst>
+              <a:ext uri="{FF2B5EF4-FFF2-40B4-BE49-F238E27FC236}">
+                <a16:creationId xmlns:a16="http://schemas.microsoft.com/office/drawing/2014/main" id="{7C1E7702-6AEC-4EB7-8080-10130ED929FB}"/>
+              </a:ext>
+            </a:extLst>
+          </p:cNvPr>
+          <p:cNvSpPr/>
+          <p:nvPr/>
+        </p:nvSpPr>
+        <p:spPr>
+          <a:xfrm>
+            <a:off x="476250" y="2267580"/>
+            <a:ext cx="685800" cy="228600"/>
+          </a:xfrm>
+          <a:prstGeom prst="roundRect">
+            <a:avLst/>
+          </a:prstGeom>
+          <a:noFill/>
+          <a:ln w="19050">
+            <a:solidFill>
+              <a:srgbClr val="FF0000"/>
+            </a:solidFill>
+          </a:ln>
+        </p:spPr>
+        <p:style>
+          <a:lnRef idx="2">
+            <a:schemeClr val="accent1">
+              <a:shade val="50000"/>
+            </a:schemeClr>
+          </a:lnRef>
+          <a:fillRef idx="1">
+            <a:schemeClr val="accent1"/>
+          </a:fillRef>
+          <a:effectRef idx="0">
+            <a:schemeClr val="accent1"/>
+          </a:effectRef>
+          <a:fontRef idx="minor">
+            <a:schemeClr val="lt1"/>
+          </a:fontRef>
+        </p:style>
+        <p:txBody>
+          <a:bodyPr rtlCol="0" anchor="ctr"/>
+          <a:lstStyle/>
+          <a:p>
+            <a:pPr algn="ctr"/>
+            <a:endParaRPr lang="en-US"/>
+          </a:p>
+        </p:txBody>
+      </p:sp>
+    </p:spTree>
+    <p:extLst>
+      <p:ext uri="{BB962C8B-B14F-4D97-AF65-F5344CB8AC3E}">
+        <p14:creationId xmlns:p14="http://schemas.microsoft.com/office/powerpoint/2010/main" val="3223905237"/>
+      </p:ext>
+    </p:extLst>
+  </p:cSld>
+  <p:clrMapOvr>
+    <a:masterClrMapping/>
+  </p:clrMapOvr>
+</p:sld>
+</file>
+
+<file path=ppt/slides/slide12.xml><?xml version="1.0" encoding="utf-8"?>
+<p:sld xmlns:a="http://schemas.openxmlformats.org/drawingml/2006/main" xmlns:r="http://schemas.openxmlformats.org/officeDocument/2006/relationships" xmlns:p="http://schemas.openxmlformats.org/presentationml/2006/main">
+  <p:cSld>
+    <p:spTree>
+      <p:nvGrpSpPr>
+        <p:cNvPr id="1" name=""/>
+        <p:cNvGrpSpPr/>
+        <p:nvPr/>
+      </p:nvGrpSpPr>
+      <p:grpSpPr>
+        <a:xfrm>
+          <a:off x="0" y="0"/>
+          <a:ext cx="0" cy="0"/>
+          <a:chOff x="0" y="0"/>
+          <a:chExt cx="0" cy="0"/>
+        </a:xfrm>
+      </p:grpSpPr>
+      <p:sp>
+        <p:nvSpPr>
+          <p:cNvPr id="3" name="Title 2"/>
+          <p:cNvSpPr>
+            <a:spLocks noGrp="1"/>
+          </p:cNvSpPr>
+          <p:nvPr>
+            <p:ph type="title"/>
+          </p:nvPr>
+        </p:nvSpPr>
+        <p:spPr/>
+        <p:txBody>
+          <a:bodyPr/>
+          <a:lstStyle/>
+          <a:p>
+            <a:pPr>
+              <a:defRPr/>
+            </a:pPr>
+            <a:r>
+              <a:rPr lang="en-US" dirty="0"/>
+              <a:t>Summation Notation &amp; Facts</a:t>
+            </a:r>
+          </a:p>
+        </p:txBody>
+      </p:sp>
+      <mc:AlternateContent xmlns:mc="http://schemas.openxmlformats.org/markup-compatibility/2006">
+        <mc:Choice xmlns:a14="http://schemas.microsoft.com/office/drawing/2010/main" Requires="a14">
+          <p:sp>
+            <p:nvSpPr>
+              <p:cNvPr id="2" name="Content Placeholder 1"/>
+              <p:cNvSpPr>
+                <a:spLocks noGrp="1"/>
+              </p:cNvSpPr>
+              <p:nvPr>
+                <p:ph idx="1"/>
+              </p:nvPr>
+            </p:nvSpPr>
+            <p:spPr>
+              <a:xfrm>
+                <a:off x="457200" y="1143000"/>
+                <a:ext cx="8229600" cy="4983163"/>
+              </a:xfrm>
+            </p:spPr>
+            <p:txBody>
+              <a:bodyPr>
+                <a:normAutofit fontScale="92500"/>
+              </a:bodyPr>
+              <a:lstStyle/>
+              <a:p>
+                <a:pPr marL="0" indent="0">
+                  <a:buNone/>
+                  <a:defRPr/>
+                </a:pPr>
+                <a14:m>
+                  <m:oMathPara xmlns:m="http://schemas.openxmlformats.org/officeDocument/2006/math">
+                    <m:oMathParaPr>
+                      <m:jc m:val="left"/>
+                    </m:oMathParaPr>
+                    <m:oMath xmlns:m="http://schemas.openxmlformats.org/officeDocument/2006/math">
+                      <m:nary>
+                        <m:naryPr>
+                          <m:chr m:val="∑"/>
+                          <m:limLoc m:val="undOvr"/>
+                          <m:ctrlPr>
+                            <a:rPr lang="en-US" i="1" smtClean="0">
+                              <a:latin typeface="Cambria Math" panose="02040503050406030204" pitchFamily="18" charset="0"/>
+                            </a:rPr>
+                          </m:ctrlPr>
+                        </m:naryPr>
+                        <m:sub>
+                          <m:r>
+                            <a:rPr lang="en-US" i="1">
+                              <a:latin typeface="Cambria Math" panose="02040503050406030204" pitchFamily="18" charset="0"/>
+                            </a:rPr>
+                            <m:t>𝑘</m:t>
+                          </m:r>
+                          <m:r>
+                            <a:rPr lang="en-US" i="1">
+                              <a:latin typeface="Cambria Math" panose="02040503050406030204" pitchFamily="18" charset="0"/>
+                            </a:rPr>
+                            <m:t>=1</m:t>
+                          </m:r>
+                        </m:sub>
+                        <m:sup>
+                          <m:r>
+                            <a:rPr lang="en-US" i="1">
+                              <a:latin typeface="Cambria Math" panose="02040503050406030204" pitchFamily="18" charset="0"/>
+                            </a:rPr>
+                            <m:t>𝑛</m:t>
+                          </m:r>
+                        </m:sup>
+                        <m:e>
+                          <m:r>
+                            <a:rPr lang="en-US" i="1">
+                              <a:latin typeface="Cambria Math" panose="02040503050406030204" pitchFamily="18" charset="0"/>
+                            </a:rPr>
+                            <m:t>𝑘</m:t>
+                          </m:r>
+                          <m:r>
+                            <a:rPr lang="en-US" b="0" i="1" smtClean="0">
+                              <a:latin typeface="Cambria Math" panose="02040503050406030204" pitchFamily="18" charset="0"/>
+                            </a:rPr>
+                            <m:t>= </m:t>
+                          </m:r>
+                          <m:r>
+                            <a:rPr lang="en-US" b="0" i="1" smtClean="0">
+                              <a:solidFill>
+                                <a:srgbClr val="FF0000"/>
+                              </a:solidFill>
+                              <a:latin typeface="Cambria Math" panose="02040503050406030204" pitchFamily="18" charset="0"/>
+                            </a:rPr>
+                            <m:t>?</m:t>
+                          </m:r>
+                        </m:e>
+                      </m:nary>
+                    </m:oMath>
+                  </m:oMathPara>
+                </a14:m>
+                <a:endParaRPr lang="en-US" dirty="0"/>
+              </a:p>
+              <a:p>
+                <a:pPr marL="0" indent="0">
+                  <a:buNone/>
+                  <a:defRPr/>
+                </a:pPr>
+                <a:endParaRPr lang="en-US" i="1" dirty="0"/>
+              </a:p>
+              <a:p>
+                <a:pPr marL="0" indent="0">
+                  <a:buNone/>
+                  <a:defRPr/>
+                </a:pPr>
+                <a14:m>
+                  <m:oMathPara xmlns:m="http://schemas.openxmlformats.org/officeDocument/2006/math">
+                    <m:oMathParaPr>
+                      <m:jc m:val="left"/>
+                    </m:oMathParaPr>
+                    <m:oMath xmlns:m="http://schemas.openxmlformats.org/officeDocument/2006/math">
+                      <m:nary>
+                        <m:naryPr>
+                          <m:chr m:val="∑"/>
+                          <m:limLoc m:val="undOvr"/>
+                          <m:ctrlPr>
+                            <a:rPr lang="en-US" i="1">
+                              <a:latin typeface="Cambria Math" panose="02040503050406030204" pitchFamily="18" charset="0"/>
+                            </a:rPr>
+                          </m:ctrlPr>
+                        </m:naryPr>
+                        <m:sub>
+                          <m:r>
+                            <a:rPr lang="en-US" i="1">
+                              <a:latin typeface="Cambria Math" panose="02040503050406030204" pitchFamily="18" charset="0"/>
+                            </a:rPr>
+                            <m:t>𝑘</m:t>
+                          </m:r>
+                          <m:r>
+                            <a:rPr lang="en-US" i="1">
+                              <a:latin typeface="Cambria Math" panose="02040503050406030204" pitchFamily="18" charset="0"/>
+                            </a:rPr>
+                            <m:t>=1</m:t>
+                          </m:r>
+                        </m:sub>
+                        <m:sup>
+                          <m:r>
+                            <a:rPr lang="en-US" i="1">
+                              <a:latin typeface="Cambria Math" panose="02040503050406030204" pitchFamily="18" charset="0"/>
+                            </a:rPr>
+                            <m:t>𝑛</m:t>
+                          </m:r>
+                        </m:sup>
+                        <m:e>
+                          <m:r>
+                            <a:rPr lang="en-US" i="1">
+                              <a:latin typeface="Cambria Math" panose="02040503050406030204" pitchFamily="18" charset="0"/>
+                            </a:rPr>
+                            <m:t>𝑘</m:t>
+                          </m:r>
+                          <m:r>
+                            <a:rPr lang="en-US" i="1">
+                              <a:latin typeface="Cambria Math" panose="02040503050406030204" pitchFamily="18" charset="0"/>
+                            </a:rPr>
+                            <m:t>=1+2+…+</m:t>
+                          </m:r>
+                          <m:r>
+                            <a:rPr lang="en-US" i="1">
+                              <a:latin typeface="Cambria Math" panose="02040503050406030204" pitchFamily="18" charset="0"/>
+                            </a:rPr>
+                            <m:t>𝑛</m:t>
+                          </m:r>
+                        </m:e>
+                      </m:nary>
+                    </m:oMath>
+                  </m:oMathPara>
+                </a14:m>
+                <a:endParaRPr lang="en-US" sz="2800" dirty="0"/>
+              </a:p>
+              <a:p>
+                <a:pPr marL="0" indent="0">
+                  <a:buNone/>
+                  <a:defRPr/>
+                </a:pPr>
+                <a:endParaRPr lang="en-US" sz="2800" dirty="0"/>
+              </a:p>
+              <a:p>
+                <a:pPr marL="0" indent="0">
+                  <a:buNone/>
+                  <a:defRPr/>
+                </a:pPr>
+                <a14:m>
+                  <m:oMathPara xmlns:m="http://schemas.openxmlformats.org/officeDocument/2006/math">
+                    <m:oMathParaPr>
+                      <m:jc m:val="left"/>
+                    </m:oMathParaPr>
+                    <m:oMath xmlns:m="http://schemas.openxmlformats.org/officeDocument/2006/math">
+                      <m:nary>
+                        <m:naryPr>
+                          <m:chr m:val="∑"/>
+                          <m:limLoc m:val="undOvr"/>
+                          <m:ctrlPr>
+                            <a:rPr lang="en-US" i="1">
+                              <a:latin typeface="Cambria Math" panose="02040503050406030204" pitchFamily="18" charset="0"/>
+                            </a:rPr>
+                          </m:ctrlPr>
+                        </m:naryPr>
+                        <m:sub>
+                          <m:r>
+                            <a:rPr lang="en-US" i="1">
+                              <a:latin typeface="Cambria Math" panose="02040503050406030204" pitchFamily="18" charset="0"/>
+                            </a:rPr>
+                            <m:t>𝑘</m:t>
+                          </m:r>
+                          <m:r>
+                            <a:rPr lang="en-US" i="1">
+                              <a:latin typeface="Cambria Math" panose="02040503050406030204" pitchFamily="18" charset="0"/>
+                            </a:rPr>
+                            <m:t>=1</m:t>
+                          </m:r>
+                        </m:sub>
+                        <m:sup>
+                          <m:r>
+                            <a:rPr lang="en-US" i="1">
+                              <a:latin typeface="Cambria Math" panose="02040503050406030204" pitchFamily="18" charset="0"/>
+                            </a:rPr>
+                            <m:t>𝑛</m:t>
+                          </m:r>
+                        </m:sup>
+                        <m:e>
+                          <m:r>
+                            <a:rPr lang="en-US" i="1">
+                              <a:latin typeface="Cambria Math" panose="02040503050406030204" pitchFamily="18" charset="0"/>
+                            </a:rPr>
+                            <m:t>𝑘</m:t>
+                          </m:r>
+                          <m:r>
+                            <a:rPr lang="en-US" i="1">
+                              <a:latin typeface="Cambria Math" panose="02040503050406030204" pitchFamily="18" charset="0"/>
+                            </a:rPr>
+                            <m:t>= </m:t>
+                          </m:r>
+                          <m:f>
+                            <m:fPr>
+                              <m:ctrlPr>
+                                <a:rPr lang="en-US" i="1">
+                                  <a:latin typeface="Cambria Math" panose="02040503050406030204" pitchFamily="18" charset="0"/>
+                                </a:rPr>
+                              </m:ctrlPr>
+                            </m:fPr>
+                            <m:num>
+                              <m:r>
+                                <a:rPr lang="en-US" i="1">
+                                  <a:latin typeface="Cambria Math" panose="02040503050406030204" pitchFamily="18" charset="0"/>
+                                </a:rPr>
+                                <m:t>𝑛</m:t>
+                              </m:r>
+                              <m:r>
+                                <a:rPr lang="en-US" i="1">
+                                  <a:latin typeface="Cambria Math" panose="02040503050406030204" pitchFamily="18" charset="0"/>
+                                </a:rPr>
+                                <m:t>∗ </m:t>
+                              </m:r>
+                              <m:d>
+                                <m:dPr>
+                                  <m:ctrlPr>
+                                    <a:rPr lang="en-US" i="1">
+                                      <a:latin typeface="Cambria Math" panose="02040503050406030204" pitchFamily="18" charset="0"/>
+                                    </a:rPr>
+                                  </m:ctrlPr>
+                                </m:dPr>
+                                <m:e>
+                                  <m:r>
+                                    <a:rPr lang="en-US" i="1">
+                                      <a:latin typeface="Cambria Math" panose="02040503050406030204" pitchFamily="18" charset="0"/>
+                                    </a:rPr>
+                                    <m:t>𝑛</m:t>
+                                  </m:r>
+                                  <m:r>
+                                    <a:rPr lang="en-US" i="1">
+                                      <a:latin typeface="Cambria Math" panose="02040503050406030204" pitchFamily="18" charset="0"/>
+                                    </a:rPr>
+                                    <m:t>+1</m:t>
+                                  </m:r>
+                                </m:e>
+                              </m:d>
+                            </m:num>
+                            <m:den>
+                              <m:r>
+                                <a:rPr lang="en-US" i="1">
+                                  <a:latin typeface="Cambria Math" panose="02040503050406030204" pitchFamily="18" charset="0"/>
+                                </a:rPr>
+                                <m:t>2</m:t>
+                              </m:r>
+                            </m:den>
+                          </m:f>
+                        </m:e>
+                      </m:nary>
+                    </m:oMath>
+                  </m:oMathPara>
+                </a14:m>
+                <a:endParaRPr lang="en-US" sz="2800" dirty="0"/>
+              </a:p>
+            </p:txBody>
+          </p:sp>
+        </mc:Choice>
+        <mc:Fallback>
+          <p:sp>
+            <p:nvSpPr>
+              <p:cNvPr id="2" name="Content Placeholder 1"/>
+              <p:cNvSpPr>
+                <a:spLocks noGrp="1" noRot="1" noChangeAspect="1" noMove="1" noResize="1" noEditPoints="1" noAdjustHandles="1" noChangeArrowheads="1" noChangeShapeType="1" noTextEdit="1"/>
+              </p:cNvSpPr>
+              <p:nvPr>
+                <p:ph idx="1"/>
+              </p:nvPr>
+            </p:nvSpPr>
+            <p:spPr>
+              <a:xfrm>
+                <a:off x="457200" y="1143000"/>
+                <a:ext cx="8229600" cy="4983163"/>
+              </a:xfrm>
+              <a:blipFill>
+                <a:blip r:embed="rId3"/>
+                <a:stretch>
+                  <a:fillRect/>
+                </a:stretch>
+              </a:blipFill>
+            </p:spPr>
+            <p:txBody>
+              <a:bodyPr/>
+              <a:lstStyle/>
+              <a:p>
+                <a:r>
+                  <a:rPr lang="en-US">
+                    <a:noFill/>
+                  </a:rPr>
+                  <a:t> </a:t>
+                </a:r>
+              </a:p>
+            </p:txBody>
+          </p:sp>
+        </mc:Fallback>
+      </mc:AlternateContent>
+      <p:sp>
+        <p:nvSpPr>
+          <p:cNvPr id="14" name="Rectangle 13">
+            <a:extLst>
+              <a:ext uri="{FF2B5EF4-FFF2-40B4-BE49-F238E27FC236}">
+                <a16:creationId xmlns:a16="http://schemas.microsoft.com/office/drawing/2014/main" id="{F8665CC4-06D1-4C17-8C24-71D028205ABB}"/>
+              </a:ext>
+            </a:extLst>
+          </p:cNvPr>
+          <p:cNvSpPr/>
+          <p:nvPr/>
+        </p:nvSpPr>
+        <p:spPr>
+          <a:xfrm>
+            <a:off x="6103146" y="5029200"/>
+            <a:ext cx="2124299" cy="692497"/>
+          </a:xfrm>
+          <a:prstGeom prst="rect">
+            <a:avLst/>
+          </a:prstGeom>
+        </p:spPr>
+        <p:txBody>
+          <a:bodyPr wrap="none">
+            <a:spAutoFit/>
+          </a:bodyPr>
+          <a:lstStyle/>
+          <a:p>
+            <a:r>
+              <a:rPr lang="en-US" sz="2800" dirty="0"/>
+              <a:t>Closed form</a:t>
+            </a:r>
+          </a:p>
+          <a:p>
+            <a:r>
+              <a:rPr lang="en-US" sz="1100" dirty="0"/>
+              <a:t>Induction is used to prove this</a:t>
+            </a:r>
+          </a:p>
+        </p:txBody>
+      </p:sp>
+      <p:cxnSp>
+        <p:nvCxnSpPr>
+          <p:cNvPr id="15" name="Straight Arrow Connector 14">
+            <a:extLst>
+              <a:ext uri="{FF2B5EF4-FFF2-40B4-BE49-F238E27FC236}">
+                <a16:creationId xmlns:a16="http://schemas.microsoft.com/office/drawing/2014/main" id="{7A13833B-B713-4167-AA2F-F3AD326C50AD}"/>
+              </a:ext>
+            </a:extLst>
+          </p:cNvPr>
+          <p:cNvCxnSpPr>
+            <a:cxnSpLocks/>
+          </p:cNvCxnSpPr>
+          <p:nvPr/>
+        </p:nvCxnSpPr>
+        <p:spPr>
+          <a:xfrm flipH="1">
+            <a:off x="4699819" y="5328910"/>
+            <a:ext cx="1295400" cy="0"/>
+          </a:xfrm>
+          <a:prstGeom prst="straightConnector1">
+            <a:avLst/>
+          </a:prstGeom>
+          <a:ln w="44450">
+            <a:solidFill>
+              <a:srgbClr val="FF0000"/>
+            </a:solidFill>
+            <a:tailEnd type="triangle"/>
+          </a:ln>
+        </p:spPr>
+        <p:style>
+          <a:lnRef idx="1">
+            <a:schemeClr val="accent1"/>
+          </a:lnRef>
+          <a:fillRef idx="0">
+            <a:schemeClr val="accent1"/>
+          </a:fillRef>
+          <a:effectRef idx="0">
+            <a:schemeClr val="accent1"/>
+          </a:effectRef>
+          <a:fontRef idx="minor">
+            <a:schemeClr val="tx1"/>
+          </a:fontRef>
+        </p:style>
+      </p:cxnSp>
+      <p:sp>
+        <p:nvSpPr>
+          <p:cNvPr id="16" name="Rectangle 15">
+            <a:extLst>
+              <a:ext uri="{FF2B5EF4-FFF2-40B4-BE49-F238E27FC236}">
+                <a16:creationId xmlns:a16="http://schemas.microsoft.com/office/drawing/2014/main" id="{A1B28F47-3634-4B38-B4B3-0FE70AE4A333}"/>
+              </a:ext>
+            </a:extLst>
+          </p:cNvPr>
+          <p:cNvSpPr/>
+          <p:nvPr/>
+        </p:nvSpPr>
+        <p:spPr>
+          <a:xfrm>
+            <a:off x="6223370" y="2381880"/>
+            <a:ext cx="1883849" cy="523220"/>
+          </a:xfrm>
+          <a:prstGeom prst="rect">
+            <a:avLst/>
+          </a:prstGeom>
+        </p:spPr>
+        <p:txBody>
+          <a:bodyPr wrap="none">
+            <a:spAutoFit/>
+          </a:bodyPr>
+          <a:lstStyle/>
+          <a:p>
+            <a:r>
+              <a:rPr lang="en-US" sz="2800" dirty="0"/>
+              <a:t>Open form</a:t>
+            </a:r>
+          </a:p>
+        </p:txBody>
+      </p:sp>
+      <p:cxnSp>
+        <p:nvCxnSpPr>
+          <p:cNvPr id="17" name="Straight Arrow Connector 16">
+            <a:extLst>
+              <a:ext uri="{FF2B5EF4-FFF2-40B4-BE49-F238E27FC236}">
+                <a16:creationId xmlns:a16="http://schemas.microsoft.com/office/drawing/2014/main" id="{C241B1F5-D052-4543-A41E-0F3C6B3F7E71}"/>
+              </a:ext>
+            </a:extLst>
+          </p:cNvPr>
+          <p:cNvCxnSpPr>
+            <a:cxnSpLocks/>
+          </p:cNvCxnSpPr>
+          <p:nvPr/>
+        </p:nvCxnSpPr>
+        <p:spPr>
+          <a:xfrm flipH="1">
+            <a:off x="4267200" y="2643490"/>
+            <a:ext cx="1918292" cy="785510"/>
+          </a:xfrm>
+          <a:prstGeom prst="straightConnector1">
+            <a:avLst/>
+          </a:prstGeom>
+          <a:ln w="44450">
+            <a:solidFill>
+              <a:srgbClr val="FF0000"/>
+            </a:solidFill>
+            <a:tailEnd type="triangle"/>
+          </a:ln>
+        </p:spPr>
+        <p:style>
+          <a:lnRef idx="1">
+            <a:schemeClr val="accent1"/>
+          </a:lnRef>
+          <a:fillRef idx="0">
+            <a:schemeClr val="accent1"/>
+          </a:fillRef>
+          <a:effectRef idx="0">
+            <a:schemeClr val="accent1"/>
+          </a:effectRef>
+          <a:fontRef idx="minor">
+            <a:schemeClr val="tx1"/>
+          </a:fontRef>
+        </p:style>
+      </p:cxnSp>
+      <p:sp>
+        <p:nvSpPr>
+          <p:cNvPr id="8" name="Rectangle: Rounded Corners 7">
+            <a:extLst>
+              <a:ext uri="{FF2B5EF4-FFF2-40B4-BE49-F238E27FC236}">
+                <a16:creationId xmlns:a16="http://schemas.microsoft.com/office/drawing/2014/main" id="{747596E8-62BD-4734-A7F3-8A3D91547224}"/>
+              </a:ext>
+            </a:extLst>
+          </p:cNvPr>
+          <p:cNvSpPr/>
+          <p:nvPr/>
+        </p:nvSpPr>
+        <p:spPr>
+          <a:xfrm>
+            <a:off x="457200" y="1219200"/>
+            <a:ext cx="685800" cy="228600"/>
+          </a:xfrm>
+          <a:prstGeom prst="roundRect">
+            <a:avLst/>
+          </a:prstGeom>
+          <a:noFill/>
+          <a:ln w="19050">
+            <a:solidFill>
+              <a:srgbClr val="FF0000"/>
+            </a:solidFill>
+          </a:ln>
+        </p:spPr>
+        <p:style>
+          <a:lnRef idx="2">
+            <a:schemeClr val="accent1">
+              <a:shade val="50000"/>
+            </a:schemeClr>
+          </a:lnRef>
+          <a:fillRef idx="1">
+            <a:schemeClr val="accent1"/>
+          </a:fillRef>
+          <a:effectRef idx="0">
+            <a:schemeClr val="accent1"/>
+          </a:effectRef>
+          <a:fontRef idx="minor">
+            <a:schemeClr val="lt1"/>
+          </a:fontRef>
+        </p:style>
+        <p:txBody>
+          <a:bodyPr rtlCol="0" anchor="ctr"/>
+          <a:lstStyle/>
+          <a:p>
+            <a:pPr algn="ctr"/>
+            <a:endParaRPr lang="en-US"/>
+          </a:p>
+        </p:txBody>
+      </p:sp>
+      <p:sp>
+        <p:nvSpPr>
+          <p:cNvPr id="9" name="Rectangle: Rounded Corners 8">
+            <a:extLst>
+              <a:ext uri="{FF2B5EF4-FFF2-40B4-BE49-F238E27FC236}">
+                <a16:creationId xmlns:a16="http://schemas.microsoft.com/office/drawing/2014/main" id="{75D64EE4-DDC8-4E97-993D-52C8D857A02C}"/>
+              </a:ext>
+            </a:extLst>
+          </p:cNvPr>
+          <p:cNvSpPr/>
+          <p:nvPr/>
+        </p:nvSpPr>
+        <p:spPr>
+          <a:xfrm>
+            <a:off x="457200" y="2240280"/>
+            <a:ext cx="685800" cy="228600"/>
+          </a:xfrm>
+          <a:prstGeom prst="roundRect">
+            <a:avLst/>
+          </a:prstGeom>
+          <a:noFill/>
+          <a:ln w="19050">
+            <a:solidFill>
+              <a:srgbClr val="FF0000"/>
+            </a:solidFill>
+          </a:ln>
+        </p:spPr>
+        <p:style>
+          <a:lnRef idx="2">
+            <a:schemeClr val="accent1">
+              <a:shade val="50000"/>
+            </a:schemeClr>
+          </a:lnRef>
+          <a:fillRef idx="1">
+            <a:schemeClr val="accent1"/>
+          </a:fillRef>
+          <a:effectRef idx="0">
+            <a:schemeClr val="accent1"/>
+          </a:effectRef>
+          <a:fontRef idx="minor">
+            <a:schemeClr val="lt1"/>
+          </a:fontRef>
+        </p:style>
+        <p:txBody>
+          <a:bodyPr rtlCol="0" anchor="ctr"/>
+          <a:lstStyle/>
+          <a:p>
+            <a:pPr algn="ctr"/>
+            <a:endParaRPr lang="en-US"/>
+          </a:p>
+        </p:txBody>
+      </p:sp>
+    </p:spTree>
+    <p:extLst>
+      <p:ext uri="{BB962C8B-B14F-4D97-AF65-F5344CB8AC3E}">
+        <p14:creationId xmlns:p14="http://schemas.microsoft.com/office/powerpoint/2010/main" val="1436146239"/>
+      </p:ext>
+    </p:extLst>
+  </p:cSld>
+  <p:clrMapOvr>
+    <a:masterClrMapping/>
+  </p:clrMapOvr>
+</p:sld>
+</file>
+
+<file path=ppt/slides/slide13.xml><?xml version="1.0" encoding="utf-8"?>
+<p:sld xmlns:a="http://schemas.openxmlformats.org/drawingml/2006/main" xmlns:r="http://schemas.openxmlformats.org/officeDocument/2006/relationships" xmlns:p="http://schemas.openxmlformats.org/presentationml/2006/main">
+  <p:cSld>
+    <p:spTree>
+      <p:nvGrpSpPr>
+        <p:cNvPr id="1" name=""/>
+        <p:cNvGrpSpPr/>
+        <p:nvPr/>
+      </p:nvGrpSpPr>
+      <p:grpSpPr>
+        <a:xfrm>
+          <a:off x="0" y="0"/>
+          <a:ext cx="0" cy="0"/>
+          <a:chOff x="0" y="0"/>
+          <a:chExt cx="0" cy="0"/>
+        </a:xfrm>
+      </p:grpSpPr>
+      <p:sp>
+        <p:nvSpPr>
+          <p:cNvPr id="3" name="Title 2"/>
+          <p:cNvSpPr>
+            <a:spLocks noGrp="1"/>
+          </p:cNvSpPr>
+          <p:nvPr>
+            <p:ph type="title"/>
+          </p:nvPr>
+        </p:nvSpPr>
+        <p:spPr/>
+        <p:txBody>
+          <a:bodyPr/>
+          <a:lstStyle/>
+          <a:p>
+            <a:pPr>
+              <a:defRPr/>
+            </a:pPr>
+            <a:r>
+              <a:rPr lang="en-US" dirty="0"/>
               <a:t>Big-Oh Notation</a:t>
             </a:r>
-            <a:endParaRPr lang="en-US" dirty="0"/>
-          </a:p>
-        </p:txBody>
-      </p:sp>
-      <p:sp>
-        <p:nvSpPr>
-          <p:cNvPr id="18434" name="Content Placeholder 1"/>
-          <p:cNvSpPr>
-            <a:spLocks noGrp="1"/>
-          </p:cNvSpPr>
-          <p:nvPr>
-            <p:ph idx="1"/>
-          </p:nvPr>
-        </p:nvSpPr>
-        <p:spPr/>
-        <p:txBody>
-          <a:bodyPr>
-            <a:normAutofit lnSpcReduction="10000"/>
-          </a:bodyPr>
-          <a:lstStyle/>
-          <a:p>
-            <a:r>
-              <a:rPr lang="en-US" dirty="0" smtClean="0"/>
-              <a:t>In analysis of algorithms we care about differences between algorithms on very large inputs</a:t>
-            </a:r>
-          </a:p>
-          <a:p>
-            <a:endParaRPr lang="en-US" dirty="0" smtClean="0"/>
-          </a:p>
-          <a:p>
-            <a:r>
-              <a:rPr lang="en-US" dirty="0" smtClean="0"/>
-              <a:t>We say, “selection sort takes on the order of n</a:t>
-            </a:r>
-            <a:r>
-              <a:rPr lang="en-US" baseline="30000" dirty="0" smtClean="0"/>
-              <a:t>2</a:t>
-            </a:r>
-            <a:r>
-              <a:rPr lang="en-US" dirty="0" smtClean="0"/>
-              <a:t> steps”</a:t>
-            </a:r>
-          </a:p>
-          <a:p>
-            <a:endParaRPr lang="en-US" dirty="0" smtClean="0"/>
-          </a:p>
-          <a:p>
-            <a:r>
-              <a:rPr lang="en-US" dirty="0" smtClean="0"/>
-              <a:t>Big-Oh gives a formal definition for</a:t>
-            </a:r>
-            <a:br>
-              <a:rPr lang="en-US" dirty="0" smtClean="0"/>
-            </a:br>
-            <a:r>
-              <a:rPr lang="en-US" dirty="0" smtClean="0"/>
-              <a:t>“on the order of”</a:t>
-            </a:r>
-          </a:p>
-        </p:txBody>
-      </p:sp>
+          </a:p>
+        </p:txBody>
+      </p:sp>
+      <mc:AlternateContent xmlns:mc="http://schemas.openxmlformats.org/markup-compatibility/2006">
+        <mc:Choice xmlns:a14="http://schemas.microsoft.com/office/drawing/2010/main" Requires="a14">
+          <p:sp>
+            <p:nvSpPr>
+              <p:cNvPr id="18434" name="Content Placeholder 1"/>
+              <p:cNvSpPr>
+                <a:spLocks noGrp="1"/>
+              </p:cNvSpPr>
+              <p:nvPr>
+                <p:ph idx="1"/>
+              </p:nvPr>
+            </p:nvSpPr>
+            <p:spPr/>
+            <p:txBody>
+              <a:bodyPr>
+                <a:normAutofit lnSpcReduction="10000"/>
+              </a:bodyPr>
+              <a:lstStyle/>
+              <a:p>
+                <a:r>
+                  <a:rPr lang="en-US" dirty="0"/>
+                  <a:t>In analysis of algorithms we care about differences between algorithms on very large inputs, i.e., as </a:t>
+                </a:r>
+                <a14:m>
+                  <m:oMath xmlns:m="http://schemas.openxmlformats.org/officeDocument/2006/math">
+                    <m:r>
+                      <a:rPr lang="en-US" b="0" i="1" smtClean="0">
+                        <a:latin typeface="Cambria Math" panose="02040503050406030204" pitchFamily="18" charset="0"/>
+                      </a:rPr>
+                      <m:t>𝑛</m:t>
+                    </m:r>
+                    <m:r>
+                      <a:rPr lang="en-US" b="0" i="1" smtClean="0">
+                        <a:latin typeface="Cambria Math" panose="02040503050406030204" pitchFamily="18" charset="0"/>
+                      </a:rPr>
+                      <m:t> → ∞</m:t>
+                    </m:r>
+                  </m:oMath>
+                </a14:m>
+                <a:endParaRPr lang="en-US" dirty="0"/>
+              </a:p>
+              <a:p>
+                <a:endParaRPr lang="en-US" dirty="0"/>
+              </a:p>
+              <a:p>
+                <a:r>
+                  <a:rPr lang="en-US" dirty="0"/>
+                  <a:t>We say, “selection sort takes on the order of n</a:t>
+                </a:r>
+                <a:r>
+                  <a:rPr lang="en-US" baseline="30000" dirty="0"/>
+                  <a:t>2</a:t>
+                </a:r>
+                <a:r>
+                  <a:rPr lang="en-US" dirty="0"/>
+                  <a:t> steps”</a:t>
+                </a:r>
+              </a:p>
+              <a:p>
+                <a:endParaRPr lang="en-US" dirty="0"/>
+              </a:p>
+              <a:p>
+                <a:r>
+                  <a:rPr lang="en-US" dirty="0"/>
+                  <a:t>Big-Oh gives a formal definition for</a:t>
+                </a:r>
+                <a:br>
+                  <a:rPr lang="en-US" dirty="0"/>
+                </a:br>
+                <a:r>
+                  <a:rPr lang="en-US" dirty="0"/>
+                  <a:t>“on the order of”</a:t>
+                </a:r>
+              </a:p>
+            </p:txBody>
+          </p:sp>
+        </mc:Choice>
+        <mc:Fallback>
+          <p:sp>
+            <p:nvSpPr>
+              <p:cNvPr id="18434" name="Content Placeholder 1"/>
+              <p:cNvSpPr>
+                <a:spLocks noGrp="1" noRot="1" noChangeAspect="1" noMove="1" noResize="1" noEditPoints="1" noAdjustHandles="1" noChangeArrowheads="1" noChangeShapeType="1" noTextEdit="1"/>
+              </p:cNvSpPr>
+              <p:nvPr>
+                <p:ph idx="1"/>
+              </p:nvPr>
+            </p:nvSpPr>
+            <p:spPr>
+              <a:blipFill>
+                <a:blip r:embed="rId3"/>
+                <a:stretch>
+                  <a:fillRect l="-1704" t="-2830" b="-2291"/>
+                </a:stretch>
+              </a:blipFill>
+            </p:spPr>
+            <p:txBody>
+              <a:bodyPr/>
+              <a:lstStyle/>
+              <a:p>
+                <a:r>
+                  <a:rPr lang="en-US">
+                    <a:noFill/>
+                  </a:rPr>
+                  <a:t> </a:t>
+                </a:r>
+              </a:p>
+            </p:txBody>
+          </p:sp>
+        </mc:Fallback>
+      </mc:AlternateContent>
       <p:sp>
         <p:nvSpPr>
           <p:cNvPr id="4" name="TextBox 3"/>
@@ -6330,10 +8218,9 @@
           <a:lstStyle/>
           <a:p>
             <a:r>
-              <a:rPr lang="en-US" dirty="0" smtClean="0"/>
+              <a:rPr lang="en-US" dirty="0"/>
               <a:t>Q8</a:t>
             </a:r>
-            <a:endParaRPr lang="en-US" dirty="0"/>
           </a:p>
         </p:txBody>
       </p:sp>
@@ -6342,17 +8229,10 @@
   <p:clrMapOvr>
     <a:masterClrMapping/>
   </p:clrMapOvr>
-  <p:timing>
-    <p:tnLst>
-      <p:par>
-        <p:cTn id="1" dur="indefinite" restart="never" nodeType="tmRoot"/>
-      </p:par>
-    </p:tnLst>
-  </p:timing>
 </p:sld>
 </file>
 
-<file path=ppt/slides/slide11.xml><?xml version="1.0" encoding="utf-8"?>
+<file path=ppt/slides/slide14.xml><?xml version="1.0" encoding="utf-8"?>
 <p:sld xmlns:a="http://schemas.openxmlformats.org/drawingml/2006/main" xmlns:r="http://schemas.openxmlformats.org/officeDocument/2006/relationships" xmlns:p="http://schemas.openxmlformats.org/presentationml/2006/main">
   <p:cSld>
     <p:spTree>
@@ -6388,10 +8268,9 @@
               <a:defRPr/>
             </a:pPr>
             <a:r>
-              <a:rPr lang="en-US" dirty="0" smtClean="0"/>
+              <a:rPr lang="en-US" dirty="0"/>
               <a:t>Formally</a:t>
             </a:r>
-            <a:endParaRPr lang="en-US" dirty="0"/>
           </a:p>
         </p:txBody>
       </p:sp>
@@ -6414,11 +8293,11 @@
               <a:defRPr/>
             </a:pPr>
             <a:r>
-              <a:rPr lang="en-US" sz="2400" dirty="0" smtClean="0"/>
+              <a:rPr lang="en-US" sz="2400" dirty="0"/>
               <a:t>We write </a:t>
             </a:r>
             <a:r>
-              <a:rPr lang="en-US" sz="2400" dirty="0" smtClean="0">
+              <a:rPr lang="en-US" sz="2400" dirty="0">
                 <a:solidFill>
                   <a:schemeClr val="accent3"/>
                 </a:solidFill>
@@ -6426,18 +8305,18 @@
               <a:t>f(n) = O(g(n))</a:t>
             </a:r>
             <a:r>
-              <a:rPr lang="en-US" sz="2400" dirty="0" smtClean="0"/>
+              <a:rPr lang="en-US" sz="2400" dirty="0"/>
               <a:t>, and </a:t>
             </a:r>
             <a:br>
-              <a:rPr lang="en-US" sz="2400" dirty="0" smtClean="0"/>
+              <a:rPr lang="en-US" sz="2400" dirty="0"/>
             </a:br>
             <a:r>
-              <a:rPr lang="en-US" sz="2400" dirty="0" smtClean="0"/>
+              <a:rPr lang="en-US" sz="2400" dirty="0"/>
               <a:t>say </a:t>
             </a:r>
             <a:r>
-              <a:rPr lang="en-US" sz="2400" dirty="0" smtClean="0">
+              <a:rPr lang="en-US" sz="2400" dirty="0">
                 <a:solidFill>
                   <a:schemeClr val="accent3"/>
                 </a:solidFill>
@@ -6450,11 +8329,11 @@
               <a:defRPr/>
             </a:pPr>
             <a:r>
-              <a:rPr lang="en-US" sz="2400" dirty="0" smtClean="0"/>
+              <a:rPr lang="en-US" sz="2400" dirty="0"/>
               <a:t>if there exists positive constants </a:t>
             </a:r>
             <a:r>
-              <a:rPr lang="en-US" sz="2400" dirty="0" smtClean="0">
+              <a:rPr lang="en-US" sz="2400" dirty="0">
                 <a:solidFill>
                   <a:schemeClr val="accent3"/>
                 </a:solidFill>
@@ -6462,11 +8341,11 @@
               <a:t>c</a:t>
             </a:r>
             <a:r>
-              <a:rPr lang="en-US" sz="2400" dirty="0" smtClean="0"/>
+              <a:rPr lang="en-US" sz="2400" dirty="0"/>
               <a:t> and </a:t>
             </a:r>
             <a:r>
-              <a:rPr lang="en-US" sz="2400" dirty="0" smtClean="0">
+              <a:rPr lang="en-US" sz="2400" dirty="0">
                 <a:solidFill>
                   <a:schemeClr val="accent3"/>
                 </a:solidFill>
@@ -6474,7 +8353,7 @@
               <a:t>n</a:t>
             </a:r>
             <a:r>
-              <a:rPr lang="en-US" sz="2400" baseline="-25000" dirty="0" smtClean="0">
+              <a:rPr lang="en-US" sz="2400" baseline="-25000" dirty="0">
                 <a:solidFill>
                   <a:schemeClr val="accent3"/>
                 </a:solidFill>
@@ -6482,11 +8361,11 @@
               <a:t>0</a:t>
             </a:r>
             <a:r>
-              <a:rPr lang="en-US" dirty="0" smtClean="0"/>
+              <a:rPr lang="en-US" dirty="0"/>
               <a:t> </a:t>
             </a:r>
             <a:r>
-              <a:rPr lang="en-US" sz="2400" dirty="0" smtClean="0"/>
+              <a:rPr lang="en-US" sz="2400" dirty="0"/>
               <a:t>such that</a:t>
             </a:r>
           </a:p>
@@ -6495,18 +8374,18 @@
               <a:defRPr/>
             </a:pPr>
             <a:r>
-              <a:rPr lang="en-US" sz="2400" dirty="0" smtClean="0"/>
+              <a:rPr lang="en-US" sz="2400" dirty="0"/>
               <a:t>0 ≤ f(n) ≤ c g(n)</a:t>
             </a:r>
             <a:br>
-              <a:rPr lang="en-US" sz="2400" dirty="0" smtClean="0"/>
+              <a:rPr lang="en-US" sz="2400" dirty="0"/>
             </a:br>
             <a:r>
-              <a:rPr lang="en-US" sz="2400" dirty="0" smtClean="0"/>
+              <a:rPr lang="en-US" sz="2400" dirty="0"/>
               <a:t>for all n &gt; n</a:t>
             </a:r>
             <a:r>
-              <a:rPr lang="en-US" sz="2400" baseline="-25000" dirty="0" smtClean="0"/>
+              <a:rPr lang="en-US" sz="2400" baseline="-25000" dirty="0"/>
               <a:t>0</a:t>
             </a:r>
           </a:p>
@@ -6515,11 +8394,11 @@
               <a:defRPr/>
             </a:pPr>
             <a:r>
-              <a:rPr lang="en-US" sz="2400" dirty="0" smtClean="0"/>
+              <a:rPr lang="en-US" sz="2400" dirty="0"/>
               <a:t>g is a </a:t>
             </a:r>
             <a:r>
-              <a:rPr lang="en-US" sz="2400" dirty="0" smtClean="0">
+              <a:rPr lang="en-US" sz="2400" dirty="0">
                 <a:solidFill>
                   <a:schemeClr val="accent3"/>
                 </a:solidFill>
@@ -6527,10 +8406,9 @@
               <a:t>ceiling</a:t>
             </a:r>
             <a:r>
-              <a:rPr lang="en-US" sz="2400" dirty="0" smtClean="0"/>
+              <a:rPr lang="en-US" sz="2400" dirty="0"/>
               <a:t> on f</a:t>
             </a:r>
-            <a:endParaRPr lang="en-US" sz="2400" dirty="0"/>
           </a:p>
         </p:txBody>
       </p:sp>
@@ -6571,25 +8449,10 @@
   <p:clrMapOvr>
     <a:masterClrMapping/>
   </p:clrMapOvr>
-  <mc:AlternateContent xmlns:mc="http://schemas.openxmlformats.org/markup-compatibility/2006" xmlns:p14="http://schemas.microsoft.com/office/powerpoint/2010/main">
-    <mc:Choice Requires="p14">
-      <p:transition spd="slow" p14:dur="2000"/>
-    </mc:Choice>
-    <mc:Fallback xmlns="">
-      <p:transition xmlns:p14="http://schemas.microsoft.com/office/powerpoint/2010/main" spd="slow"/>
-    </mc:Fallback>
-  </mc:AlternateContent>
-  <p:timing>
-    <p:tnLst>
-      <p:par>
-        <p:cTn id="1" dur="indefinite" restart="never" nodeType="tmRoot"/>
-      </p:par>
-    </p:tnLst>
-  </p:timing>
 </p:sld>
 </file>
 
-<file path=ppt/slides/slide12.xml><?xml version="1.0" encoding="utf-8"?>
+<file path=ppt/slides/slide15.xml><?xml version="1.0" encoding="utf-8"?>
 <p:sld xmlns:a="http://schemas.openxmlformats.org/drawingml/2006/main" xmlns:r="http://schemas.openxmlformats.org/officeDocument/2006/relationships" xmlns:p="http://schemas.openxmlformats.org/presentationml/2006/main">
   <p:cSld>
     <p:spTree>
@@ -6625,10 +8488,9 @@
               <a:defRPr/>
             </a:pPr>
             <a:r>
-              <a:rPr lang="en-US" dirty="0" smtClean="0"/>
+              <a:rPr lang="en-US" dirty="0"/>
               <a:t>Insertion Sort</a:t>
             </a:r>
-            <a:endParaRPr lang="en-US" dirty="0"/>
           </a:p>
         </p:txBody>
       </p:sp>
@@ -6642,7 +8504,12 @@
             <p:ph idx="1"/>
           </p:nvPr>
         </p:nvSpPr>
-        <p:spPr/>
+        <p:spPr>
+          <a:xfrm>
+            <a:off x="457200" y="1219200"/>
+            <a:ext cx="8229600" cy="4906963"/>
+          </a:xfrm>
+        </p:spPr>
         <p:txBody>
           <a:bodyPr>
             <a:normAutofit lnSpcReduction="10000"/>
@@ -6650,53 +8517,81 @@
           <a:lstStyle/>
           <a:p>
             <a:r>
-              <a:rPr lang="en-US" dirty="0" smtClean="0"/>
+              <a:rPr lang="en-US" dirty="0"/>
               <a:t>Basic idea:</a:t>
             </a:r>
           </a:p>
           <a:p>
             <a:pPr lvl="1"/>
             <a:r>
-              <a:rPr lang="en-US" dirty="0" smtClean="0"/>
-              <a:t>Think of the list as having a </a:t>
-            </a:r>
-            <a:r>
-              <a:rPr lang="en-US" dirty="0" smtClean="0">
+              <a:rPr lang="en-US" dirty="0"/>
+              <a:t>Think of the </a:t>
+            </a:r>
+            <a:r>
+              <a:rPr lang="en-US" strike="dblStrike" dirty="0"/>
+              <a:t>list</a:t>
+            </a:r>
+            <a:r>
+              <a:rPr lang="en-US" dirty="0"/>
+              <a:t> array as having a </a:t>
+            </a:r>
+            <a:r>
+              <a:rPr lang="en-US" dirty="0">
+                <a:solidFill>
+                  <a:srgbClr val="00B050"/>
+                </a:solidFill>
+              </a:rPr>
+              <a:t>sorted part</a:t>
+            </a:r>
+            <a:r>
+              <a:rPr lang="en-US" dirty="0">
                 <a:solidFill>
                   <a:schemeClr val="accent3"/>
                 </a:solidFill>
               </a:rPr>
-              <a:t>sorted part </a:t>
-            </a:r>
-            <a:r>
-              <a:rPr lang="en-US" dirty="0" smtClean="0"/>
+              <a:t> </a:t>
+            </a:r>
+            <a:r>
+              <a:rPr lang="en-US" dirty="0"/>
               <a:t>(at the beginning) and an </a:t>
             </a:r>
             <a:r>
-              <a:rPr lang="en-US" dirty="0" smtClean="0">
+              <a:rPr lang="en-US" dirty="0">
+                <a:solidFill>
+                  <a:srgbClr val="FF0000"/>
+                </a:solidFill>
+              </a:rPr>
+              <a:t>unsorted part</a:t>
+            </a:r>
+            <a:r>
+              <a:rPr lang="en-US" dirty="0">
                 <a:solidFill>
                   <a:schemeClr val="accent3"/>
                 </a:solidFill>
               </a:rPr>
-              <a:t>unsorted part </a:t>
-            </a:r>
-            <a:r>
-              <a:rPr lang="en-US" dirty="0" smtClean="0"/>
+              <a:t> </a:t>
+            </a:r>
+            <a:r>
+              <a:rPr lang="en-US" dirty="0"/>
               <a:t>(the rest)</a:t>
             </a:r>
           </a:p>
           <a:p>
             <a:pPr lvl="1"/>
-            <a:endParaRPr lang="en-US" dirty="0" smtClean="0"/>
+            <a:endParaRPr lang="en-US" dirty="0"/>
           </a:p>
           <a:p>
             <a:pPr lvl="1"/>
-            <a:r>
-              <a:rPr lang="en-US" dirty="0" smtClean="0"/>
+            <a:endParaRPr lang="en-US" dirty="0"/>
+          </a:p>
+          <a:p>
+            <a:pPr lvl="1"/>
+            <a:r>
+              <a:rPr lang="en-US" dirty="0"/>
               <a:t>Get the </a:t>
             </a:r>
             <a:r>
-              <a:rPr lang="en-US" dirty="0" smtClean="0">
+              <a:rPr lang="en-US" dirty="0">
                 <a:solidFill>
                   <a:schemeClr val="accent3"/>
                 </a:solidFill>
@@ -6704,25 +8599,25 @@
               <a:t>first</a:t>
             </a:r>
             <a:r>
-              <a:rPr lang="en-US" dirty="0" smtClean="0"/>
+              <a:rPr lang="en-US" dirty="0"/>
               <a:t> value in the</a:t>
             </a:r>
             <a:br>
-              <a:rPr lang="en-US" dirty="0" smtClean="0"/>
+              <a:rPr lang="en-US" dirty="0"/>
             </a:br>
             <a:r>
-              <a:rPr lang="en-US" dirty="0" smtClean="0"/>
+              <a:rPr lang="en-US" dirty="0"/>
               <a:t>unsorted part</a:t>
             </a:r>
           </a:p>
           <a:p>
             <a:pPr lvl="1"/>
             <a:r>
-              <a:rPr lang="en-US" dirty="0" smtClean="0"/>
+              <a:rPr lang="en-US" dirty="0"/>
               <a:t>Insert it into the </a:t>
             </a:r>
             <a:r>
-              <a:rPr lang="en-US" dirty="0" smtClean="0">
+              <a:rPr lang="en-US" dirty="0">
                 <a:solidFill>
                   <a:schemeClr val="accent3"/>
                 </a:solidFill>
@@ -6730,28 +8625,28 @@
               <a:t>correct</a:t>
             </a:r>
             <a:r>
-              <a:rPr lang="en-US" dirty="0" smtClean="0"/>
+              <a:rPr lang="en-US" dirty="0"/>
               <a:t> </a:t>
             </a:r>
             <a:br>
-              <a:rPr lang="en-US" dirty="0" smtClean="0"/>
+              <a:rPr lang="en-US" dirty="0"/>
             </a:br>
             <a:r>
-              <a:rPr lang="en-US" dirty="0" smtClean="0"/>
+              <a:rPr lang="en-US" dirty="0"/>
               <a:t>location in the sorted part, </a:t>
             </a:r>
             <a:br>
-              <a:rPr lang="en-US" dirty="0" smtClean="0"/>
+              <a:rPr lang="en-US" dirty="0"/>
             </a:br>
             <a:r>
-              <a:rPr lang="en-US" dirty="0" smtClean="0"/>
+              <a:rPr lang="en-US" dirty="0"/>
               <a:t>moving larger values up to </a:t>
             </a:r>
             <a:br>
-              <a:rPr lang="en-US" dirty="0" smtClean="0"/>
+              <a:rPr lang="en-US" dirty="0"/>
             </a:br>
             <a:r>
-              <a:rPr lang="en-US" dirty="0" smtClean="0"/>
+              <a:rPr lang="en-US" dirty="0"/>
               <a:t>make room</a:t>
             </a:r>
           </a:p>
@@ -6765,7 +8660,7 @@
         </p:nvSpPr>
         <p:spPr>
           <a:xfrm>
-            <a:off x="5486400" y="2971800"/>
+            <a:off x="5105400" y="3505200"/>
             <a:ext cx="457200" cy="2438400"/>
           </a:xfrm>
           <a:prstGeom prst="rightBrace">
@@ -6805,7 +8700,7 @@
         </p:nvSpPr>
         <p:spPr>
           <a:xfrm>
-            <a:off x="5943600" y="3352800"/>
+            <a:off x="5562600" y="3886200"/>
             <a:ext cx="1981200" cy="1569660"/>
           </a:xfrm>
           <a:prstGeom prst="rect">
@@ -6844,22 +8739,175 @@
           </a:p>
         </p:txBody>
       </p:sp>
+      <p:grpSp>
+        <p:nvGrpSpPr>
+          <p:cNvPr id="6" name="Group 5">
+            <a:extLst>
+              <a:ext uri="{FF2B5EF4-FFF2-40B4-BE49-F238E27FC236}">
+                <a16:creationId xmlns:a16="http://schemas.microsoft.com/office/drawing/2014/main" id="{C15A2277-4814-4430-A99E-523EA87C66F1}"/>
+              </a:ext>
+            </a:extLst>
+          </p:cNvPr>
+          <p:cNvGrpSpPr/>
+          <p:nvPr/>
+        </p:nvGrpSpPr>
+        <p:grpSpPr>
+          <a:xfrm>
+            <a:off x="582295" y="2628900"/>
+            <a:ext cx="8124825" cy="723900"/>
+            <a:chOff x="561975" y="2899410"/>
+            <a:chExt cx="8124825" cy="723900"/>
+          </a:xfrm>
+        </p:grpSpPr>
+        <p:pic>
+          <p:nvPicPr>
+            <p:cNvPr id="7" name="Picture 6">
+              <a:extLst>
+                <a:ext uri="{FF2B5EF4-FFF2-40B4-BE49-F238E27FC236}">
+                  <a16:creationId xmlns:a16="http://schemas.microsoft.com/office/drawing/2014/main" id="{132161E0-A103-410B-B52E-A86BB9AB8BB0}"/>
+                </a:ext>
+              </a:extLst>
+            </p:cNvPr>
+            <p:cNvPicPr>
+              <a:picLocks noChangeAspect="1"/>
+            </p:cNvPicPr>
+            <p:nvPr/>
+          </p:nvPicPr>
+          <p:blipFill>
+            <a:blip r:embed="rId3"/>
+            <a:stretch>
+              <a:fillRect/>
+            </a:stretch>
+          </p:blipFill>
+          <p:spPr>
+            <a:xfrm>
+              <a:off x="561975" y="2899410"/>
+              <a:ext cx="8124825" cy="723900"/>
+            </a:xfrm>
+            <a:prstGeom prst="rect">
+              <a:avLst/>
+            </a:prstGeom>
+          </p:spPr>
+        </p:pic>
+        <p:sp>
+          <p:nvSpPr>
+            <p:cNvPr id="8" name="Rectangle: Rounded Corners 7">
+              <a:extLst>
+                <a:ext uri="{FF2B5EF4-FFF2-40B4-BE49-F238E27FC236}">
+                  <a16:creationId xmlns:a16="http://schemas.microsoft.com/office/drawing/2014/main" id="{EC7A8548-E361-4A5D-BD34-F814E8C8834E}"/>
+                </a:ext>
+              </a:extLst>
+            </p:cNvPr>
+            <p:cNvSpPr/>
+            <p:nvPr/>
+          </p:nvSpPr>
+          <p:spPr>
+            <a:xfrm>
+              <a:off x="561975" y="2899410"/>
+              <a:ext cx="2257425" cy="723900"/>
+            </a:xfrm>
+            <a:prstGeom prst="roundRect">
+              <a:avLst/>
+            </a:prstGeom>
+            <a:noFill/>
+            <a:ln w="19050">
+              <a:solidFill>
+                <a:srgbClr val="00B050"/>
+              </a:solidFill>
+            </a:ln>
+          </p:spPr>
+          <p:style>
+            <a:lnRef idx="2">
+              <a:schemeClr val="accent1">
+                <a:shade val="50000"/>
+              </a:schemeClr>
+            </a:lnRef>
+            <a:fillRef idx="1">
+              <a:schemeClr val="accent1"/>
+            </a:fillRef>
+            <a:effectRef idx="0">
+              <a:schemeClr val="accent1"/>
+            </a:effectRef>
+            <a:fontRef idx="minor">
+              <a:schemeClr val="lt1"/>
+            </a:fontRef>
+          </p:style>
+          <p:txBody>
+            <a:bodyPr rtlCol="0" anchor="ctr"/>
+            <a:lstStyle/>
+            <a:p>
+              <a:pPr algn="ctr"/>
+              <a:endParaRPr lang="en-US"/>
+            </a:p>
+          </p:txBody>
+        </p:sp>
+        <p:sp>
+          <p:nvSpPr>
+            <p:cNvPr id="9" name="Rectangle: Rounded Corners 8">
+              <a:extLst>
+                <a:ext uri="{FF2B5EF4-FFF2-40B4-BE49-F238E27FC236}">
+                  <a16:creationId xmlns:a16="http://schemas.microsoft.com/office/drawing/2014/main" id="{4B20149D-A02D-400F-94FC-FCD5AB8F7BC9}"/>
+                </a:ext>
+              </a:extLst>
+            </p:cNvPr>
+            <p:cNvSpPr/>
+            <p:nvPr/>
+          </p:nvSpPr>
+          <p:spPr>
+            <a:xfrm>
+              <a:off x="2933522" y="2899410"/>
+              <a:ext cx="5648503" cy="723900"/>
+            </a:xfrm>
+            <a:prstGeom prst="roundRect">
+              <a:avLst/>
+            </a:prstGeom>
+            <a:noFill/>
+            <a:ln w="19050">
+              <a:solidFill>
+                <a:srgbClr val="FF0000"/>
+              </a:solidFill>
+            </a:ln>
+          </p:spPr>
+          <p:style>
+            <a:lnRef idx="2">
+              <a:schemeClr val="accent1">
+                <a:shade val="50000"/>
+              </a:schemeClr>
+            </a:lnRef>
+            <a:fillRef idx="1">
+              <a:schemeClr val="accent1"/>
+            </a:fillRef>
+            <a:effectRef idx="0">
+              <a:schemeClr val="accent1"/>
+            </a:effectRef>
+            <a:fontRef idx="minor">
+              <a:schemeClr val="lt1"/>
+            </a:fontRef>
+          </p:style>
+          <p:txBody>
+            <a:bodyPr rtlCol="0" anchor="ctr"/>
+            <a:lstStyle/>
+            <a:p>
+              <a:pPr algn="ctr"/>
+              <a:endParaRPr lang="en-US"/>
+            </a:p>
+          </p:txBody>
+        </p:sp>
+      </p:grpSp>
     </p:spTree>
+    <p:extLst>
+      <p:ext uri="{BB962C8B-B14F-4D97-AF65-F5344CB8AC3E}">
+        <p14:creationId xmlns:p14="http://schemas.microsoft.com/office/powerpoint/2010/main" val="4120617015"/>
+      </p:ext>
+    </p:extLst>
   </p:cSld>
   <p:clrMapOvr>
     <a:masterClrMapping/>
   </p:clrMapOvr>
-  <p:timing>
-    <p:tnLst>
-      <p:par>
-        <p:cTn id="1" dur="indefinite" restart="never" nodeType="tmRoot"/>
-      </p:par>
-    </p:tnLst>
-  </p:timing>
 </p:sld>
 </file>
 
-<file path=ppt/slides/slide13.xml><?xml version="1.0" encoding="utf-8"?>
+<file path=ppt/slides/slide16.xml><?xml version="1.0" encoding="utf-8"?>
 <p:sld xmlns:a="http://schemas.openxmlformats.org/drawingml/2006/main" xmlns:r="http://schemas.openxmlformats.org/officeDocument/2006/relationships" xmlns:p="http://schemas.openxmlformats.org/presentationml/2006/main">
   <p:cSld>
     <p:spTree>
@@ -6895,10 +8943,9 @@
               <a:defRPr/>
             </a:pPr>
             <a:r>
-              <a:rPr lang="en-US" dirty="0" smtClean="0"/>
+              <a:rPr lang="en-US" dirty="0"/>
               <a:t>Insertion Sort Exercise</a:t>
             </a:r>
-            <a:endParaRPr lang="en-US" dirty="0"/>
           </a:p>
         </p:txBody>
       </p:sp>
@@ -6923,7 +8970,7 @@
               <a:defRPr/>
             </a:pPr>
             <a:r>
-              <a:rPr lang="en-US" dirty="0" smtClean="0">
+              <a:rPr lang="en-US" dirty="0">
                 <a:solidFill>
                   <a:schemeClr val="accent3"/>
                 </a:solidFill>
@@ -6931,7 +8978,7 @@
               <a:t>Profile</a:t>
             </a:r>
             <a:r>
-              <a:rPr lang="en-US" dirty="0" smtClean="0"/>
+              <a:rPr lang="en-US" dirty="0"/>
               <a:t> insertion sort</a:t>
             </a:r>
           </a:p>
@@ -6939,14 +8986,14 @@
             <a:pPr>
               <a:defRPr/>
             </a:pPr>
-            <a:endParaRPr lang="en-US" dirty="0" smtClean="0"/>
+            <a:endParaRPr lang="en-US" dirty="0"/>
           </a:p>
           <a:p>
             <a:pPr>
               <a:defRPr/>
             </a:pPr>
             <a:r>
-              <a:rPr lang="en-US" dirty="0" smtClean="0">
+              <a:rPr lang="en-US" dirty="0">
                 <a:solidFill>
                   <a:schemeClr val="accent3"/>
                 </a:solidFill>
@@ -6954,7 +9001,7 @@
               <a:t>Analyze</a:t>
             </a:r>
             <a:r>
-              <a:rPr lang="en-US" dirty="0" smtClean="0"/>
+              <a:rPr lang="en-US" dirty="0"/>
               <a:t> insertion sort assuming the inner while loop runs the maximum number of times</a:t>
             </a:r>
           </a:p>
@@ -6962,21 +9009,21 @@
             <a:pPr>
               <a:defRPr/>
             </a:pPr>
-            <a:endParaRPr lang="en-US" dirty="0" smtClean="0"/>
+            <a:endParaRPr lang="en-US" dirty="0"/>
           </a:p>
           <a:p>
             <a:pPr>
               <a:defRPr/>
             </a:pPr>
             <a:r>
-              <a:rPr lang="en-US" dirty="0" smtClean="0"/>
+              <a:rPr lang="en-US" dirty="0"/>
               <a:t>What input causes the worst case behavior?</a:t>
             </a:r>
             <a:br>
-              <a:rPr lang="en-US" dirty="0" smtClean="0"/>
+              <a:rPr lang="en-US" dirty="0"/>
             </a:br>
             <a:r>
-              <a:rPr lang="en-US" dirty="0" smtClean="0"/>
+              <a:rPr lang="en-US" dirty="0"/>
               <a:t>The best case?</a:t>
             </a:r>
           </a:p>
@@ -6984,14 +9031,14 @@
             <a:pPr>
               <a:defRPr/>
             </a:pPr>
-            <a:endParaRPr lang="en-US" dirty="0" smtClean="0"/>
+            <a:endParaRPr lang="en-US" dirty="0"/>
           </a:p>
           <a:p>
             <a:pPr>
               <a:defRPr/>
             </a:pPr>
             <a:r>
-              <a:rPr lang="en-US" dirty="0" smtClean="0"/>
+              <a:rPr lang="en-US" dirty="0"/>
               <a:t>Does the input affect selection sort?</a:t>
             </a:r>
           </a:p>
@@ -7082,10 +9129,9 @@
           <a:lstStyle/>
           <a:p>
             <a:r>
-              <a:rPr lang="en-US" dirty="0" smtClean="0"/>
+              <a:rPr lang="en-US" dirty="0"/>
               <a:t>Q9-Q18</a:t>
             </a:r>
-            <a:endParaRPr lang="en-US" dirty="0"/>
           </a:p>
         </p:txBody>
       </p:sp>
@@ -7094,17 +9140,10 @@
   <p:clrMapOvr>
     <a:masterClrMapping/>
   </p:clrMapOvr>
-  <p:timing>
-    <p:tnLst>
-      <p:par>
-        <p:cTn id="1" dur="indefinite" restart="never" nodeType="tmRoot"/>
-      </p:par>
-    </p:tnLst>
-  </p:timing>
 </p:sld>
 </file>
 
-<file path=ppt/slides/slide14.xml><?xml version="1.0" encoding="utf-8"?>
+<file path=ppt/slides/slide17.xml><?xml version="1.0" encoding="utf-8"?>
 <p:sld xmlns:a="http://schemas.openxmlformats.org/drawingml/2006/main" xmlns:r="http://schemas.openxmlformats.org/officeDocument/2006/relationships" xmlns:p="http://schemas.openxmlformats.org/presentationml/2006/main">
   <p:cSld>
     <p:spTree>
@@ -7140,73 +9179,68 @@
               <a:defRPr/>
             </a:pPr>
             <a:r>
-              <a:rPr lang="en-US" dirty="0" smtClean="0"/>
+              <a:rPr lang="en-US" dirty="0"/>
               <a:t>Searching</a:t>
             </a:r>
+          </a:p>
+        </p:txBody>
+      </p:sp>
+      <p:sp>
+        <p:nvSpPr>
+          <p:cNvPr id="2" name="Content Placeholder 1"/>
+          <p:cNvSpPr>
+            <a:spLocks noGrp="1"/>
+          </p:cNvSpPr>
+          <p:nvPr>
+            <p:ph idx="1"/>
+          </p:nvPr>
+        </p:nvSpPr>
+        <p:spPr/>
+        <p:txBody>
+          <a:bodyPr>
+            <a:normAutofit lnSpcReduction="10000"/>
+          </a:bodyPr>
+          <a:lstStyle/>
+          <a:p>
+            <a:r>
+              <a:rPr lang="en-US" dirty="0"/>
+              <a:t>Consider:</a:t>
+            </a:r>
+          </a:p>
+          <a:p>
+            <a:pPr lvl="1"/>
+            <a:r>
+              <a:rPr lang="en-US" dirty="0"/>
+              <a:t>Find China Express’s number in the phone book</a:t>
+            </a:r>
+          </a:p>
+          <a:p>
+            <a:pPr lvl="1"/>
+            <a:r>
+              <a:rPr lang="en-US" dirty="0"/>
+              <a:t>Find who has the number 208-2063</a:t>
+            </a:r>
+          </a:p>
+          <a:p>
+            <a:r>
+              <a:rPr lang="en-US" dirty="0"/>
+              <a:t>Is one task harder than the other? Why?</a:t>
+            </a:r>
+          </a:p>
+          <a:p>
             <a:endParaRPr lang="en-US" dirty="0"/>
           </a:p>
-        </p:txBody>
-      </p:sp>
-      <p:sp>
-        <p:nvSpPr>
-          <p:cNvPr id="2" name="Content Placeholder 1"/>
-          <p:cNvSpPr>
-            <a:spLocks noGrp="1"/>
-          </p:cNvSpPr>
-          <p:nvPr>
-            <p:ph idx="1"/>
-          </p:nvPr>
-        </p:nvSpPr>
-        <p:spPr/>
-        <p:txBody>
-          <a:bodyPr>
-            <a:normAutofit fontScale="92500" lnSpcReduction="10000"/>
-          </a:bodyPr>
-          <a:lstStyle/>
-          <a:p>
-            <a:r>
-              <a:rPr lang="en-US" dirty="0" smtClean="0"/>
-              <a:t>Consider:</a:t>
+          <a:p>
+            <a:r>
+              <a:rPr lang="en-US" dirty="0"/>
+              <a:t>For searching unsorted data, what’s the worst case number of comparisons we would have to make?</a:t>
             </a:r>
           </a:p>
           <a:p>
             <a:pPr lvl="1"/>
             <a:r>
-              <a:rPr lang="en-US" dirty="0" smtClean="0"/>
-              <a:t>Find China Express’s number in the phone book</a:t>
-            </a:r>
-          </a:p>
-          <a:p>
-            <a:pPr lvl="1"/>
-            <a:r>
-              <a:rPr lang="en-US" dirty="0" smtClean="0"/>
-              <a:t>Find who has the </a:t>
-            </a:r>
-            <a:r>
-              <a:rPr lang="en-US" smtClean="0"/>
-              <a:t>number 208-2063</a:t>
-            </a:r>
-            <a:endParaRPr lang="en-US" dirty="0" smtClean="0"/>
-          </a:p>
-          <a:p>
-            <a:pPr marL="457200" lvl="1" indent="0">
-              <a:buNone/>
-            </a:pPr>
-            <a:endParaRPr lang="en-US" dirty="0" smtClean="0"/>
-          </a:p>
-          <a:p>
-            <a:r>
-              <a:rPr lang="en-US" dirty="0" smtClean="0"/>
-              <a:t>Is one task harder than the other? Why?</a:t>
-            </a:r>
-          </a:p>
-          <a:p>
-            <a:endParaRPr lang="en-US" dirty="0" smtClean="0"/>
-          </a:p>
-          <a:p>
-            <a:r>
-              <a:rPr lang="en-US" dirty="0" smtClean="0"/>
-              <a:t>For searching unsorted data, what’s the worst case number of comparisons we would have to make?</a:t>
+              <a:rPr lang="en-US" dirty="0"/>
+              <a:t>Brute force approach is required</a:t>
             </a:r>
           </a:p>
         </p:txBody>
@@ -7399,7 +9433,7 @@
                                         <p:tgtEl>
                                           <p:spTgt spid="2">
                                             <p:txEl>
-                                              <p:pRg st="4" end="4"/>
+                                              <p:pRg st="3" end="3"/>
                                             </p:txEl>
                                           </p:spTgt>
                                         </p:tgtEl>
@@ -7417,7 +9451,7 @@
                                         <p:tgtEl>
                                           <p:spTgt spid="2">
                                             <p:txEl>
-                                              <p:pRg st="4" end="4"/>
+                                              <p:pRg st="3" end="3"/>
                                             </p:txEl>
                                           </p:spTgt>
                                         </p:tgtEl>
@@ -7460,6 +9494,49 @@
                                         <p:tgtEl>
                                           <p:spTgt spid="2">
                                             <p:txEl>
+                                              <p:pRg st="5" end="5"/>
+                                            </p:txEl>
+                                          </p:spTgt>
+                                        </p:tgtEl>
+                                        <p:attrNameLst>
+                                          <p:attrName>style.visibility</p:attrName>
+                                        </p:attrNameLst>
+                                      </p:cBhvr>
+                                      <p:to>
+                                        <p:strVal val="visible"/>
+                                      </p:to>
+                                    </p:set>
+                                    <p:animEffect transition="in" filter="fade">
+                                      <p:cBhvr>
+                                        <p:cTn id="23" dur="500"/>
+                                        <p:tgtEl>
+                                          <p:spTgt spid="2">
+                                            <p:txEl>
+                                              <p:pRg st="5" end="5"/>
+                                            </p:txEl>
+                                          </p:spTgt>
+                                        </p:tgtEl>
+                                      </p:cBhvr>
+                                    </p:animEffect>
+                                  </p:childTnLst>
+                                </p:cTn>
+                              </p:par>
+                              <p:par>
+                                <p:cTn id="24" presetID="10" presetClass="entr" presetSubtype="0" fill="hold" grpId="0" nodeType="withEffect">
+                                  <p:stCondLst>
+                                    <p:cond delay="0"/>
+                                  </p:stCondLst>
+                                  <p:childTnLst>
+                                    <p:set>
+                                      <p:cBhvr>
+                                        <p:cTn id="25" dur="1" fill="hold">
+                                          <p:stCondLst>
+                                            <p:cond delay="0"/>
+                                          </p:stCondLst>
+                                        </p:cTn>
+                                        <p:tgtEl>
+                                          <p:spTgt spid="2">
+                                            <p:txEl>
                                               <p:pRg st="6" end="6"/>
                                             </p:txEl>
                                           </p:spTgt>
@@ -7474,7 +9551,7 @@
                                     </p:set>
                                     <p:animEffect transition="in" filter="fade">
                                       <p:cBhvr>
-                                        <p:cTn id="23" dur="500"/>
+                                        <p:cTn id="26" dur="500"/>
                                         <p:tgtEl>
                                           <p:spTgt spid="2">
                                             <p:txEl>
@@ -7521,7 +9598,7 @@
 </p:sld>
 </file>
 
-<file path=ppt/slides/slide15.xml><?xml version="1.0" encoding="utf-8"?>
+<file path=ppt/slides/slide18.xml><?xml version="1.0" encoding="utf-8"?>
 <p:sld xmlns:a="http://schemas.openxmlformats.org/drawingml/2006/main" xmlns:r="http://schemas.openxmlformats.org/officeDocument/2006/relationships" xmlns:p="http://schemas.openxmlformats.org/presentationml/2006/main">
   <p:cSld>
     <p:spTree>
@@ -7557,10 +9634,9 @@
               <a:defRPr/>
             </a:pPr>
             <a:r>
-              <a:rPr lang="en-US" dirty="0" smtClean="0"/>
+              <a:rPr lang="en-US" dirty="0"/>
               <a:t>Binary Search of Sorted Data</a:t>
             </a:r>
-            <a:endParaRPr lang="en-US" dirty="0"/>
           </a:p>
         </p:txBody>
       </p:sp>
@@ -7583,11 +9659,11 @@
               <a:defRPr/>
             </a:pPr>
             <a:r>
-              <a:rPr lang="en-US" dirty="0" smtClean="0"/>
+              <a:rPr lang="en-US" dirty="0"/>
               <a:t>A </a:t>
             </a:r>
             <a:r>
-              <a:rPr lang="en-US" dirty="0" smtClean="0">
+              <a:rPr lang="en-US" dirty="0">
                 <a:solidFill>
                   <a:schemeClr val="accent3"/>
                 </a:solidFill>
@@ -7595,7 +9671,7 @@
               <a:t>divide and conquer </a:t>
             </a:r>
             <a:r>
-              <a:rPr lang="en-US" dirty="0" smtClean="0"/>
+              <a:rPr lang="en-US" dirty="0"/>
               <a:t>strategy</a:t>
             </a:r>
           </a:p>
@@ -7603,14 +9679,14 @@
             <a:pPr>
               <a:defRPr/>
             </a:pPr>
-            <a:endParaRPr lang="en-US" dirty="0" smtClean="0"/>
+            <a:endParaRPr lang="en-US" dirty="0"/>
           </a:p>
           <a:p>
             <a:pPr>
               <a:defRPr/>
             </a:pPr>
             <a:r>
-              <a:rPr lang="en-US" dirty="0" smtClean="0"/>
+              <a:rPr lang="en-US" dirty="0"/>
               <a:t>Basic idea:</a:t>
             </a:r>
           </a:p>
@@ -7619,8 +9695,16 @@
               <a:defRPr/>
             </a:pPr>
             <a:r>
-              <a:rPr lang="en-US" dirty="0" smtClean="0"/>
-              <a:t>Divide the list in half</a:t>
+              <a:rPr lang="en-US" dirty="0"/>
+              <a:t>Divide the </a:t>
+            </a:r>
+            <a:r>
+              <a:rPr lang="en-US" strike="dblStrike" dirty="0"/>
+              <a:t>list</a:t>
+            </a:r>
+            <a:r>
+              <a:rPr lang="en-US" dirty="0"/>
+              <a:t> array in half</a:t>
             </a:r>
           </a:p>
           <a:p>
@@ -7628,7 +9712,7 @@
               <a:defRPr/>
             </a:pPr>
             <a:r>
-              <a:rPr lang="en-US" dirty="0" smtClean="0"/>
+              <a:rPr lang="en-US" dirty="0"/>
               <a:t>Decide whether result should be in upper or lower half</a:t>
             </a:r>
           </a:p>
@@ -7637,10 +9721,9 @@
               <a:defRPr/>
             </a:pPr>
             <a:r>
-              <a:rPr lang="en-US" dirty="0" smtClean="0"/>
+              <a:rPr lang="en-US" dirty="0"/>
               <a:t>Recursively search that half</a:t>
             </a:r>
-            <a:endParaRPr lang="en-US" dirty="0"/>
           </a:p>
         </p:txBody>
       </p:sp>
@@ -7649,17 +9732,10 @@
   <p:clrMapOvr>
     <a:masterClrMapping/>
   </p:clrMapOvr>
-  <p:timing>
-    <p:tnLst>
-      <p:par>
-        <p:cTn id="1" dur="indefinite" restart="never" nodeType="tmRoot"/>
-      </p:par>
-    </p:tnLst>
-  </p:timing>
 </p:sld>
 </file>
 
-<file path=ppt/slides/slide16.xml><?xml version="1.0" encoding="utf-8"?>
+<file path=ppt/slides/slide19.xml><?xml version="1.0" encoding="utf-8"?>
 <p:sld xmlns:a="http://schemas.openxmlformats.org/drawingml/2006/main" xmlns:r="http://schemas.openxmlformats.org/officeDocument/2006/relationships" xmlns:p="http://schemas.openxmlformats.org/presentationml/2006/main">
   <p:cSld>
     <p:spTree>
@@ -7695,10 +9771,9 @@
               <a:defRPr/>
             </a:pPr>
             <a:r>
-              <a:rPr lang="en-US" dirty="0" smtClean="0"/>
+              <a:rPr lang="en-US" dirty="0"/>
               <a:t>Analyzing Binary Search</a:t>
             </a:r>
-            <a:endParaRPr lang="en-US" dirty="0"/>
           </a:p>
         </p:txBody>
       </p:sp>
@@ -7714,38 +9789,10 @@
         </p:nvSpPr>
         <p:spPr/>
         <p:txBody>
-          <a:bodyPr/>
-          <a:lstStyle/>
-          <a:p>
-            <a:pPr>
-              <a:defRPr/>
-            </a:pPr>
-            <a:r>
-              <a:rPr lang="en-US" dirty="0" smtClean="0"/>
-              <a:t>What’s the best case?</a:t>
-            </a:r>
-          </a:p>
-          <a:p>
-            <a:pPr>
-              <a:defRPr/>
-            </a:pPr>
-            <a:endParaRPr lang="en-US" dirty="0" smtClean="0"/>
-          </a:p>
-          <a:p>
-            <a:pPr>
-              <a:defRPr/>
-            </a:pPr>
-            <a:r>
-              <a:rPr lang="en-US" dirty="0" smtClean="0"/>
-              <a:t>What’s the worst case?</a:t>
-            </a:r>
-          </a:p>
-          <a:p>
-            <a:pPr>
-              <a:defRPr/>
-            </a:pPr>
-            <a:endParaRPr lang="en-US" dirty="0" smtClean="0"/>
-          </a:p>
+          <a:bodyPr>
+            <a:normAutofit fontScale="92500" lnSpcReduction="10000"/>
+          </a:bodyPr>
+          <a:lstStyle/>
           <a:p>
             <a:pPr>
               <a:defRPr/>
@@ -7760,19 +9807,58 @@
             </a:r>
             <a:r>
               <a:rPr lang="en-US" dirty="0"/>
-              <a:t> </a:t>
-            </a:r>
-            <a:r>
-              <a:rPr lang="en-US" dirty="0" smtClean="0"/>
-              <a:t>Binary search assuming </a:t>
-            </a:r>
-            <a:r>
-              <a:rPr lang="en-US" dirty="0"/>
-              <a:t>the </a:t>
-            </a:r>
-            <a:r>
-              <a:rPr lang="en-US" dirty="0" smtClean="0"/>
-              <a:t>value searched for is at the start or end of the list</a:t>
+              <a:t> Binary search assuming the value searched for is at the start or end of the </a:t>
+            </a:r>
+            <a:r>
+              <a:rPr lang="en-US" strike="dblStrike" dirty="0"/>
+              <a:t>list</a:t>
+            </a:r>
+            <a:r>
+              <a:rPr lang="en-US" dirty="0"/>
+              <a:t> array</a:t>
+            </a:r>
+          </a:p>
+          <a:p>
+            <a:pPr>
+              <a:defRPr/>
+            </a:pPr>
+            <a:r>
+              <a:rPr lang="en-US" dirty="0"/>
+              <a:t>Question: How many times can you divide a number by 2, and then repeatedly divide the result by 2 until the result ≤ 1?</a:t>
+            </a:r>
+          </a:p>
+          <a:p>
+            <a:pPr>
+              <a:defRPr/>
+            </a:pPr>
+            <a:endParaRPr lang="en-US" dirty="0"/>
+          </a:p>
+          <a:p>
+            <a:pPr>
+              <a:defRPr/>
+            </a:pPr>
+            <a:r>
+              <a:rPr lang="en-US" dirty="0"/>
+              <a:t>What’s the best case of Binary Search?</a:t>
+            </a:r>
+          </a:p>
+          <a:p>
+            <a:pPr>
+              <a:defRPr/>
+            </a:pPr>
+            <a:endParaRPr lang="en-US" dirty="0"/>
+          </a:p>
+          <a:p>
+            <a:pPr>
+              <a:defRPr/>
+            </a:pPr>
+            <a:r>
+              <a:rPr lang="en-US" dirty="0"/>
+              <a:t>What’s the worst case Binary </a:t>
+            </a:r>
+            <a:r>
+              <a:rPr lang="en-US"/>
+              <a:t>Search?</a:t>
             </a:r>
             <a:endParaRPr lang="en-US" dirty="0"/>
           </a:p>
@@ -7816,10 +9902,9 @@
           <a:lstStyle/>
           <a:p>
             <a:r>
-              <a:rPr lang="en-US" dirty="0" smtClean="0"/>
+              <a:rPr lang="en-US" dirty="0"/>
               <a:t>Q19</a:t>
             </a:r>
-            <a:endParaRPr lang="en-US" dirty="0"/>
           </a:p>
         </p:txBody>
       </p:sp>
@@ -7828,17 +9913,10 @@
   <p:clrMapOvr>
     <a:masterClrMapping/>
   </p:clrMapOvr>
-  <p:timing>
-    <p:tnLst>
-      <p:par>
-        <p:cTn id="1" dur="indefinite" restart="never" nodeType="tmRoot"/>
-      </p:par>
-    </p:tnLst>
-  </p:timing>
 </p:sld>
 </file>
 
-<file path=ppt/slides/slide17.xml><?xml version="1.0" encoding="utf-8"?>
+<file path=ppt/slides/slide2.xml><?xml version="1.0" encoding="utf-8"?>
 <p:sld xmlns:a="http://schemas.openxmlformats.org/drawingml/2006/main" xmlns:r="http://schemas.openxmlformats.org/officeDocument/2006/relationships" xmlns:p="http://schemas.openxmlformats.org/presentationml/2006/main">
   <p:cSld>
     <p:spTree>
@@ -7857,6 +9935,71 @@
       </p:grpSpPr>
       <p:sp>
         <p:nvSpPr>
+          <p:cNvPr id="2" name="Title 1"/>
+          <p:cNvSpPr>
+            <a:spLocks noGrp="1"/>
+          </p:cNvSpPr>
+          <p:nvPr>
+            <p:ph type="title"/>
+          </p:nvPr>
+        </p:nvSpPr>
+        <p:spPr/>
+        <p:txBody>
+          <a:bodyPr/>
+          <a:lstStyle/>
+          <a:p>
+            <a:pPr eaLnBrk="1" fontAlgn="auto" hangingPunct="1">
+              <a:spcAft>
+                <a:spcPts val="0"/>
+              </a:spcAft>
+              <a:defRPr/>
+            </a:pPr>
+            <a:r>
+              <a:rPr lang="en-US" dirty="0"/>
+              <a:t>Questions?</a:t>
+            </a:r>
+          </a:p>
+        </p:txBody>
+      </p:sp>
+    </p:spTree>
+  </p:cSld>
+  <p:clrMapOvr>
+    <a:masterClrMapping/>
+  </p:clrMapOvr>
+  <mc:AlternateContent xmlns:mc="http://schemas.openxmlformats.org/markup-compatibility/2006" xmlns:p14="http://schemas.microsoft.com/office/powerpoint/2010/main">
+    <mc:Choice Requires="p14">
+      <p:transition spd="med" p14:dur="700">
+        <p:fade/>
+      </p:transition>
+    </mc:Choice>
+    <mc:Fallback xmlns="">
+      <p:transition spd="med">
+        <p:fade/>
+      </p:transition>
+    </mc:Fallback>
+  </mc:AlternateContent>
+</p:sld>
+</file>
+
+<file path=ppt/slides/slide20.xml><?xml version="1.0" encoding="utf-8"?>
+<p:sld xmlns:a="http://schemas.openxmlformats.org/drawingml/2006/main" xmlns:r="http://schemas.openxmlformats.org/officeDocument/2006/relationships" xmlns:p="http://schemas.openxmlformats.org/presentationml/2006/main">
+  <p:cSld>
+    <p:spTree>
+      <p:nvGrpSpPr>
+        <p:cNvPr id="1" name=""/>
+        <p:cNvGrpSpPr/>
+        <p:nvPr/>
+      </p:nvGrpSpPr>
+      <p:grpSpPr>
+        <a:xfrm>
+          <a:off x="0" y="0"/>
+          <a:ext cx="0" cy="0"/>
+          <a:chOff x="0" y="0"/>
+          <a:chExt cx="0" cy="0"/>
+        </a:xfrm>
+      </p:grpSpPr>
+      <p:sp>
+        <p:nvSpPr>
           <p:cNvPr id="4" name="Title 3"/>
           <p:cNvSpPr>
             <a:spLocks noGrp="1"/>
@@ -7874,10 +10017,9 @@
               <a:defRPr/>
             </a:pPr>
             <a:r>
-              <a:rPr lang="en-US" dirty="0" smtClean="0"/>
+              <a:rPr lang="en-US" dirty="0"/>
               <a:t>Work Time</a:t>
             </a:r>
-            <a:endParaRPr lang="en-US" dirty="0"/>
           </a:p>
         </p:txBody>
       </p:sp>
@@ -7897,15 +10039,15 @@
           <a:lstStyle/>
           <a:p>
             <a:r>
-              <a:rPr lang="en-US" dirty="0" smtClean="0"/>
+              <a:rPr lang="en-US" dirty="0"/>
               <a:t>Study </a:t>
             </a:r>
             <a:r>
-              <a:rPr lang="en-US" dirty="0" err="1" smtClean="0"/>
+              <a:rPr lang="en-US" dirty="0" err="1"/>
               <a:t>MergeSort</a:t>
             </a:r>
             <a:r>
-              <a:rPr lang="en-US" dirty="0" smtClean="0"/>
+              <a:rPr lang="en-US" dirty="0"/>
               <a:t> for next class</a:t>
             </a:r>
           </a:p>
@@ -7949,7 +10091,7 @@
           <a:lstStyle/>
           <a:p>
             <a:r>
-              <a:rPr lang="en-US" smtClean="0"/>
+              <a:rPr lang="en-US"/>
               <a:t>Q20-Q21</a:t>
             </a:r>
             <a:endParaRPr lang="en-US" dirty="0"/>
@@ -7961,86 +10103,6 @@
   <p:clrMapOvr>
     <a:masterClrMapping/>
   </p:clrMapOvr>
-  <p:timing>
-    <p:tnLst>
-      <p:par>
-        <p:cTn id="1" dur="indefinite" restart="never" nodeType="tmRoot"/>
-      </p:par>
-    </p:tnLst>
-  </p:timing>
-</p:sld>
-</file>
-
-<file path=ppt/slides/slide2.xml><?xml version="1.0" encoding="utf-8"?>
-<p:sld xmlns:a="http://schemas.openxmlformats.org/drawingml/2006/main" xmlns:r="http://schemas.openxmlformats.org/officeDocument/2006/relationships" xmlns:p="http://schemas.openxmlformats.org/presentationml/2006/main">
-  <p:cSld>
-    <p:spTree>
-      <p:nvGrpSpPr>
-        <p:cNvPr id="1" name=""/>
-        <p:cNvGrpSpPr/>
-        <p:nvPr/>
-      </p:nvGrpSpPr>
-      <p:grpSpPr>
-        <a:xfrm>
-          <a:off x="0" y="0"/>
-          <a:ext cx="0" cy="0"/>
-          <a:chOff x="0" y="0"/>
-          <a:chExt cx="0" cy="0"/>
-        </a:xfrm>
-      </p:grpSpPr>
-      <p:sp>
-        <p:nvSpPr>
-          <p:cNvPr id="2" name="Title 1"/>
-          <p:cNvSpPr>
-            <a:spLocks noGrp="1"/>
-          </p:cNvSpPr>
-          <p:nvPr>
-            <p:ph type="title"/>
-          </p:nvPr>
-        </p:nvSpPr>
-        <p:spPr/>
-        <p:txBody>
-          <a:bodyPr/>
-          <a:lstStyle/>
-          <a:p>
-            <a:pPr eaLnBrk="1" fontAlgn="auto" hangingPunct="1">
-              <a:spcAft>
-                <a:spcPts val="0"/>
-              </a:spcAft>
-              <a:defRPr/>
-            </a:pPr>
-            <a:r>
-              <a:rPr lang="en-US" dirty="0" smtClean="0"/>
-              <a:t>Questions?</a:t>
-            </a:r>
-            <a:endParaRPr lang="en-US" dirty="0"/>
-          </a:p>
-        </p:txBody>
-      </p:sp>
-    </p:spTree>
-  </p:cSld>
-  <p:clrMapOvr>
-    <a:masterClrMapping/>
-  </p:clrMapOvr>
-  <mc:AlternateContent xmlns:mc="http://schemas.openxmlformats.org/markup-compatibility/2006" xmlns:p14="http://schemas.microsoft.com/office/powerpoint/2010/main">
-    <mc:Choice Requires="p14">
-      <p:transition spd="med" p14:dur="700">
-        <p:fade/>
-      </p:transition>
-    </mc:Choice>
-    <mc:Fallback xmlns="">
-      <p:transition spd="med">
-        <p:fade/>
-      </p:transition>
-    </mc:Fallback>
-  </mc:AlternateContent>
-  <p:timing>
-    <p:tnLst>
-      <p:par>
-        <p:cTn id="1" dur="indefinite" restart="never" nodeType="tmRoot"/>
-      </p:par>
-    </p:tnLst>
-  </p:timing>
 </p:sld>
 </file>
 
@@ -8080,10 +10142,9 @@
               <a:defRPr/>
             </a:pPr>
             <a:r>
-              <a:rPr lang="en-US" dirty="0" smtClean="0"/>
+              <a:rPr lang="en-US" dirty="0"/>
               <a:t>What is sorting?</a:t>
             </a:r>
-            <a:endParaRPr lang="en-US" dirty="0"/>
           </a:p>
         </p:txBody>
       </p:sp>
@@ -8103,7 +10164,7 @@
           <a:lstStyle/>
           <a:p>
             <a:r>
-              <a:rPr lang="en-US" smtClean="0"/>
+              <a:rPr lang="en-US"/>
               <a:t>Let’s see…</a:t>
             </a:r>
           </a:p>
@@ -8114,21 +10175,6 @@
   <p:clrMapOvr>
     <a:masterClrMapping/>
   </p:clrMapOvr>
-  <mc:AlternateContent xmlns:mc="http://schemas.openxmlformats.org/markup-compatibility/2006" xmlns:p14="http://schemas.microsoft.com/office/powerpoint/2010/main">
-    <mc:Choice Requires="p14">
-      <p:transition spd="slow" p14:dur="2000"/>
-    </mc:Choice>
-    <mc:Fallback xmlns="">
-      <p:transition xmlns:p14="http://schemas.microsoft.com/office/powerpoint/2010/main" spd="slow"/>
-    </mc:Fallback>
-  </mc:AlternateContent>
-  <p:timing>
-    <p:tnLst>
-      <p:par>
-        <p:cTn id="1" dur="indefinite" restart="never" nodeType="tmRoot"/>
-      </p:par>
-    </p:tnLst>
-  </p:timing>
 </p:sld>
 </file>
 
@@ -8159,7 +10205,12 @@
             <p:ph type="title"/>
           </p:nvPr>
         </p:nvSpPr>
-        <p:spPr/>
+        <p:spPr>
+          <a:xfrm>
+            <a:off x="722313" y="304800"/>
+            <a:ext cx="7772400" cy="1362075"/>
+          </a:xfrm>
+        </p:spPr>
         <p:txBody>
           <a:bodyPr/>
           <a:lstStyle/>
@@ -8168,52 +10219,154 @@
               <a:defRPr/>
             </a:pPr>
             <a:r>
-              <a:rPr lang="en-US" dirty="0" smtClean="0"/>
+              <a:rPr lang="en-US" dirty="0"/>
               <a:t>Why study sorting?</a:t>
             </a:r>
+          </a:p>
+        </p:txBody>
+      </p:sp>
+      <p:sp>
+        <p:nvSpPr>
+          <p:cNvPr id="3" name="Rectangle 2">
+            <a:extLst>
+              <a:ext uri="{FF2B5EF4-FFF2-40B4-BE49-F238E27FC236}">
+                <a16:creationId xmlns:a16="http://schemas.microsoft.com/office/drawing/2014/main" id="{D27E1182-F215-45C0-8B3D-DDE5897348A5}"/>
+              </a:ext>
+            </a:extLst>
+          </p:cNvPr>
+          <p:cNvSpPr/>
+          <p:nvPr/>
+        </p:nvSpPr>
+        <p:spPr>
+          <a:xfrm>
+            <a:off x="732473" y="1300836"/>
+            <a:ext cx="7573327" cy="5109091"/>
+          </a:xfrm>
+          <a:prstGeom prst="rect">
+            <a:avLst/>
+          </a:prstGeom>
+        </p:spPr>
+        <p:txBody>
+          <a:bodyPr wrap="square">
+            <a:spAutoFit/>
+          </a:bodyPr>
+          <a:lstStyle/>
+          <a:p>
+            <a:pPr marL="285750" indent="-285750">
+              <a:buFont typeface="Arial" panose="020B0604020202020204" pitchFamily="34" charset="0"/>
+              <a:buChar char="•"/>
+            </a:pPr>
+            <a:r>
+              <a:rPr lang="en-US" sz="2800" dirty="0">
+                <a:latin typeface="+mn-lt"/>
+              </a:rPr>
+              <a:t>At least 5 well-known algorithms that have the same functionality:</a:t>
+            </a:r>
+          </a:p>
+          <a:p>
+            <a:pPr marL="971550" lvl="1" indent="-514350">
+              <a:buFont typeface="+mj-lt"/>
+              <a:buAutoNum type="arabicPeriod"/>
+            </a:pPr>
+            <a:r>
+              <a:rPr lang="en-US" sz="2800" dirty="0">
+                <a:latin typeface="+mn-lt"/>
+              </a:rPr>
+              <a:t>Heap sort</a:t>
+            </a:r>
+          </a:p>
+          <a:p>
+            <a:pPr marL="971550" lvl="1" indent="-514350">
+              <a:buFont typeface="+mj-lt"/>
+              <a:buAutoNum type="arabicPeriod"/>
+            </a:pPr>
+            <a:r>
+              <a:rPr lang="en-US" sz="2800" dirty="0">
+                <a:latin typeface="+mn-lt"/>
+              </a:rPr>
+              <a:t>Insertion sort</a:t>
+            </a:r>
+          </a:p>
+          <a:p>
+            <a:pPr marL="971550" lvl="1" indent="-514350">
+              <a:buFont typeface="+mj-lt"/>
+              <a:buAutoNum type="arabicPeriod"/>
+            </a:pPr>
+            <a:r>
+              <a:rPr lang="en-US" sz="2800" dirty="0">
+                <a:latin typeface="+mn-lt"/>
+              </a:rPr>
+              <a:t>Merge sort</a:t>
+            </a:r>
+          </a:p>
+          <a:p>
+            <a:pPr marL="971550" lvl="1" indent="-514350">
+              <a:buFont typeface="+mj-lt"/>
+              <a:buAutoNum type="arabicPeriod"/>
+            </a:pPr>
+            <a:r>
+              <a:rPr lang="en-US" sz="2800" dirty="0">
+                <a:latin typeface="+mn-lt"/>
+              </a:rPr>
+              <a:t>Quick sort</a:t>
+            </a:r>
+          </a:p>
+          <a:p>
+            <a:pPr marL="971550" lvl="1" indent="-514350">
+              <a:buFont typeface="+mj-lt"/>
+              <a:buAutoNum type="arabicPeriod"/>
+            </a:pPr>
+            <a:r>
+              <a:rPr lang="en-US" sz="2800" dirty="0">
+                <a:latin typeface="+mn-lt"/>
+              </a:rPr>
+              <a:t>Selection sort</a:t>
+            </a:r>
+          </a:p>
+          <a:p>
+            <a:pPr marL="285750" indent="-285750">
+              <a:buFont typeface="Arial" panose="020B0604020202020204" pitchFamily="34" charset="0"/>
+              <a:buChar char="•"/>
+            </a:pPr>
+            <a:r>
+              <a:rPr lang="en-US" sz="2800" dirty="0">
+                <a:latin typeface="+mn-lt"/>
+              </a:rPr>
+              <a:t>Can do an analysis of each algorithm and compare the results</a:t>
+            </a:r>
+          </a:p>
+          <a:p>
+            <a:pPr marL="285750" indent="-285750">
+              <a:buFont typeface="Arial" panose="020B0604020202020204" pitchFamily="34" charset="0"/>
+              <a:buChar char="•"/>
+            </a:pPr>
+            <a:r>
+              <a:rPr lang="en-US" sz="2800" dirty="0">
+                <a:latin typeface="+mn-lt"/>
+              </a:rPr>
+              <a:t>Sorting is done every day all the time – think of the results of a google search</a:t>
+            </a:r>
+          </a:p>
+          <a:p>
             <a:endParaRPr lang="en-US" dirty="0"/>
           </a:p>
         </p:txBody>
       </p:sp>
-      <p:sp>
-        <p:nvSpPr>
-          <p:cNvPr id="12291" name="Text Placeholder 2"/>
-          <p:cNvSpPr>
-            <a:spLocks noGrp="1"/>
-          </p:cNvSpPr>
-          <p:nvPr>
-            <p:ph type="body" idx="1"/>
-          </p:nvPr>
-        </p:nvSpPr>
-        <p:spPr/>
-        <p:txBody>
-          <a:bodyPr/>
-          <a:lstStyle/>
-          <a:p>
-            <a:r>
-              <a:rPr lang="en-US" smtClean="0"/>
-              <a:t>Shlemiel the Painter</a:t>
-            </a:r>
-          </a:p>
-        </p:txBody>
-      </p:sp>
     </p:spTree>
+    <p:extLst>
+      <p:ext uri="{BB962C8B-B14F-4D97-AF65-F5344CB8AC3E}">
+        <p14:creationId xmlns:p14="http://schemas.microsoft.com/office/powerpoint/2010/main" val="2264806080"/>
+      </p:ext>
+    </p:extLst>
   </p:cSld>
   <p:clrMapOvr>
     <a:masterClrMapping/>
   </p:clrMapOvr>
-  <p:timing>
-    <p:tnLst>
-      <p:par>
-        <p:cTn id="1" dur="indefinite" restart="never" nodeType="tmRoot"/>
-      </p:par>
-    </p:tnLst>
-  </p:timing>
 </p:sld>
 </file>
 
 <file path=ppt/slides/slide5.xml><?xml version="1.0" encoding="utf-8"?>
-<p:sld xmlns:a="http://schemas.openxmlformats.org/drawingml/2006/main" xmlns:r="http://schemas.openxmlformats.org/officeDocument/2006/relationships" xmlns:p="http://schemas.openxmlformats.org/presentationml/2006/main" show="0">
+<p:sld xmlns:a="http://schemas.openxmlformats.org/drawingml/2006/main" xmlns:r="http://schemas.openxmlformats.org/officeDocument/2006/relationships" xmlns:p="http://schemas.openxmlformats.org/presentationml/2006/main">
   <p:cSld>
     <p:spTree>
       <p:nvGrpSpPr>
@@ -8231,102 +10384,166 @@
       </p:grpSpPr>
       <p:sp>
         <p:nvSpPr>
-          <p:cNvPr id="13314" name="TextBox 5"/>
-          <p:cNvSpPr txBox="1">
-            <a:spLocks noChangeArrowheads="1"/>
-          </p:cNvSpPr>
-          <p:nvPr/>
-        </p:nvSpPr>
-        <p:spPr bwMode="auto">
-          <a:xfrm>
-            <a:off x="304800" y="76200"/>
-            <a:ext cx="8382000" cy="6002338"/>
-          </a:xfrm>
-          <a:prstGeom prst="rect">
-            <a:avLst/>
-          </a:prstGeom>
-          <a:noFill/>
-          <a:ln w="9525">
-            <a:noFill/>
-            <a:miter lim="800000"/>
-            <a:headEnd/>
-            <a:tailEnd/>
-          </a:ln>
-        </p:spPr>
+          <p:cNvPr id="4" name="Title 3"/>
+          <p:cNvSpPr>
+            <a:spLocks noGrp="1"/>
+          </p:cNvSpPr>
+          <p:nvPr>
+            <p:ph type="title"/>
+          </p:nvPr>
+        </p:nvSpPr>
+        <p:spPr/>
         <p:txBody>
           <a:bodyPr>
-            <a:spAutoFit/>
+            <a:normAutofit fontScale="90000"/>
           </a:bodyPr>
           <a:lstStyle/>
           <a:p>
-            <a:r>
-              <a:rPr lang="en-US" sz="2400" dirty="0" err="1"/>
-              <a:t>Shlemiel</a:t>
-            </a:r>
-            <a:r>
-              <a:rPr lang="en-US" sz="2400" dirty="0"/>
-              <a:t> gets a job as a street painter, painting the dotted lines down the middle of the road. On the first day he takes a can of paint out to the road and finishes 300 yards of the road. "That's pretty good!" says his boss, "you're a fast worker!" and pays him </a:t>
-            </a:r>
-            <a:r>
-              <a:rPr lang="en-US" sz="2400" dirty="0" smtClean="0"/>
-              <a:t>$70.</a:t>
-            </a:r>
-            <a:endParaRPr lang="en-US" sz="2400" dirty="0"/>
-          </a:p>
-          <a:p>
-            <a:endParaRPr lang="en-US" sz="2400" dirty="0"/>
-          </a:p>
-          <a:p>
-            <a:r>
-              <a:rPr lang="en-US" sz="2400" dirty="0"/>
-              <a:t>The next day </a:t>
-            </a:r>
-            <a:r>
-              <a:rPr lang="en-US" sz="2400" dirty="0" err="1"/>
-              <a:t>Shlemiel</a:t>
-            </a:r>
-            <a:r>
-              <a:rPr lang="en-US" sz="2400" dirty="0"/>
-              <a:t> only gets 150 yards done. "Well, that's not nearly as good as yesterday, but you're still a fast worker. 150 yards is respectable," and pays him </a:t>
-            </a:r>
-            <a:r>
-              <a:rPr lang="en-US" sz="2400" dirty="0" smtClean="0"/>
-              <a:t>$70.</a:t>
-            </a:r>
-            <a:endParaRPr lang="en-US" sz="2400" dirty="0"/>
-          </a:p>
-          <a:p>
-            <a:endParaRPr lang="en-US" sz="2400" dirty="0"/>
-          </a:p>
-          <a:p>
-            <a:r>
-              <a:rPr lang="en-US" sz="2400" dirty="0"/>
-              <a:t>The next day </a:t>
-            </a:r>
-            <a:r>
-              <a:rPr lang="en-US" sz="2400" dirty="0" err="1"/>
-              <a:t>Shlemiel</a:t>
-            </a:r>
-            <a:r>
-              <a:rPr lang="en-US" sz="2400" dirty="0"/>
-              <a:t> paints 30 yards of the road. "Only 30!" shouts his boss. "That's unacceptable! On the first day you did ten times that much work! What's going on?"</a:t>
-            </a:r>
-          </a:p>
-          <a:p>
-            <a:endParaRPr lang="en-US" sz="2400" dirty="0"/>
-          </a:p>
-          <a:p>
-            <a:r>
-              <a:rPr lang="en-US" sz="2400" dirty="0"/>
-              <a:t>"I can't help it," says </a:t>
-            </a:r>
-            <a:r>
-              <a:rPr lang="en-US" sz="2400" dirty="0" err="1"/>
-              <a:t>Shlemiel</a:t>
-            </a:r>
-            <a:r>
-              <a:rPr lang="en-US" sz="2400" dirty="0"/>
-              <a:t>. "Every day I get farther and farther away from the paint can!"</a:t>
+            <a:pPr>
+              <a:defRPr/>
+            </a:pPr>
+            <a:r>
+              <a:rPr lang="en-US" dirty="0"/>
+              <a:t>Course Goals for Sorting: </a:t>
+            </a:r>
+            <a:br>
+              <a:rPr lang="en-US" dirty="0"/>
+            </a:br>
+            <a:r>
+              <a:rPr lang="en-US" dirty="0"/>
+              <a:t>You should…</a:t>
+            </a:r>
+          </a:p>
+        </p:txBody>
+      </p:sp>
+      <p:sp>
+        <p:nvSpPr>
+          <p:cNvPr id="5" name="Content Placeholder 4"/>
+          <p:cNvSpPr>
+            <a:spLocks noGrp="1"/>
+          </p:cNvSpPr>
+          <p:nvPr>
+            <p:ph idx="1"/>
+          </p:nvPr>
+        </p:nvSpPr>
+        <p:spPr/>
+        <p:txBody>
+          <a:bodyPr>
+            <a:normAutofit/>
+          </a:bodyPr>
+          <a:lstStyle/>
+          <a:p>
+            <a:pPr>
+              <a:defRPr/>
+            </a:pPr>
+            <a:r>
+              <a:rPr lang="en-US" dirty="0"/>
+              <a:t>Be able to </a:t>
+            </a:r>
+            <a:r>
+              <a:rPr lang="en-US" dirty="0">
+                <a:solidFill>
+                  <a:schemeClr val="accent3"/>
+                </a:solidFill>
+              </a:rPr>
+              <a:t>describe</a:t>
+            </a:r>
+            <a:r>
+              <a:rPr lang="en-US" dirty="0"/>
+              <a:t> basic sorting algorithms:</a:t>
+            </a:r>
+          </a:p>
+          <a:p>
+            <a:pPr lvl="1">
+              <a:defRPr/>
+            </a:pPr>
+            <a:r>
+              <a:rPr lang="en-US" dirty="0"/>
+              <a:t>Selection sort – O(N</a:t>
+            </a:r>
+            <a:r>
+              <a:rPr lang="en-US" baseline="30000" dirty="0"/>
+              <a:t>2</a:t>
+            </a:r>
+            <a:r>
+              <a:rPr lang="en-US" dirty="0"/>
+              <a:t>)</a:t>
+            </a:r>
+          </a:p>
+          <a:p>
+            <a:pPr lvl="1">
+              <a:defRPr/>
+            </a:pPr>
+            <a:r>
+              <a:rPr lang="en-US" dirty="0"/>
+              <a:t>Insertion sort – O(N</a:t>
+            </a:r>
+            <a:r>
+              <a:rPr lang="en-US" baseline="30000" dirty="0"/>
+              <a:t>2</a:t>
+            </a:r>
+            <a:r>
+              <a:rPr lang="en-US" dirty="0"/>
+              <a:t>)</a:t>
+            </a:r>
+          </a:p>
+          <a:p>
+            <a:pPr lvl="1">
+              <a:defRPr/>
+            </a:pPr>
+            <a:r>
+              <a:rPr lang="en-US" dirty="0"/>
+              <a:t>Merge sort – O(N * log</a:t>
+            </a:r>
+            <a:r>
+              <a:rPr lang="en-US" baseline="-25000" dirty="0"/>
+              <a:t>2</a:t>
+            </a:r>
+            <a:r>
+              <a:rPr lang="en-US" dirty="0"/>
+              <a:t>(N))</a:t>
+            </a:r>
+          </a:p>
+          <a:p>
+            <a:pPr>
+              <a:defRPr/>
+            </a:pPr>
+            <a:r>
+              <a:rPr lang="en-US" dirty="0"/>
+              <a:t>Know the </a:t>
+            </a:r>
+            <a:r>
+              <a:rPr lang="en-US" dirty="0">
+                <a:solidFill>
+                  <a:schemeClr val="accent3"/>
+                </a:solidFill>
+              </a:rPr>
+              <a:t>run-time efficiency </a:t>
+            </a:r>
+            <a:r>
+              <a:rPr lang="en-US" dirty="0"/>
+              <a:t>of each</a:t>
+            </a:r>
+          </a:p>
+          <a:p>
+            <a:pPr>
+              <a:defRPr/>
+            </a:pPr>
+            <a:r>
+              <a:rPr lang="en-US" dirty="0"/>
+              <a:t>Know the </a:t>
+            </a:r>
+            <a:r>
+              <a:rPr lang="en-US" dirty="0">
+                <a:solidFill>
+                  <a:schemeClr val="accent3"/>
+                </a:solidFill>
+              </a:rPr>
+              <a:t>best and worst case</a:t>
+            </a:r>
+            <a:r>
+              <a:rPr lang="en-US" dirty="0"/>
+              <a:t> inputs for each</a:t>
             </a:r>
           </a:p>
         </p:txBody>
@@ -8336,14 +10553,6 @@
   <p:clrMapOvr>
     <a:masterClrMapping/>
   </p:clrMapOvr>
-  <p:transition/>
-  <p:timing>
-    <p:tnLst>
-      <p:par>
-        <p:cTn id="1" dur="indefinite" restart="never" nodeType="tmRoot"/>
-      </p:par>
-    </p:tnLst>
-  </p:timing>
 </p:sld>
 </file>
 
@@ -8385,17 +10594,16 @@
               <a:defRPr/>
             </a:pPr>
             <a:r>
-              <a:rPr lang="en-US" dirty="0" smtClean="0"/>
+              <a:rPr lang="en-US" dirty="0"/>
               <a:t>Course Goals for Sorting: </a:t>
             </a:r>
             <a:br>
-              <a:rPr lang="en-US" dirty="0" smtClean="0"/>
+              <a:rPr lang="en-US" dirty="0"/>
             </a:br>
             <a:r>
-              <a:rPr lang="en-US" dirty="0" smtClean="0"/>
+              <a:rPr lang="en-US" dirty="0"/>
               <a:t>You should…</a:t>
             </a:r>
-            <a:endParaRPr lang="en-US" dirty="0"/>
           </a:p>
         </p:txBody>
       </p:sp>
@@ -8411,27 +10619,17 @@
         </p:nvSpPr>
         <p:spPr/>
         <p:txBody>
-          <a:bodyPr/>
+          <a:bodyPr>
+            <a:normAutofit/>
+          </a:bodyPr>
           <a:lstStyle/>
           <a:p>
             <a:pPr>
               <a:defRPr/>
             </a:pPr>
             <a:r>
-              <a:rPr lang="en-US" dirty="0" smtClean="0"/>
-              <a:t>Be able to </a:t>
-            </a:r>
-            <a:r>
-              <a:rPr lang="en-US" dirty="0" smtClean="0">
-                <a:solidFill>
-                  <a:schemeClr val="accent3"/>
-                </a:solidFill>
-              </a:rPr>
-              <a:t>describe</a:t>
-            </a:r>
-            <a:r>
-              <a:rPr lang="en-US" dirty="0" smtClean="0"/>
-              <a:t> basic sorting algorithms:</a:t>
+              <a:rPr lang="en-US" dirty="0"/>
+              <a:t>Sorting Terminology:</a:t>
             </a:r>
           </a:p>
           <a:p>
@@ -8439,8 +10637,8 @@
               <a:defRPr/>
             </a:pPr>
             <a:r>
-              <a:rPr lang="en-US" dirty="0" smtClean="0"/>
-              <a:t>Selection sort</a:t>
+              <a:rPr lang="en-US" dirty="0"/>
+              <a:t>Non-decreasing: use ≤</a:t>
             </a:r>
           </a:p>
           <a:p>
@@ -8448,76 +10646,93 @@
               <a:defRPr/>
             </a:pPr>
             <a:r>
-              <a:rPr lang="en-US" dirty="0" smtClean="0"/>
-              <a:t>Insertion sort</a:t>
-            </a:r>
-          </a:p>
-          <a:p>
-            <a:pPr lvl="1">
-              <a:defRPr/>
-            </a:pPr>
-            <a:r>
-              <a:rPr lang="en-US" dirty="0" smtClean="0"/>
-              <a:t>Merge sort</a:t>
-            </a:r>
-          </a:p>
-          <a:p>
-            <a:pPr>
-              <a:defRPr/>
-            </a:pPr>
-            <a:r>
-              <a:rPr lang="en-US" dirty="0" smtClean="0"/>
-              <a:t>Know the </a:t>
-            </a:r>
-            <a:r>
-              <a:rPr lang="en-US" dirty="0" smtClean="0">
-                <a:solidFill>
-                  <a:schemeClr val="accent3"/>
-                </a:solidFill>
-              </a:rPr>
-              <a:t>run-time efficiency </a:t>
-            </a:r>
-            <a:r>
-              <a:rPr lang="en-US" dirty="0" smtClean="0"/>
-              <a:t>of each</a:t>
-            </a:r>
-          </a:p>
-          <a:p>
-            <a:pPr>
-              <a:defRPr/>
-            </a:pPr>
-            <a:r>
-              <a:rPr lang="en-US" dirty="0" smtClean="0"/>
-              <a:t>Know the </a:t>
-            </a:r>
-            <a:r>
-              <a:rPr lang="en-US" dirty="0" smtClean="0">
-                <a:solidFill>
-                  <a:schemeClr val="accent3"/>
-                </a:solidFill>
-              </a:rPr>
-              <a:t>best and worst case</a:t>
-            </a:r>
-            <a:r>
-              <a:rPr lang="en-US" dirty="0" smtClean="0"/>
-              <a:t> inputs for each</a:t>
-            </a:r>
-            <a:endParaRPr lang="en-US" dirty="0"/>
-          </a:p>
-        </p:txBody>
-      </p:sp>
+              <a:rPr lang="en-US" dirty="0"/>
+              <a:t>Non-increasing: use ≥</a:t>
+            </a:r>
+          </a:p>
+        </p:txBody>
+      </p:sp>
+      <p:pic>
+        <p:nvPicPr>
+          <p:cNvPr id="3" name="Picture 2">
+            <a:extLst>
+              <a:ext uri="{FF2B5EF4-FFF2-40B4-BE49-F238E27FC236}">
+                <a16:creationId xmlns:a16="http://schemas.microsoft.com/office/drawing/2014/main" id="{B884B9D0-7B0E-487A-A7F2-278E61286FCB}"/>
+              </a:ext>
+            </a:extLst>
+          </p:cNvPr>
+          <p:cNvPicPr>
+            <a:picLocks noChangeAspect="1"/>
+          </p:cNvPicPr>
+          <p:nvPr/>
+        </p:nvPicPr>
+        <p:blipFill>
+          <a:blip r:embed="rId3"/>
+          <a:stretch>
+            <a:fillRect/>
+          </a:stretch>
+        </p:blipFill>
+        <p:spPr>
+          <a:xfrm>
+            <a:off x="340360" y="3276600"/>
+            <a:ext cx="8382000" cy="3409950"/>
+          </a:xfrm>
+          <a:prstGeom prst="rect">
+            <a:avLst/>
+          </a:prstGeom>
+        </p:spPr>
+      </p:pic>
+      <p:cxnSp>
+        <p:nvCxnSpPr>
+          <p:cNvPr id="7" name="Straight Connector 6">
+            <a:extLst>
+              <a:ext uri="{FF2B5EF4-FFF2-40B4-BE49-F238E27FC236}">
+                <a16:creationId xmlns:a16="http://schemas.microsoft.com/office/drawing/2014/main" id="{EFD6752E-BBEE-4049-A7B4-A9AA7FED4948}"/>
+              </a:ext>
+            </a:extLst>
+          </p:cNvPr>
+          <p:cNvCxnSpPr/>
+          <p:nvPr/>
+        </p:nvCxnSpPr>
+        <p:spPr>
+          <a:xfrm flipH="1">
+            <a:off x="228600" y="3200400"/>
+            <a:ext cx="8610600" cy="0"/>
+          </a:xfrm>
+          <a:prstGeom prst="line">
+            <a:avLst/>
+          </a:prstGeom>
+          <a:ln w="34925">
+            <a:solidFill>
+              <a:schemeClr val="tx1"/>
+            </a:solidFill>
+          </a:ln>
+        </p:spPr>
+        <p:style>
+          <a:lnRef idx="1">
+            <a:schemeClr val="accent1"/>
+          </a:lnRef>
+          <a:fillRef idx="0">
+            <a:schemeClr val="accent1"/>
+          </a:fillRef>
+          <a:effectRef idx="0">
+            <a:schemeClr val="accent1"/>
+          </a:effectRef>
+          <a:fontRef idx="minor">
+            <a:schemeClr val="tx1"/>
+          </a:fontRef>
+        </p:style>
+      </p:cxnSp>
     </p:spTree>
+    <p:extLst>
+      <p:ext uri="{BB962C8B-B14F-4D97-AF65-F5344CB8AC3E}">
+        <p14:creationId xmlns:p14="http://schemas.microsoft.com/office/powerpoint/2010/main" val="957518093"/>
+      </p:ext>
+    </p:extLst>
   </p:cSld>
   <p:clrMapOvr>
     <a:masterClrMapping/>
   </p:clrMapOvr>
-  <p:timing>
-    <p:tnLst>
-      <p:par>
-        <p:cTn id="1" dur="indefinite" restart="never" nodeType="tmRoot"/>
-      </p:par>
-    </p:tnLst>
-  </p:timing>
 </p:sld>
 </file>
 
@@ -8557,10 +10772,9 @@
               <a:defRPr/>
             </a:pPr>
             <a:r>
-              <a:rPr lang="en-US" dirty="0" smtClean="0"/>
+              <a:rPr lang="en-US" dirty="0"/>
               <a:t>Selection Sort</a:t>
             </a:r>
-            <a:endParaRPr lang="en-US" dirty="0"/>
           </a:p>
         </p:txBody>
       </p:sp>
@@ -8577,58 +10791,86 @@
         <p:spPr/>
         <p:txBody>
           <a:bodyPr>
-            <a:normAutofit lnSpcReduction="10000"/>
+            <a:normAutofit fontScale="92500" lnSpcReduction="10000"/>
           </a:bodyPr>
           <a:lstStyle/>
           <a:p>
             <a:r>
-              <a:rPr lang="en-US" dirty="0" smtClean="0"/>
+              <a:rPr lang="en-US" dirty="0"/>
               <a:t>Basic idea:</a:t>
             </a:r>
           </a:p>
           <a:p>
             <a:pPr lvl="1"/>
             <a:r>
-              <a:rPr lang="en-US" dirty="0" smtClean="0"/>
-              <a:t>Think of the list as having a </a:t>
-            </a:r>
-            <a:r>
-              <a:rPr lang="en-US" dirty="0" smtClean="0">
+              <a:rPr lang="en-US" dirty="0"/>
+              <a:t>Think of the </a:t>
+            </a:r>
+            <a:r>
+              <a:rPr lang="en-US" strike="dblStrike" dirty="0"/>
+              <a:t>list</a:t>
+            </a:r>
+            <a:r>
+              <a:rPr lang="en-US" dirty="0"/>
+              <a:t> array as having a </a:t>
+            </a:r>
+            <a:r>
+              <a:rPr lang="en-US" dirty="0">
+                <a:solidFill>
+                  <a:srgbClr val="00B050"/>
+                </a:solidFill>
+              </a:rPr>
+              <a:t>sorted part</a:t>
+            </a:r>
+            <a:r>
+              <a:rPr lang="en-US" dirty="0">
                 <a:solidFill>
                   <a:schemeClr val="accent3"/>
                 </a:solidFill>
               </a:rPr>
-              <a:t>sorted part </a:t>
-            </a:r>
-            <a:r>
-              <a:rPr lang="en-US" dirty="0" smtClean="0"/>
+              <a:t> </a:t>
+            </a:r>
+            <a:r>
+              <a:rPr lang="en-US" dirty="0"/>
               <a:t>(at the beginning) and an </a:t>
             </a:r>
             <a:r>
-              <a:rPr lang="en-US" dirty="0" smtClean="0">
+              <a:rPr lang="en-US" dirty="0">
+                <a:solidFill>
+                  <a:srgbClr val="FF0000"/>
+                </a:solidFill>
+              </a:rPr>
+              <a:t>unsorted part</a:t>
+            </a:r>
+            <a:r>
+              <a:rPr lang="en-US" dirty="0">
                 <a:solidFill>
                   <a:schemeClr val="accent3"/>
                 </a:solidFill>
               </a:rPr>
-              <a:t>unsorted part </a:t>
-            </a:r>
-            <a:r>
-              <a:rPr lang="en-US" dirty="0" smtClean="0"/>
+              <a:t> </a:t>
+            </a:r>
+            <a:r>
+              <a:rPr lang="en-US" dirty="0"/>
               <a:t>(the rest)</a:t>
             </a:r>
           </a:p>
           <a:p>
             <a:pPr lvl="1"/>
-            <a:endParaRPr lang="en-US" dirty="0" smtClean="0"/>
+            <a:endParaRPr lang="en-US" dirty="0"/>
           </a:p>
           <a:p>
             <a:pPr lvl="1"/>
-            <a:r>
-              <a:rPr lang="en-US" dirty="0" smtClean="0"/>
+            <a:endParaRPr lang="en-US" dirty="0"/>
+          </a:p>
+          <a:p>
+            <a:pPr lvl="1"/>
+            <a:r>
+              <a:rPr lang="en-US" dirty="0"/>
               <a:t>Find the </a:t>
             </a:r>
             <a:r>
-              <a:rPr lang="en-US" dirty="0" smtClean="0">
+              <a:rPr lang="en-US" dirty="0">
                 <a:solidFill>
                   <a:schemeClr val="accent3"/>
                 </a:solidFill>
@@ -8636,25 +10878,25 @@
               <a:t>smallest</a:t>
             </a:r>
             <a:r>
-              <a:rPr lang="en-US" dirty="0" smtClean="0"/>
+              <a:rPr lang="en-US" dirty="0"/>
               <a:t> value</a:t>
             </a:r>
             <a:br>
-              <a:rPr lang="en-US" dirty="0" smtClean="0"/>
+              <a:rPr lang="en-US" dirty="0"/>
             </a:br>
             <a:r>
-              <a:rPr lang="en-US" dirty="0" smtClean="0"/>
+              <a:rPr lang="en-US" dirty="0"/>
               <a:t>in the unsorted part</a:t>
             </a:r>
           </a:p>
           <a:p>
             <a:pPr lvl="1"/>
             <a:r>
-              <a:rPr lang="en-US" dirty="0" smtClean="0"/>
+              <a:rPr lang="en-US" dirty="0"/>
               <a:t>Move it to the </a:t>
             </a:r>
             <a:r>
-              <a:rPr lang="en-US" dirty="0" smtClean="0">
+              <a:rPr lang="en-US" dirty="0">
                 <a:solidFill>
                   <a:schemeClr val="accent3"/>
                 </a:solidFill>
@@ -8662,28 +10904,28 @@
               <a:t>end</a:t>
             </a:r>
             <a:r>
-              <a:rPr lang="en-US" dirty="0" smtClean="0"/>
+              <a:rPr lang="en-US" dirty="0"/>
               <a:t> of the </a:t>
             </a:r>
             <a:br>
-              <a:rPr lang="en-US" dirty="0" smtClean="0"/>
+              <a:rPr lang="en-US" dirty="0"/>
             </a:br>
             <a:r>
-              <a:rPr lang="en-US" dirty="0" smtClean="0"/>
+              <a:rPr lang="en-US" dirty="0"/>
               <a:t>sorted part (making the </a:t>
             </a:r>
             <a:br>
-              <a:rPr lang="en-US" dirty="0" smtClean="0"/>
+              <a:rPr lang="en-US" dirty="0"/>
             </a:br>
             <a:r>
-              <a:rPr lang="en-US" dirty="0" smtClean="0"/>
+              <a:rPr lang="en-US" dirty="0"/>
               <a:t>sorted part bigger and the </a:t>
             </a:r>
             <a:br>
-              <a:rPr lang="en-US" dirty="0" smtClean="0"/>
+              <a:rPr lang="en-US" dirty="0"/>
             </a:br>
             <a:r>
-              <a:rPr lang="en-US" dirty="0" smtClean="0"/>
+              <a:rPr lang="en-US" dirty="0"/>
               <a:t>unsorted part smaller)</a:t>
             </a:r>
           </a:p>
@@ -8697,8 +10939,8 @@
         </p:nvSpPr>
         <p:spPr>
           <a:xfrm>
-            <a:off x="5589181" y="3429000"/>
-            <a:ext cx="457200" cy="2438400"/>
+            <a:off x="4724400" y="3733800"/>
+            <a:ext cx="457200" cy="2286000"/>
           </a:xfrm>
           <a:prstGeom prst="rightBrace">
             <a:avLst/>
@@ -8737,7 +10979,7 @@
         </p:nvSpPr>
         <p:spPr>
           <a:xfrm>
-            <a:off x="6046381" y="4191000"/>
+            <a:off x="5334000" y="4410075"/>
             <a:ext cx="1981200" cy="923925"/>
           </a:xfrm>
           <a:prstGeom prst="rect">
@@ -8776,18 +11018,171 @@
           </a:p>
         </p:txBody>
       </p:sp>
+      <p:grpSp>
+        <p:nvGrpSpPr>
+          <p:cNvPr id="12" name="Group 11">
+            <a:extLst>
+              <a:ext uri="{FF2B5EF4-FFF2-40B4-BE49-F238E27FC236}">
+                <a16:creationId xmlns:a16="http://schemas.microsoft.com/office/drawing/2014/main" id="{EBFE18AB-4D0C-4433-AF8B-8108C5FA1039}"/>
+              </a:ext>
+            </a:extLst>
+          </p:cNvPr>
+          <p:cNvGrpSpPr/>
+          <p:nvPr/>
+        </p:nvGrpSpPr>
+        <p:grpSpPr>
+          <a:xfrm>
+            <a:off x="561975" y="2899410"/>
+            <a:ext cx="8124825" cy="723900"/>
+            <a:chOff x="561975" y="2899410"/>
+            <a:chExt cx="8124825" cy="723900"/>
+          </a:xfrm>
+        </p:grpSpPr>
+        <p:pic>
+          <p:nvPicPr>
+            <p:cNvPr id="2" name="Picture 1">
+              <a:extLst>
+                <a:ext uri="{FF2B5EF4-FFF2-40B4-BE49-F238E27FC236}">
+                  <a16:creationId xmlns:a16="http://schemas.microsoft.com/office/drawing/2014/main" id="{3AF26B36-22D1-4D14-82FD-427183F26E61}"/>
+                </a:ext>
+              </a:extLst>
+            </p:cNvPr>
+            <p:cNvPicPr>
+              <a:picLocks noChangeAspect="1"/>
+            </p:cNvPicPr>
+            <p:nvPr/>
+          </p:nvPicPr>
+          <p:blipFill>
+            <a:blip r:embed="rId3"/>
+            <a:stretch>
+              <a:fillRect/>
+            </a:stretch>
+          </p:blipFill>
+          <p:spPr>
+            <a:xfrm>
+              <a:off x="561975" y="2899410"/>
+              <a:ext cx="8124825" cy="723900"/>
+            </a:xfrm>
+            <a:prstGeom prst="rect">
+              <a:avLst/>
+            </a:prstGeom>
+          </p:spPr>
+        </p:pic>
+        <p:sp>
+          <p:nvSpPr>
+            <p:cNvPr id="11" name="Rectangle: Rounded Corners 10">
+              <a:extLst>
+                <a:ext uri="{FF2B5EF4-FFF2-40B4-BE49-F238E27FC236}">
+                  <a16:creationId xmlns:a16="http://schemas.microsoft.com/office/drawing/2014/main" id="{C993782F-5FB1-4EA3-A2C9-29EA5369D04D}"/>
+                </a:ext>
+              </a:extLst>
+            </p:cNvPr>
+            <p:cNvSpPr/>
+            <p:nvPr/>
+          </p:nvSpPr>
+          <p:spPr>
+            <a:xfrm>
+              <a:off x="561975" y="2899410"/>
+              <a:ext cx="2257425" cy="723900"/>
+            </a:xfrm>
+            <a:prstGeom prst="roundRect">
+              <a:avLst/>
+            </a:prstGeom>
+            <a:noFill/>
+            <a:ln w="19050">
+              <a:solidFill>
+                <a:srgbClr val="00B050"/>
+              </a:solidFill>
+            </a:ln>
+          </p:spPr>
+          <p:style>
+            <a:lnRef idx="2">
+              <a:schemeClr val="accent1">
+                <a:shade val="50000"/>
+              </a:schemeClr>
+            </a:lnRef>
+            <a:fillRef idx="1">
+              <a:schemeClr val="accent1"/>
+            </a:fillRef>
+            <a:effectRef idx="0">
+              <a:schemeClr val="accent1"/>
+            </a:effectRef>
+            <a:fontRef idx="minor">
+              <a:schemeClr val="lt1"/>
+            </a:fontRef>
+          </p:style>
+          <p:txBody>
+            <a:bodyPr rtlCol="0" anchor="ctr"/>
+            <a:lstStyle/>
+            <a:p>
+              <a:pPr algn="ctr"/>
+              <a:endParaRPr lang="en-US"/>
+            </a:p>
+          </p:txBody>
+        </p:sp>
+        <p:sp>
+          <p:nvSpPr>
+            <p:cNvPr id="13" name="Rectangle: Rounded Corners 12">
+              <a:extLst>
+                <a:ext uri="{FF2B5EF4-FFF2-40B4-BE49-F238E27FC236}">
+                  <a16:creationId xmlns:a16="http://schemas.microsoft.com/office/drawing/2014/main" id="{F83D9296-6B4B-452E-A15F-0FE592C5ACAA}"/>
+                </a:ext>
+              </a:extLst>
+            </p:cNvPr>
+            <p:cNvSpPr/>
+            <p:nvPr/>
+          </p:nvSpPr>
+          <p:spPr>
+            <a:xfrm>
+              <a:off x="2933522" y="2899410"/>
+              <a:ext cx="5648503" cy="723900"/>
+            </a:xfrm>
+            <a:prstGeom prst="roundRect">
+              <a:avLst/>
+            </a:prstGeom>
+            <a:noFill/>
+            <a:ln w="19050">
+              <a:solidFill>
+                <a:srgbClr val="FF0000"/>
+              </a:solidFill>
+            </a:ln>
+          </p:spPr>
+          <p:style>
+            <a:lnRef idx="2">
+              <a:schemeClr val="accent1">
+                <a:shade val="50000"/>
+              </a:schemeClr>
+            </a:lnRef>
+            <a:fillRef idx="1">
+              <a:schemeClr val="accent1"/>
+            </a:fillRef>
+            <a:effectRef idx="0">
+              <a:schemeClr val="accent1"/>
+            </a:effectRef>
+            <a:fontRef idx="minor">
+              <a:schemeClr val="lt1"/>
+            </a:fontRef>
+          </p:style>
+          <p:txBody>
+            <a:bodyPr rtlCol="0" anchor="ctr"/>
+            <a:lstStyle/>
+            <a:p>
+              <a:pPr algn="ctr"/>
+              <a:endParaRPr lang="en-US"/>
+            </a:p>
+          </p:txBody>
+        </p:sp>
+      </p:grpSp>
     </p:spTree>
+    <p:extLst>
+      <p:ext uri="{BB962C8B-B14F-4D97-AF65-F5344CB8AC3E}">
+        <p14:creationId xmlns:p14="http://schemas.microsoft.com/office/powerpoint/2010/main" val="3888542988"/>
+      </p:ext>
+    </p:extLst>
   </p:cSld>
   <p:clrMapOvr>
     <a:masterClrMapping/>
   </p:clrMapOvr>
-  <p:timing>
-    <p:tnLst>
-      <p:par>
-        <p:cTn id="1" dur="indefinite" restart="never" nodeType="tmRoot"/>
-      </p:par>
-    </p:tnLst>
-  </p:timing>
 </p:sld>
 </file>
 
@@ -8827,10 +11222,9 @@
               <a:defRPr/>
             </a:pPr>
             <a:r>
-              <a:rPr lang="en-US" dirty="0" smtClean="0"/>
+              <a:rPr lang="en-US" dirty="0"/>
               <a:t>Profiling Selection Sort</a:t>
             </a:r>
-            <a:endParaRPr lang="en-US" dirty="0"/>
           </a:p>
         </p:txBody>
       </p:sp>
@@ -8846,14 +11240,16 @@
         </p:nvSpPr>
         <p:spPr/>
         <p:txBody>
-          <a:bodyPr/>
+          <a:bodyPr>
+            <a:normAutofit lnSpcReduction="10000"/>
+          </a:bodyPr>
           <a:lstStyle/>
           <a:p>
             <a:pPr>
               <a:defRPr/>
             </a:pPr>
             <a:r>
-              <a:rPr lang="en-US" dirty="0" smtClean="0">
+              <a:rPr lang="en-US" dirty="0">
                 <a:solidFill>
                   <a:schemeClr val="accent3"/>
                 </a:solidFill>
@@ -8861,7 +11257,7 @@
               <a:t>Profiling</a:t>
             </a:r>
             <a:r>
-              <a:rPr lang="en-US" dirty="0" smtClean="0"/>
+              <a:rPr lang="en-US" dirty="0"/>
               <a:t>: collecting data on the run-time behavior of an algorithm</a:t>
             </a:r>
           </a:p>
@@ -8869,15 +11265,15 @@
             <a:pPr>
               <a:defRPr/>
             </a:pPr>
-            <a:endParaRPr lang="en-US" dirty="0" smtClean="0"/>
+            <a:endParaRPr lang="en-US" dirty="0"/>
           </a:p>
           <a:p>
             <a:pPr>
               <a:defRPr/>
             </a:pPr>
             <a:r>
-              <a:rPr lang="en-US" dirty="0" smtClean="0"/>
-              <a:t>How long does selection sort take on:</a:t>
+              <a:rPr lang="en-US" dirty="0"/>
+              <a:t>In Eclipse, determine how long does selection sort take on:</a:t>
             </a:r>
           </a:p>
           <a:p>
@@ -8885,7 +11281,7 @@
               <a:defRPr/>
             </a:pPr>
             <a:r>
-              <a:rPr lang="en-US" dirty="0" smtClean="0"/>
+              <a:rPr lang="en-US" dirty="0"/>
               <a:t>10,000 elements?</a:t>
             </a:r>
           </a:p>
@@ -8894,7 +11290,7 @@
               <a:defRPr/>
             </a:pPr>
             <a:r>
-              <a:rPr lang="en-US" dirty="0" smtClean="0"/>
+              <a:rPr lang="en-US" dirty="0"/>
               <a:t>20,000 elements?</a:t>
             </a:r>
           </a:p>
@@ -8903,7 +11299,7 @@
               <a:defRPr/>
             </a:pPr>
             <a:r>
-              <a:rPr lang="en-US" dirty="0" smtClean="0"/>
+              <a:rPr lang="en-US" dirty="0"/>
               <a:t>…</a:t>
             </a:r>
           </a:p>
@@ -8912,7 +11308,7 @@
               <a:defRPr/>
             </a:pPr>
             <a:r>
-              <a:rPr lang="en-US" dirty="0" smtClean="0"/>
+              <a:rPr lang="en-US" dirty="0"/>
               <a:t>80,000 elements?</a:t>
             </a:r>
           </a:p>
@@ -8969,7 +11365,7 @@
               <a:defRPr/>
             </a:pPr>
             <a:r>
-              <a:rPr lang="en-US" sz="1800" dirty="0" smtClean="0">
+              <a:rPr lang="en-US" sz="1800" dirty="0">
                 <a:solidFill>
                   <a:schemeClr val="bg1"/>
                 </a:solidFill>
@@ -8978,13 +11374,6 @@
               </a:rPr>
               <a:t>Q1</a:t>
             </a:r>
-            <a:endParaRPr lang="en-US" sz="1800" dirty="0">
-              <a:solidFill>
-                <a:schemeClr val="bg1"/>
-              </a:solidFill>
-              <a:cs typeface="Arial" pitchFamily="34" charset="0"/>
-              <a:sym typeface="Arial" pitchFamily="34" charset="0"/>
-            </a:endParaRPr>
           </a:p>
         </p:txBody>
       </p:sp>
@@ -8993,13 +11382,6 @@
   <p:clrMapOvr>
     <a:masterClrMapping/>
   </p:clrMapOvr>
-  <p:timing>
-    <p:tnLst>
-      <p:par>
-        <p:cTn id="1" dur="indefinite" restart="never" nodeType="tmRoot"/>
-      </p:par>
-    </p:tnLst>
-  </p:timing>
 </p:sld>
 </file>
 
@@ -9039,10 +11421,9 @@
               <a:defRPr/>
             </a:pPr>
             <a:r>
-              <a:rPr lang="en-US" dirty="0" smtClean="0"/>
-              <a:t>Analyzing Selection Sort</a:t>
-            </a:r>
-            <a:endParaRPr lang="en-US" dirty="0"/>
+              <a:rPr lang="en-US" dirty="0"/>
+              <a:t>Performance Analysis Basics</a:t>
+            </a:r>
           </a:p>
         </p:txBody>
       </p:sp>
@@ -9056,245 +11437,241 @@
             <p:ph idx="1"/>
           </p:nvPr>
         </p:nvSpPr>
-        <p:spPr/>
+        <p:spPr>
+          <a:xfrm>
+            <a:off x="457200" y="1295401"/>
+            <a:ext cx="8229600" cy="2286000"/>
+          </a:xfrm>
+        </p:spPr>
         <p:txBody>
           <a:bodyPr>
             <a:normAutofit/>
           </a:bodyPr>
           <a:lstStyle/>
           <a:p>
-            <a:pPr>
+            <a:pPr marL="0" indent="0">
+              <a:buNone/>
+            </a:pPr>
+            <a:r>
+              <a:rPr lang="en-US" dirty="0"/>
+              <a:t>Come up with a math function f(n) such that it does the following:</a:t>
+            </a:r>
+          </a:p>
+          <a:p>
+            <a:r>
+              <a:rPr lang="en-US" dirty="0"/>
+              <a:t>input: n = size of the problem to be solved by the algorithm</a:t>
+            </a:r>
+          </a:p>
+          <a:p>
+            <a:pPr marL="0" indent="0">
+              <a:buNone/>
               <a:defRPr/>
             </a:pPr>
-            <a:r>
-              <a:rPr lang="en-US" sz="2800" dirty="0" smtClean="0">
+            <a:endParaRPr lang="en-US" sz="2800" dirty="0"/>
+          </a:p>
+        </p:txBody>
+      </p:sp>
+      <p:pic>
+        <p:nvPicPr>
+          <p:cNvPr id="1026" name="Picture 2" descr="http://pages.iu.edu/~jholly/C455/Notes/Chapter3/quadrants.gif">
+            <a:extLst>
+              <a:ext uri="{FF2B5EF4-FFF2-40B4-BE49-F238E27FC236}">
+                <a16:creationId xmlns:a16="http://schemas.microsoft.com/office/drawing/2014/main" id="{7770638D-821D-4A0D-99E7-E3A1EBA08F22}"/>
+              </a:ext>
+            </a:extLst>
+          </p:cNvPr>
+          <p:cNvPicPr>
+            <a:picLocks noChangeAspect="1" noChangeArrowheads="1"/>
+          </p:cNvPicPr>
+          <p:nvPr/>
+        </p:nvPicPr>
+        <p:blipFill>
+          <a:blip r:embed="rId3">
+            <a:extLst>
+              <a:ext uri="{28A0092B-C50C-407E-A947-70E740481C1C}">
+                <a14:useLocalDpi xmlns:a14="http://schemas.microsoft.com/office/drawing/2010/main" val="0"/>
+              </a:ext>
+            </a:extLst>
+          </a:blip>
+          <a:srcRect/>
+          <a:stretch>
+            <a:fillRect/>
+          </a:stretch>
+        </p:blipFill>
+        <p:spPr bwMode="auto">
+          <a:xfrm>
+            <a:off x="4884868" y="3124200"/>
+            <a:ext cx="3916232" cy="3204190"/>
+          </a:xfrm>
+          <a:prstGeom prst="rect">
+            <a:avLst/>
+          </a:prstGeom>
+          <a:noFill/>
+          <a:extLst>
+            <a:ext uri="{909E8E84-426E-40DD-AFC4-6F175D3DCCD1}">
+              <a14:hiddenFill xmlns:a14="http://schemas.microsoft.com/office/drawing/2010/main">
                 <a:solidFill>
-                  <a:schemeClr val="accent3"/>
+                  <a:srgbClr val="FFFFFF"/>
                 </a:solidFill>
-              </a:rPr>
-              <a:t>Analyzing</a:t>
-            </a:r>
-            <a:r>
-              <a:rPr lang="en-US" sz="2800" dirty="0" smtClean="0"/>
-              <a:t>: calculating the performance of an algorithm by studying how it works, typically mathematically</a:t>
-            </a:r>
-          </a:p>
-          <a:p>
-            <a:pPr>
-              <a:defRPr/>
-            </a:pPr>
-            <a:r>
-              <a:rPr lang="en-US" sz="2800" dirty="0" smtClean="0"/>
-              <a:t>Typically we want the </a:t>
-            </a:r>
-            <a:r>
-              <a:rPr lang="en-US" sz="2800" dirty="0" smtClean="0">
-                <a:solidFill>
-                  <a:schemeClr val="accent3"/>
-                </a:solidFill>
-              </a:rPr>
-              <a:t>relative</a:t>
-            </a:r>
-            <a:r>
-              <a:rPr lang="en-US" sz="2800" dirty="0" smtClean="0"/>
-              <a:t> performance as a function of input size</a:t>
-            </a:r>
-          </a:p>
-          <a:p>
-            <a:pPr>
-              <a:defRPr/>
-            </a:pPr>
-            <a:r>
-              <a:rPr lang="en-US" sz="2800" dirty="0" smtClean="0"/>
-              <a:t>Example: For an array of length </a:t>
-            </a:r>
-            <a:r>
-              <a:rPr lang="en-US" sz="2800" i="1" dirty="0" smtClean="0"/>
-              <a:t>n</a:t>
-            </a:r>
-            <a:r>
-              <a:rPr lang="en-US" sz="2800" dirty="0" smtClean="0"/>
-              <a:t>, how many times does </a:t>
-            </a:r>
-            <a:r>
-              <a:rPr lang="en-US" sz="2800" b="1" dirty="0" err="1" smtClean="0">
-                <a:latin typeface="Lucida Sans Typewriter" pitchFamily="49" charset="0"/>
-              </a:rPr>
-              <a:t>selectionSort</a:t>
-            </a:r>
-            <a:r>
-              <a:rPr lang="en-US" sz="2800" b="1" dirty="0" smtClean="0">
-                <a:latin typeface="Lucida Sans Typewriter" pitchFamily="49" charset="0"/>
-              </a:rPr>
-              <a:t>()</a:t>
-            </a:r>
-            <a:r>
-              <a:rPr lang="en-US" sz="2800" dirty="0" smtClean="0"/>
-              <a:t> call </a:t>
-            </a:r>
-            <a:r>
-              <a:rPr lang="en-US" sz="2800" b="1" dirty="0" err="1" smtClean="0">
-                <a:latin typeface="Lucida Sans Typewriter" pitchFamily="49" charset="0"/>
-              </a:rPr>
-              <a:t>compareTo</a:t>
-            </a:r>
-            <a:r>
-              <a:rPr lang="en-US" sz="2800" b="1" dirty="0" smtClean="0">
-                <a:latin typeface="Lucida Sans Typewriter" pitchFamily="49" charset="0"/>
-              </a:rPr>
-              <a:t>()</a:t>
-            </a:r>
-            <a:r>
-              <a:rPr lang="en-US" sz="2800" dirty="0" smtClean="0"/>
-              <a:t>?</a:t>
-            </a:r>
-            <a:endParaRPr lang="en-US" sz="2800" dirty="0"/>
-          </a:p>
-        </p:txBody>
-      </p:sp>
-      <p:grpSp>
-        <p:nvGrpSpPr>
-          <p:cNvPr id="5" name="Group 5"/>
-          <p:cNvGrpSpPr>
-            <a:grpSpLocks/>
-          </p:cNvGrpSpPr>
-          <p:nvPr/>
-        </p:nvGrpSpPr>
-        <p:grpSpPr bwMode="auto">
-          <a:xfrm>
-            <a:off x="152400" y="5649913"/>
-            <a:ext cx="5214938" cy="1073150"/>
-            <a:chOff x="3624364" y="5650468"/>
-            <a:chExt cx="5214836" cy="1072754"/>
-          </a:xfrm>
-        </p:grpSpPr>
-        <p:sp>
-          <p:nvSpPr>
-            <p:cNvPr id="4" name="TextBox 3"/>
-            <p:cNvSpPr txBox="1"/>
-            <p:nvPr/>
-          </p:nvSpPr>
-          <p:spPr>
-            <a:xfrm>
-              <a:off x="3624364" y="5650468"/>
-              <a:ext cx="5214836" cy="369751"/>
-            </a:xfrm>
-            <a:prstGeom prst="rect">
-              <a:avLst/>
-            </a:prstGeom>
-          </p:spPr>
-          <p:style>
-            <a:lnRef idx="1">
-              <a:schemeClr val="dk1"/>
-            </a:lnRef>
-            <a:fillRef idx="2">
-              <a:schemeClr val="dk1"/>
-            </a:fillRef>
-            <a:effectRef idx="1">
-              <a:schemeClr val="dk1"/>
-            </a:effectRef>
-            <a:fontRef idx="minor">
-              <a:schemeClr val="dk1"/>
-            </a:fontRef>
-          </p:style>
-          <p:txBody>
-            <a:bodyPr>
-              <a:spAutoFit/>
-            </a:bodyPr>
-            <a:lstStyle/>
-            <a:p>
-              <a:pPr algn="ctr">
-                <a:defRPr/>
-              </a:pPr>
-              <a:r>
-                <a:rPr lang="en-US" dirty="0"/>
-                <a:t>Handy Fact</a:t>
-              </a:r>
-            </a:p>
-          </p:txBody>
-        </p:sp>
-        <p:pic>
-          <p:nvPicPr>
-            <p:cNvPr id="25602" name="Picture 2" descr="C:\DOCUME~1\ADMINI~1\LOCALS~1\Temp\VMwareDnD\00007ac9\latex-image-2.png"/>
-            <p:cNvPicPr>
-              <a:picLocks noChangeAspect="1" noChangeArrowheads="1"/>
-            </p:cNvPicPr>
-            <p:nvPr/>
-          </p:nvPicPr>
-          <p:blipFill>
-            <a:blip r:embed="rId3" cstate="print"/>
-            <a:srcRect/>
-            <a:stretch>
-              <a:fillRect/>
-            </a:stretch>
-          </p:blipFill>
-          <p:spPr bwMode="auto">
-            <a:xfrm>
-              <a:off x="3624364" y="6007523"/>
-              <a:ext cx="5214836" cy="715699"/>
-            </a:xfrm>
-            <a:prstGeom prst="rect">
-              <a:avLst/>
-            </a:prstGeom>
-          </p:spPr>
-          <p:style>
-            <a:lnRef idx="1">
-              <a:schemeClr val="dk1"/>
-            </a:lnRef>
-            <a:fillRef idx="2">
-              <a:schemeClr val="dk1"/>
-            </a:fillRef>
-            <a:effectRef idx="1">
-              <a:schemeClr val="dk1"/>
-            </a:effectRef>
-            <a:fontRef idx="minor">
-              <a:schemeClr val="dk1"/>
-            </a:fontRef>
-          </p:style>
-        </p:pic>
-      </p:grpSp>
-      <p:sp>
-        <p:nvSpPr>
-          <p:cNvPr id="8" name="TextBox 7"/>
-          <p:cNvSpPr txBox="1"/>
+              </a14:hiddenFill>
+            </a:ext>
+          </a:extLst>
+        </p:spPr>
+      </p:pic>
+      <p:sp>
+        <p:nvSpPr>
+          <p:cNvPr id="6" name="Rectangle 5">
+            <a:extLst>
+              <a:ext uri="{FF2B5EF4-FFF2-40B4-BE49-F238E27FC236}">
+                <a16:creationId xmlns:a16="http://schemas.microsoft.com/office/drawing/2014/main" id="{F27F6201-3CBD-4867-9939-534DD0E74B7F}"/>
+              </a:ext>
+            </a:extLst>
+          </p:cNvPr>
+          <p:cNvSpPr/>
           <p:nvPr/>
         </p:nvSpPr>
         <p:spPr>
           <a:xfrm>
-            <a:off x="8077200" y="6324600"/>
-            <a:ext cx="968535" cy="369332"/>
+            <a:off x="609600" y="3604823"/>
+            <a:ext cx="4267200" cy="2554545"/>
           </a:xfrm>
           <a:prstGeom prst="rect">
             <a:avLst/>
           </a:prstGeom>
         </p:spPr>
+        <p:txBody>
+          <a:bodyPr wrap="square">
+            <a:spAutoFit/>
+          </a:bodyPr>
+          <a:lstStyle/>
+          <a:p>
+            <a:pPr marL="285750" indent="-285750">
+              <a:buFont typeface="Arial" panose="020B0604020202020204" pitchFamily="34" charset="0"/>
+              <a:buChar char="•"/>
+            </a:pPr>
+            <a:r>
+              <a:rPr lang="en-US" sz="3200" dirty="0">
+                <a:latin typeface="+mj-lt"/>
+              </a:rPr>
+              <a:t>output: y = f(n) - the number of instructions executed</a:t>
+            </a:r>
+          </a:p>
+          <a:p>
+            <a:pPr marL="285750" indent="-285750">
+              <a:buFont typeface="Arial" panose="020B0604020202020204" pitchFamily="34" charset="0"/>
+              <a:buChar char="•"/>
+            </a:pPr>
+            <a:r>
+              <a:rPr lang="en-US" sz="3200" dirty="0">
+                <a:latin typeface="+mj-lt"/>
+              </a:rPr>
+              <a:t>Only care about Quadrant I</a:t>
+            </a:r>
+          </a:p>
+        </p:txBody>
+      </p:sp>
+      <p:sp>
+        <p:nvSpPr>
+          <p:cNvPr id="7" name="Rectangle: Rounded Corners 6">
+            <a:extLst>
+              <a:ext uri="{FF2B5EF4-FFF2-40B4-BE49-F238E27FC236}">
+                <a16:creationId xmlns:a16="http://schemas.microsoft.com/office/drawing/2014/main" id="{AA0284B0-2301-48B5-BA87-A39F68854F6C}"/>
+              </a:ext>
+            </a:extLst>
+          </p:cNvPr>
+          <p:cNvSpPr/>
+          <p:nvPr/>
+        </p:nvSpPr>
+        <p:spPr>
+          <a:xfrm>
+            <a:off x="6781800" y="3048000"/>
+            <a:ext cx="609600" cy="381000"/>
+          </a:xfrm>
+          <a:prstGeom prst="roundRect">
+            <a:avLst/>
+          </a:prstGeom>
+          <a:noFill/>
+          <a:ln w="19050">
+            <a:solidFill>
+              <a:srgbClr val="FF0000"/>
+            </a:solidFill>
+          </a:ln>
+        </p:spPr>
         <p:style>
           <a:lnRef idx="2">
-            <a:schemeClr val="accent3">
+            <a:schemeClr val="accent1">
               <a:shade val="50000"/>
             </a:schemeClr>
           </a:lnRef>
           <a:fillRef idx="1">
-            <a:schemeClr val="accent3"/>
+            <a:schemeClr val="accent1"/>
           </a:fillRef>
           <a:effectRef idx="0">
-            <a:schemeClr val="accent3"/>
+            <a:schemeClr val="accent1"/>
           </a:effectRef>
           <a:fontRef idx="minor">
             <a:schemeClr val="lt1"/>
           </a:fontRef>
         </p:style>
         <p:txBody>
-          <a:bodyPr wrap="none" rtlCol="0">
-            <a:spAutoFit/>
-          </a:bodyPr>
-          <a:lstStyle/>
-          <a:p>
-            <a:r>
-              <a:rPr lang="en-US" dirty="0" smtClean="0"/>
-              <a:t>Q2-Q7</a:t>
-            </a:r>
-            <a:endParaRPr lang="en-US" dirty="0"/>
+          <a:bodyPr rtlCol="0" anchor="ctr"/>
+          <a:lstStyle/>
+          <a:p>
+            <a:pPr algn="ctr"/>
+            <a:endParaRPr lang="en-US"/>
+          </a:p>
+        </p:txBody>
+      </p:sp>
+      <p:sp>
+        <p:nvSpPr>
+          <p:cNvPr id="11" name="Rectangle: Rounded Corners 10">
+            <a:extLst>
+              <a:ext uri="{FF2B5EF4-FFF2-40B4-BE49-F238E27FC236}">
+                <a16:creationId xmlns:a16="http://schemas.microsoft.com/office/drawing/2014/main" id="{06A34923-4B0A-49E3-8A19-6816B6669FD1}"/>
+              </a:ext>
+            </a:extLst>
+          </p:cNvPr>
+          <p:cNvSpPr/>
+          <p:nvPr/>
+        </p:nvSpPr>
+        <p:spPr>
+          <a:xfrm>
+            <a:off x="8534400" y="4343400"/>
+            <a:ext cx="266700" cy="263844"/>
+          </a:xfrm>
+          <a:prstGeom prst="roundRect">
+            <a:avLst/>
+          </a:prstGeom>
+          <a:noFill/>
+          <a:ln w="19050">
+            <a:solidFill>
+              <a:srgbClr val="FF0000"/>
+            </a:solidFill>
+          </a:ln>
+        </p:spPr>
+        <p:style>
+          <a:lnRef idx="2">
+            <a:schemeClr val="accent1">
+              <a:shade val="50000"/>
+            </a:schemeClr>
+          </a:lnRef>
+          <a:fillRef idx="1">
+            <a:schemeClr val="accent1"/>
+          </a:fillRef>
+          <a:effectRef idx="0">
+            <a:schemeClr val="accent1"/>
+          </a:effectRef>
+          <a:fontRef idx="minor">
+            <a:schemeClr val="lt1"/>
+          </a:fontRef>
+        </p:style>
+        <p:txBody>
+          <a:bodyPr rtlCol="0" anchor="ctr"/>
+          <a:lstStyle/>
+          <a:p>
+            <a:pPr algn="ctr"/>
+            <a:endParaRPr lang="en-US"/>
           </a:p>
         </p:txBody>
       </p:sp>
@@ -9303,89 +11680,6 @@
   <p:clrMapOvr>
     <a:masterClrMapping/>
   </p:clrMapOvr>
-  <p:timing>
-    <p:tnLst>
-      <p:par>
-        <p:cTn id="1" dur="indefinite" restart="never" nodeType="tmRoot">
-          <p:childTnLst>
-            <p:seq concurrent="1" nextAc="seek">
-              <p:cTn id="2" dur="indefinite" nodeType="mainSeq">
-                <p:childTnLst>
-                  <p:par>
-                    <p:cTn id="3" fill="hold">
-                      <p:stCondLst>
-                        <p:cond delay="indefinite"/>
-                      </p:stCondLst>
-                      <p:childTnLst>
-                        <p:par>
-                          <p:cTn id="4" fill="hold">
-                            <p:stCondLst>
-                              <p:cond delay="0"/>
-                            </p:stCondLst>
-                            <p:childTnLst>
-                              <p:par>
-                                <p:cTn id="5" presetID="10" presetClass="entr" presetSubtype="0" fill="hold" nodeType="clickEffect">
-                                  <p:stCondLst>
-                                    <p:cond delay="0"/>
-                                  </p:stCondLst>
-                                  <p:childTnLst>
-                                    <p:set>
-                                      <p:cBhvr>
-                                        <p:cTn id="6" dur="1" fill="hold">
-                                          <p:stCondLst>
-                                            <p:cond delay="0"/>
-                                          </p:stCondLst>
-                                        </p:cTn>
-                                        <p:tgtEl>
-                                          <p:spTgt spid="5"/>
-                                        </p:tgtEl>
-                                        <p:attrNameLst>
-                                          <p:attrName>style.visibility</p:attrName>
-                                        </p:attrNameLst>
-                                      </p:cBhvr>
-                                      <p:to>
-                                        <p:strVal val="visible"/>
-                                      </p:to>
-                                    </p:set>
-                                    <p:animEffect transition="in" filter="fade">
-                                      <p:cBhvr>
-                                        <p:cTn id="7" dur="500"/>
-                                        <p:tgtEl>
-                                          <p:spTgt spid="5"/>
-                                        </p:tgtEl>
-                                      </p:cBhvr>
-                                    </p:animEffect>
-                                  </p:childTnLst>
-                                </p:cTn>
-                              </p:par>
-                            </p:childTnLst>
-                          </p:cTn>
-                        </p:par>
-                      </p:childTnLst>
-                    </p:cTn>
-                  </p:par>
-                </p:childTnLst>
-              </p:cTn>
-              <p:prevCondLst>
-                <p:cond evt="onPrev" delay="0">
-                  <p:tgtEl>
-                    <p:sldTgt/>
-                  </p:tgtEl>
-                </p:cond>
-              </p:prevCondLst>
-              <p:nextCondLst>
-                <p:cond evt="onNext" delay="0">
-                  <p:tgtEl>
-                    <p:sldTgt/>
-                  </p:tgtEl>
-                </p:cond>
-              </p:nextCondLst>
-            </p:seq>
-          </p:childTnLst>
-        </p:cTn>
-      </p:par>
-    </p:tnLst>
-  </p:timing>
 </p:sld>
 </file>
 

--- a/ClassMaterials/Sorting/Slides/SortingAndSearching.pptx
+++ b/ClassMaterials/Sorting/Slides/SortingAndSearching.pptx
@@ -5,10 +5,10 @@
     <p:sldMasterId id="2147484485" r:id="rId1"/>
   </p:sldMasterIdLst>
   <p:notesMasterIdLst>
-    <p:notesMasterId r:id="rId22"/>
+    <p:notesMasterId r:id="rId26"/>
   </p:notesMasterIdLst>
   <p:handoutMasterIdLst>
-    <p:handoutMasterId r:id="rId23"/>
+    <p:handoutMasterId r:id="rId27"/>
   </p:handoutMasterIdLst>
   <p:sldIdLst>
     <p:sldId id="256" r:id="rId2"/>
@@ -18,19 +18,23 @@
     <p:sldId id="262" r:id="rId6"/>
     <p:sldId id="280" r:id="rId7"/>
     <p:sldId id="279" r:id="rId8"/>
-    <p:sldId id="264" r:id="rId9"/>
-    <p:sldId id="265" r:id="rId10"/>
-    <p:sldId id="276" r:id="rId11"/>
-    <p:sldId id="277" r:id="rId12"/>
-    <p:sldId id="275" r:id="rId13"/>
-    <p:sldId id="266" r:id="rId14"/>
-    <p:sldId id="267" r:id="rId15"/>
-    <p:sldId id="281" r:id="rId16"/>
-    <p:sldId id="270" r:id="rId17"/>
-    <p:sldId id="271" r:id="rId18"/>
-    <p:sldId id="272" r:id="rId19"/>
-    <p:sldId id="273" r:id="rId20"/>
-    <p:sldId id="257" r:id="rId21"/>
+    <p:sldId id="285" r:id="rId9"/>
+    <p:sldId id="264" r:id="rId10"/>
+    <p:sldId id="265" r:id="rId11"/>
+    <p:sldId id="276" r:id="rId12"/>
+    <p:sldId id="277" r:id="rId13"/>
+    <p:sldId id="275" r:id="rId14"/>
+    <p:sldId id="266" r:id="rId15"/>
+    <p:sldId id="267" r:id="rId16"/>
+    <p:sldId id="281" r:id="rId17"/>
+    <p:sldId id="284" r:id="rId18"/>
+    <p:sldId id="270" r:id="rId19"/>
+    <p:sldId id="282" r:id="rId20"/>
+    <p:sldId id="283" r:id="rId21"/>
+    <p:sldId id="271" r:id="rId22"/>
+    <p:sldId id="272" r:id="rId23"/>
+    <p:sldId id="273" r:id="rId24"/>
+    <p:sldId id="257" r:id="rId25"/>
   </p:sldIdLst>
   <p:sldSz cx="9144000" cy="6858000" type="screen4x3"/>
   <p:notesSz cx="7010400" cy="9296400"/>
@@ -295,7 +299,7 @@
               <a:pPr>
                 <a:defRPr/>
               </a:pPr>
-              <a:t>10/31/2018</a:t>
+              <a:t>5/9/2020</a:t>
             </a:fld>
             <a:endParaRPr lang="en-US"/>
           </a:p>
@@ -530,7 +534,7 @@
               <a:pPr>
                 <a:defRPr/>
               </a:pPr>
-              <a:t>10/31/2018</a:t>
+              <a:t>5/9/2020</a:t>
             </a:fld>
             <a:endParaRPr lang="en-US"/>
           </a:p>
@@ -1178,7 +1182,7 @@
             <a:fld id="{D86FAE90-DB18-47D7-940A-B7F65A7F4AD1}" type="slidenum">
               <a:rPr lang="en-US" smtClean="0"/>
               <a:pPr/>
-              <a:t>10</a:t>
+              <a:t>11</a:t>
             </a:fld>
             <a:endParaRPr lang="en-US"/>
           </a:p>
@@ -1278,7 +1282,7 @@
             <a:fld id="{D86FAE90-DB18-47D7-940A-B7F65A7F4AD1}" type="slidenum">
               <a:rPr lang="en-US" smtClean="0"/>
               <a:pPr/>
-              <a:t>11</a:t>
+              <a:t>12</a:t>
             </a:fld>
             <a:endParaRPr lang="en-US"/>
           </a:p>
@@ -1378,7 +1382,7 @@
             <a:fld id="{D86FAE90-DB18-47D7-940A-B7F65A7F4AD1}" type="slidenum">
               <a:rPr lang="en-US" smtClean="0"/>
               <a:pPr/>
-              <a:t>12</a:t>
+              <a:t>13</a:t>
             </a:fld>
             <a:endParaRPr lang="en-US"/>
           </a:p>
@@ -1555,7 +1559,7 @@
             <a:fld id="{E23E2C73-63C6-4FCF-828B-C7ABA99140E4}" type="slidenum">
               <a:rPr lang="en-US" smtClean="0"/>
               <a:pPr/>
-              <a:t>14</a:t>
+              <a:t>15</a:t>
             </a:fld>
             <a:endParaRPr lang="en-US"/>
           </a:p>
@@ -1720,7 +1724,7 @@
             <a:fld id="{13886DFF-996D-41AE-AF31-9A66E4DAA4C8}" type="slidenum">
               <a:rPr lang="en-US" smtClean="0"/>
               <a:pPr/>
-              <a:t>15</a:t>
+              <a:t>16</a:t>
             </a:fld>
             <a:endParaRPr lang="en-US"/>
           </a:p>
@@ -1871,73 +1875,45 @@
           <a:lstStyle/>
           <a:p>
             <a:r>
-              <a:rPr lang="en-US" dirty="0"/>
-              <a:t>BEFORE animating any bullets:</a:t>
-            </a:r>
-          </a:p>
-          <a:p>
-            <a:r>
-              <a:rPr lang="en-US" dirty="0"/>
-              <a:t>	Ask student</a:t>
-            </a:r>
-            <a:r>
-              <a:rPr lang="en-US" baseline="0" dirty="0"/>
-              <a:t> to find China Express’s number; time them. (You may need to hint that they go to the restaurant section… they don’t understand phone books </a:t>
-            </a:r>
-            <a:r>
-              <a:rPr lang="en-US" baseline="0" dirty="0">
-                <a:sym typeface="Wingdings" panose="05000000000000000000" pitchFamily="2" charset="2"/>
-              </a:rPr>
-              <a:t> )</a:t>
-            </a:r>
-            <a:endParaRPr lang="en-US" baseline="0" dirty="0"/>
-          </a:p>
-          <a:p>
-            <a:r>
-              <a:rPr lang="en-US" baseline="0" dirty="0"/>
-              <a:t>	Ask if anyone thinks they can beat that time. (page 337 of yellow book 2008-2009 phone book)</a:t>
-            </a:r>
-          </a:p>
-          <a:p>
-            <a:r>
-              <a:rPr lang="en-US" baseline="0" dirty="0"/>
-              <a:t>	Ask them to find who has the number 208-2063.</a:t>
-            </a:r>
-          </a:p>
-          <a:p>
-            <a:r>
-              <a:rPr lang="en-US" dirty="0"/>
-              <a:t>	</a:t>
-            </a:r>
-            <a:r>
-              <a:rPr lang="en-US" baseline="0" dirty="0"/>
-              <a:t>208-2063  </a:t>
-            </a:r>
-            <a:r>
-              <a:rPr lang="en-US" dirty="0"/>
-              <a:t>is Precision</a:t>
-            </a:r>
-            <a:r>
-              <a:rPr lang="en-US" baseline="0" dirty="0"/>
-              <a:t> Lawn Plus (page 252 of yellow book 2008-2009 phone book)</a:t>
-            </a:r>
-            <a:endParaRPr lang="en-US" dirty="0"/>
-          </a:p>
-          <a:p>
-            <a:r>
-              <a:rPr lang="en-US" dirty="0"/>
-              <a:t>Then build by major bullet</a:t>
-            </a:r>
-          </a:p>
-          <a:p>
-            <a:endParaRPr lang="en-US" dirty="0"/>
-          </a:p>
-          <a:p>
-            <a:r>
-              <a:rPr lang="en-US"/>
-              <a:t>- n, for n items</a:t>
-            </a:r>
-            <a:endParaRPr lang="en-US" dirty="0"/>
+              <a:rPr lang="en-US" dirty="0" smtClean="0"/>
+              <a:t>Slides animated to do an activity</a:t>
+            </a:r>
+            <a:r>
+              <a:rPr lang="en-US" baseline="0" dirty="0" smtClean="0"/>
+              <a:t> in class to force student to realize how long it takes to figure out a number.</a:t>
+            </a:r>
+          </a:p>
+          <a:p>
+            <a:r>
+              <a:rPr lang="en-US" baseline="0" dirty="0" smtClean="0"/>
+              <a:t>Script: Ask students to guess the number from 1 to 100</a:t>
+            </a:r>
+          </a:p>
+          <a:p>
+            <a:r>
+              <a:rPr lang="en-US" baseline="0" dirty="0" smtClean="0"/>
+              <a:t>After a while they will probably get systematic about guessing it</a:t>
+            </a:r>
+          </a:p>
+          <a:p>
+            <a:r>
+              <a:rPr lang="en-US" baseline="0" dirty="0" smtClean="0"/>
+              <a:t>Ask students to do the same for 1 to 1000, they will say </a:t>
+            </a:r>
+            <a:r>
+              <a:rPr lang="en-US" baseline="0" dirty="0" err="1" smtClean="0"/>
+              <a:t>Nooooo</a:t>
+            </a:r>
+            <a:r>
+              <a:rPr lang="en-US" baseline="0" dirty="0" smtClean="0"/>
+              <a:t> that’s too hard, reveal the answer after asking one student to take a guess (which they should miss)</a:t>
+            </a:r>
+          </a:p>
+          <a:p>
+            <a:r>
+              <a:rPr lang="en-US" baseline="0" dirty="0" smtClean="0"/>
+              <a:t>Now, as them to guess the number but you will tell them if the answer is lower or higher than their guess.</a:t>
+            </a:r>
           </a:p>
         </p:txBody>
       </p:sp>
@@ -1961,16 +1937,16 @@
             <a:fld id="{1CAB54A6-6D8B-4F15-92AE-823480FEDC1E}" type="slidenum">
               <a:rPr lang="en-US" smtClean="0"/>
               <a:pPr/>
-              <a:t>17</a:t>
+              <a:t>19</a:t>
             </a:fld>
-            <a:endParaRPr lang="en-US"/>
+            <a:endParaRPr lang="en-US" smtClean="0"/>
           </a:p>
         </p:txBody>
       </p:sp>
     </p:spTree>
     <p:extLst>
       <p:ext uri="{BB962C8B-B14F-4D97-AF65-F5344CB8AC3E}">
-        <p14:creationId xmlns:p14="http://schemas.microsoft.com/office/powerpoint/2010/main" val="1331552101"/>
+        <p14:creationId xmlns:p14="http://schemas.microsoft.com/office/powerpoint/2010/main" val="4158316683"/>
       </p:ext>
     </p:extLst>
   </p:cSld>
@@ -1999,29 +1975,19 @@
       </p:grpSpPr>
       <p:sp>
         <p:nvSpPr>
-          <p:cNvPr id="37890" name="Slide Image Placeholder 1"/>
-          <p:cNvSpPr>
-            <a:spLocks noGrp="1" noRot="1" noChangeAspect="1" noTextEdit="1"/>
+          <p:cNvPr id="2" name="Slide Image Placeholder 1"/>
+          <p:cNvSpPr>
+            <a:spLocks noGrp="1" noRot="1" noChangeAspect="1"/>
           </p:cNvSpPr>
           <p:nvPr>
             <p:ph type="sldImg"/>
           </p:nvPr>
         </p:nvSpPr>
-        <p:spPr bwMode="auto">
-          <a:noFill/>
-          <a:ln>
-            <a:solidFill>
-              <a:srgbClr val="000000"/>
-            </a:solidFill>
-            <a:miter lim="800000"/>
-            <a:headEnd/>
-            <a:tailEnd/>
-          </a:ln>
-        </p:spPr>
-      </p:sp>
-      <p:sp>
-        <p:nvSpPr>
-          <p:cNvPr id="37891" name="Notes Placeholder 2"/>
+        <p:spPr/>
+      </p:sp>
+      <p:sp>
+        <p:nvSpPr>
+          <p:cNvPr id="3" name="Notes Placeholder 2"/>
           <p:cNvSpPr>
             <a:spLocks noGrp="1"/>
           </p:cNvSpPr>
@@ -2029,42 +1995,86 @@
             <p:ph type="body" idx="1"/>
           </p:nvPr>
         </p:nvSpPr>
-        <p:spPr>
-          <a:noFill/>
-          <a:ln/>
-        </p:spPr>
+        <p:spPr/>
         <p:txBody>
           <a:bodyPr/>
           <a:lstStyle/>
           <a:p>
             <a:r>
-              <a:rPr lang="en-US"/>
-              <a:t>Look at code for binary search.</a:t>
-            </a:r>
-          </a:p>
-        </p:txBody>
-      </p:sp>
-      <p:sp>
-        <p:nvSpPr>
-          <p:cNvPr id="37892" name="Slide Number Placeholder 3"/>
-          <p:cNvSpPr>
-            <a:spLocks noGrp="1"/>
-          </p:cNvSpPr>
-          <p:nvPr>
-            <p:ph type="sldNum" sz="quarter" idx="5"/>
-          </p:nvPr>
-        </p:nvSpPr>
-        <p:spPr>
-          <a:noFill/>
-        </p:spPr>
+              <a:rPr lang="en-US" dirty="0" smtClean="0"/>
+              <a:t>1,000,000/</a:t>
+            </a:r>
+            <a:r>
+              <a:rPr lang="en-US" baseline="0" dirty="0" smtClean="0"/>
+              <a:t> (2^X) &lt;= 1</a:t>
+            </a:r>
+          </a:p>
+          <a:p>
+            <a:r>
+              <a:rPr lang="en-US" baseline="0" dirty="0" smtClean="0"/>
+              <a:t>1,000,000 &lt;= 2^X</a:t>
+            </a:r>
+          </a:p>
+          <a:p>
+            <a:r>
+              <a:rPr lang="en-US" baseline="0" dirty="0" smtClean="0"/>
+              <a:t>Log2(1,000,000) = X</a:t>
+            </a:r>
+          </a:p>
+          <a:p>
+            <a:endParaRPr lang="en-US" baseline="0" dirty="0" smtClean="0"/>
+          </a:p>
+          <a:p>
+            <a:r>
+              <a:rPr lang="en-US" baseline="0" dirty="0" smtClean="0"/>
+              <a:t>2^X = 1,000,000 =&gt;    log 2(  1,000,000) = X</a:t>
+            </a:r>
+          </a:p>
+          <a:p>
+            <a:endParaRPr lang="en-US" baseline="0" dirty="0" smtClean="0"/>
+          </a:p>
+          <a:p>
+            <a:r>
+              <a:rPr lang="en-US" baseline="0" dirty="0" smtClean="0"/>
+              <a:t>Binary search log2( N) -&gt; cuts possibilities in half each time</a:t>
+            </a:r>
+          </a:p>
+          <a:p>
+            <a:endParaRPr lang="en-US" dirty="0" smtClean="0"/>
+          </a:p>
+          <a:p>
+            <a:r>
+              <a:rPr lang="en-US" dirty="0" smtClean="0"/>
+              <a:t>Those </a:t>
+            </a:r>
+            <a:endParaRPr lang="en-US" dirty="0"/>
+          </a:p>
+        </p:txBody>
+      </p:sp>
+      <p:sp>
+        <p:nvSpPr>
+          <p:cNvPr id="4" name="Slide Number Placeholder 3"/>
+          <p:cNvSpPr>
+            <a:spLocks noGrp="1"/>
+          </p:cNvSpPr>
+          <p:nvPr>
+            <p:ph type="sldNum" sz="quarter" idx="10"/>
+          </p:nvPr>
+        </p:nvSpPr>
+        <p:spPr/>
         <p:txBody>
           <a:bodyPr/>
           <a:lstStyle/>
           <a:p>
-            <a:fld id="{828D8EB1-E62A-4F41-8DB6-9A6ECA7F01BD}" type="slidenum">
+            <a:pPr>
+              <a:defRPr/>
+            </a:pPr>
+            <a:fld id="{46D753E5-955C-4A64-9F06-F70656B24BC8}" type="slidenum">
               <a:rPr lang="en-US" smtClean="0"/>
-              <a:pPr/>
-              <a:t>18</a:t>
+              <a:pPr>
+                <a:defRPr/>
+              </a:pPr>
+              <a:t>20</a:t>
             </a:fld>
             <a:endParaRPr lang="en-US"/>
           </a:p>
@@ -2073,7 +2083,7 @@
     </p:spTree>
     <p:extLst>
       <p:ext uri="{BB962C8B-B14F-4D97-AF65-F5344CB8AC3E}">
-        <p14:creationId xmlns:p14="http://schemas.microsoft.com/office/powerpoint/2010/main" val="469076120"/>
+        <p14:creationId xmlns:p14="http://schemas.microsoft.com/office/powerpoint/2010/main" val="2312594072"/>
       </p:ext>
     </p:extLst>
   </p:cSld>
@@ -2102,7 +2112,7 @@
       </p:grpSpPr>
       <p:sp>
         <p:nvSpPr>
-          <p:cNvPr id="38914" name="Slide Image Placeholder 1"/>
+          <p:cNvPr id="36866" name="Slide Image Placeholder 1"/>
           <p:cNvSpPr>
             <a:spLocks noGrp="1" noRot="1" noChangeAspect="1" noTextEdit="1"/>
           </p:cNvSpPr>
@@ -2124,7 +2134,7 @@
       </p:sp>
       <p:sp>
         <p:nvSpPr>
-          <p:cNvPr id="38915" name="Notes Placeholder 2"/>
+          <p:cNvPr id="36867" name="Notes Placeholder 2"/>
           <p:cNvSpPr>
             <a:spLocks noGrp="1"/>
           </p:cNvSpPr>
@@ -2142,14 +2152,78 @@
           <a:p>
             <a:r>
               <a:rPr lang="en-US" dirty="0"/>
-              <a:t>Solve Q19 together</a:t>
-            </a:r>
-          </a:p>
-        </p:txBody>
-      </p:sp>
-      <p:sp>
-        <p:nvSpPr>
-          <p:cNvPr id="38916" name="Slide Number Placeholder 3"/>
+              <a:t>BEFORE animating any bullets:</a:t>
+            </a:r>
+          </a:p>
+          <a:p>
+            <a:r>
+              <a:rPr lang="en-US" dirty="0"/>
+              <a:t>	Ask student</a:t>
+            </a:r>
+            <a:r>
+              <a:rPr lang="en-US" baseline="0" dirty="0"/>
+              <a:t> to find China Express’s number; time them. (You may need to hint that they go to the restaurant section… they don’t understand phone books </a:t>
+            </a:r>
+            <a:r>
+              <a:rPr lang="en-US" baseline="0" dirty="0">
+                <a:sym typeface="Wingdings" panose="05000000000000000000" pitchFamily="2" charset="2"/>
+              </a:rPr>
+              <a:t> )</a:t>
+            </a:r>
+            <a:endParaRPr lang="en-US" baseline="0" dirty="0"/>
+          </a:p>
+          <a:p>
+            <a:r>
+              <a:rPr lang="en-US" baseline="0" dirty="0"/>
+              <a:t>	Ask if anyone thinks they can beat that time. (page 337 of yellow book 2008-2009 phone book)</a:t>
+            </a:r>
+          </a:p>
+          <a:p>
+            <a:r>
+              <a:rPr lang="en-US" baseline="0" dirty="0"/>
+              <a:t>	Ask them to find who has the number 208-2063.</a:t>
+            </a:r>
+          </a:p>
+          <a:p>
+            <a:r>
+              <a:rPr lang="en-US" dirty="0"/>
+              <a:t>	</a:t>
+            </a:r>
+            <a:r>
+              <a:rPr lang="en-US" baseline="0" dirty="0"/>
+              <a:t>208-2063  </a:t>
+            </a:r>
+            <a:r>
+              <a:rPr lang="en-US" dirty="0"/>
+              <a:t>is Precision</a:t>
+            </a:r>
+            <a:r>
+              <a:rPr lang="en-US" baseline="0" dirty="0"/>
+              <a:t> Lawn Plus (page 252 of yellow book 2008-2009 phone book)</a:t>
+            </a:r>
+            <a:endParaRPr lang="en-US" dirty="0"/>
+          </a:p>
+          <a:p>
+            <a:r>
+              <a:rPr lang="en-US" dirty="0"/>
+              <a:t>Then build by major bullet</a:t>
+            </a:r>
+          </a:p>
+          <a:p>
+            <a:endParaRPr lang="en-US" dirty="0"/>
+          </a:p>
+          <a:p>
+            <a:r>
+              <a:rPr lang="en-US"/>
+              <a:t>- n, for n items</a:t>
+            </a:r>
+            <a:endParaRPr lang="en-US" dirty="0"/>
+          </a:p>
+        </p:txBody>
+      </p:sp>
+      <p:sp>
+        <p:nvSpPr>
+          <p:cNvPr id="36868" name="Slide Number Placeholder 3"/>
           <p:cNvSpPr>
             <a:spLocks noGrp="1"/>
           </p:cNvSpPr>
@@ -2164,10 +2238,10 @@
           <a:bodyPr/>
           <a:lstStyle/>
           <a:p>
-            <a:fld id="{ACC5BD96-9452-419E-B7A6-9575083A73C8}" type="slidenum">
+            <a:fld id="{1CAB54A6-6D8B-4F15-92AE-823480FEDC1E}" type="slidenum">
               <a:rPr lang="en-US" smtClean="0"/>
               <a:pPr/>
-              <a:t>19</a:t>
+              <a:t>21</a:t>
             </a:fld>
             <a:endParaRPr lang="en-US"/>
           </a:p>
@@ -2176,7 +2250,7 @@
     </p:spTree>
     <p:extLst>
       <p:ext uri="{BB962C8B-B14F-4D97-AF65-F5344CB8AC3E}">
-        <p14:creationId xmlns:p14="http://schemas.microsoft.com/office/powerpoint/2010/main" val="349880703"/>
+        <p14:creationId xmlns:p14="http://schemas.microsoft.com/office/powerpoint/2010/main" val="1331552101"/>
       </p:ext>
     </p:extLst>
   </p:cSld>
@@ -2309,7 +2383,7 @@
       </p:grpSpPr>
       <p:sp>
         <p:nvSpPr>
-          <p:cNvPr id="39938" name="Slide Image Placeholder 1"/>
+          <p:cNvPr id="37890" name="Slide Image Placeholder 1"/>
           <p:cNvSpPr>
             <a:spLocks noGrp="1" noRot="1" noChangeAspect="1" noTextEdit="1"/>
           </p:cNvSpPr>
@@ -2331,7 +2405,7 @@
       </p:sp>
       <p:sp>
         <p:nvSpPr>
-          <p:cNvPr id="39939" name="Notes Placeholder 2"/>
+          <p:cNvPr id="37891" name="Notes Placeholder 2"/>
           <p:cNvSpPr>
             <a:spLocks noGrp="1"/>
           </p:cNvSpPr>
@@ -2347,13 +2421,16 @@
           <a:bodyPr/>
           <a:lstStyle/>
           <a:p>
-            <a:endParaRPr lang="en-US" dirty="0"/>
-          </a:p>
-        </p:txBody>
-      </p:sp>
-      <p:sp>
-        <p:nvSpPr>
-          <p:cNvPr id="39940" name="Slide Number Placeholder 3"/>
+            <a:r>
+              <a:rPr lang="en-US"/>
+              <a:t>Look at code for binary search.</a:t>
+            </a:r>
+          </a:p>
+        </p:txBody>
+      </p:sp>
+      <p:sp>
+        <p:nvSpPr>
+          <p:cNvPr id="37892" name="Slide Number Placeholder 3"/>
           <p:cNvSpPr>
             <a:spLocks noGrp="1"/>
           </p:cNvSpPr>
@@ -2368,10 +2445,213 @@
           <a:bodyPr/>
           <a:lstStyle/>
           <a:p>
+            <a:fld id="{828D8EB1-E62A-4F41-8DB6-9A6ECA7F01BD}" type="slidenum">
+              <a:rPr lang="en-US" smtClean="0"/>
+              <a:pPr/>
+              <a:t>22</a:t>
+            </a:fld>
+            <a:endParaRPr lang="en-US"/>
+          </a:p>
+        </p:txBody>
+      </p:sp>
+    </p:spTree>
+    <p:extLst>
+      <p:ext uri="{BB962C8B-B14F-4D97-AF65-F5344CB8AC3E}">
+        <p14:creationId xmlns:p14="http://schemas.microsoft.com/office/powerpoint/2010/main" val="469076120"/>
+      </p:ext>
+    </p:extLst>
+  </p:cSld>
+  <p:clrMapOvr>
+    <a:masterClrMapping/>
+  </p:clrMapOvr>
+</p:notes>
+</file>
+
+<file path=ppt/notesSlides/notesSlide21.xml><?xml version="1.0" encoding="utf-8"?>
+<p:notes xmlns:a="http://schemas.openxmlformats.org/drawingml/2006/main" xmlns:r="http://schemas.openxmlformats.org/officeDocument/2006/relationships" xmlns:p="http://schemas.openxmlformats.org/presentationml/2006/main">
+  <p:cSld>
+    <p:spTree>
+      <p:nvGrpSpPr>
+        <p:cNvPr id="1" name=""/>
+        <p:cNvGrpSpPr/>
+        <p:nvPr/>
+      </p:nvGrpSpPr>
+      <p:grpSpPr>
+        <a:xfrm>
+          <a:off x="0" y="0"/>
+          <a:ext cx="0" cy="0"/>
+          <a:chOff x="0" y="0"/>
+          <a:chExt cx="0" cy="0"/>
+        </a:xfrm>
+      </p:grpSpPr>
+      <p:sp>
+        <p:nvSpPr>
+          <p:cNvPr id="38914" name="Slide Image Placeholder 1"/>
+          <p:cNvSpPr>
+            <a:spLocks noGrp="1" noRot="1" noChangeAspect="1" noTextEdit="1"/>
+          </p:cNvSpPr>
+          <p:nvPr>
+            <p:ph type="sldImg"/>
+          </p:nvPr>
+        </p:nvSpPr>
+        <p:spPr bwMode="auto">
+          <a:noFill/>
+          <a:ln>
+            <a:solidFill>
+              <a:srgbClr val="000000"/>
+            </a:solidFill>
+            <a:miter lim="800000"/>
+            <a:headEnd/>
+            <a:tailEnd/>
+          </a:ln>
+        </p:spPr>
+      </p:sp>
+      <p:sp>
+        <p:nvSpPr>
+          <p:cNvPr id="38915" name="Notes Placeholder 2"/>
+          <p:cNvSpPr>
+            <a:spLocks noGrp="1"/>
+          </p:cNvSpPr>
+          <p:nvPr>
+            <p:ph type="body" idx="1"/>
+          </p:nvPr>
+        </p:nvSpPr>
+        <p:spPr>
+          <a:noFill/>
+          <a:ln/>
+        </p:spPr>
+        <p:txBody>
+          <a:bodyPr/>
+          <a:lstStyle/>
+          <a:p>
+            <a:r>
+              <a:rPr lang="en-US" dirty="0"/>
+              <a:t>Solve Q19 together</a:t>
+            </a:r>
+          </a:p>
+        </p:txBody>
+      </p:sp>
+      <p:sp>
+        <p:nvSpPr>
+          <p:cNvPr id="38916" name="Slide Number Placeholder 3"/>
+          <p:cNvSpPr>
+            <a:spLocks noGrp="1"/>
+          </p:cNvSpPr>
+          <p:nvPr>
+            <p:ph type="sldNum" sz="quarter" idx="5"/>
+          </p:nvPr>
+        </p:nvSpPr>
+        <p:spPr>
+          <a:noFill/>
+        </p:spPr>
+        <p:txBody>
+          <a:bodyPr/>
+          <a:lstStyle/>
+          <a:p>
+            <a:fld id="{ACC5BD96-9452-419E-B7A6-9575083A73C8}" type="slidenum">
+              <a:rPr lang="en-US" smtClean="0"/>
+              <a:pPr/>
+              <a:t>23</a:t>
+            </a:fld>
+            <a:endParaRPr lang="en-US"/>
+          </a:p>
+        </p:txBody>
+      </p:sp>
+    </p:spTree>
+    <p:extLst>
+      <p:ext uri="{BB962C8B-B14F-4D97-AF65-F5344CB8AC3E}">
+        <p14:creationId xmlns:p14="http://schemas.microsoft.com/office/powerpoint/2010/main" val="349880703"/>
+      </p:ext>
+    </p:extLst>
+  </p:cSld>
+  <p:clrMapOvr>
+    <a:masterClrMapping/>
+  </p:clrMapOvr>
+</p:notes>
+</file>
+
+<file path=ppt/notesSlides/notesSlide22.xml><?xml version="1.0" encoding="utf-8"?>
+<p:notes xmlns:a="http://schemas.openxmlformats.org/drawingml/2006/main" xmlns:r="http://schemas.openxmlformats.org/officeDocument/2006/relationships" xmlns:p="http://schemas.openxmlformats.org/presentationml/2006/main">
+  <p:cSld>
+    <p:spTree>
+      <p:nvGrpSpPr>
+        <p:cNvPr id="1" name=""/>
+        <p:cNvGrpSpPr/>
+        <p:nvPr/>
+      </p:nvGrpSpPr>
+      <p:grpSpPr>
+        <a:xfrm>
+          <a:off x="0" y="0"/>
+          <a:ext cx="0" cy="0"/>
+          <a:chOff x="0" y="0"/>
+          <a:chExt cx="0" cy="0"/>
+        </a:xfrm>
+      </p:grpSpPr>
+      <p:sp>
+        <p:nvSpPr>
+          <p:cNvPr id="39938" name="Slide Image Placeholder 1"/>
+          <p:cNvSpPr>
+            <a:spLocks noGrp="1" noRot="1" noChangeAspect="1" noTextEdit="1"/>
+          </p:cNvSpPr>
+          <p:nvPr>
+            <p:ph type="sldImg"/>
+          </p:nvPr>
+        </p:nvSpPr>
+        <p:spPr bwMode="auto">
+          <a:noFill/>
+          <a:ln>
+            <a:solidFill>
+              <a:srgbClr val="000000"/>
+            </a:solidFill>
+            <a:miter lim="800000"/>
+            <a:headEnd/>
+            <a:tailEnd/>
+          </a:ln>
+        </p:spPr>
+      </p:sp>
+      <p:sp>
+        <p:nvSpPr>
+          <p:cNvPr id="39939" name="Notes Placeholder 2"/>
+          <p:cNvSpPr>
+            <a:spLocks noGrp="1"/>
+          </p:cNvSpPr>
+          <p:nvPr>
+            <p:ph type="body" idx="1"/>
+          </p:nvPr>
+        </p:nvSpPr>
+        <p:spPr>
+          <a:noFill/>
+          <a:ln/>
+        </p:spPr>
+        <p:txBody>
+          <a:bodyPr/>
+          <a:lstStyle/>
+          <a:p>
+            <a:endParaRPr lang="en-US" dirty="0"/>
+          </a:p>
+        </p:txBody>
+      </p:sp>
+      <p:sp>
+        <p:nvSpPr>
+          <p:cNvPr id="39940" name="Slide Number Placeholder 3"/>
+          <p:cNvSpPr>
+            <a:spLocks noGrp="1"/>
+          </p:cNvSpPr>
+          <p:nvPr>
+            <p:ph type="sldNum" sz="quarter" idx="5"/>
+          </p:nvPr>
+        </p:nvSpPr>
+        <p:spPr>
+          <a:noFill/>
+        </p:spPr>
+        <p:txBody>
+          <a:bodyPr/>
+          <a:lstStyle/>
+          <a:p>
             <a:fld id="{00B3E3CB-DDDF-49E9-ADDA-08BE21B86C48}" type="slidenum">
               <a:rPr lang="en-US" smtClean="0"/>
               <a:pPr/>
-              <a:t>20</a:t>
+              <a:t>24</a:t>
             </a:fld>
             <a:endParaRPr lang="en-US"/>
           </a:p>
@@ -2464,8 +2744,16 @@
           </a:p>
           <a:p>
             <a:r>
+              <a:rPr lang="en-US" baseline="0"/>
+              <a:t> </a:t>
+            </a:r>
+            <a:r>
+              <a:rPr lang="en-US" baseline="0" smtClean="0"/>
+              <a:t>My </a:t>
+            </a:r>
+            <a:r>
               <a:rPr lang="en-US" baseline="0" dirty="0"/>
-              <a:t>                                        My boss ordered me to order a new tape drive so we can order our data several orders of magnitude faster.</a:t>
+              <a:t>boss ordered me to order a new tape drive so we can order our data several orders of magnitude faster.</a:t>
             </a:r>
             <a:endParaRPr lang="en-US" dirty="0"/>
           </a:p>
@@ -2744,7 +3032,11 @@
           <a:bodyPr/>
           <a:lstStyle/>
           <a:p>
-            <a:endParaRPr lang="en-US"/>
+            <a:r>
+              <a:rPr lang="en-US" dirty="0" smtClean="0"/>
+              <a:t>reversed</a:t>
+            </a:r>
+            <a:endParaRPr lang="en-US" dirty="0"/>
           </a:p>
         </p:txBody>
       </p:sp>
@@ -3021,8 +3313,24 @@
           <a:p>
             <a:r>
               <a:rPr lang="en-US" dirty="0"/>
-              <a:t>[Or use Excel]</a:t>
-            </a:r>
+              <a:t>[Or use Excel</a:t>
+            </a:r>
+            <a:r>
+              <a:rPr lang="en-US" dirty="0" smtClean="0"/>
+              <a:t>]</a:t>
+            </a:r>
+          </a:p>
+          <a:p>
+            <a:endParaRPr lang="en-US" dirty="0" smtClean="0"/>
+          </a:p>
+          <a:p>
+            <a:r>
+              <a:rPr lang="en-US" dirty="0" smtClean="0">
+                <a:hlinkClick r:id="rId3"/>
+              </a:rPr>
+              <a:t>https://docs.google.com/spreadsheets/d/19V1f8brgzNm9bcj1giJqIg5MVgJjqbOTsFt9p6tBq_o/edit#gid=0</a:t>
+            </a:r>
+            <a:endParaRPr lang="en-US" dirty="0"/>
           </a:p>
         </p:txBody>
       </p:sp>
@@ -3046,7 +3354,7 @@
             <a:fld id="{2E727056-9A6D-4D35-ADE1-BD131FCCDFDA}" type="slidenum">
               <a:rPr lang="en-US" smtClean="0"/>
               <a:pPr/>
-              <a:t>8</a:t>
+              <a:t>9</a:t>
             </a:fld>
             <a:endParaRPr lang="en-US"/>
           </a:p>
@@ -3146,7 +3454,7 @@
             <a:fld id="{D86FAE90-DB18-47D7-940A-B7F65A7F4AD1}" type="slidenum">
               <a:rPr lang="en-US" smtClean="0"/>
               <a:pPr/>
-              <a:t>9</a:t>
+              <a:t>10</a:t>
             </a:fld>
             <a:endParaRPr lang="en-US"/>
           </a:p>
@@ -3350,7 +3658,7 @@
               <a:pPr>
                 <a:defRPr/>
               </a:pPr>
-              <a:t>Wednesday, October 31, 2018</a:t>
+              <a:t>Saturday, May 9, 2020</a:t>
             </a:fld>
             <a:endParaRPr lang="en-US" dirty="0"/>
           </a:p>
@@ -3533,7 +3841,7 @@
               <a:pPr>
                 <a:defRPr/>
               </a:pPr>
-              <a:t>Wednesday, October 31, 2018</a:t>
+              <a:t>Saturday, May 9, 2020</a:t>
             </a:fld>
             <a:endParaRPr lang="en-US" dirty="0"/>
           </a:p>
@@ -3726,7 +4034,7 @@
               <a:pPr>
                 <a:defRPr/>
               </a:pPr>
-              <a:t>Wednesday, October 31, 2018</a:t>
+              <a:t>Saturday, May 9, 2020</a:t>
             </a:fld>
             <a:endParaRPr lang="en-US" dirty="0"/>
           </a:p>
@@ -3909,7 +4217,7 @@
               <a:pPr>
                 <a:defRPr/>
               </a:pPr>
-              <a:t>Wednesday, October 31, 2018</a:t>
+              <a:t>Saturday, May 9, 2020</a:t>
             </a:fld>
             <a:endParaRPr lang="en-US" dirty="0"/>
           </a:p>
@@ -4169,7 +4477,7 @@
               <a:pPr>
                 <a:defRPr/>
               </a:pPr>
-              <a:t>Wednesday, October 31, 2018</a:t>
+              <a:t>Saturday, May 9, 2020</a:t>
             </a:fld>
             <a:endParaRPr lang="en-US"/>
           </a:p>
@@ -4469,7 +4777,7 @@
               <a:pPr>
                 <a:defRPr/>
               </a:pPr>
-              <a:t>Wednesday, October 31, 2018</a:t>
+              <a:t>Saturday, May 9, 2020</a:t>
             </a:fld>
             <a:endParaRPr lang="en-US"/>
           </a:p>
@@ -4903,7 +5211,7 @@
               <a:pPr>
                 <a:defRPr/>
               </a:pPr>
-              <a:t>Wednesday, October 31, 2018</a:t>
+              <a:t>Saturday, May 9, 2020</a:t>
             </a:fld>
             <a:endParaRPr lang="en-US"/>
           </a:p>
@@ -5035,7 +5343,7 @@
               <a:pPr>
                 <a:defRPr/>
               </a:pPr>
-              <a:t>Wednesday, October 31, 2018</a:t>
+              <a:t>Saturday, May 9, 2020</a:t>
             </a:fld>
             <a:endParaRPr lang="en-US"/>
           </a:p>
@@ -5145,7 +5453,7 @@
               <a:pPr>
                 <a:defRPr/>
               </a:pPr>
-              <a:t>Wednesday, October 31, 2018</a:t>
+              <a:t>Saturday, May 9, 2020</a:t>
             </a:fld>
             <a:endParaRPr lang="en-US" dirty="0"/>
           </a:p>
@@ -5435,7 +5743,7 @@
               <a:pPr>
                 <a:defRPr/>
               </a:pPr>
-              <a:t>Wednesday, October 31, 2018</a:t>
+              <a:t>Saturday, May 9, 2020</a:t>
             </a:fld>
             <a:endParaRPr lang="en-US"/>
           </a:p>
@@ -5702,7 +6010,7 @@
               <a:pPr>
                 <a:defRPr/>
               </a:pPr>
-              <a:t>Wednesday, October 31, 2018</a:t>
+              <a:t>Saturday, May 9, 2020</a:t>
             </a:fld>
             <a:endParaRPr lang="en-US"/>
           </a:p>
@@ -5928,7 +6236,7 @@
               <a:pPr>
                 <a:defRPr/>
               </a:pPr>
-              <a:t>Wednesday, October 31, 2018</a:t>
+              <a:t>Saturday, May 9, 2020</a:t>
             </a:fld>
             <a:endParaRPr lang="en-US" dirty="0"/>
           </a:p>
@@ -6453,10 +6761,322 @@
   <p:clrMapOvr>
     <a:masterClrMapping/>
   </p:clrMapOvr>
+  <p:timing>
+    <p:tnLst>
+      <p:par>
+        <p:cTn id="1" dur="indefinite" restart="never" nodeType="tmRoot"/>
+      </p:par>
+    </p:tnLst>
+  </p:timing>
 </p:sld>
 </file>
 
 <file path=ppt/slides/slide10.xml><?xml version="1.0" encoding="utf-8"?>
+<p:sld xmlns:a="http://schemas.openxmlformats.org/drawingml/2006/main" xmlns:r="http://schemas.openxmlformats.org/officeDocument/2006/relationships" xmlns:p="http://schemas.openxmlformats.org/presentationml/2006/main">
+  <p:cSld>
+    <p:spTree>
+      <p:nvGrpSpPr>
+        <p:cNvPr id="1" name=""/>
+        <p:cNvGrpSpPr/>
+        <p:nvPr/>
+      </p:nvGrpSpPr>
+      <p:grpSpPr>
+        <a:xfrm>
+          <a:off x="0" y="0"/>
+          <a:ext cx="0" cy="0"/>
+          <a:chOff x="0" y="0"/>
+          <a:chExt cx="0" cy="0"/>
+        </a:xfrm>
+      </p:grpSpPr>
+      <p:sp>
+        <p:nvSpPr>
+          <p:cNvPr id="3" name="Title 2"/>
+          <p:cNvSpPr>
+            <a:spLocks noGrp="1"/>
+          </p:cNvSpPr>
+          <p:nvPr>
+            <p:ph type="title"/>
+          </p:nvPr>
+        </p:nvSpPr>
+        <p:spPr/>
+        <p:txBody>
+          <a:bodyPr/>
+          <a:lstStyle/>
+          <a:p>
+            <a:pPr>
+              <a:defRPr/>
+            </a:pPr>
+            <a:r>
+              <a:rPr lang="en-US" dirty="0"/>
+              <a:t>Performance Analysis Basics</a:t>
+            </a:r>
+          </a:p>
+        </p:txBody>
+      </p:sp>
+      <p:sp>
+        <p:nvSpPr>
+          <p:cNvPr id="2" name="Content Placeholder 1"/>
+          <p:cNvSpPr>
+            <a:spLocks noGrp="1"/>
+          </p:cNvSpPr>
+          <p:nvPr>
+            <p:ph idx="1"/>
+          </p:nvPr>
+        </p:nvSpPr>
+        <p:spPr>
+          <a:xfrm>
+            <a:off x="457200" y="1295401"/>
+            <a:ext cx="8229600" cy="2286000"/>
+          </a:xfrm>
+        </p:spPr>
+        <p:txBody>
+          <a:bodyPr>
+            <a:normAutofit/>
+          </a:bodyPr>
+          <a:lstStyle/>
+          <a:p>
+            <a:pPr marL="0" indent="0">
+              <a:buNone/>
+            </a:pPr>
+            <a:r>
+              <a:rPr lang="en-US" dirty="0"/>
+              <a:t>Come up with a math function f(n) such that it does the following:</a:t>
+            </a:r>
+          </a:p>
+          <a:p>
+            <a:r>
+              <a:rPr lang="en-US" dirty="0"/>
+              <a:t>input: n = size of the problem to be solved by the algorithm</a:t>
+            </a:r>
+          </a:p>
+          <a:p>
+            <a:pPr marL="0" indent="0">
+              <a:buNone/>
+              <a:defRPr/>
+            </a:pPr>
+            <a:endParaRPr lang="en-US" sz="2800" dirty="0"/>
+          </a:p>
+        </p:txBody>
+      </p:sp>
+      <p:pic>
+        <p:nvPicPr>
+          <p:cNvPr id="1026" name="Picture 2" descr="http://pages.iu.edu/~jholly/C455/Notes/Chapter3/quadrants.gif">
+            <a:extLst>
+              <a:ext uri="{FF2B5EF4-FFF2-40B4-BE49-F238E27FC236}">
+                <a16:creationId xmlns:a16="http://schemas.microsoft.com/office/drawing/2014/main" id="{7770638D-821D-4A0D-99E7-E3A1EBA08F22}"/>
+              </a:ext>
+            </a:extLst>
+          </p:cNvPr>
+          <p:cNvPicPr>
+            <a:picLocks noChangeAspect="1" noChangeArrowheads="1"/>
+          </p:cNvPicPr>
+          <p:nvPr/>
+        </p:nvPicPr>
+        <p:blipFill>
+          <a:blip r:embed="rId3">
+            <a:extLst>
+              <a:ext uri="{28A0092B-C50C-407E-A947-70E740481C1C}">
+                <a14:useLocalDpi xmlns:a14="http://schemas.microsoft.com/office/drawing/2010/main" val="0"/>
+              </a:ext>
+            </a:extLst>
+          </a:blip>
+          <a:srcRect/>
+          <a:stretch>
+            <a:fillRect/>
+          </a:stretch>
+        </p:blipFill>
+        <p:spPr bwMode="auto">
+          <a:xfrm>
+            <a:off x="4884868" y="3124200"/>
+            <a:ext cx="3916232" cy="3204190"/>
+          </a:xfrm>
+          <a:prstGeom prst="rect">
+            <a:avLst/>
+          </a:prstGeom>
+          <a:noFill/>
+          <a:extLst>
+            <a:ext uri="{909E8E84-426E-40DD-AFC4-6F175D3DCCD1}">
+              <a14:hiddenFill xmlns:a14="http://schemas.microsoft.com/office/drawing/2010/main">
+                <a:solidFill>
+                  <a:srgbClr val="FFFFFF"/>
+                </a:solidFill>
+              </a14:hiddenFill>
+            </a:ext>
+          </a:extLst>
+        </p:spPr>
+      </p:pic>
+      <p:sp>
+        <p:nvSpPr>
+          <p:cNvPr id="6" name="Rectangle 5">
+            <a:extLst>
+              <a:ext uri="{FF2B5EF4-FFF2-40B4-BE49-F238E27FC236}">
+                <a16:creationId xmlns:a16="http://schemas.microsoft.com/office/drawing/2014/main" id="{F27F6201-3CBD-4867-9939-534DD0E74B7F}"/>
+              </a:ext>
+            </a:extLst>
+          </p:cNvPr>
+          <p:cNvSpPr/>
+          <p:nvPr/>
+        </p:nvSpPr>
+        <p:spPr>
+          <a:xfrm>
+            <a:off x="609600" y="3604823"/>
+            <a:ext cx="4267200" cy="2554545"/>
+          </a:xfrm>
+          <a:prstGeom prst="rect">
+            <a:avLst/>
+          </a:prstGeom>
+        </p:spPr>
+        <p:txBody>
+          <a:bodyPr wrap="square">
+            <a:spAutoFit/>
+          </a:bodyPr>
+          <a:lstStyle/>
+          <a:p>
+            <a:pPr marL="285750" indent="-285750">
+              <a:buFont typeface="Arial" panose="020B0604020202020204" pitchFamily="34" charset="0"/>
+              <a:buChar char="•"/>
+            </a:pPr>
+            <a:r>
+              <a:rPr lang="en-US" sz="3200" dirty="0">
+                <a:latin typeface="+mj-lt"/>
+              </a:rPr>
+              <a:t>output: y = f(n) - the number of instructions executed</a:t>
+            </a:r>
+          </a:p>
+          <a:p>
+            <a:pPr marL="285750" indent="-285750">
+              <a:buFont typeface="Arial" panose="020B0604020202020204" pitchFamily="34" charset="0"/>
+              <a:buChar char="•"/>
+            </a:pPr>
+            <a:r>
+              <a:rPr lang="en-US" sz="3200" dirty="0">
+                <a:latin typeface="+mj-lt"/>
+              </a:rPr>
+              <a:t>Only care about Quadrant I</a:t>
+            </a:r>
+          </a:p>
+        </p:txBody>
+      </p:sp>
+      <p:sp>
+        <p:nvSpPr>
+          <p:cNvPr id="7" name="Rectangle: Rounded Corners 6">
+            <a:extLst>
+              <a:ext uri="{FF2B5EF4-FFF2-40B4-BE49-F238E27FC236}">
+                <a16:creationId xmlns:a16="http://schemas.microsoft.com/office/drawing/2014/main" id="{AA0284B0-2301-48B5-BA87-A39F68854F6C}"/>
+              </a:ext>
+            </a:extLst>
+          </p:cNvPr>
+          <p:cNvSpPr/>
+          <p:nvPr/>
+        </p:nvSpPr>
+        <p:spPr>
+          <a:xfrm>
+            <a:off x="6781800" y="3048000"/>
+            <a:ext cx="609600" cy="381000"/>
+          </a:xfrm>
+          <a:prstGeom prst="roundRect">
+            <a:avLst/>
+          </a:prstGeom>
+          <a:noFill/>
+          <a:ln w="19050">
+            <a:solidFill>
+              <a:srgbClr val="FF0000"/>
+            </a:solidFill>
+          </a:ln>
+        </p:spPr>
+        <p:style>
+          <a:lnRef idx="2">
+            <a:schemeClr val="accent1">
+              <a:shade val="50000"/>
+            </a:schemeClr>
+          </a:lnRef>
+          <a:fillRef idx="1">
+            <a:schemeClr val="accent1"/>
+          </a:fillRef>
+          <a:effectRef idx="0">
+            <a:schemeClr val="accent1"/>
+          </a:effectRef>
+          <a:fontRef idx="minor">
+            <a:schemeClr val="lt1"/>
+          </a:fontRef>
+        </p:style>
+        <p:txBody>
+          <a:bodyPr rtlCol="0" anchor="ctr"/>
+          <a:lstStyle/>
+          <a:p>
+            <a:pPr algn="ctr"/>
+            <a:endParaRPr lang="en-US"/>
+          </a:p>
+        </p:txBody>
+      </p:sp>
+      <p:sp>
+        <p:nvSpPr>
+          <p:cNvPr id="11" name="Rectangle: Rounded Corners 10">
+            <a:extLst>
+              <a:ext uri="{FF2B5EF4-FFF2-40B4-BE49-F238E27FC236}">
+                <a16:creationId xmlns:a16="http://schemas.microsoft.com/office/drawing/2014/main" id="{06A34923-4B0A-49E3-8A19-6816B6669FD1}"/>
+              </a:ext>
+            </a:extLst>
+          </p:cNvPr>
+          <p:cNvSpPr/>
+          <p:nvPr/>
+        </p:nvSpPr>
+        <p:spPr>
+          <a:xfrm>
+            <a:off x="8534400" y="4343400"/>
+            <a:ext cx="266700" cy="263844"/>
+          </a:xfrm>
+          <a:prstGeom prst="roundRect">
+            <a:avLst/>
+          </a:prstGeom>
+          <a:noFill/>
+          <a:ln w="19050">
+            <a:solidFill>
+              <a:srgbClr val="FF0000"/>
+            </a:solidFill>
+          </a:ln>
+        </p:spPr>
+        <p:style>
+          <a:lnRef idx="2">
+            <a:schemeClr val="accent1">
+              <a:shade val="50000"/>
+            </a:schemeClr>
+          </a:lnRef>
+          <a:fillRef idx="1">
+            <a:schemeClr val="accent1"/>
+          </a:fillRef>
+          <a:effectRef idx="0">
+            <a:schemeClr val="accent1"/>
+          </a:effectRef>
+          <a:fontRef idx="minor">
+            <a:schemeClr val="lt1"/>
+          </a:fontRef>
+        </p:style>
+        <p:txBody>
+          <a:bodyPr rtlCol="0" anchor="ctr"/>
+          <a:lstStyle/>
+          <a:p>
+            <a:pPr algn="ctr"/>
+            <a:endParaRPr lang="en-US"/>
+          </a:p>
+        </p:txBody>
+      </p:sp>
+    </p:spTree>
+  </p:cSld>
+  <p:clrMapOvr>
+    <a:masterClrMapping/>
+  </p:clrMapOvr>
+  <p:timing>
+    <p:tnLst>
+      <p:par>
+        <p:cTn id="1" dur="indefinite" restart="never" nodeType="tmRoot"/>
+      </p:par>
+    </p:tnLst>
+  </p:timing>
+</p:sld>
+</file>
+
+<file path=ppt/slides/slide11.xml><?xml version="1.0" encoding="utf-8"?>
 <p:sld xmlns:a="http://schemas.openxmlformats.org/drawingml/2006/main" xmlns:r="http://schemas.openxmlformats.org/officeDocument/2006/relationships" xmlns:p="http://schemas.openxmlformats.org/presentationml/2006/main">
   <p:cSld>
     <p:spTree>
@@ -6674,10 +7294,17 @@
   <p:clrMapOvr>
     <a:masterClrMapping/>
   </p:clrMapOvr>
+  <p:timing>
+    <p:tnLst>
+      <p:par>
+        <p:cTn id="1" dur="indefinite" restart="never" nodeType="tmRoot"/>
+      </p:par>
+    </p:tnLst>
+  </p:timing>
 </p:sld>
 </file>
 
-<file path=ppt/slides/slide11.xml><?xml version="1.0" encoding="utf-8"?>
+<file path=ppt/slides/slide12.xml><?xml version="1.0" encoding="utf-8"?>
 <p:sld xmlns:a="http://schemas.openxmlformats.org/drawingml/2006/main" xmlns:r="http://schemas.openxmlformats.org/officeDocument/2006/relationships" xmlns:p="http://schemas.openxmlformats.org/presentationml/2006/main">
   <p:cSld>
     <p:spTree>
@@ -6719,8 +7346,8 @@
           </a:p>
         </p:txBody>
       </p:sp>
-      <mc:AlternateContent xmlns:mc="http://schemas.openxmlformats.org/markup-compatibility/2006">
-        <mc:Choice xmlns:a14="http://schemas.microsoft.com/office/drawing/2010/main" Requires="a14">
+      <mc:AlternateContent xmlns:mc="http://schemas.openxmlformats.org/markup-compatibility/2006" xmlns:a14="http://schemas.microsoft.com/office/drawing/2010/main">
+        <mc:Choice Requires="a14">
           <p:sp>
             <p:nvSpPr>
               <p:cNvPr id="2" name="Content Placeholder 1"/>
@@ -7047,7 +7674,7 @@
             </p:txBody>
           </p:sp>
         </mc:Choice>
-        <mc:Fallback>
+        <mc:Fallback xmlns="">
           <p:sp>
             <p:nvSpPr>
               <p:cNvPr id="2" name="Content Placeholder 1"/>
@@ -7367,10 +7994,17 @@
   <p:clrMapOvr>
     <a:masterClrMapping/>
   </p:clrMapOvr>
+  <p:timing>
+    <p:tnLst>
+      <p:par>
+        <p:cTn id="1" dur="indefinite" restart="never" nodeType="tmRoot"/>
+      </p:par>
+    </p:tnLst>
+  </p:timing>
 </p:sld>
 </file>
 
-<file path=ppt/slides/slide12.xml><?xml version="1.0" encoding="utf-8"?>
+<file path=ppt/slides/slide13.xml><?xml version="1.0" encoding="utf-8"?>
 <p:sld xmlns:a="http://schemas.openxmlformats.org/drawingml/2006/main" xmlns:r="http://schemas.openxmlformats.org/officeDocument/2006/relationships" xmlns:p="http://schemas.openxmlformats.org/presentationml/2006/main">
   <p:cSld>
     <p:spTree>
@@ -7412,8 +8046,8 @@
           </a:p>
         </p:txBody>
       </p:sp>
-      <mc:AlternateContent xmlns:mc="http://schemas.openxmlformats.org/markup-compatibility/2006">
-        <mc:Choice xmlns:a14="http://schemas.microsoft.com/office/drawing/2010/main" Requires="a14">
+      <mc:AlternateContent xmlns:mc="http://schemas.openxmlformats.org/markup-compatibility/2006" xmlns:a14="http://schemas.microsoft.com/office/drawing/2010/main">
+        <mc:Choice Requires="a14">
           <p:sp>
             <p:nvSpPr>
               <p:cNvPr id="2" name="Content Placeholder 1"/>
@@ -7710,7 +8344,7 @@
             </p:txBody>
           </p:sp>
         </mc:Choice>
-        <mc:Fallback>
+        <mc:Fallback xmlns="">
           <p:sp>
             <p:nvSpPr>
               <p:cNvPr id="2" name="Content Placeholder 1"/>
@@ -8024,10 +8658,17 @@
   <p:clrMapOvr>
     <a:masterClrMapping/>
   </p:clrMapOvr>
+  <p:timing>
+    <p:tnLst>
+      <p:par>
+        <p:cTn id="1" dur="indefinite" restart="never" nodeType="tmRoot"/>
+      </p:par>
+    </p:tnLst>
+  </p:timing>
 </p:sld>
 </file>
 
-<file path=ppt/slides/slide13.xml><?xml version="1.0" encoding="utf-8"?>
+<file path=ppt/slides/slide14.xml><?xml version="1.0" encoding="utf-8"?>
 <p:sld xmlns:a="http://schemas.openxmlformats.org/drawingml/2006/main" xmlns:r="http://schemas.openxmlformats.org/officeDocument/2006/relationships" xmlns:p="http://schemas.openxmlformats.org/presentationml/2006/main">
   <p:cSld>
     <p:spTree>
@@ -8069,8 +8710,8 @@
           </a:p>
         </p:txBody>
       </p:sp>
-      <mc:AlternateContent xmlns:mc="http://schemas.openxmlformats.org/markup-compatibility/2006">
-        <mc:Choice xmlns:a14="http://schemas.microsoft.com/office/drawing/2010/main" Requires="a14">
+      <mc:AlternateContent xmlns:mc="http://schemas.openxmlformats.org/markup-compatibility/2006" xmlns:a14="http://schemas.microsoft.com/office/drawing/2010/main">
+        <mc:Choice Requires="a14">
           <p:sp>
             <p:nvSpPr>
               <p:cNvPr id="18434" name="Content Placeholder 1"/>
@@ -8146,7 +8787,7 @@
             </p:txBody>
           </p:sp>
         </mc:Choice>
-        <mc:Fallback>
+        <mc:Fallback xmlns="">
           <p:sp>
             <p:nvSpPr>
               <p:cNvPr id="18434" name="Content Placeholder 1"/>
@@ -8229,10 +8870,17 @@
   <p:clrMapOvr>
     <a:masterClrMapping/>
   </p:clrMapOvr>
+  <p:timing>
+    <p:tnLst>
+      <p:par>
+        <p:cTn id="1" dur="indefinite" restart="never" nodeType="tmRoot"/>
+      </p:par>
+    </p:tnLst>
+  </p:timing>
 </p:sld>
 </file>
 
-<file path=ppt/slides/slide14.xml><?xml version="1.0" encoding="utf-8"?>
+<file path=ppt/slides/slide15.xml><?xml version="1.0" encoding="utf-8"?>
 <p:sld xmlns:a="http://schemas.openxmlformats.org/drawingml/2006/main" xmlns:r="http://schemas.openxmlformats.org/officeDocument/2006/relationships" xmlns:p="http://schemas.openxmlformats.org/presentationml/2006/main">
   <p:cSld>
     <p:spTree>
@@ -8449,10 +9097,17 @@
   <p:clrMapOvr>
     <a:masterClrMapping/>
   </p:clrMapOvr>
+  <p:timing>
+    <p:tnLst>
+      <p:par>
+        <p:cTn id="1" dur="indefinite" restart="never" nodeType="tmRoot"/>
+      </p:par>
+    </p:tnLst>
+  </p:timing>
 </p:sld>
 </file>
 
-<file path=ppt/slides/slide15.xml><?xml version="1.0" encoding="utf-8"?>
+<file path=ppt/slides/slide16.xml><?xml version="1.0" encoding="utf-8"?>
 <p:sld xmlns:a="http://schemas.openxmlformats.org/drawingml/2006/main" xmlns:r="http://schemas.openxmlformats.org/officeDocument/2006/relationships" xmlns:p="http://schemas.openxmlformats.org/presentationml/2006/main">
   <p:cSld>
     <p:spTree>
@@ -8904,10 +9559,133 @@
   <p:clrMapOvr>
     <a:masterClrMapping/>
   </p:clrMapOvr>
+  <p:timing>
+    <p:tnLst>
+      <p:par>
+        <p:cTn id="1" dur="indefinite" restart="never" nodeType="tmRoot"/>
+      </p:par>
+    </p:tnLst>
+  </p:timing>
 </p:sld>
 </file>
 
-<file path=ppt/slides/slide16.xml><?xml version="1.0" encoding="utf-8"?>
+<file path=ppt/slides/slide17.xml><?xml version="1.0" encoding="utf-8"?>
+<p:sld xmlns:a="http://schemas.openxmlformats.org/drawingml/2006/main" xmlns:r="http://schemas.openxmlformats.org/officeDocument/2006/relationships" xmlns:p="http://schemas.openxmlformats.org/presentationml/2006/main">
+  <p:cSld>
+    <p:spTree>
+      <p:nvGrpSpPr>
+        <p:cNvPr id="1" name=""/>
+        <p:cNvGrpSpPr/>
+        <p:nvPr/>
+      </p:nvGrpSpPr>
+      <p:grpSpPr>
+        <a:xfrm>
+          <a:off x="0" y="0"/>
+          <a:ext cx="0" cy="0"/>
+          <a:chOff x="0" y="0"/>
+          <a:chExt cx="0" cy="0"/>
+        </a:xfrm>
+      </p:grpSpPr>
+      <p:sp>
+        <p:nvSpPr>
+          <p:cNvPr id="3" name="Content Placeholder 2"/>
+          <p:cNvSpPr>
+            <a:spLocks noGrp="1"/>
+          </p:cNvSpPr>
+          <p:nvPr>
+            <p:ph idx="1"/>
+          </p:nvPr>
+        </p:nvSpPr>
+        <p:spPr/>
+        <p:txBody>
+          <a:bodyPr/>
+          <a:lstStyle/>
+          <a:p>
+            <a:endParaRPr lang="en-US"/>
+          </a:p>
+        </p:txBody>
+      </p:sp>
+      <p:pic>
+        <p:nvPicPr>
+          <p:cNvPr id="4" name="Picture 3"/>
+          <p:cNvPicPr>
+            <a:picLocks noChangeAspect="1"/>
+          </p:cNvPicPr>
+          <p:nvPr/>
+        </p:nvPicPr>
+        <p:blipFill>
+          <a:blip r:embed="rId2">
+            <a:extLst>
+              <a:ext uri="{28A0092B-C50C-407E-A947-70E740481C1C}">
+                <a14:useLocalDpi xmlns:a14="http://schemas.microsoft.com/office/drawing/2010/main" val="0"/>
+              </a:ext>
+            </a:extLst>
+          </a:blip>
+          <a:stretch>
+            <a:fillRect/>
+          </a:stretch>
+        </p:blipFill>
+        <p:spPr>
+          <a:xfrm>
+            <a:off x="1981200" y="2667000"/>
+            <a:ext cx="4800600" cy="2880360"/>
+          </a:xfrm>
+          <a:prstGeom prst="rect">
+            <a:avLst/>
+          </a:prstGeom>
+        </p:spPr>
+      </p:pic>
+      <p:sp>
+        <p:nvSpPr>
+          <p:cNvPr id="6" name="Title 1"/>
+          <p:cNvSpPr>
+            <a:spLocks noGrp="1"/>
+          </p:cNvSpPr>
+          <p:nvPr>
+            <p:ph type="title"/>
+          </p:nvPr>
+        </p:nvSpPr>
+        <p:spPr>
+          <a:xfrm>
+            <a:off x="457200" y="274638"/>
+            <a:ext cx="8229600" cy="1143000"/>
+          </a:xfrm>
+        </p:spPr>
+        <p:txBody>
+          <a:bodyPr/>
+          <a:lstStyle/>
+          <a:p>
+            <a:pPr>
+              <a:defRPr/>
+            </a:pPr>
+            <a:r>
+              <a:rPr lang="en-US" dirty="0"/>
+              <a:t>Insertion Sort</a:t>
+            </a:r>
+          </a:p>
+        </p:txBody>
+      </p:sp>
+    </p:spTree>
+    <p:extLst>
+      <p:ext uri="{BB962C8B-B14F-4D97-AF65-F5344CB8AC3E}">
+        <p14:creationId xmlns:p14="http://schemas.microsoft.com/office/powerpoint/2010/main" val="1121720408"/>
+      </p:ext>
+    </p:extLst>
+  </p:cSld>
+  <p:clrMapOvr>
+    <a:masterClrMapping/>
+  </p:clrMapOvr>
+  <p:timing>
+    <p:tnLst>
+      <p:par>
+        <p:cTn id="1" dur="indefinite" restart="never" nodeType="tmRoot"/>
+      </p:par>
+    </p:tnLst>
+  </p:timing>
+</p:sld>
+</file>
+
+<file path=ppt/slides/slide18.xml><?xml version="1.0" encoding="utf-8"?>
 <p:sld xmlns:a="http://schemas.openxmlformats.org/drawingml/2006/main" xmlns:r="http://schemas.openxmlformats.org/officeDocument/2006/relationships" xmlns:p="http://schemas.openxmlformats.org/presentationml/2006/main">
   <p:cSld>
     <p:spTree>
@@ -9140,10 +9918,17 @@
   <p:clrMapOvr>
     <a:masterClrMapping/>
   </p:clrMapOvr>
+  <p:timing>
+    <p:tnLst>
+      <p:par>
+        <p:cTn id="1" dur="indefinite" restart="never" nodeType="tmRoot"/>
+      </p:par>
+    </p:tnLst>
+  </p:timing>
 </p:sld>
 </file>
 
-<file path=ppt/slides/slide17.xml><?xml version="1.0" encoding="utf-8"?>
+<file path=ppt/slides/slide19.xml><?xml version="1.0" encoding="utf-8"?>
 <p:sld xmlns:a="http://schemas.openxmlformats.org/drawingml/2006/main" xmlns:r="http://schemas.openxmlformats.org/officeDocument/2006/relationships" xmlns:p="http://schemas.openxmlformats.org/presentationml/2006/main">
   <p:cSld>
     <p:spTree>
@@ -9179,9 +9964,10 @@
               <a:defRPr/>
             </a:pPr>
             <a:r>
-              <a:rPr lang="en-US" dirty="0"/>
+              <a:rPr lang="en-US" dirty="0" smtClean="0"/>
               <a:t>Searching</a:t>
             </a:r>
+            <a:endParaRPr lang="en-US" dirty="0"/>
           </a:p>
         </p:txBody>
       </p:sp>
@@ -9198,49 +9984,515 @@
         <p:spPr/>
         <p:txBody>
           <a:bodyPr>
-            <a:normAutofit lnSpcReduction="10000"/>
+            <a:normAutofit/>
           </a:bodyPr>
           <a:lstStyle/>
           <a:p>
             <a:r>
-              <a:rPr lang="en-US" dirty="0"/>
-              <a:t>Consider:</a:t>
-            </a:r>
-          </a:p>
-          <a:p>
-            <a:pPr lvl="1"/>
-            <a:r>
-              <a:rPr lang="en-US" dirty="0"/>
-              <a:t>Find China Express’s number in the phone book</a:t>
-            </a:r>
-          </a:p>
-          <a:p>
-            <a:pPr lvl="1"/>
-            <a:r>
-              <a:rPr lang="en-US" dirty="0"/>
-              <a:t>Find who has the number 208-2063</a:t>
-            </a:r>
-          </a:p>
-          <a:p>
-            <a:r>
-              <a:rPr lang="en-US" dirty="0"/>
-              <a:t>Is one task harder than the other? Why?</a:t>
-            </a:r>
-          </a:p>
-          <a:p>
-            <a:endParaRPr lang="en-US" dirty="0"/>
-          </a:p>
-          <a:p>
-            <a:r>
-              <a:rPr lang="en-US" dirty="0"/>
-              <a:t>For searching unsorted data, what’s the worst case number of comparisons we would have to make?</a:t>
-            </a:r>
-          </a:p>
-          <a:p>
-            <a:pPr lvl="1"/>
-            <a:r>
-              <a:rPr lang="en-US" dirty="0"/>
-              <a:t>Brute force approach is required</a:t>
+              <a:rPr lang="en-US" dirty="0" smtClean="0"/>
+              <a:t>Guess a number from 1 to 100</a:t>
+            </a:r>
+          </a:p>
+          <a:p>
+            <a:r>
+              <a:rPr lang="en-US" dirty="0" smtClean="0"/>
+              <a:t>It was 63</a:t>
+            </a:r>
+          </a:p>
+          <a:p>
+            <a:r>
+              <a:rPr lang="en-US" dirty="0" smtClean="0"/>
+              <a:t>Guess a number from 1 to 1000</a:t>
+            </a:r>
+          </a:p>
+          <a:p>
+            <a:r>
+              <a:rPr lang="en-US" dirty="0" smtClean="0"/>
+              <a:t>It was 864</a:t>
+            </a:r>
+          </a:p>
+          <a:p>
+            <a:r>
+              <a:rPr lang="en-US" dirty="0"/>
+              <a:t>Guess a number from 1 to </a:t>
+            </a:r>
+            <a:r>
+              <a:rPr lang="en-US" dirty="0" smtClean="0"/>
+              <a:t>1000 (+/- )</a:t>
+            </a:r>
+          </a:p>
+          <a:p>
+            <a:r>
+              <a:rPr lang="en-US" dirty="0" smtClean="0"/>
+              <a:t>It was 265</a:t>
+            </a:r>
+          </a:p>
+          <a:p>
+            <a:endParaRPr lang="en-US" dirty="0" smtClean="0"/>
+          </a:p>
+        </p:txBody>
+      </p:sp>
+    </p:spTree>
+    <p:extLst>
+      <p:ext uri="{BB962C8B-B14F-4D97-AF65-F5344CB8AC3E}">
+        <p14:creationId xmlns:p14="http://schemas.microsoft.com/office/powerpoint/2010/main" val="4286849859"/>
+      </p:ext>
+    </p:extLst>
+  </p:cSld>
+  <p:clrMapOvr>
+    <a:masterClrMapping/>
+  </p:clrMapOvr>
+  <mc:AlternateContent xmlns:mc="http://schemas.openxmlformats.org/markup-compatibility/2006" xmlns:p14="http://schemas.microsoft.com/office/powerpoint/2010/main">
+    <mc:Choice Requires="p14">
+      <p:transition spd="slow" p14:dur="2000"/>
+    </mc:Choice>
+    <mc:Fallback xmlns="">
+      <p:transition spd="slow"/>
+    </mc:Fallback>
+  </mc:AlternateContent>
+  <p:timing>
+    <p:tnLst>
+      <p:par>
+        <p:cTn id="1" dur="indefinite" restart="never" nodeType="tmRoot">
+          <p:childTnLst>
+            <p:seq concurrent="1" nextAc="seek">
+              <p:cTn id="2" dur="indefinite" nodeType="mainSeq">
+                <p:childTnLst>
+                  <p:par>
+                    <p:cTn id="3" fill="hold">
+                      <p:stCondLst>
+                        <p:cond delay="indefinite"/>
+                      </p:stCondLst>
+                      <p:childTnLst>
+                        <p:par>
+                          <p:cTn id="4" fill="hold">
+                            <p:stCondLst>
+                              <p:cond delay="0"/>
+                            </p:stCondLst>
+                            <p:childTnLst>
+                              <p:par>
+                                <p:cTn id="5" presetID="10" presetClass="entr" presetSubtype="0" fill="hold" grpId="0" nodeType="clickEffect">
+                                  <p:stCondLst>
+                                    <p:cond delay="0"/>
+                                  </p:stCondLst>
+                                  <p:childTnLst>
+                                    <p:set>
+                                      <p:cBhvr>
+                                        <p:cTn id="6" dur="1" fill="hold">
+                                          <p:stCondLst>
+                                            <p:cond delay="0"/>
+                                          </p:stCondLst>
+                                        </p:cTn>
+                                        <p:tgtEl>
+                                          <p:spTgt spid="2">
+                                            <p:txEl>
+                                              <p:pRg st="0" end="0"/>
+                                            </p:txEl>
+                                          </p:spTgt>
+                                        </p:tgtEl>
+                                        <p:attrNameLst>
+                                          <p:attrName>style.visibility</p:attrName>
+                                        </p:attrNameLst>
+                                      </p:cBhvr>
+                                      <p:to>
+                                        <p:strVal val="visible"/>
+                                      </p:to>
+                                    </p:set>
+                                    <p:animEffect transition="in" filter="fade">
+                                      <p:cBhvr>
+                                        <p:cTn id="7" dur="500"/>
+                                        <p:tgtEl>
+                                          <p:spTgt spid="2">
+                                            <p:txEl>
+                                              <p:pRg st="0" end="0"/>
+                                            </p:txEl>
+                                          </p:spTgt>
+                                        </p:tgtEl>
+                                      </p:cBhvr>
+                                    </p:animEffect>
+                                  </p:childTnLst>
+                                </p:cTn>
+                              </p:par>
+                            </p:childTnLst>
+                          </p:cTn>
+                        </p:par>
+                      </p:childTnLst>
+                    </p:cTn>
+                  </p:par>
+                  <p:par>
+                    <p:cTn id="8" fill="hold">
+                      <p:stCondLst>
+                        <p:cond delay="indefinite"/>
+                      </p:stCondLst>
+                      <p:childTnLst>
+                        <p:par>
+                          <p:cTn id="9" fill="hold">
+                            <p:stCondLst>
+                              <p:cond delay="0"/>
+                            </p:stCondLst>
+                            <p:childTnLst>
+                              <p:par>
+                                <p:cTn id="10" presetID="10" presetClass="entr" presetSubtype="0" fill="hold" grpId="0" nodeType="clickEffect">
+                                  <p:stCondLst>
+                                    <p:cond delay="0"/>
+                                  </p:stCondLst>
+                                  <p:childTnLst>
+                                    <p:set>
+                                      <p:cBhvr>
+                                        <p:cTn id="11" dur="1" fill="hold">
+                                          <p:stCondLst>
+                                            <p:cond delay="0"/>
+                                          </p:stCondLst>
+                                        </p:cTn>
+                                        <p:tgtEl>
+                                          <p:spTgt spid="2">
+                                            <p:txEl>
+                                              <p:pRg st="1" end="1"/>
+                                            </p:txEl>
+                                          </p:spTgt>
+                                        </p:tgtEl>
+                                        <p:attrNameLst>
+                                          <p:attrName>style.visibility</p:attrName>
+                                        </p:attrNameLst>
+                                      </p:cBhvr>
+                                      <p:to>
+                                        <p:strVal val="visible"/>
+                                      </p:to>
+                                    </p:set>
+                                    <p:animEffect transition="in" filter="fade">
+                                      <p:cBhvr>
+                                        <p:cTn id="12" dur="500"/>
+                                        <p:tgtEl>
+                                          <p:spTgt spid="2">
+                                            <p:txEl>
+                                              <p:pRg st="1" end="1"/>
+                                            </p:txEl>
+                                          </p:spTgt>
+                                        </p:tgtEl>
+                                      </p:cBhvr>
+                                    </p:animEffect>
+                                  </p:childTnLst>
+                                </p:cTn>
+                              </p:par>
+                            </p:childTnLst>
+                          </p:cTn>
+                        </p:par>
+                      </p:childTnLst>
+                    </p:cTn>
+                  </p:par>
+                  <p:par>
+                    <p:cTn id="13" fill="hold">
+                      <p:stCondLst>
+                        <p:cond delay="indefinite"/>
+                      </p:stCondLst>
+                      <p:childTnLst>
+                        <p:par>
+                          <p:cTn id="14" fill="hold">
+                            <p:stCondLst>
+                              <p:cond delay="0"/>
+                            </p:stCondLst>
+                            <p:childTnLst>
+                              <p:par>
+                                <p:cTn id="15" presetID="10" presetClass="entr" presetSubtype="0" fill="hold" grpId="0" nodeType="clickEffect">
+                                  <p:stCondLst>
+                                    <p:cond delay="0"/>
+                                  </p:stCondLst>
+                                  <p:childTnLst>
+                                    <p:set>
+                                      <p:cBhvr>
+                                        <p:cTn id="16" dur="1" fill="hold">
+                                          <p:stCondLst>
+                                            <p:cond delay="0"/>
+                                          </p:stCondLst>
+                                        </p:cTn>
+                                        <p:tgtEl>
+                                          <p:spTgt spid="2">
+                                            <p:txEl>
+                                              <p:pRg st="2" end="2"/>
+                                            </p:txEl>
+                                          </p:spTgt>
+                                        </p:tgtEl>
+                                        <p:attrNameLst>
+                                          <p:attrName>style.visibility</p:attrName>
+                                        </p:attrNameLst>
+                                      </p:cBhvr>
+                                      <p:to>
+                                        <p:strVal val="visible"/>
+                                      </p:to>
+                                    </p:set>
+                                    <p:animEffect transition="in" filter="fade">
+                                      <p:cBhvr>
+                                        <p:cTn id="17" dur="500"/>
+                                        <p:tgtEl>
+                                          <p:spTgt spid="2">
+                                            <p:txEl>
+                                              <p:pRg st="2" end="2"/>
+                                            </p:txEl>
+                                          </p:spTgt>
+                                        </p:tgtEl>
+                                      </p:cBhvr>
+                                    </p:animEffect>
+                                  </p:childTnLst>
+                                </p:cTn>
+                              </p:par>
+                            </p:childTnLst>
+                          </p:cTn>
+                        </p:par>
+                      </p:childTnLst>
+                    </p:cTn>
+                  </p:par>
+                  <p:par>
+                    <p:cTn id="18" fill="hold">
+                      <p:stCondLst>
+                        <p:cond delay="indefinite"/>
+                      </p:stCondLst>
+                      <p:childTnLst>
+                        <p:par>
+                          <p:cTn id="19" fill="hold">
+                            <p:stCondLst>
+                              <p:cond delay="0"/>
+                            </p:stCondLst>
+                            <p:childTnLst>
+                              <p:par>
+                                <p:cTn id="20" presetID="10" presetClass="entr" presetSubtype="0" fill="hold" grpId="0" nodeType="clickEffect">
+                                  <p:stCondLst>
+                                    <p:cond delay="0"/>
+                                  </p:stCondLst>
+                                  <p:childTnLst>
+                                    <p:set>
+                                      <p:cBhvr>
+                                        <p:cTn id="21" dur="1" fill="hold">
+                                          <p:stCondLst>
+                                            <p:cond delay="0"/>
+                                          </p:stCondLst>
+                                        </p:cTn>
+                                        <p:tgtEl>
+                                          <p:spTgt spid="2">
+                                            <p:txEl>
+                                              <p:pRg st="3" end="3"/>
+                                            </p:txEl>
+                                          </p:spTgt>
+                                        </p:tgtEl>
+                                        <p:attrNameLst>
+                                          <p:attrName>style.visibility</p:attrName>
+                                        </p:attrNameLst>
+                                      </p:cBhvr>
+                                      <p:to>
+                                        <p:strVal val="visible"/>
+                                      </p:to>
+                                    </p:set>
+                                    <p:animEffect transition="in" filter="fade">
+                                      <p:cBhvr>
+                                        <p:cTn id="22" dur="500"/>
+                                        <p:tgtEl>
+                                          <p:spTgt spid="2">
+                                            <p:txEl>
+                                              <p:pRg st="3" end="3"/>
+                                            </p:txEl>
+                                          </p:spTgt>
+                                        </p:tgtEl>
+                                      </p:cBhvr>
+                                    </p:animEffect>
+                                  </p:childTnLst>
+                                </p:cTn>
+                              </p:par>
+                            </p:childTnLst>
+                          </p:cTn>
+                        </p:par>
+                      </p:childTnLst>
+                    </p:cTn>
+                  </p:par>
+                  <p:par>
+                    <p:cTn id="23" fill="hold">
+                      <p:stCondLst>
+                        <p:cond delay="indefinite"/>
+                      </p:stCondLst>
+                      <p:childTnLst>
+                        <p:par>
+                          <p:cTn id="24" fill="hold">
+                            <p:stCondLst>
+                              <p:cond delay="0"/>
+                            </p:stCondLst>
+                            <p:childTnLst>
+                              <p:par>
+                                <p:cTn id="25" presetID="10" presetClass="entr" presetSubtype="0" fill="hold" grpId="0" nodeType="clickEffect">
+                                  <p:stCondLst>
+                                    <p:cond delay="0"/>
+                                  </p:stCondLst>
+                                  <p:childTnLst>
+                                    <p:set>
+                                      <p:cBhvr>
+                                        <p:cTn id="26" dur="1" fill="hold">
+                                          <p:stCondLst>
+                                            <p:cond delay="0"/>
+                                          </p:stCondLst>
+                                        </p:cTn>
+                                        <p:tgtEl>
+                                          <p:spTgt spid="2">
+                                            <p:txEl>
+                                              <p:pRg st="4" end="4"/>
+                                            </p:txEl>
+                                          </p:spTgt>
+                                        </p:tgtEl>
+                                        <p:attrNameLst>
+                                          <p:attrName>style.visibility</p:attrName>
+                                        </p:attrNameLst>
+                                      </p:cBhvr>
+                                      <p:to>
+                                        <p:strVal val="visible"/>
+                                      </p:to>
+                                    </p:set>
+                                    <p:animEffect transition="in" filter="fade">
+                                      <p:cBhvr>
+                                        <p:cTn id="27" dur="500"/>
+                                        <p:tgtEl>
+                                          <p:spTgt spid="2">
+                                            <p:txEl>
+                                              <p:pRg st="4" end="4"/>
+                                            </p:txEl>
+                                          </p:spTgt>
+                                        </p:tgtEl>
+                                      </p:cBhvr>
+                                    </p:animEffect>
+                                  </p:childTnLst>
+                                </p:cTn>
+                              </p:par>
+                            </p:childTnLst>
+                          </p:cTn>
+                        </p:par>
+                      </p:childTnLst>
+                    </p:cTn>
+                  </p:par>
+                  <p:par>
+                    <p:cTn id="28" fill="hold">
+                      <p:stCondLst>
+                        <p:cond delay="indefinite"/>
+                      </p:stCondLst>
+                      <p:childTnLst>
+                        <p:par>
+                          <p:cTn id="29" fill="hold">
+                            <p:stCondLst>
+                              <p:cond delay="0"/>
+                            </p:stCondLst>
+                            <p:childTnLst>
+                              <p:par>
+                                <p:cTn id="30" presetID="10" presetClass="entr" presetSubtype="0" fill="hold" grpId="0" nodeType="clickEffect">
+                                  <p:stCondLst>
+                                    <p:cond delay="0"/>
+                                  </p:stCondLst>
+                                  <p:childTnLst>
+                                    <p:set>
+                                      <p:cBhvr>
+                                        <p:cTn id="31" dur="1" fill="hold">
+                                          <p:stCondLst>
+                                            <p:cond delay="0"/>
+                                          </p:stCondLst>
+                                        </p:cTn>
+                                        <p:tgtEl>
+                                          <p:spTgt spid="2">
+                                            <p:txEl>
+                                              <p:pRg st="5" end="5"/>
+                                            </p:txEl>
+                                          </p:spTgt>
+                                        </p:tgtEl>
+                                        <p:attrNameLst>
+                                          <p:attrName>style.visibility</p:attrName>
+                                        </p:attrNameLst>
+                                      </p:cBhvr>
+                                      <p:to>
+                                        <p:strVal val="visible"/>
+                                      </p:to>
+                                    </p:set>
+                                    <p:animEffect transition="in" filter="fade">
+                                      <p:cBhvr>
+                                        <p:cTn id="32" dur="500"/>
+                                        <p:tgtEl>
+                                          <p:spTgt spid="2">
+                                            <p:txEl>
+                                              <p:pRg st="5" end="5"/>
+                                            </p:txEl>
+                                          </p:spTgt>
+                                        </p:tgtEl>
+                                      </p:cBhvr>
+                                    </p:animEffect>
+                                  </p:childTnLst>
+                                </p:cTn>
+                              </p:par>
+                            </p:childTnLst>
+                          </p:cTn>
+                        </p:par>
+                      </p:childTnLst>
+                    </p:cTn>
+                  </p:par>
+                </p:childTnLst>
+              </p:cTn>
+              <p:prevCondLst>
+                <p:cond evt="onPrev" delay="0">
+                  <p:tgtEl>
+                    <p:sldTgt/>
+                  </p:tgtEl>
+                </p:cond>
+              </p:prevCondLst>
+              <p:nextCondLst>
+                <p:cond evt="onNext" delay="0">
+                  <p:tgtEl>
+                    <p:sldTgt/>
+                  </p:tgtEl>
+                </p:cond>
+              </p:nextCondLst>
+            </p:seq>
+          </p:childTnLst>
+        </p:cTn>
+      </p:par>
+    </p:tnLst>
+    <p:bldLst>
+      <p:bldP spid="2" grpId="0" build="p"/>
+    </p:bldLst>
+  </p:timing>
+</p:sld>
+</file>
+
+<file path=ppt/slides/slide2.xml><?xml version="1.0" encoding="utf-8"?>
+<p:sld xmlns:a="http://schemas.openxmlformats.org/drawingml/2006/main" xmlns:r="http://schemas.openxmlformats.org/officeDocument/2006/relationships" xmlns:p="http://schemas.openxmlformats.org/presentationml/2006/main" show="0">
+  <p:cSld>
+    <p:spTree>
+      <p:nvGrpSpPr>
+        <p:cNvPr id="1" name=""/>
+        <p:cNvGrpSpPr/>
+        <p:nvPr/>
+      </p:nvGrpSpPr>
+      <p:grpSpPr>
+        <a:xfrm>
+          <a:off x="0" y="0"/>
+          <a:ext cx="0" cy="0"/>
+          <a:chOff x="0" y="0"/>
+          <a:chExt cx="0" cy="0"/>
+        </a:xfrm>
+      </p:grpSpPr>
+      <p:sp>
+        <p:nvSpPr>
+          <p:cNvPr id="2" name="Title 1"/>
+          <p:cNvSpPr>
+            <a:spLocks noGrp="1"/>
+          </p:cNvSpPr>
+          <p:nvPr>
+            <p:ph type="title"/>
+          </p:nvPr>
+        </p:nvSpPr>
+        <p:spPr/>
+        <p:txBody>
+          <a:bodyPr/>
+          <a:lstStyle/>
+          <a:p>
+            <a:pPr eaLnBrk="1" fontAlgn="auto" hangingPunct="1">
+              <a:spcAft>
+                <a:spcPts val="0"/>
+              </a:spcAft>
+              <a:defRPr/>
+            </a:pPr>
+            <a:r>
+              <a:rPr lang="en-US" dirty="0"/>
+              <a:t>Questions?</a:t>
             </a:r>
           </a:p>
         </p:txBody>
@@ -9250,6 +10502,233 @@
   <p:clrMapOvr>
     <a:masterClrMapping/>
   </p:clrMapOvr>
+  <mc:AlternateContent xmlns:mc="http://schemas.openxmlformats.org/markup-compatibility/2006" xmlns:p14="http://schemas.microsoft.com/office/powerpoint/2010/main">
+    <mc:Choice Requires="p14">
+      <p:transition spd="med" p14:dur="700">
+        <p:fade/>
+      </p:transition>
+    </mc:Choice>
+    <mc:Fallback xmlns="">
+      <p:transition spd="med">
+        <p:fade/>
+      </p:transition>
+    </mc:Fallback>
+  </mc:AlternateContent>
+  <p:timing>
+    <p:tnLst>
+      <p:par>
+        <p:cTn id="1" dur="indefinite" restart="never" nodeType="tmRoot"/>
+      </p:par>
+    </p:tnLst>
+  </p:timing>
+</p:sld>
+</file>
+
+<file path=ppt/slides/slide20.xml><?xml version="1.0" encoding="utf-8"?>
+<p:sld xmlns:a="http://schemas.openxmlformats.org/drawingml/2006/main" xmlns:r="http://schemas.openxmlformats.org/officeDocument/2006/relationships" xmlns:p="http://schemas.openxmlformats.org/presentationml/2006/main">
+  <p:cSld>
+    <p:spTree>
+      <p:nvGrpSpPr>
+        <p:cNvPr id="1" name=""/>
+        <p:cNvGrpSpPr/>
+        <p:nvPr/>
+      </p:nvGrpSpPr>
+      <p:grpSpPr>
+        <a:xfrm>
+          <a:off x="0" y="0"/>
+          <a:ext cx="0" cy="0"/>
+          <a:chOff x="0" y="0"/>
+          <a:chExt cx="0" cy="0"/>
+        </a:xfrm>
+      </p:grpSpPr>
+      <p:sp>
+        <p:nvSpPr>
+          <p:cNvPr id="2" name="Title 1"/>
+          <p:cNvSpPr>
+            <a:spLocks noGrp="1"/>
+          </p:cNvSpPr>
+          <p:nvPr>
+            <p:ph type="title"/>
+          </p:nvPr>
+        </p:nvSpPr>
+        <p:spPr/>
+        <p:txBody>
+          <a:bodyPr/>
+          <a:lstStyle/>
+          <a:p>
+            <a:r>
+              <a:rPr lang="en-US" dirty="0"/>
+              <a:t>Searching</a:t>
+            </a:r>
+          </a:p>
+        </p:txBody>
+      </p:sp>
+      <p:sp>
+        <p:nvSpPr>
+          <p:cNvPr id="3" name="Content Placeholder 2"/>
+          <p:cNvSpPr>
+            <a:spLocks noGrp="1"/>
+          </p:cNvSpPr>
+          <p:nvPr>
+            <p:ph idx="1"/>
+          </p:nvPr>
+        </p:nvSpPr>
+        <p:spPr/>
+        <p:txBody>
+          <a:bodyPr/>
+          <a:lstStyle/>
+          <a:p>
+            <a:r>
+              <a:rPr lang="en-US" dirty="0" smtClean="0"/>
+              <a:t>How many guesses to guess a number from 1 to 1,000,000?</a:t>
+            </a:r>
+            <a:endParaRPr lang="en-US" dirty="0"/>
+          </a:p>
+        </p:txBody>
+      </p:sp>
+    </p:spTree>
+    <p:extLst>
+      <p:ext uri="{BB962C8B-B14F-4D97-AF65-F5344CB8AC3E}">
+        <p14:creationId xmlns:p14="http://schemas.microsoft.com/office/powerpoint/2010/main" val="2470978013"/>
+      </p:ext>
+    </p:extLst>
+  </p:cSld>
+  <p:clrMapOvr>
+    <a:masterClrMapping/>
+  </p:clrMapOvr>
+  <mc:AlternateContent xmlns:mc="http://schemas.openxmlformats.org/markup-compatibility/2006" xmlns:p14="http://schemas.microsoft.com/office/powerpoint/2010/main">
+    <mc:Choice Requires="p14">
+      <p:transition spd="slow" p14:dur="2000"/>
+    </mc:Choice>
+    <mc:Fallback xmlns="">
+      <p:transition spd="slow"/>
+    </mc:Fallback>
+  </mc:AlternateContent>
+  <p:timing>
+    <p:tnLst>
+      <p:par>
+        <p:cTn id="1" dur="indefinite" restart="never" nodeType="tmRoot"/>
+      </p:par>
+    </p:tnLst>
+  </p:timing>
+</p:sld>
+</file>
+
+<file path=ppt/slides/slide21.xml><?xml version="1.0" encoding="utf-8"?>
+<p:sld xmlns:a="http://schemas.openxmlformats.org/drawingml/2006/main" xmlns:r="http://schemas.openxmlformats.org/officeDocument/2006/relationships" xmlns:p="http://schemas.openxmlformats.org/presentationml/2006/main" show="0">
+  <p:cSld>
+    <p:spTree>
+      <p:nvGrpSpPr>
+        <p:cNvPr id="1" name=""/>
+        <p:cNvGrpSpPr/>
+        <p:nvPr/>
+      </p:nvGrpSpPr>
+      <p:grpSpPr>
+        <a:xfrm>
+          <a:off x="0" y="0"/>
+          <a:ext cx="0" cy="0"/>
+          <a:chOff x="0" y="0"/>
+          <a:chExt cx="0" cy="0"/>
+        </a:xfrm>
+      </p:grpSpPr>
+      <p:sp>
+        <p:nvSpPr>
+          <p:cNvPr id="3" name="Title 2"/>
+          <p:cNvSpPr>
+            <a:spLocks noGrp="1"/>
+          </p:cNvSpPr>
+          <p:nvPr>
+            <p:ph type="title"/>
+          </p:nvPr>
+        </p:nvSpPr>
+        <p:spPr/>
+        <p:txBody>
+          <a:bodyPr/>
+          <a:lstStyle/>
+          <a:p>
+            <a:pPr>
+              <a:defRPr/>
+            </a:pPr>
+            <a:r>
+              <a:rPr lang="en-US" dirty="0"/>
+              <a:t>Searching</a:t>
+            </a:r>
+          </a:p>
+        </p:txBody>
+      </p:sp>
+      <p:sp>
+        <p:nvSpPr>
+          <p:cNvPr id="2" name="Content Placeholder 1"/>
+          <p:cNvSpPr>
+            <a:spLocks noGrp="1"/>
+          </p:cNvSpPr>
+          <p:nvPr>
+            <p:ph idx="1"/>
+          </p:nvPr>
+        </p:nvSpPr>
+        <p:spPr/>
+        <p:txBody>
+          <a:bodyPr>
+            <a:normAutofit lnSpcReduction="10000"/>
+          </a:bodyPr>
+          <a:lstStyle/>
+          <a:p>
+            <a:r>
+              <a:rPr lang="en-US" dirty="0"/>
+              <a:t>Consider:</a:t>
+            </a:r>
+          </a:p>
+          <a:p>
+            <a:pPr lvl="1"/>
+            <a:r>
+              <a:rPr lang="en-US" dirty="0"/>
+              <a:t>Find China Express’s number in the phone book</a:t>
+            </a:r>
+          </a:p>
+          <a:p>
+            <a:pPr lvl="1"/>
+            <a:r>
+              <a:rPr lang="en-US" dirty="0"/>
+              <a:t>Find who has the number 208-2063</a:t>
+            </a:r>
+          </a:p>
+          <a:p>
+            <a:r>
+              <a:rPr lang="en-US" dirty="0"/>
+              <a:t>Is one task harder than the other? Why?</a:t>
+            </a:r>
+          </a:p>
+          <a:p>
+            <a:endParaRPr lang="en-US" dirty="0"/>
+          </a:p>
+          <a:p>
+            <a:r>
+              <a:rPr lang="en-US" dirty="0"/>
+              <a:t>For searching unsorted data, what’s the worst case number of comparisons we would have to make?</a:t>
+            </a:r>
+          </a:p>
+          <a:p>
+            <a:pPr lvl="1"/>
+            <a:r>
+              <a:rPr lang="en-US" dirty="0"/>
+              <a:t>Brute force approach is required</a:t>
+            </a:r>
+          </a:p>
+        </p:txBody>
+      </p:sp>
+    </p:spTree>
+  </p:cSld>
+  <p:clrMapOvr>
+    <a:masterClrMapping/>
+  </p:clrMapOvr>
+  <mc:AlternateContent xmlns:mc="http://schemas.openxmlformats.org/markup-compatibility/2006" xmlns:p14="http://schemas.microsoft.com/office/powerpoint/2010/main">
+    <mc:Choice Requires="p14">
+      <p:transition spd="slow" p14:dur="2000"/>
+    </mc:Choice>
+    <mc:Fallback xmlns="">
+      <p:transition spd="slow"/>
+    </mc:Fallback>
+  </mc:AlternateContent>
   <p:timing>
     <p:tnLst>
       <p:par>
@@ -9598,7 +11077,7 @@
 </p:sld>
 </file>
 
-<file path=ppt/slides/slide18.xml><?xml version="1.0" encoding="utf-8"?>
+<file path=ppt/slides/slide22.xml><?xml version="1.0" encoding="utf-8"?>
 <p:sld xmlns:a="http://schemas.openxmlformats.org/drawingml/2006/main" xmlns:r="http://schemas.openxmlformats.org/officeDocument/2006/relationships" xmlns:p="http://schemas.openxmlformats.org/presentationml/2006/main">
   <p:cSld>
     <p:spTree>
@@ -9732,10 +11211,17 @@
   <p:clrMapOvr>
     <a:masterClrMapping/>
   </p:clrMapOvr>
+  <p:timing>
+    <p:tnLst>
+      <p:par>
+        <p:cTn id="1" dur="indefinite" restart="never" nodeType="tmRoot"/>
+      </p:par>
+    </p:tnLst>
+  </p:timing>
 </p:sld>
 </file>
 
-<file path=ppt/slides/slide19.xml><?xml version="1.0" encoding="utf-8"?>
+<file path=ppt/slides/slide23.xml><?xml version="1.0" encoding="utf-8"?>
 <p:sld xmlns:a="http://schemas.openxmlformats.org/drawingml/2006/main" xmlns:r="http://schemas.openxmlformats.org/officeDocument/2006/relationships" xmlns:p="http://schemas.openxmlformats.org/presentationml/2006/main">
   <p:cSld>
     <p:spTree>
@@ -9913,75 +11399,17 @@
   <p:clrMapOvr>
     <a:masterClrMapping/>
   </p:clrMapOvr>
+  <p:timing>
+    <p:tnLst>
+      <p:par>
+        <p:cTn id="1" dur="indefinite" restart="never" nodeType="tmRoot"/>
+      </p:par>
+    </p:tnLst>
+  </p:timing>
 </p:sld>
 </file>
 
-<file path=ppt/slides/slide2.xml><?xml version="1.0" encoding="utf-8"?>
-<p:sld xmlns:a="http://schemas.openxmlformats.org/drawingml/2006/main" xmlns:r="http://schemas.openxmlformats.org/officeDocument/2006/relationships" xmlns:p="http://schemas.openxmlformats.org/presentationml/2006/main">
-  <p:cSld>
-    <p:spTree>
-      <p:nvGrpSpPr>
-        <p:cNvPr id="1" name=""/>
-        <p:cNvGrpSpPr/>
-        <p:nvPr/>
-      </p:nvGrpSpPr>
-      <p:grpSpPr>
-        <a:xfrm>
-          <a:off x="0" y="0"/>
-          <a:ext cx="0" cy="0"/>
-          <a:chOff x="0" y="0"/>
-          <a:chExt cx="0" cy="0"/>
-        </a:xfrm>
-      </p:grpSpPr>
-      <p:sp>
-        <p:nvSpPr>
-          <p:cNvPr id="2" name="Title 1"/>
-          <p:cNvSpPr>
-            <a:spLocks noGrp="1"/>
-          </p:cNvSpPr>
-          <p:nvPr>
-            <p:ph type="title"/>
-          </p:nvPr>
-        </p:nvSpPr>
-        <p:spPr/>
-        <p:txBody>
-          <a:bodyPr/>
-          <a:lstStyle/>
-          <a:p>
-            <a:pPr eaLnBrk="1" fontAlgn="auto" hangingPunct="1">
-              <a:spcAft>
-                <a:spcPts val="0"/>
-              </a:spcAft>
-              <a:defRPr/>
-            </a:pPr>
-            <a:r>
-              <a:rPr lang="en-US" dirty="0"/>
-              <a:t>Questions?</a:t>
-            </a:r>
-          </a:p>
-        </p:txBody>
-      </p:sp>
-    </p:spTree>
-  </p:cSld>
-  <p:clrMapOvr>
-    <a:masterClrMapping/>
-  </p:clrMapOvr>
-  <mc:AlternateContent xmlns:mc="http://schemas.openxmlformats.org/markup-compatibility/2006" xmlns:p14="http://schemas.microsoft.com/office/powerpoint/2010/main">
-    <mc:Choice Requires="p14">
-      <p:transition spd="med" p14:dur="700">
-        <p:fade/>
-      </p:transition>
-    </mc:Choice>
-    <mc:Fallback xmlns="">
-      <p:transition spd="med">
-        <p:fade/>
-      </p:transition>
-    </mc:Fallback>
-  </mc:AlternateContent>
-</p:sld>
-</file>
-
-<file path=ppt/slides/slide20.xml><?xml version="1.0" encoding="utf-8"?>
+<file path=ppt/slides/slide24.xml><?xml version="1.0" encoding="utf-8"?>
 <p:sld xmlns:a="http://schemas.openxmlformats.org/drawingml/2006/main" xmlns:r="http://schemas.openxmlformats.org/officeDocument/2006/relationships" xmlns:p="http://schemas.openxmlformats.org/presentationml/2006/main">
   <p:cSld>
     <p:spTree>
@@ -10103,6 +11531,13 @@
   <p:clrMapOvr>
     <a:masterClrMapping/>
   </p:clrMapOvr>
+  <p:timing>
+    <p:tnLst>
+      <p:par>
+        <p:cTn id="1" dur="indefinite" restart="never" nodeType="tmRoot"/>
+      </p:par>
+    </p:tnLst>
+  </p:timing>
 </p:sld>
 </file>
 
@@ -10175,6 +11610,13 @@
   <p:clrMapOvr>
     <a:masterClrMapping/>
   </p:clrMapOvr>
+  <p:timing>
+    <p:tnLst>
+      <p:par>
+        <p:cTn id="1" dur="indefinite" restart="never" nodeType="tmRoot"/>
+      </p:par>
+    </p:tnLst>
+  </p:timing>
 </p:sld>
 </file>
 
@@ -10362,6 +11804,13 @@
   <p:clrMapOvr>
     <a:masterClrMapping/>
   </p:clrMapOvr>
+  <p:timing>
+    <p:tnLst>
+      <p:par>
+        <p:cTn id="1" dur="indefinite" restart="never" nodeType="tmRoot"/>
+      </p:par>
+    </p:tnLst>
+  </p:timing>
 </p:sld>
 </file>
 
@@ -10553,6 +12002,13 @@
   <p:clrMapOvr>
     <a:masterClrMapping/>
   </p:clrMapOvr>
+  <p:timing>
+    <p:tnLst>
+      <p:par>
+        <p:cTn id="1" dur="indefinite" restart="never" nodeType="tmRoot"/>
+      </p:par>
+    </p:tnLst>
+  </p:timing>
 </p:sld>
 </file>
 
@@ -10637,8 +12093,12 @@
               <a:defRPr/>
             </a:pPr>
             <a:r>
-              <a:rPr lang="en-US" dirty="0"/>
-              <a:t>Non-decreasing: use ≤</a:t>
+              <a:rPr lang="en-US" dirty="0" smtClean="0"/>
+              <a:t>Non-decreasing: </a:t>
+            </a:r>
+            <a:r>
+              <a:rPr lang="en-US" dirty="0"/>
+              <a:t>use ≥</a:t>
             </a:r>
           </a:p>
           <a:p>
@@ -10646,9 +12106,18 @@
               <a:defRPr/>
             </a:pPr>
             <a:r>
-              <a:rPr lang="en-US" dirty="0"/>
-              <a:t>Non-increasing: use ≥</a:t>
-            </a:r>
+              <a:rPr lang="en-US" dirty="0" smtClean="0"/>
+              <a:t>Non-increasing</a:t>
+            </a:r>
+            <a:r>
+              <a:rPr lang="en-US" dirty="0"/>
+              <a:t>: use </a:t>
+            </a:r>
+            <a:r>
+              <a:rPr lang="en-US" dirty="0" smtClean="0"/>
+              <a:t>≤</a:t>
+            </a:r>
+            <a:endParaRPr lang="en-US" dirty="0"/>
           </a:p>
         </p:txBody>
       </p:sp>
@@ -10733,6 +12202,13 @@
   <p:clrMapOvr>
     <a:masterClrMapping/>
   </p:clrMapOvr>
+  <p:timing>
+    <p:tnLst>
+      <p:par>
+        <p:cTn id="1" dur="indefinite" restart="never" nodeType="tmRoot"/>
+      </p:par>
+    </p:tnLst>
+  </p:timing>
 </p:sld>
 </file>
 
@@ -11183,10 +12659,133 @@
   <p:clrMapOvr>
     <a:masterClrMapping/>
   </p:clrMapOvr>
+  <p:timing>
+    <p:tnLst>
+      <p:par>
+        <p:cTn id="1" dur="indefinite" restart="never" nodeType="tmRoot"/>
+      </p:par>
+    </p:tnLst>
+  </p:timing>
 </p:sld>
 </file>
 
 <file path=ppt/slides/slide8.xml><?xml version="1.0" encoding="utf-8"?>
+<p:sld xmlns:a="http://schemas.openxmlformats.org/drawingml/2006/main" xmlns:r="http://schemas.openxmlformats.org/officeDocument/2006/relationships" xmlns:p="http://schemas.openxmlformats.org/presentationml/2006/main">
+  <p:cSld>
+    <p:spTree>
+      <p:nvGrpSpPr>
+        <p:cNvPr id="1" name=""/>
+        <p:cNvGrpSpPr/>
+        <p:nvPr/>
+      </p:nvGrpSpPr>
+      <p:grpSpPr>
+        <a:xfrm>
+          <a:off x="0" y="0"/>
+          <a:ext cx="0" cy="0"/>
+          <a:chOff x="0" y="0"/>
+          <a:chExt cx="0" cy="0"/>
+        </a:xfrm>
+      </p:grpSpPr>
+      <p:sp>
+        <p:nvSpPr>
+          <p:cNvPr id="3" name="Content Placeholder 2"/>
+          <p:cNvSpPr>
+            <a:spLocks noGrp="1"/>
+          </p:cNvSpPr>
+          <p:nvPr>
+            <p:ph idx="1"/>
+          </p:nvPr>
+        </p:nvSpPr>
+        <p:spPr/>
+        <p:txBody>
+          <a:bodyPr/>
+          <a:lstStyle/>
+          <a:p>
+            <a:endParaRPr lang="en-US"/>
+          </a:p>
+        </p:txBody>
+      </p:sp>
+      <p:pic>
+        <p:nvPicPr>
+          <p:cNvPr id="4" name="Picture 3"/>
+          <p:cNvPicPr>
+            <a:picLocks noChangeAspect="1"/>
+          </p:cNvPicPr>
+          <p:nvPr/>
+        </p:nvPicPr>
+        <p:blipFill>
+          <a:blip r:embed="rId2">
+            <a:extLst>
+              <a:ext uri="{28A0092B-C50C-407E-A947-70E740481C1C}">
+                <a14:useLocalDpi xmlns:a14="http://schemas.microsoft.com/office/drawing/2010/main" val="0"/>
+              </a:ext>
+            </a:extLst>
+          </a:blip>
+          <a:stretch>
+            <a:fillRect/>
+          </a:stretch>
+        </p:blipFill>
+        <p:spPr>
+          <a:xfrm>
+            <a:off x="7010400" y="152400"/>
+            <a:ext cx="1752600" cy="6502146"/>
+          </a:xfrm>
+          <a:prstGeom prst="rect">
+            <a:avLst/>
+          </a:prstGeom>
+        </p:spPr>
+      </p:pic>
+      <p:sp>
+        <p:nvSpPr>
+          <p:cNvPr id="5" name="Title 2"/>
+          <p:cNvSpPr>
+            <a:spLocks noGrp="1"/>
+          </p:cNvSpPr>
+          <p:nvPr>
+            <p:ph type="title"/>
+          </p:nvPr>
+        </p:nvSpPr>
+        <p:spPr>
+          <a:xfrm>
+            <a:off x="457200" y="274638"/>
+            <a:ext cx="8229600" cy="1143000"/>
+          </a:xfrm>
+        </p:spPr>
+        <p:txBody>
+          <a:bodyPr/>
+          <a:lstStyle/>
+          <a:p>
+            <a:pPr>
+              <a:defRPr/>
+            </a:pPr>
+            <a:r>
+              <a:rPr lang="en-US" dirty="0"/>
+              <a:t>Selection Sort</a:t>
+            </a:r>
+          </a:p>
+        </p:txBody>
+      </p:sp>
+    </p:spTree>
+    <p:extLst>
+      <p:ext uri="{BB962C8B-B14F-4D97-AF65-F5344CB8AC3E}">
+        <p14:creationId xmlns:p14="http://schemas.microsoft.com/office/powerpoint/2010/main" val="4020845682"/>
+      </p:ext>
+    </p:extLst>
+  </p:cSld>
+  <p:clrMapOvr>
+    <a:masterClrMapping/>
+  </p:clrMapOvr>
+  <p:timing>
+    <p:tnLst>
+      <p:par>
+        <p:cTn id="1" dur="indefinite" restart="never" nodeType="tmRoot"/>
+      </p:par>
+    </p:tnLst>
+  </p:timing>
+</p:sld>
+</file>
+
+<file path=ppt/slides/slide9.xml><?xml version="1.0" encoding="utf-8"?>
 <p:sld xmlns:a="http://schemas.openxmlformats.org/drawingml/2006/main" xmlns:r="http://schemas.openxmlformats.org/officeDocument/2006/relationships" xmlns:p="http://schemas.openxmlformats.org/presentationml/2006/main">
   <p:cSld>
     <p:spTree>
@@ -11382,304 +12981,13 @@
   <p:clrMapOvr>
     <a:masterClrMapping/>
   </p:clrMapOvr>
-</p:sld>
-</file>
-
-<file path=ppt/slides/slide9.xml><?xml version="1.0" encoding="utf-8"?>
-<p:sld xmlns:a="http://schemas.openxmlformats.org/drawingml/2006/main" xmlns:r="http://schemas.openxmlformats.org/officeDocument/2006/relationships" xmlns:p="http://schemas.openxmlformats.org/presentationml/2006/main">
-  <p:cSld>
-    <p:spTree>
-      <p:nvGrpSpPr>
-        <p:cNvPr id="1" name=""/>
-        <p:cNvGrpSpPr/>
-        <p:nvPr/>
-      </p:nvGrpSpPr>
-      <p:grpSpPr>
-        <a:xfrm>
-          <a:off x="0" y="0"/>
-          <a:ext cx="0" cy="0"/>
-          <a:chOff x="0" y="0"/>
-          <a:chExt cx="0" cy="0"/>
-        </a:xfrm>
-      </p:grpSpPr>
-      <p:sp>
-        <p:nvSpPr>
-          <p:cNvPr id="3" name="Title 2"/>
-          <p:cNvSpPr>
-            <a:spLocks noGrp="1"/>
-          </p:cNvSpPr>
-          <p:nvPr>
-            <p:ph type="title"/>
-          </p:nvPr>
-        </p:nvSpPr>
-        <p:spPr/>
-        <p:txBody>
-          <a:bodyPr/>
-          <a:lstStyle/>
-          <a:p>
-            <a:pPr>
-              <a:defRPr/>
-            </a:pPr>
-            <a:r>
-              <a:rPr lang="en-US" dirty="0"/>
-              <a:t>Performance Analysis Basics</a:t>
-            </a:r>
-          </a:p>
-        </p:txBody>
-      </p:sp>
-      <p:sp>
-        <p:nvSpPr>
-          <p:cNvPr id="2" name="Content Placeholder 1"/>
-          <p:cNvSpPr>
-            <a:spLocks noGrp="1"/>
-          </p:cNvSpPr>
-          <p:nvPr>
-            <p:ph idx="1"/>
-          </p:nvPr>
-        </p:nvSpPr>
-        <p:spPr>
-          <a:xfrm>
-            <a:off x="457200" y="1295401"/>
-            <a:ext cx="8229600" cy="2286000"/>
-          </a:xfrm>
-        </p:spPr>
-        <p:txBody>
-          <a:bodyPr>
-            <a:normAutofit/>
-          </a:bodyPr>
-          <a:lstStyle/>
-          <a:p>
-            <a:pPr marL="0" indent="0">
-              <a:buNone/>
-            </a:pPr>
-            <a:r>
-              <a:rPr lang="en-US" dirty="0"/>
-              <a:t>Come up with a math function f(n) such that it does the following:</a:t>
-            </a:r>
-          </a:p>
-          <a:p>
-            <a:r>
-              <a:rPr lang="en-US" dirty="0"/>
-              <a:t>input: n = size of the problem to be solved by the algorithm</a:t>
-            </a:r>
-          </a:p>
-          <a:p>
-            <a:pPr marL="0" indent="0">
-              <a:buNone/>
-              <a:defRPr/>
-            </a:pPr>
-            <a:endParaRPr lang="en-US" sz="2800" dirty="0"/>
-          </a:p>
-        </p:txBody>
-      </p:sp>
-      <p:pic>
-        <p:nvPicPr>
-          <p:cNvPr id="1026" name="Picture 2" descr="http://pages.iu.edu/~jholly/C455/Notes/Chapter3/quadrants.gif">
-            <a:extLst>
-              <a:ext uri="{FF2B5EF4-FFF2-40B4-BE49-F238E27FC236}">
-                <a16:creationId xmlns:a16="http://schemas.microsoft.com/office/drawing/2014/main" id="{7770638D-821D-4A0D-99E7-E3A1EBA08F22}"/>
-              </a:ext>
-            </a:extLst>
-          </p:cNvPr>
-          <p:cNvPicPr>
-            <a:picLocks noChangeAspect="1" noChangeArrowheads="1"/>
-          </p:cNvPicPr>
-          <p:nvPr/>
-        </p:nvPicPr>
-        <p:blipFill>
-          <a:blip r:embed="rId3">
-            <a:extLst>
-              <a:ext uri="{28A0092B-C50C-407E-A947-70E740481C1C}">
-                <a14:useLocalDpi xmlns:a14="http://schemas.microsoft.com/office/drawing/2010/main" val="0"/>
-              </a:ext>
-            </a:extLst>
-          </a:blip>
-          <a:srcRect/>
-          <a:stretch>
-            <a:fillRect/>
-          </a:stretch>
-        </p:blipFill>
-        <p:spPr bwMode="auto">
-          <a:xfrm>
-            <a:off x="4884868" y="3124200"/>
-            <a:ext cx="3916232" cy="3204190"/>
-          </a:xfrm>
-          <a:prstGeom prst="rect">
-            <a:avLst/>
-          </a:prstGeom>
-          <a:noFill/>
-          <a:extLst>
-            <a:ext uri="{909E8E84-426E-40DD-AFC4-6F175D3DCCD1}">
-              <a14:hiddenFill xmlns:a14="http://schemas.microsoft.com/office/drawing/2010/main">
-                <a:solidFill>
-                  <a:srgbClr val="FFFFFF"/>
-                </a:solidFill>
-              </a14:hiddenFill>
-            </a:ext>
-          </a:extLst>
-        </p:spPr>
-      </p:pic>
-      <p:sp>
-        <p:nvSpPr>
-          <p:cNvPr id="6" name="Rectangle 5">
-            <a:extLst>
-              <a:ext uri="{FF2B5EF4-FFF2-40B4-BE49-F238E27FC236}">
-                <a16:creationId xmlns:a16="http://schemas.microsoft.com/office/drawing/2014/main" id="{F27F6201-3CBD-4867-9939-534DD0E74B7F}"/>
-              </a:ext>
-            </a:extLst>
-          </p:cNvPr>
-          <p:cNvSpPr/>
-          <p:nvPr/>
-        </p:nvSpPr>
-        <p:spPr>
-          <a:xfrm>
-            <a:off x="609600" y="3604823"/>
-            <a:ext cx="4267200" cy="2554545"/>
-          </a:xfrm>
-          <a:prstGeom prst="rect">
-            <a:avLst/>
-          </a:prstGeom>
-        </p:spPr>
-        <p:txBody>
-          <a:bodyPr wrap="square">
-            <a:spAutoFit/>
-          </a:bodyPr>
-          <a:lstStyle/>
-          <a:p>
-            <a:pPr marL="285750" indent="-285750">
-              <a:buFont typeface="Arial" panose="020B0604020202020204" pitchFamily="34" charset="0"/>
-              <a:buChar char="•"/>
-            </a:pPr>
-            <a:r>
-              <a:rPr lang="en-US" sz="3200" dirty="0">
-                <a:latin typeface="+mj-lt"/>
-              </a:rPr>
-              <a:t>output: y = f(n) - the number of instructions executed</a:t>
-            </a:r>
-          </a:p>
-          <a:p>
-            <a:pPr marL="285750" indent="-285750">
-              <a:buFont typeface="Arial" panose="020B0604020202020204" pitchFamily="34" charset="0"/>
-              <a:buChar char="•"/>
-            </a:pPr>
-            <a:r>
-              <a:rPr lang="en-US" sz="3200" dirty="0">
-                <a:latin typeface="+mj-lt"/>
-              </a:rPr>
-              <a:t>Only care about Quadrant I</a:t>
-            </a:r>
-          </a:p>
-        </p:txBody>
-      </p:sp>
-      <p:sp>
-        <p:nvSpPr>
-          <p:cNvPr id="7" name="Rectangle: Rounded Corners 6">
-            <a:extLst>
-              <a:ext uri="{FF2B5EF4-FFF2-40B4-BE49-F238E27FC236}">
-                <a16:creationId xmlns:a16="http://schemas.microsoft.com/office/drawing/2014/main" id="{AA0284B0-2301-48B5-BA87-A39F68854F6C}"/>
-              </a:ext>
-            </a:extLst>
-          </p:cNvPr>
-          <p:cNvSpPr/>
-          <p:nvPr/>
-        </p:nvSpPr>
-        <p:spPr>
-          <a:xfrm>
-            <a:off x="6781800" y="3048000"/>
-            <a:ext cx="609600" cy="381000"/>
-          </a:xfrm>
-          <a:prstGeom prst="roundRect">
-            <a:avLst/>
-          </a:prstGeom>
-          <a:noFill/>
-          <a:ln w="19050">
-            <a:solidFill>
-              <a:srgbClr val="FF0000"/>
-            </a:solidFill>
-          </a:ln>
-        </p:spPr>
-        <p:style>
-          <a:lnRef idx="2">
-            <a:schemeClr val="accent1">
-              <a:shade val="50000"/>
-            </a:schemeClr>
-          </a:lnRef>
-          <a:fillRef idx="1">
-            <a:schemeClr val="accent1"/>
-          </a:fillRef>
-          <a:effectRef idx="0">
-            <a:schemeClr val="accent1"/>
-          </a:effectRef>
-          <a:fontRef idx="minor">
-            <a:schemeClr val="lt1"/>
-          </a:fontRef>
-        </p:style>
-        <p:txBody>
-          <a:bodyPr rtlCol="0" anchor="ctr"/>
-          <a:lstStyle/>
-          <a:p>
-            <a:pPr algn="ctr"/>
-            <a:endParaRPr lang="en-US"/>
-          </a:p>
-        </p:txBody>
-      </p:sp>
-      <p:sp>
-        <p:nvSpPr>
-          <p:cNvPr id="11" name="Rectangle: Rounded Corners 10">
-            <a:extLst>
-              <a:ext uri="{FF2B5EF4-FFF2-40B4-BE49-F238E27FC236}">
-                <a16:creationId xmlns:a16="http://schemas.microsoft.com/office/drawing/2014/main" id="{06A34923-4B0A-49E3-8A19-6816B6669FD1}"/>
-              </a:ext>
-            </a:extLst>
-          </p:cNvPr>
-          <p:cNvSpPr/>
-          <p:nvPr/>
-        </p:nvSpPr>
-        <p:spPr>
-          <a:xfrm>
-            <a:off x="8534400" y="4343400"/>
-            <a:ext cx="266700" cy="263844"/>
-          </a:xfrm>
-          <a:prstGeom prst="roundRect">
-            <a:avLst/>
-          </a:prstGeom>
-          <a:noFill/>
-          <a:ln w="19050">
-            <a:solidFill>
-              <a:srgbClr val="FF0000"/>
-            </a:solidFill>
-          </a:ln>
-        </p:spPr>
-        <p:style>
-          <a:lnRef idx="2">
-            <a:schemeClr val="accent1">
-              <a:shade val="50000"/>
-            </a:schemeClr>
-          </a:lnRef>
-          <a:fillRef idx="1">
-            <a:schemeClr val="accent1"/>
-          </a:fillRef>
-          <a:effectRef idx="0">
-            <a:schemeClr val="accent1"/>
-          </a:effectRef>
-          <a:fontRef idx="minor">
-            <a:schemeClr val="lt1"/>
-          </a:fontRef>
-        </p:style>
-        <p:txBody>
-          <a:bodyPr rtlCol="0" anchor="ctr"/>
-          <a:lstStyle/>
-          <a:p>
-            <a:pPr algn="ctr"/>
-            <a:endParaRPr lang="en-US"/>
-          </a:p>
-        </p:txBody>
-      </p:sp>
-    </p:spTree>
-  </p:cSld>
-  <p:clrMapOvr>
-    <a:masterClrMapping/>
-  </p:clrMapOvr>
+  <p:timing>
+    <p:tnLst>
+      <p:par>
+        <p:cTn id="1" dur="indefinite" restart="never" nodeType="tmRoot"/>
+      </p:par>
+    </p:tnLst>
+  </p:timing>
 </p:sld>
 </file>
 

--- a/ClassMaterials/Sorting/Slides/SortingAndSearching.pptx
+++ b/ClassMaterials/Sorting/Slides/SortingAndSearching.pptx
@@ -299,7 +299,7 @@
               <a:pPr>
                 <a:defRPr/>
               </a:pPr>
-              <a:t>5/9/2020</a:t>
+              <a:t>2/24/22</a:t>
             </a:fld>
             <a:endParaRPr lang="en-US"/>
           </a:p>
@@ -534,7 +534,7 @@
               <a:pPr>
                 <a:defRPr/>
               </a:pPr>
-              <a:t>5/9/2020</a:t>
+              <a:t>2/24/22</a:t>
             </a:fld>
             <a:endParaRPr lang="en-US"/>
           </a:p>
@@ -1875,43 +1875,43 @@
           <a:lstStyle/>
           <a:p>
             <a:r>
-              <a:rPr lang="en-US" dirty="0" smtClean="0"/>
+              <a:rPr lang="en-US" dirty="0"/>
               <a:t>Slides animated to do an activity</a:t>
             </a:r>
             <a:r>
-              <a:rPr lang="en-US" baseline="0" dirty="0" smtClean="0"/>
+              <a:rPr lang="en-US" baseline="0" dirty="0"/>
               <a:t> in class to force student to realize how long it takes to figure out a number.</a:t>
             </a:r>
           </a:p>
           <a:p>
             <a:r>
-              <a:rPr lang="en-US" baseline="0" dirty="0" smtClean="0"/>
+              <a:rPr lang="en-US" baseline="0" dirty="0"/>
               <a:t>Script: Ask students to guess the number from 1 to 100</a:t>
             </a:r>
           </a:p>
           <a:p>
             <a:r>
-              <a:rPr lang="en-US" baseline="0" dirty="0" smtClean="0"/>
+              <a:rPr lang="en-US" baseline="0" dirty="0"/>
               <a:t>After a while they will probably get systematic about guessing it</a:t>
             </a:r>
           </a:p>
           <a:p>
             <a:r>
-              <a:rPr lang="en-US" baseline="0" dirty="0" smtClean="0"/>
+              <a:rPr lang="en-US" baseline="0" dirty="0"/>
               <a:t>Ask students to do the same for 1 to 1000, they will say </a:t>
             </a:r>
             <a:r>
-              <a:rPr lang="en-US" baseline="0" dirty="0" err="1" smtClean="0"/>
+              <a:rPr lang="en-US" baseline="0" dirty="0" err="1"/>
               <a:t>Nooooo</a:t>
             </a:r>
             <a:r>
-              <a:rPr lang="en-US" baseline="0" dirty="0" smtClean="0"/>
+              <a:rPr lang="en-US" baseline="0" dirty="0"/>
               <a:t> that’s too hard, reveal the answer after asking one student to take a guess (which they should miss)</a:t>
             </a:r>
           </a:p>
           <a:p>
             <a:r>
-              <a:rPr lang="en-US" baseline="0" dirty="0" smtClean="0"/>
+              <a:rPr lang="en-US" baseline="0" dirty="0"/>
               <a:t>Now, as them to guess the number but you will tell them if the answer is lower or higher than their guess.</a:t>
             </a:r>
           </a:p>
@@ -1939,7 +1939,7 @@
               <a:pPr/>
               <a:t>19</a:t>
             </a:fld>
-            <a:endParaRPr lang="en-US" smtClean="0"/>
+            <a:endParaRPr lang="en-US"/>
           </a:p>
         </p:txBody>
       </p:sp>
@@ -2001,53 +2001,52 @@
           <a:lstStyle/>
           <a:p>
             <a:r>
-              <a:rPr lang="en-US" dirty="0" smtClean="0"/>
+              <a:rPr lang="en-US" dirty="0"/>
               <a:t>1,000,000/</a:t>
             </a:r>
             <a:r>
-              <a:rPr lang="en-US" baseline="0" dirty="0" smtClean="0"/>
+              <a:rPr lang="en-US" baseline="0" dirty="0"/>
               <a:t> (2^X) &lt;= 1</a:t>
             </a:r>
           </a:p>
           <a:p>
             <a:r>
-              <a:rPr lang="en-US" baseline="0" dirty="0" smtClean="0"/>
+              <a:rPr lang="en-US" baseline="0" dirty="0"/>
               <a:t>1,000,000 &lt;= 2^X</a:t>
             </a:r>
           </a:p>
           <a:p>
             <a:r>
-              <a:rPr lang="en-US" baseline="0" dirty="0" smtClean="0"/>
+              <a:rPr lang="en-US" baseline="0" dirty="0"/>
               <a:t>Log2(1,000,000) = X</a:t>
             </a:r>
           </a:p>
           <a:p>
-            <a:endParaRPr lang="en-US" baseline="0" dirty="0" smtClean="0"/>
-          </a:p>
-          <a:p>
-            <a:r>
-              <a:rPr lang="en-US" baseline="0" dirty="0" smtClean="0"/>
+            <a:endParaRPr lang="en-US" baseline="0" dirty="0"/>
+          </a:p>
+          <a:p>
+            <a:r>
+              <a:rPr lang="en-US" baseline="0" dirty="0"/>
               <a:t>2^X = 1,000,000 =&gt;    log 2(  1,000,000) = X</a:t>
             </a:r>
           </a:p>
           <a:p>
-            <a:endParaRPr lang="en-US" baseline="0" dirty="0" smtClean="0"/>
-          </a:p>
-          <a:p>
-            <a:r>
-              <a:rPr lang="en-US" baseline="0" dirty="0" smtClean="0"/>
+            <a:endParaRPr lang="en-US" baseline="0" dirty="0"/>
+          </a:p>
+          <a:p>
+            <a:r>
+              <a:rPr lang="en-US" baseline="0" dirty="0"/>
               <a:t>Binary search log2( N) -&gt; cuts possibilities in half each time</a:t>
             </a:r>
           </a:p>
           <a:p>
-            <a:endParaRPr lang="en-US" dirty="0" smtClean="0"/>
-          </a:p>
-          <a:p>
-            <a:r>
-              <a:rPr lang="en-US" dirty="0" smtClean="0"/>
+            <a:endParaRPr lang="en-US" dirty="0"/>
+          </a:p>
+          <a:p>
+            <a:r>
+              <a:rPr lang="en-US" dirty="0"/>
               <a:t>Those </a:t>
             </a:r>
-            <a:endParaRPr lang="en-US" dirty="0"/>
           </a:p>
         </p:txBody>
       </p:sp>
@@ -2745,11 +2744,7 @@
           <a:p>
             <a:r>
               <a:rPr lang="en-US" baseline="0"/>
-              <a:t> </a:t>
-            </a:r>
-            <a:r>
-              <a:rPr lang="en-US" baseline="0" smtClean="0"/>
-              <a:t>My </a:t>
+              <a:t> My </a:t>
             </a:r>
             <a:r>
               <a:rPr lang="en-US" baseline="0" dirty="0"/>
@@ -3033,10 +3028,9 @@
           <a:lstStyle/>
           <a:p>
             <a:r>
-              <a:rPr lang="en-US" dirty="0" smtClean="0"/>
+              <a:rPr lang="en-US" dirty="0"/>
               <a:t>reversed</a:t>
             </a:r>
-            <a:endParaRPr lang="en-US" dirty="0"/>
           </a:p>
         </p:txBody>
       </p:sp>
@@ -3313,19 +3307,15 @@
           <a:p>
             <a:r>
               <a:rPr lang="en-US" dirty="0"/>
-              <a:t>[Or use Excel</a:t>
-            </a:r>
-            <a:r>
-              <a:rPr lang="en-US" dirty="0" smtClean="0"/>
-              <a:t>]</a:t>
-            </a:r>
-          </a:p>
-          <a:p>
-            <a:endParaRPr lang="en-US" dirty="0" smtClean="0"/>
-          </a:p>
-          <a:p>
-            <a:r>
-              <a:rPr lang="en-US" dirty="0" smtClean="0">
+              <a:t>[Or use Excel]</a:t>
+            </a:r>
+          </a:p>
+          <a:p>
+            <a:endParaRPr lang="en-US" dirty="0"/>
+          </a:p>
+          <a:p>
+            <a:r>
+              <a:rPr lang="en-US" dirty="0">
                 <a:hlinkClick r:id="rId3"/>
               </a:rPr>
               <a:t>https://docs.google.com/spreadsheets/d/19V1f8brgzNm9bcj1giJqIg5MVgJjqbOTsFt9p6tBq_o/edit#gid=0</a:t>
@@ -3658,7 +3648,7 @@
               <a:pPr>
                 <a:defRPr/>
               </a:pPr>
-              <a:t>Saturday, May 9, 2020</a:t>
+              <a:t>Thursday, February 24, 2022</a:t>
             </a:fld>
             <a:endParaRPr lang="en-US" dirty="0"/>
           </a:p>
@@ -3841,7 +3831,7 @@
               <a:pPr>
                 <a:defRPr/>
               </a:pPr>
-              <a:t>Saturday, May 9, 2020</a:t>
+              <a:t>Thursday, February 24, 2022</a:t>
             </a:fld>
             <a:endParaRPr lang="en-US" dirty="0"/>
           </a:p>
@@ -4034,7 +4024,7 @@
               <a:pPr>
                 <a:defRPr/>
               </a:pPr>
-              <a:t>Saturday, May 9, 2020</a:t>
+              <a:t>Thursday, February 24, 2022</a:t>
             </a:fld>
             <a:endParaRPr lang="en-US" dirty="0"/>
           </a:p>
@@ -4217,7 +4207,7 @@
               <a:pPr>
                 <a:defRPr/>
               </a:pPr>
-              <a:t>Saturday, May 9, 2020</a:t>
+              <a:t>Thursday, February 24, 2022</a:t>
             </a:fld>
             <a:endParaRPr lang="en-US" dirty="0"/>
           </a:p>
@@ -4477,7 +4467,7 @@
               <a:pPr>
                 <a:defRPr/>
               </a:pPr>
-              <a:t>Saturday, May 9, 2020</a:t>
+              <a:t>Thursday, February 24, 2022</a:t>
             </a:fld>
             <a:endParaRPr lang="en-US"/>
           </a:p>
@@ -4777,7 +4767,7 @@
               <a:pPr>
                 <a:defRPr/>
               </a:pPr>
-              <a:t>Saturday, May 9, 2020</a:t>
+              <a:t>Thursday, February 24, 2022</a:t>
             </a:fld>
             <a:endParaRPr lang="en-US"/>
           </a:p>
@@ -5211,7 +5201,7 @@
               <a:pPr>
                 <a:defRPr/>
               </a:pPr>
-              <a:t>Saturday, May 9, 2020</a:t>
+              <a:t>Thursday, February 24, 2022</a:t>
             </a:fld>
             <a:endParaRPr lang="en-US"/>
           </a:p>
@@ -5343,7 +5333,7 @@
               <a:pPr>
                 <a:defRPr/>
               </a:pPr>
-              <a:t>Saturday, May 9, 2020</a:t>
+              <a:t>Thursday, February 24, 2022</a:t>
             </a:fld>
             <a:endParaRPr lang="en-US"/>
           </a:p>
@@ -5453,7 +5443,7 @@
               <a:pPr>
                 <a:defRPr/>
               </a:pPr>
-              <a:t>Saturday, May 9, 2020</a:t>
+              <a:t>Thursday, February 24, 2022</a:t>
             </a:fld>
             <a:endParaRPr lang="en-US" dirty="0"/>
           </a:p>
@@ -5743,7 +5733,7 @@
               <a:pPr>
                 <a:defRPr/>
               </a:pPr>
-              <a:t>Saturday, May 9, 2020</a:t>
+              <a:t>Thursday, February 24, 2022</a:t>
             </a:fld>
             <a:endParaRPr lang="en-US"/>
           </a:p>
@@ -6010,7 +6000,7 @@
               <a:pPr>
                 <a:defRPr/>
               </a:pPr>
-              <a:t>Saturday, May 9, 2020</a:t>
+              <a:t>Thursday, February 24, 2022</a:t>
             </a:fld>
             <a:endParaRPr lang="en-US"/>
           </a:p>
@@ -6236,7 +6226,7 @@
               <a:pPr>
                 <a:defRPr/>
               </a:pPr>
-              <a:t>Saturday, May 9, 2020</a:t>
+              <a:t>Thursday, February 24, 2022</a:t>
             </a:fld>
             <a:endParaRPr lang="en-US" dirty="0"/>
           </a:p>
@@ -6658,7 +6648,12 @@
             <p:ph type="subTitle" idx="1"/>
           </p:nvPr>
         </p:nvSpPr>
-        <p:spPr/>
+        <p:spPr>
+          <a:xfrm>
+            <a:off x="1371600" y="3130550"/>
+            <a:ext cx="6400800" cy="1752600"/>
+          </a:xfrm>
+        </p:spPr>
         <p:txBody>
           <a:bodyPr/>
           <a:lstStyle/>
@@ -6699,60 +6694,94 @@
       </p:sp>
       <p:sp>
         <p:nvSpPr>
-          <p:cNvPr id="4" name="TextBox 3"/>
-          <p:cNvSpPr txBox="1"/>
+          <p:cNvPr id="5" name="Rectangle 4">
+            <a:extLst>
+              <a:ext uri="{FF2B5EF4-FFF2-40B4-BE49-F238E27FC236}">
+                <a16:creationId xmlns:a16="http://schemas.microsoft.com/office/drawing/2014/main" id="{26B3CE9F-948B-7C48-A057-E53E8192A79A}"/>
+              </a:ext>
+            </a:extLst>
+          </p:cNvPr>
+          <p:cNvSpPr/>
           <p:nvPr/>
         </p:nvSpPr>
         <p:spPr>
           <a:xfrm>
-            <a:off x="285750" y="6242050"/>
-            <a:ext cx="7410450" cy="461665"/>
+            <a:off x="304800" y="5235575"/>
+            <a:ext cx="8534400" cy="1295400"/>
           </a:xfrm>
           <a:prstGeom prst="rect">
             <a:avLst/>
           </a:prstGeom>
+          <a:solidFill>
+            <a:schemeClr val="accent3"/>
+          </a:solidFill>
         </p:spPr>
         <p:style>
           <a:lnRef idx="2">
-            <a:schemeClr val="accent4">
+            <a:schemeClr val="accent3">
               <a:shade val="50000"/>
             </a:schemeClr>
           </a:lnRef>
           <a:fillRef idx="1">
-            <a:schemeClr val="accent4"/>
+            <a:schemeClr val="accent3"/>
           </a:fillRef>
           <a:effectRef idx="0">
-            <a:schemeClr val="accent4"/>
+            <a:schemeClr val="accent3"/>
           </a:effectRef>
           <a:fontRef idx="minor">
             <a:schemeClr val="lt1"/>
           </a:fontRef>
         </p:style>
         <p:txBody>
-          <a:bodyPr wrap="square">
-            <a:spAutoFit/>
-          </a:bodyPr>
-          <a:lstStyle/>
-          <a:p>
-            <a:pPr>
-              <a:defRPr/>
-            </a:pPr>
-            <a:r>
-              <a:rPr lang="en-US" sz="2400" dirty="0"/>
-              <a:t>Import </a:t>
-            </a:r>
+          <a:bodyPr rtlCol="0" anchor="ctr"/>
+          <a:lstStyle/>
+          <a:p>
+            <a:r>
+              <a:rPr lang="en-US" sz="2400" dirty="0">
+                <a:solidFill>
+                  <a:srgbClr val="FFFFFF"/>
+                </a:solidFill>
+              </a:rPr>
+              <a:t>The </a:t>
+            </a:r>
+            <a:r>
+              <a:rPr lang="en-US" sz="2400" i="1" dirty="0">
+                <a:solidFill>
+                  <a:srgbClr val="FFFFFF"/>
+                </a:solidFill>
+              </a:rPr>
+              <a:t>git</a:t>
+            </a:r>
+            <a:r>
+              <a:rPr lang="en-US" sz="2400" dirty="0">
+                <a:solidFill>
+                  <a:srgbClr val="FFFFFF"/>
+                </a:solidFill>
+              </a:rPr>
+              <a:t> projects for today are:</a:t>
+            </a:r>
+          </a:p>
+          <a:p>
+            <a:pPr marL="342900" indent="-342900">
+              <a:buFont typeface="Arial" panose="020B0604020202020204" pitchFamily="34" charset="0"/>
+              <a:buChar char="•"/>
+            </a:pPr>
             <a:r>
               <a:rPr lang="en-US" sz="2400" i="1" dirty="0" err="1"/>
-              <a:t>SortingAndSearching</a:t>
-            </a:r>
-            <a:r>
-              <a:rPr lang="en-US" sz="2400" i="1" dirty="0"/>
-              <a:t> </a:t>
-            </a:r>
-            <a:r>
-              <a:rPr lang="en-US" sz="2400" dirty="0"/>
-              <a:t>project from repo</a:t>
-            </a:r>
+              <a:t>PracticeSortingAndSearching</a:t>
+            </a:r>
+            <a:endParaRPr lang="en-US" sz="2400" i="1" dirty="0"/>
+          </a:p>
+          <a:p>
+            <a:pPr marL="342900" indent="-342900">
+              <a:buFont typeface="Arial" panose="020B0604020202020204" pitchFamily="34" charset="0"/>
+              <a:buChar char="•"/>
+            </a:pPr>
+            <a:r>
+              <a:rPr lang="en-US" sz="2400" i="1" dirty="0" err="1"/>
+              <a:t>PracticeSortingAndSearchingSolution</a:t>
+            </a:r>
+            <a:endParaRPr lang="en-US" sz="2400" i="1" dirty="0"/>
           </a:p>
         </p:txBody>
       </p:sp>
@@ -6761,13 +6790,6 @@
   <p:clrMapOvr>
     <a:masterClrMapping/>
   </p:clrMapOvr>
-  <p:timing>
-    <p:tnLst>
-      <p:par>
-        <p:cTn id="1" dur="indefinite" restart="never" nodeType="tmRoot"/>
-      </p:par>
-    </p:tnLst>
-  </p:timing>
 </p:sld>
 </file>
 
@@ -7066,13 +7088,6 @@
   <p:clrMapOvr>
     <a:masterClrMapping/>
   </p:clrMapOvr>
-  <p:timing>
-    <p:tnLst>
-      <p:par>
-        <p:cTn id="1" dur="indefinite" restart="never" nodeType="tmRoot"/>
-      </p:par>
-    </p:tnLst>
-  </p:timing>
 </p:sld>
 </file>
 
@@ -7294,13 +7309,6 @@
   <p:clrMapOvr>
     <a:masterClrMapping/>
   </p:clrMapOvr>
-  <p:timing>
-    <p:tnLst>
-      <p:par>
-        <p:cTn id="1" dur="indefinite" restart="never" nodeType="tmRoot"/>
-      </p:par>
-    </p:tnLst>
-  </p:timing>
 </p:sld>
 </file>
 
@@ -7994,13 +8002,6 @@
   <p:clrMapOvr>
     <a:masterClrMapping/>
   </p:clrMapOvr>
-  <p:timing>
-    <p:tnLst>
-      <p:par>
-        <p:cTn id="1" dur="indefinite" restart="never" nodeType="tmRoot"/>
-      </p:par>
-    </p:tnLst>
-  </p:timing>
 </p:sld>
 </file>
 
@@ -8658,13 +8659,6 @@
   <p:clrMapOvr>
     <a:masterClrMapping/>
   </p:clrMapOvr>
-  <p:timing>
-    <p:tnLst>
-      <p:par>
-        <p:cTn id="1" dur="indefinite" restart="never" nodeType="tmRoot"/>
-      </p:par>
-    </p:tnLst>
-  </p:timing>
 </p:sld>
 </file>
 
@@ -8870,13 +8864,6 @@
   <p:clrMapOvr>
     <a:masterClrMapping/>
   </p:clrMapOvr>
-  <p:timing>
-    <p:tnLst>
-      <p:par>
-        <p:cTn id="1" dur="indefinite" restart="never" nodeType="tmRoot"/>
-      </p:par>
-    </p:tnLst>
-  </p:timing>
 </p:sld>
 </file>
 
@@ -9097,13 +9084,6 @@
   <p:clrMapOvr>
     <a:masterClrMapping/>
   </p:clrMapOvr>
-  <p:timing>
-    <p:tnLst>
-      <p:par>
-        <p:cTn id="1" dur="indefinite" restart="never" nodeType="tmRoot"/>
-      </p:par>
-    </p:tnLst>
-  </p:timing>
 </p:sld>
 </file>
 
@@ -9559,13 +9539,6 @@
   <p:clrMapOvr>
     <a:masterClrMapping/>
   </p:clrMapOvr>
-  <p:timing>
-    <p:tnLst>
-      <p:par>
-        <p:cTn id="1" dur="indefinite" restart="never" nodeType="tmRoot"/>
-      </p:par>
-    </p:tnLst>
-  </p:timing>
 </p:sld>
 </file>
 
@@ -9675,13 +9648,6 @@
   <p:clrMapOvr>
     <a:masterClrMapping/>
   </p:clrMapOvr>
-  <p:timing>
-    <p:tnLst>
-      <p:par>
-        <p:cTn id="1" dur="indefinite" restart="never" nodeType="tmRoot"/>
-      </p:par>
-    </p:tnLst>
-  </p:timing>
 </p:sld>
 </file>
 
@@ -9918,13 +9884,6 @@
   <p:clrMapOvr>
     <a:masterClrMapping/>
   </p:clrMapOvr>
-  <p:timing>
-    <p:tnLst>
-      <p:par>
-        <p:cTn id="1" dur="indefinite" restart="never" nodeType="tmRoot"/>
-      </p:par>
-    </p:tnLst>
-  </p:timing>
 </p:sld>
 </file>
 
@@ -9964,10 +9923,9 @@
               <a:defRPr/>
             </a:pPr>
             <a:r>
-              <a:rPr lang="en-US" dirty="0" smtClean="0"/>
+              <a:rPr lang="en-US" dirty="0"/>
               <a:t>Searching</a:t>
             </a:r>
-            <a:endParaRPr lang="en-US" dirty="0"/>
           </a:p>
         </p:txBody>
       </p:sp>
@@ -9989,46 +9947,42 @@
           <a:lstStyle/>
           <a:p>
             <a:r>
-              <a:rPr lang="en-US" dirty="0" smtClean="0"/>
+              <a:rPr lang="en-US" dirty="0"/>
               <a:t>Guess a number from 1 to 100</a:t>
             </a:r>
           </a:p>
           <a:p>
             <a:r>
-              <a:rPr lang="en-US" dirty="0" smtClean="0"/>
+              <a:rPr lang="en-US" dirty="0"/>
               <a:t>It was 63</a:t>
             </a:r>
           </a:p>
           <a:p>
             <a:r>
-              <a:rPr lang="en-US" dirty="0" smtClean="0"/>
+              <a:rPr lang="en-US" dirty="0"/>
               <a:t>Guess a number from 1 to 1000</a:t>
             </a:r>
           </a:p>
           <a:p>
             <a:r>
-              <a:rPr lang="en-US" dirty="0" smtClean="0"/>
+              <a:rPr lang="en-US" dirty="0"/>
               <a:t>It was 864</a:t>
             </a:r>
           </a:p>
           <a:p>
             <a:r>
               <a:rPr lang="en-US" dirty="0"/>
-              <a:t>Guess a number from 1 to </a:t>
-            </a:r>
-            <a:r>
-              <a:rPr lang="en-US" dirty="0" smtClean="0"/>
-              <a:t>1000 (+/- )</a:t>
-            </a:r>
-          </a:p>
-          <a:p>
-            <a:r>
-              <a:rPr lang="en-US" dirty="0" smtClean="0"/>
+              <a:t>Guess a number from 1 to 1000 (+/- )</a:t>
+            </a:r>
+          </a:p>
+          <a:p>
+            <a:r>
+              <a:rPr lang="en-US" dirty="0"/>
               <a:t>It was 265</a:t>
             </a:r>
           </a:p>
           <a:p>
-            <a:endParaRPr lang="en-US" dirty="0" smtClean="0"/>
+            <a:endParaRPr lang="en-US" dirty="0"/>
           </a:p>
         </p:txBody>
       </p:sp>
@@ -10042,14 +9996,6 @@
   <p:clrMapOvr>
     <a:masterClrMapping/>
   </p:clrMapOvr>
-  <mc:AlternateContent xmlns:mc="http://schemas.openxmlformats.org/markup-compatibility/2006" xmlns:p14="http://schemas.microsoft.com/office/powerpoint/2010/main">
-    <mc:Choice Requires="p14">
-      <p:transition spd="slow" p14:dur="2000"/>
-    </mc:Choice>
-    <mc:Fallback xmlns="">
-      <p:transition spd="slow"/>
-    </mc:Fallback>
-  </mc:AlternateContent>
   <p:timing>
     <p:tnLst>
       <p:par>
@@ -10514,13 +10460,6 @@
       </p:transition>
     </mc:Fallback>
   </mc:AlternateContent>
-  <p:timing>
-    <p:tnLst>
-      <p:par>
-        <p:cTn id="1" dur="indefinite" restart="never" nodeType="tmRoot"/>
-      </p:par>
-    </p:tnLst>
-  </p:timing>
 </p:sld>
 </file>
 
@@ -10579,10 +10518,9 @@
           <a:lstStyle/>
           <a:p>
             <a:r>
-              <a:rPr lang="en-US" dirty="0" smtClean="0"/>
+              <a:rPr lang="en-US" dirty="0"/>
               <a:t>How many guesses to guess a number from 1 to 1,000,000?</a:t>
             </a:r>
-            <a:endParaRPr lang="en-US" dirty="0"/>
           </a:p>
         </p:txBody>
       </p:sp>
@@ -10596,21 +10534,6 @@
   <p:clrMapOvr>
     <a:masterClrMapping/>
   </p:clrMapOvr>
-  <mc:AlternateContent xmlns:mc="http://schemas.openxmlformats.org/markup-compatibility/2006" xmlns:p14="http://schemas.microsoft.com/office/powerpoint/2010/main">
-    <mc:Choice Requires="p14">
-      <p:transition spd="slow" p14:dur="2000"/>
-    </mc:Choice>
-    <mc:Fallback xmlns="">
-      <p:transition spd="slow"/>
-    </mc:Fallback>
-  </mc:AlternateContent>
-  <p:timing>
-    <p:tnLst>
-      <p:par>
-        <p:cTn id="1" dur="indefinite" restart="never" nodeType="tmRoot"/>
-      </p:par>
-    </p:tnLst>
-  </p:timing>
 </p:sld>
 </file>
 
@@ -10721,14 +10644,6 @@
   <p:clrMapOvr>
     <a:masterClrMapping/>
   </p:clrMapOvr>
-  <mc:AlternateContent xmlns:mc="http://schemas.openxmlformats.org/markup-compatibility/2006" xmlns:p14="http://schemas.microsoft.com/office/powerpoint/2010/main">
-    <mc:Choice Requires="p14">
-      <p:transition spd="slow" p14:dur="2000"/>
-    </mc:Choice>
-    <mc:Fallback xmlns="">
-      <p:transition spd="slow"/>
-    </mc:Fallback>
-  </mc:AlternateContent>
   <p:timing>
     <p:tnLst>
       <p:par>
@@ -11211,13 +11126,6 @@
   <p:clrMapOvr>
     <a:masterClrMapping/>
   </p:clrMapOvr>
-  <p:timing>
-    <p:tnLst>
-      <p:par>
-        <p:cTn id="1" dur="indefinite" restart="never" nodeType="tmRoot"/>
-      </p:par>
-    </p:tnLst>
-  </p:timing>
 </p:sld>
 </file>
 
@@ -11399,13 +11307,6 @@
   <p:clrMapOvr>
     <a:masterClrMapping/>
   </p:clrMapOvr>
-  <p:timing>
-    <p:tnLst>
-      <p:par>
-        <p:cTn id="1" dur="indefinite" restart="never" nodeType="tmRoot"/>
-      </p:par>
-    </p:tnLst>
-  </p:timing>
 </p:sld>
 </file>
 
@@ -11531,13 +11432,6 @@
   <p:clrMapOvr>
     <a:masterClrMapping/>
   </p:clrMapOvr>
-  <p:timing>
-    <p:tnLst>
-      <p:par>
-        <p:cTn id="1" dur="indefinite" restart="never" nodeType="tmRoot"/>
-      </p:par>
-    </p:tnLst>
-  </p:timing>
 </p:sld>
 </file>
 
@@ -11610,13 +11504,6 @@
   <p:clrMapOvr>
     <a:masterClrMapping/>
   </p:clrMapOvr>
-  <p:timing>
-    <p:tnLst>
-      <p:par>
-        <p:cTn id="1" dur="indefinite" restart="never" nodeType="tmRoot"/>
-      </p:par>
-    </p:tnLst>
-  </p:timing>
 </p:sld>
 </file>
 
@@ -11804,13 +11691,6 @@
   <p:clrMapOvr>
     <a:masterClrMapping/>
   </p:clrMapOvr>
-  <p:timing>
-    <p:tnLst>
-      <p:par>
-        <p:cTn id="1" dur="indefinite" restart="never" nodeType="tmRoot"/>
-      </p:par>
-    </p:tnLst>
-  </p:timing>
 </p:sld>
 </file>
 
@@ -12002,13 +11882,6 @@
   <p:clrMapOvr>
     <a:masterClrMapping/>
   </p:clrMapOvr>
-  <p:timing>
-    <p:tnLst>
-      <p:par>
-        <p:cTn id="1" dur="indefinite" restart="never" nodeType="tmRoot"/>
-      </p:par>
-    </p:tnLst>
-  </p:timing>
 </p:sld>
 </file>
 
@@ -12093,12 +11966,8 @@
               <a:defRPr/>
             </a:pPr>
             <a:r>
-              <a:rPr lang="en-US" dirty="0" smtClean="0"/>
-              <a:t>Non-decreasing: </a:t>
-            </a:r>
-            <a:r>
-              <a:rPr lang="en-US" dirty="0"/>
-              <a:t>use ≥</a:t>
+              <a:rPr lang="en-US" dirty="0"/>
+              <a:t>Non-decreasing: use ≥</a:t>
             </a:r>
           </a:p>
           <a:p>
@@ -12106,18 +11975,9 @@
               <a:defRPr/>
             </a:pPr>
             <a:r>
-              <a:rPr lang="en-US" dirty="0" smtClean="0"/>
-              <a:t>Non-increasing</a:t>
-            </a:r>
-            <a:r>
-              <a:rPr lang="en-US" dirty="0"/>
-              <a:t>: use </a:t>
-            </a:r>
-            <a:r>
-              <a:rPr lang="en-US" dirty="0" smtClean="0"/>
-              <a:t>≤</a:t>
-            </a:r>
-            <a:endParaRPr lang="en-US" dirty="0"/>
+              <a:rPr lang="en-US" dirty="0"/>
+              <a:t>Non-increasing: use ≤</a:t>
+            </a:r>
           </a:p>
         </p:txBody>
       </p:sp>
@@ -12202,13 +12062,6 @@
   <p:clrMapOvr>
     <a:masterClrMapping/>
   </p:clrMapOvr>
-  <p:timing>
-    <p:tnLst>
-      <p:par>
-        <p:cTn id="1" dur="indefinite" restart="never" nodeType="tmRoot"/>
-      </p:par>
-    </p:tnLst>
-  </p:timing>
 </p:sld>
 </file>
 
@@ -12659,13 +12512,6 @@
   <p:clrMapOvr>
     <a:masterClrMapping/>
   </p:clrMapOvr>
-  <p:timing>
-    <p:tnLst>
-      <p:par>
-        <p:cTn id="1" dur="indefinite" restart="never" nodeType="tmRoot"/>
-      </p:par>
-    </p:tnLst>
-  </p:timing>
 </p:sld>
 </file>
 
@@ -12775,13 +12621,6 @@
   <p:clrMapOvr>
     <a:masterClrMapping/>
   </p:clrMapOvr>
-  <p:timing>
-    <p:tnLst>
-      <p:par>
-        <p:cTn id="1" dur="indefinite" restart="never" nodeType="tmRoot"/>
-      </p:par>
-    </p:tnLst>
-  </p:timing>
 </p:sld>
 </file>
 
@@ -12981,13 +12820,6 @@
   <p:clrMapOvr>
     <a:masterClrMapping/>
   </p:clrMapOvr>
-  <p:timing>
-    <p:tnLst>
-      <p:par>
-        <p:cTn id="1" dur="indefinite" restart="never" nodeType="tmRoot"/>
-      </p:par>
-    </p:tnLst>
-  </p:timing>
 </p:sld>
 </file>
 

--- a/ClassMaterials/Sorting/Slides/SortingAndSearching.pptx
+++ b/ClassMaterials/Sorting/Slides/SortingAndSearching.pptx
@@ -299,7 +299,7 @@
               <a:pPr>
                 <a:defRPr/>
               </a:pPr>
-              <a:t>2/24/22</a:t>
+              <a:t>3/1/22</a:t>
             </a:fld>
             <a:endParaRPr lang="en-US"/>
           </a:p>
@@ -534,7 +534,7 @@
               <a:pPr>
                 <a:defRPr/>
               </a:pPr>
-              <a:t>2/24/22</a:t>
+              <a:t>3/1/22</a:t>
             </a:fld>
             <a:endParaRPr lang="en-US"/>
           </a:p>
@@ -3648,7 +3648,7 @@
               <a:pPr>
                 <a:defRPr/>
               </a:pPr>
-              <a:t>Thursday, February 24, 2022</a:t>
+              <a:t>Tuesday, March 1, 2022</a:t>
             </a:fld>
             <a:endParaRPr lang="en-US" dirty="0"/>
           </a:p>
@@ -3831,7 +3831,7 @@
               <a:pPr>
                 <a:defRPr/>
               </a:pPr>
-              <a:t>Thursday, February 24, 2022</a:t>
+              <a:t>Tuesday, March 1, 2022</a:t>
             </a:fld>
             <a:endParaRPr lang="en-US" dirty="0"/>
           </a:p>
@@ -4024,7 +4024,7 @@
               <a:pPr>
                 <a:defRPr/>
               </a:pPr>
-              <a:t>Thursday, February 24, 2022</a:t>
+              <a:t>Tuesday, March 1, 2022</a:t>
             </a:fld>
             <a:endParaRPr lang="en-US" dirty="0"/>
           </a:p>
@@ -4207,7 +4207,7 @@
               <a:pPr>
                 <a:defRPr/>
               </a:pPr>
-              <a:t>Thursday, February 24, 2022</a:t>
+              <a:t>Tuesday, March 1, 2022</a:t>
             </a:fld>
             <a:endParaRPr lang="en-US" dirty="0"/>
           </a:p>
@@ -4467,7 +4467,7 @@
               <a:pPr>
                 <a:defRPr/>
               </a:pPr>
-              <a:t>Thursday, February 24, 2022</a:t>
+              <a:t>Tuesday, March 1, 2022</a:t>
             </a:fld>
             <a:endParaRPr lang="en-US"/>
           </a:p>
@@ -4767,7 +4767,7 @@
               <a:pPr>
                 <a:defRPr/>
               </a:pPr>
-              <a:t>Thursday, February 24, 2022</a:t>
+              <a:t>Tuesday, March 1, 2022</a:t>
             </a:fld>
             <a:endParaRPr lang="en-US"/>
           </a:p>
@@ -5201,7 +5201,7 @@
               <a:pPr>
                 <a:defRPr/>
               </a:pPr>
-              <a:t>Thursday, February 24, 2022</a:t>
+              <a:t>Tuesday, March 1, 2022</a:t>
             </a:fld>
             <a:endParaRPr lang="en-US"/>
           </a:p>
@@ -5333,7 +5333,7 @@
               <a:pPr>
                 <a:defRPr/>
               </a:pPr>
-              <a:t>Thursday, February 24, 2022</a:t>
+              <a:t>Tuesday, March 1, 2022</a:t>
             </a:fld>
             <a:endParaRPr lang="en-US"/>
           </a:p>
@@ -5443,7 +5443,7 @@
               <a:pPr>
                 <a:defRPr/>
               </a:pPr>
-              <a:t>Thursday, February 24, 2022</a:t>
+              <a:t>Tuesday, March 1, 2022</a:t>
             </a:fld>
             <a:endParaRPr lang="en-US" dirty="0"/>
           </a:p>
@@ -5733,7 +5733,7 @@
               <a:pPr>
                 <a:defRPr/>
               </a:pPr>
-              <a:t>Thursday, February 24, 2022</a:t>
+              <a:t>Tuesday, March 1, 2022</a:t>
             </a:fld>
             <a:endParaRPr lang="en-US"/>
           </a:p>
@@ -6000,7 +6000,7 @@
               <a:pPr>
                 <a:defRPr/>
               </a:pPr>
-              <a:t>Thursday, February 24, 2022</a:t>
+              <a:t>Tuesday, March 1, 2022</a:t>
             </a:fld>
             <a:endParaRPr lang="en-US"/>
           </a:p>
@@ -6226,7 +6226,7 @@
               <a:pPr>
                 <a:defRPr/>
               </a:pPr>
-              <a:t>Thursday, February 24, 2022</a:t>
+              <a:t>Tuesday, March 1, 2022</a:t>
             </a:fld>
             <a:endParaRPr lang="en-US" dirty="0"/>
           </a:p>
